--- a/Docs/AbschlussPräsi.pptx
+++ b/Docs/AbschlussPräsi.pptx
@@ -8,18 +8,31 @@
     <p:sldId id="256" r:id="rId2"/>
     <p:sldId id="257" r:id="rId3"/>
     <p:sldId id="262" r:id="rId4"/>
-    <p:sldId id="272" r:id="rId5"/>
-    <p:sldId id="273" r:id="rId6"/>
-    <p:sldId id="274" r:id="rId7"/>
-    <p:sldId id="275" r:id="rId8"/>
-    <p:sldId id="276" r:id="rId9"/>
-    <p:sldId id="277" r:id="rId10"/>
-    <p:sldId id="279" r:id="rId11"/>
-    <p:sldId id="280" r:id="rId12"/>
-    <p:sldId id="281" r:id="rId13"/>
-    <p:sldId id="282" r:id="rId14"/>
-    <p:sldId id="278" r:id="rId15"/>
-    <p:sldId id="271" r:id="rId16"/>
+    <p:sldId id="284" r:id="rId5"/>
+    <p:sldId id="285" r:id="rId6"/>
+    <p:sldId id="295" r:id="rId7"/>
+    <p:sldId id="297" r:id="rId8"/>
+    <p:sldId id="283" r:id="rId9"/>
+    <p:sldId id="286" r:id="rId10"/>
+    <p:sldId id="287" r:id="rId11"/>
+    <p:sldId id="288" r:id="rId12"/>
+    <p:sldId id="289" r:id="rId13"/>
+    <p:sldId id="290" r:id="rId14"/>
+    <p:sldId id="291" r:id="rId15"/>
+    <p:sldId id="292" r:id="rId16"/>
+    <p:sldId id="272" r:id="rId17"/>
+    <p:sldId id="273" r:id="rId18"/>
+    <p:sldId id="274" r:id="rId19"/>
+    <p:sldId id="275" r:id="rId20"/>
+    <p:sldId id="276" r:id="rId21"/>
+    <p:sldId id="277" r:id="rId22"/>
+    <p:sldId id="294" r:id="rId23"/>
+    <p:sldId id="293" r:id="rId24"/>
+    <p:sldId id="279" r:id="rId25"/>
+    <p:sldId id="280" r:id="rId26"/>
+    <p:sldId id="281" r:id="rId27"/>
+    <p:sldId id="282" r:id="rId28"/>
+    <p:sldId id="271" r:id="rId29"/>
   </p:sldIdLst>
   <p:sldSz cx="12192000" cy="6858000"/>
   <p:notesSz cx="6858000" cy="9144000"/>
@@ -120,7 +133,7 @@
   </p:defaultTextStyle>
   <p:extLst>
     <p:ext uri="{EFAFB233-063F-42B5-8137-9DF3F51BA10A}">
-      <p15:sldGuideLst xmlns="" xmlns:p15="http://schemas.microsoft.com/office/powerpoint/2012/main"/>
+      <p15:sldGuideLst xmlns:p15="http://schemas.microsoft.com/office/powerpoint/2012/main" xmlns=""/>
     </p:ext>
   </p:extLst>
 </p:presentation>
@@ -270,7 +283,7 @@
             <a:fld id="{B61BEF0D-F0BB-DE4B-95CE-6DB70DBA9567}" type="datetimeFigureOut">
               <a:rPr lang="en-US" smtClean="0"/>
               <a:pPr/>
-              <a:t>4/19/2015</a:t>
+              <a:t>4/22/2015</a:t>
             </a:fld>
             <a:endParaRPr lang="en-US" dirty="0"/>
           </a:p>
@@ -502,7 +515,7 @@
           <a:p>
             <a:fld id="{55C6B4A9-1611-4792-9094-5F34BCA07E0B}" type="datetimeFigureOut">
               <a:rPr lang="en-US" smtClean="0"/>
-              <a:t>4/19/2015</a:t>
+              <a:t>4/22/2015</a:t>
             </a:fld>
             <a:endParaRPr lang="en-US" dirty="0"/>
           </a:p>
@@ -707,7 +720,7 @@
             <a:fld id="{B61BEF0D-F0BB-DE4B-95CE-6DB70DBA9567}" type="datetimeFigureOut">
               <a:rPr lang="en-US" smtClean="0"/>
               <a:pPr/>
-              <a:t>4/19/2015</a:t>
+              <a:t>4/22/2015</a:t>
             </a:fld>
             <a:endParaRPr lang="en-US" dirty="0"/>
           </a:p>
@@ -907,7 +920,7 @@
             <a:fld id="{B61BEF0D-F0BB-DE4B-95CE-6DB70DBA9567}" type="datetimeFigureOut">
               <a:rPr lang="en-US" smtClean="0"/>
               <a:pPr/>
-              <a:t>4/19/2015</a:t>
+              <a:t>4/22/2015</a:t>
             </a:fld>
             <a:endParaRPr lang="en-US" dirty="0"/>
           </a:p>
@@ -1179,7 +1192,7 @@
             <a:fld id="{B61BEF0D-F0BB-DE4B-95CE-6DB70DBA9567}" type="datetimeFigureOut">
               <a:rPr lang="en-US" smtClean="0"/>
               <a:pPr/>
-              <a:t>4/19/2015</a:t>
+              <a:t>4/22/2015</a:t>
             </a:fld>
             <a:endParaRPr lang="en-US" dirty="0"/>
           </a:p>
@@ -1436,7 +1449,7 @@
           <a:p>
             <a:fld id="{EB712588-04B1-427B-82EE-E8DB90309F08}" type="datetimeFigureOut">
               <a:rPr lang="en-US" smtClean="0"/>
-              <a:t>4/19/2015</a:t>
+              <a:t>4/22/2015</a:t>
             </a:fld>
             <a:endParaRPr lang="en-US" dirty="0"/>
           </a:p>
@@ -1828,7 +1841,7 @@
             <a:fld id="{B61BEF0D-F0BB-DE4B-95CE-6DB70DBA9567}" type="datetimeFigureOut">
               <a:rPr lang="en-US" smtClean="0"/>
               <a:pPr/>
-              <a:t>4/19/2015</a:t>
+              <a:t>4/22/2015</a:t>
             </a:fld>
             <a:endParaRPr lang="en-US" dirty="0"/>
           </a:p>
@@ -1972,7 +1985,7 @@
             <a:fld id="{B61BEF0D-F0BB-DE4B-95CE-6DB70DBA9567}" type="datetimeFigureOut">
               <a:rPr lang="en-US" smtClean="0"/>
               <a:pPr/>
-              <a:t>4/19/2015</a:t>
+              <a:t>4/22/2015</a:t>
             </a:fld>
             <a:endParaRPr lang="en-US" dirty="0"/>
           </a:p>
@@ -2093,7 +2106,7 @@
             <a:fld id="{B61BEF0D-F0BB-DE4B-95CE-6DB70DBA9567}" type="datetimeFigureOut">
               <a:rPr lang="en-US" smtClean="0"/>
               <a:pPr/>
-              <a:t>4/19/2015</a:t>
+              <a:t>4/22/2015</a:t>
             </a:fld>
             <a:endParaRPr lang="en-US" dirty="0"/>
           </a:p>
@@ -2395,7 +2408,7 @@
           <a:p>
             <a:fld id="{42A54C80-263E-416B-A8E0-580EDEADCBDC}" type="datetimeFigureOut">
               <a:rPr lang="en-US" smtClean="0"/>
-              <a:t>4/19/2015</a:t>
+              <a:t>4/22/2015</a:t>
             </a:fld>
             <a:endParaRPr lang="en-US" dirty="0"/>
           </a:p>
@@ -2673,7 +2686,7 @@
             <a:fld id="{B61BEF0D-F0BB-DE4B-95CE-6DB70DBA9567}" type="datetimeFigureOut">
               <a:rPr lang="en-US" smtClean="0"/>
               <a:pPr/>
-              <a:t>4/19/2015</a:t>
+              <a:t>4/22/2015</a:t>
             </a:fld>
             <a:endParaRPr lang="en-US" dirty="0"/>
           </a:p>
@@ -2894,7 +2907,7 @@
             <a:fld id="{B61BEF0D-F0BB-DE4B-95CE-6DB70DBA9567}" type="datetimeFigureOut">
               <a:rPr lang="en-US" smtClean="0"/>
               <a:pPr/>
-              <a:t>4/19/2015</a:t>
+              <a:t>4/22/2015</a:t>
             </a:fld>
             <a:endParaRPr lang="en-US" dirty="0"/>
           </a:p>
@@ -3412,138 +3425,50 @@
         </p:nvSpPr>
         <p:spPr/>
         <p:txBody>
-          <a:bodyPr>
-            <a:normAutofit/>
-          </a:bodyPr>
+          <a:bodyPr/>
           <a:lstStyle/>
           <a:p>
             <a:r>
               <a:rPr lang="de-DE" dirty="0" smtClean="0"/>
-              <a:t>Projektablauf</a:t>
+              <a:t>Life-Demo</a:t>
             </a:r>
             <a:endParaRPr lang="de-DE" dirty="0"/>
           </a:p>
         </p:txBody>
       </p:sp>
-      <p:sp>
-        <p:nvSpPr>
-          <p:cNvPr id="3" name="Inhaltsplatzhalter 2"/>
-          <p:cNvSpPr>
-            <a:spLocks noGrp="1"/>
-          </p:cNvSpPr>
+      <p:pic>
+        <p:nvPicPr>
+          <p:cNvPr id="4" name="Inhaltsplatzhalter 3"/>
+          <p:cNvPicPr>
+            <a:picLocks noGrp="1" noChangeAspect="1"/>
+          </p:cNvPicPr>
           <p:nvPr>
             <p:ph idx="1"/>
           </p:nvPr>
-        </p:nvSpPr>
-        <p:spPr/>
-        <p:txBody>
-          <a:bodyPr>
-            <a:normAutofit/>
-          </a:bodyPr>
-          <a:lstStyle/>
-          <a:p>
-            <a:r>
-              <a:rPr lang="de-DE" dirty="0" smtClean="0"/>
-              <a:t>Dritter </a:t>
-            </a:r>
-            <a:r>
-              <a:rPr lang="de-DE" dirty="0"/>
-              <a:t>Sprintwechsel 23+24.03</a:t>
-            </a:r>
-            <a:r>
-              <a:rPr lang="de-DE" dirty="0" smtClean="0"/>
-              <a:t>.</a:t>
-            </a:r>
-          </a:p>
-          <a:p>
-            <a:pPr lvl="1"/>
-            <a:r>
-              <a:rPr lang="de-DE" dirty="0"/>
-              <a:t>Abnahme der </a:t>
-            </a:r>
-            <a:r>
-              <a:rPr lang="de-DE" dirty="0" err="1" smtClean="0"/>
-              <a:t>Issues</a:t>
-            </a:r>
-            <a:endParaRPr lang="de-DE" dirty="0" smtClean="0"/>
-          </a:p>
-          <a:p>
-            <a:pPr lvl="1"/>
-            <a:r>
-              <a:rPr lang="de-DE" dirty="0" smtClean="0"/>
-              <a:t>Retrospektive</a:t>
-            </a:r>
-          </a:p>
-          <a:p>
-            <a:pPr lvl="2"/>
-            <a:r>
-              <a:rPr lang="de-DE" dirty="0" smtClean="0"/>
-              <a:t>Größe der Arbeitsgruppen klein(er) gestalten</a:t>
-            </a:r>
-          </a:p>
-          <a:p>
-            <a:pPr lvl="2"/>
-            <a:r>
-              <a:rPr lang="de-DE" dirty="0" smtClean="0"/>
-              <a:t>Stimmung des Teams: Zufrieden mit Fortschritt</a:t>
-            </a:r>
-            <a:endParaRPr lang="de-DE" dirty="0"/>
-          </a:p>
-          <a:p>
-            <a:pPr lvl="1"/>
-            <a:r>
-              <a:rPr lang="de-DE" dirty="0" smtClean="0"/>
-              <a:t>Verteilung von </a:t>
-            </a:r>
-            <a:r>
-              <a:rPr lang="de-DE" dirty="0" err="1" smtClean="0"/>
-              <a:t>Issues</a:t>
-            </a:r>
-            <a:endParaRPr lang="de-DE" dirty="0" smtClean="0"/>
-          </a:p>
-          <a:p>
-            <a:pPr lvl="2"/>
-            <a:r>
-              <a:rPr lang="de-DE" dirty="0" smtClean="0"/>
-              <a:t>Hardwarearchitektur realisieren</a:t>
-            </a:r>
-          </a:p>
-          <a:p>
-            <a:pPr lvl="2"/>
-            <a:r>
-              <a:rPr lang="de-DE" dirty="0" smtClean="0"/>
-              <a:t>Frontend: </a:t>
-            </a:r>
-            <a:r>
-              <a:rPr lang="de-DE" dirty="0" err="1" smtClean="0"/>
-              <a:t>Mockup</a:t>
-            </a:r>
-            <a:r>
-              <a:rPr lang="de-DE" dirty="0" smtClean="0"/>
-              <a:t> und Login</a:t>
-            </a:r>
-          </a:p>
-          <a:p>
-            <a:pPr lvl="2"/>
-            <a:r>
-              <a:rPr lang="de-DE" dirty="0" err="1" smtClean="0"/>
-              <a:t>Vuzix</a:t>
-            </a:r>
-            <a:r>
-              <a:rPr lang="de-DE" dirty="0" smtClean="0"/>
-              <a:t>: Barcode-Scanner</a:t>
-            </a:r>
-            <a:endParaRPr lang="de-DE" dirty="0"/>
-          </a:p>
-          <a:p>
-            <a:endParaRPr lang="de-DE" dirty="0"/>
-          </a:p>
-        </p:txBody>
-      </p:sp>
+        </p:nvPicPr>
+        <p:blipFill>
+          <a:blip r:embed="rId2">
+            <a:extLst>
+              <a:ext uri="{28A0092B-C50C-407E-A947-70E740481C1C}">
+                <a14:useLocalDpi xmlns:a14="http://schemas.microsoft.com/office/drawing/2010/main" val="0"/>
+              </a:ext>
+            </a:extLst>
+          </a:blip>
+          <a:stretch>
+            <a:fillRect/>
+          </a:stretch>
+        </p:blipFill>
+        <p:spPr>
+          <a:xfrm>
+            <a:off x="852075" y="1282890"/>
+            <a:ext cx="10557453" cy="5006627"/>
+          </a:xfrm>
+        </p:spPr>
+      </p:pic>
     </p:spTree>
     <p:extLst>
       <p:ext uri="{BB962C8B-B14F-4D97-AF65-F5344CB8AC3E}">
-        <p14:creationId xmlns:p14="http://schemas.microsoft.com/office/powerpoint/2010/main" val="3492031734"/>
+        <p14:creationId xmlns:p14="http://schemas.microsoft.com/office/powerpoint/2010/main" val="4001636117"/>
       </p:ext>
     </p:extLst>
   </p:cSld>
@@ -3589,108 +3514,50 @@
         </p:nvSpPr>
         <p:spPr/>
         <p:txBody>
-          <a:bodyPr>
-            <a:normAutofit/>
-          </a:bodyPr>
+          <a:bodyPr/>
           <a:lstStyle/>
           <a:p>
             <a:r>
               <a:rPr lang="de-DE" dirty="0" smtClean="0"/>
-              <a:t>Projektablauf</a:t>
+              <a:t>Life-Demo</a:t>
             </a:r>
             <a:endParaRPr lang="de-DE" dirty="0"/>
           </a:p>
         </p:txBody>
       </p:sp>
-      <p:sp>
-        <p:nvSpPr>
-          <p:cNvPr id="3" name="Inhaltsplatzhalter 2"/>
-          <p:cNvSpPr>
-            <a:spLocks noGrp="1"/>
-          </p:cNvSpPr>
+      <p:pic>
+        <p:nvPicPr>
+          <p:cNvPr id="4" name="Inhaltsplatzhalter 3"/>
+          <p:cNvPicPr>
+            <a:picLocks noGrp="1" noChangeAspect="1"/>
+          </p:cNvPicPr>
           <p:nvPr>
             <p:ph idx="1"/>
           </p:nvPr>
-        </p:nvSpPr>
-        <p:spPr/>
-        <p:txBody>
-          <a:bodyPr>
-            <a:normAutofit/>
-          </a:bodyPr>
-          <a:lstStyle/>
-          <a:p>
-            <a:r>
-              <a:rPr lang="de-DE" dirty="0"/>
-              <a:t>Vierter Sprintwechsel 31.03.</a:t>
-            </a:r>
-          </a:p>
-          <a:p>
-            <a:pPr lvl="1"/>
-            <a:r>
-              <a:rPr lang="de-DE" dirty="0"/>
-              <a:t>Abnahme der </a:t>
-            </a:r>
-            <a:r>
-              <a:rPr lang="de-DE" dirty="0" err="1"/>
-              <a:t>Issues</a:t>
-            </a:r>
-            <a:endParaRPr lang="de-DE" dirty="0"/>
-          </a:p>
-          <a:p>
-            <a:pPr lvl="1"/>
-            <a:r>
-              <a:rPr lang="de-DE" dirty="0" smtClean="0"/>
-              <a:t>Retrospektive</a:t>
-            </a:r>
-          </a:p>
-          <a:p>
-            <a:pPr lvl="2"/>
-            <a:r>
-              <a:rPr lang="de-DE" dirty="0" smtClean="0"/>
-              <a:t>Kritik: Umsetzung von Programmier-</a:t>
-            </a:r>
-            <a:r>
-              <a:rPr lang="de-DE" dirty="0" err="1" smtClean="0"/>
-              <a:t>Issues</a:t>
-            </a:r>
-            <a:r>
-              <a:rPr lang="de-DE" dirty="0" smtClean="0"/>
-              <a:t> und Dokumentation von Quellcode</a:t>
-            </a:r>
-          </a:p>
-          <a:p>
-            <a:pPr lvl="2"/>
-            <a:r>
-              <a:rPr lang="de-DE" dirty="0" smtClean="0"/>
-              <a:t>Stimmung des Teams: Gemischt</a:t>
-            </a:r>
-            <a:endParaRPr lang="de-DE" dirty="0"/>
-          </a:p>
-          <a:p>
-            <a:pPr lvl="1"/>
-            <a:r>
-              <a:rPr lang="de-DE" dirty="0"/>
-              <a:t>Verteilung von </a:t>
-            </a:r>
-            <a:r>
-              <a:rPr lang="de-DE" dirty="0" err="1" smtClean="0"/>
-              <a:t>Issues</a:t>
-            </a:r>
-            <a:endParaRPr lang="de-DE" dirty="0" smtClean="0"/>
-          </a:p>
-          <a:p>
-            <a:pPr lvl="2"/>
-            <a:r>
-              <a:rPr lang="de-DE" dirty="0" smtClean="0"/>
-              <a:t>Hauptsächlich API / Backend</a:t>
-            </a:r>
-          </a:p>
-        </p:txBody>
-      </p:sp>
+        </p:nvPicPr>
+        <p:blipFill>
+          <a:blip r:embed="rId2">
+            <a:extLst>
+              <a:ext uri="{28A0092B-C50C-407E-A947-70E740481C1C}">
+                <a14:useLocalDpi xmlns:a14="http://schemas.microsoft.com/office/drawing/2010/main" val="0"/>
+              </a:ext>
+            </a:extLst>
+          </a:blip>
+          <a:stretch>
+            <a:fillRect/>
+          </a:stretch>
+        </p:blipFill>
+        <p:spPr>
+          <a:xfrm>
+            <a:off x="846170" y="1285766"/>
+            <a:ext cx="10508768" cy="5008632"/>
+          </a:xfrm>
+        </p:spPr>
+      </p:pic>
     </p:spTree>
     <p:extLst>
       <p:ext uri="{BB962C8B-B14F-4D97-AF65-F5344CB8AC3E}">
-        <p14:creationId xmlns:p14="http://schemas.microsoft.com/office/powerpoint/2010/main" val="2560174521"/>
+        <p14:creationId xmlns:p14="http://schemas.microsoft.com/office/powerpoint/2010/main" val="2611721671"/>
       </p:ext>
     </p:extLst>
   </p:cSld>
@@ -3736,100 +3603,50 @@
         </p:nvSpPr>
         <p:spPr/>
         <p:txBody>
-          <a:bodyPr>
-            <a:normAutofit/>
-          </a:bodyPr>
+          <a:bodyPr/>
           <a:lstStyle/>
           <a:p>
             <a:r>
               <a:rPr lang="de-DE" dirty="0" smtClean="0"/>
-              <a:t>Projektablauf</a:t>
+              <a:t>Life-Demo</a:t>
             </a:r>
             <a:endParaRPr lang="de-DE" dirty="0"/>
           </a:p>
         </p:txBody>
       </p:sp>
-      <p:sp>
-        <p:nvSpPr>
-          <p:cNvPr id="3" name="Inhaltsplatzhalter 2"/>
-          <p:cNvSpPr>
-            <a:spLocks noGrp="1"/>
-          </p:cNvSpPr>
+      <p:pic>
+        <p:nvPicPr>
+          <p:cNvPr id="4" name="Inhaltsplatzhalter 3"/>
+          <p:cNvPicPr>
+            <a:picLocks noGrp="1" noChangeAspect="1"/>
+          </p:cNvPicPr>
           <p:nvPr>
             <p:ph idx="1"/>
           </p:nvPr>
-        </p:nvSpPr>
-        <p:spPr/>
-        <p:txBody>
-          <a:bodyPr>
-            <a:normAutofit/>
-          </a:bodyPr>
-          <a:lstStyle/>
-          <a:p>
-            <a:r>
-              <a:rPr lang="de-DE" dirty="0"/>
-              <a:t>Fünfter Sprintwechsel 07.04.</a:t>
-            </a:r>
-          </a:p>
-          <a:p>
-            <a:pPr lvl="1"/>
-            <a:r>
-              <a:rPr lang="de-DE" dirty="0"/>
-              <a:t>Abnahme der </a:t>
-            </a:r>
-            <a:r>
-              <a:rPr lang="de-DE" dirty="0" err="1"/>
-              <a:t>Issues</a:t>
-            </a:r>
-            <a:endParaRPr lang="de-DE" dirty="0"/>
-          </a:p>
-          <a:p>
-            <a:pPr lvl="1"/>
-            <a:r>
-              <a:rPr lang="de-DE" dirty="0" smtClean="0"/>
-              <a:t>Retrospektive</a:t>
-            </a:r>
-          </a:p>
-          <a:p>
-            <a:pPr lvl="2"/>
-            <a:r>
-              <a:rPr lang="de-DE" dirty="0" smtClean="0"/>
-              <a:t>Allgemein ist das Team für mehr Qualität als Quantität</a:t>
-            </a:r>
-          </a:p>
-          <a:p>
-            <a:pPr lvl="2"/>
-            <a:r>
-              <a:rPr lang="de-DE" dirty="0" smtClean="0"/>
-              <a:t>Stimmung des Teams: Sehr gut</a:t>
-            </a:r>
-            <a:endParaRPr lang="de-DE" dirty="0"/>
-          </a:p>
-          <a:p>
-            <a:pPr lvl="1"/>
-            <a:r>
-              <a:rPr lang="de-DE" dirty="0"/>
-              <a:t>Verteilung von </a:t>
-            </a:r>
-            <a:r>
-              <a:rPr lang="de-DE" dirty="0" err="1" smtClean="0"/>
-              <a:t>Issues</a:t>
-            </a:r>
-            <a:endParaRPr lang="de-DE" dirty="0" smtClean="0"/>
-          </a:p>
-          <a:p>
-            <a:pPr lvl="2"/>
-            <a:r>
-              <a:rPr lang="de-DE" dirty="0" smtClean="0"/>
-              <a:t>Hauptsächlich Frontend</a:t>
-            </a:r>
-          </a:p>
-        </p:txBody>
-      </p:sp>
+        </p:nvPicPr>
+        <p:blipFill>
+          <a:blip r:embed="rId2">
+            <a:extLst>
+              <a:ext uri="{28A0092B-C50C-407E-A947-70E740481C1C}">
+                <a14:useLocalDpi xmlns:a14="http://schemas.microsoft.com/office/drawing/2010/main" val="0"/>
+              </a:ext>
+            </a:extLst>
+          </a:blip>
+          <a:stretch>
+            <a:fillRect/>
+          </a:stretch>
+        </p:blipFill>
+        <p:spPr>
+          <a:xfrm>
+            <a:off x="849502" y="1282890"/>
+            <a:ext cx="10532732" cy="5028228"/>
+          </a:xfrm>
+        </p:spPr>
+      </p:pic>
     </p:spTree>
     <p:extLst>
       <p:ext uri="{BB962C8B-B14F-4D97-AF65-F5344CB8AC3E}">
-        <p14:creationId xmlns:p14="http://schemas.microsoft.com/office/powerpoint/2010/main" val="2570652742"/>
+        <p14:creationId xmlns:p14="http://schemas.microsoft.com/office/powerpoint/2010/main" val="1554944376"/>
       </p:ext>
     </p:extLst>
   </p:cSld>
@@ -3875,121 +3692,50 @@
         </p:nvSpPr>
         <p:spPr/>
         <p:txBody>
-          <a:bodyPr>
-            <a:normAutofit/>
-          </a:bodyPr>
+          <a:bodyPr/>
           <a:lstStyle/>
           <a:p>
             <a:r>
               <a:rPr lang="de-DE" dirty="0" smtClean="0"/>
-              <a:t>Projektablauf</a:t>
+              <a:t>Life-Demo</a:t>
             </a:r>
             <a:endParaRPr lang="de-DE" dirty="0"/>
           </a:p>
         </p:txBody>
       </p:sp>
-      <p:sp>
-        <p:nvSpPr>
-          <p:cNvPr id="3" name="Inhaltsplatzhalter 2"/>
-          <p:cNvSpPr>
-            <a:spLocks noGrp="1"/>
-          </p:cNvSpPr>
+      <p:pic>
+        <p:nvPicPr>
+          <p:cNvPr id="4" name="Inhaltsplatzhalter 3"/>
+          <p:cNvPicPr>
+            <a:picLocks noGrp="1" noChangeAspect="1"/>
+          </p:cNvPicPr>
           <p:nvPr>
             <p:ph idx="1"/>
           </p:nvPr>
-        </p:nvSpPr>
-        <p:spPr/>
-        <p:txBody>
-          <a:bodyPr>
-            <a:normAutofit/>
-          </a:bodyPr>
-          <a:lstStyle/>
-          <a:p>
-            <a:r>
-              <a:rPr lang="de-DE" dirty="0"/>
-              <a:t>Sechster Sprintwechsel 13.04.</a:t>
-            </a:r>
-          </a:p>
-          <a:p>
-            <a:pPr lvl="1"/>
-            <a:r>
-              <a:rPr lang="de-DE" dirty="0"/>
-              <a:t>Abnahme der </a:t>
-            </a:r>
-            <a:r>
-              <a:rPr lang="de-DE" dirty="0" err="1"/>
-              <a:t>Issues</a:t>
-            </a:r>
-            <a:endParaRPr lang="de-DE" dirty="0"/>
-          </a:p>
-          <a:p>
-            <a:pPr lvl="1"/>
-            <a:r>
-              <a:rPr lang="de-DE" dirty="0" smtClean="0"/>
-              <a:t>Retrospektive</a:t>
-            </a:r>
-          </a:p>
-          <a:p>
-            <a:pPr lvl="2"/>
-            <a:r>
-              <a:rPr lang="de-DE" dirty="0" smtClean="0"/>
-              <a:t>Team hat Sprint als unstrukturiert empfunden da sehr viel parallel am Frontend gemacht wurde</a:t>
-            </a:r>
-          </a:p>
-          <a:p>
-            <a:pPr lvl="2"/>
-            <a:r>
-              <a:rPr lang="de-DE" dirty="0" smtClean="0"/>
-              <a:t>Stimmung des Teams: Gemischt</a:t>
-            </a:r>
-            <a:endParaRPr lang="de-DE" dirty="0"/>
-          </a:p>
-          <a:p>
-            <a:pPr lvl="1"/>
-            <a:r>
-              <a:rPr lang="de-DE" dirty="0" smtClean="0"/>
-              <a:t>Planung zum Projektabschluss</a:t>
-            </a:r>
-          </a:p>
-          <a:p>
-            <a:pPr lvl="2"/>
-            <a:r>
-              <a:rPr lang="de-DE" dirty="0" smtClean="0"/>
-              <a:t>Hauptsächlich Bugfixing, Tests und Füllen des Frontend/der Datenbank mit Content</a:t>
-            </a:r>
-          </a:p>
-          <a:p>
-            <a:r>
-              <a:rPr lang="de-DE" dirty="0"/>
-              <a:t>Projekt Retrospektive</a:t>
-            </a:r>
-          </a:p>
-          <a:p>
-            <a:pPr lvl="1"/>
-            <a:r>
-              <a:rPr lang="de-DE" dirty="0"/>
-              <a:t>Abwägung ob </a:t>
-            </a:r>
-            <a:r>
-              <a:rPr lang="de-DE" dirty="0" err="1"/>
-              <a:t>Scrum</a:t>
-            </a:r>
-            <a:r>
-              <a:rPr lang="de-DE" dirty="0"/>
-              <a:t> für kleine/studentische Projekte geeignet</a:t>
-            </a:r>
-            <a:endParaRPr lang="de-DE" dirty="0"/>
-          </a:p>
-          <a:p>
-            <a:pPr lvl="2"/>
-            <a:endParaRPr lang="de-DE" dirty="0" smtClean="0"/>
-          </a:p>
-        </p:txBody>
-      </p:sp>
+        </p:nvPicPr>
+        <p:blipFill>
+          <a:blip r:embed="rId2">
+            <a:extLst>
+              <a:ext uri="{28A0092B-C50C-407E-A947-70E740481C1C}">
+                <a14:useLocalDpi xmlns:a14="http://schemas.microsoft.com/office/drawing/2010/main" val="0"/>
+              </a:ext>
+            </a:extLst>
+          </a:blip>
+          <a:stretch>
+            <a:fillRect/>
+          </a:stretch>
+        </p:blipFill>
+        <p:spPr>
+          <a:xfrm>
+            <a:off x="1009942" y="1289119"/>
+            <a:ext cx="10167582" cy="5030992"/>
+          </a:xfrm>
+        </p:spPr>
+      </p:pic>
     </p:spTree>
     <p:extLst>
       <p:ext uri="{BB962C8B-B14F-4D97-AF65-F5344CB8AC3E}">
-        <p14:creationId xmlns:p14="http://schemas.microsoft.com/office/powerpoint/2010/main" val="974827180"/>
+        <p14:creationId xmlns:p14="http://schemas.microsoft.com/office/powerpoint/2010/main" val="1831192499"/>
       </p:ext>
     </p:extLst>
   </p:cSld>
@@ -4035,75 +3781,50 @@
         </p:nvSpPr>
         <p:spPr/>
         <p:txBody>
-          <a:bodyPr>
-            <a:normAutofit/>
-          </a:bodyPr>
+          <a:bodyPr/>
           <a:lstStyle/>
           <a:p>
             <a:r>
-              <a:rPr lang="de-DE" dirty="0" err="1" smtClean="0"/>
-              <a:t>Lession</a:t>
-            </a:r>
-            <a:r>
               <a:rPr lang="de-DE" dirty="0" smtClean="0"/>
-              <a:t> </a:t>
-            </a:r>
-            <a:r>
-              <a:rPr lang="de-DE" dirty="0" err="1"/>
-              <a:t>learned</a:t>
+              <a:t>Life-Demo</a:t>
             </a:r>
             <a:endParaRPr lang="de-DE" dirty="0"/>
           </a:p>
         </p:txBody>
       </p:sp>
-      <p:sp>
-        <p:nvSpPr>
-          <p:cNvPr id="3" name="Inhaltsplatzhalter 2"/>
-          <p:cNvSpPr>
-            <a:spLocks noGrp="1"/>
-          </p:cNvSpPr>
+      <p:pic>
+        <p:nvPicPr>
+          <p:cNvPr id="4" name="Inhaltsplatzhalter 3"/>
+          <p:cNvPicPr>
+            <a:picLocks noGrp="1" noChangeAspect="1"/>
+          </p:cNvPicPr>
           <p:nvPr>
             <p:ph idx="1"/>
           </p:nvPr>
-        </p:nvSpPr>
-        <p:spPr/>
-        <p:txBody>
-          <a:bodyPr/>
-          <a:lstStyle/>
-          <a:p>
-            <a:r>
-              <a:rPr lang="de-DE" dirty="0" smtClean="0"/>
-              <a:t>Ablauf eines </a:t>
-            </a:r>
-            <a:r>
-              <a:rPr lang="de-DE" dirty="0" err="1" smtClean="0"/>
-              <a:t>Scrum</a:t>
-            </a:r>
-            <a:r>
-              <a:rPr lang="de-DE" dirty="0" smtClean="0"/>
-              <a:t> Projekts</a:t>
-            </a:r>
-          </a:p>
-          <a:p>
-            <a:r>
-              <a:rPr lang="de-DE" dirty="0" smtClean="0"/>
-              <a:t>Alle Aspekte eines Projektes wurden von </a:t>
-            </a:r>
-            <a:r>
-              <a:rPr lang="de-DE" smtClean="0"/>
-              <a:t>jedem gesehen</a:t>
-            </a:r>
-            <a:endParaRPr lang="de-DE" dirty="0"/>
-          </a:p>
-          <a:p>
-            <a:endParaRPr lang="de-DE" smtClean="0"/>
-          </a:p>
-        </p:txBody>
-      </p:sp>
+        </p:nvPicPr>
+        <p:blipFill>
+          <a:blip r:embed="rId2">
+            <a:extLst>
+              <a:ext uri="{28A0092B-C50C-407E-A947-70E740481C1C}">
+                <a14:useLocalDpi xmlns:a14="http://schemas.microsoft.com/office/drawing/2010/main" val="0"/>
+              </a:ext>
+            </a:extLst>
+          </a:blip>
+          <a:stretch>
+            <a:fillRect/>
+          </a:stretch>
+        </p:blipFill>
+        <p:spPr>
+          <a:xfrm>
+            <a:off x="962888" y="1282890"/>
+            <a:ext cx="10241932" cy="5048840"/>
+          </a:xfrm>
+        </p:spPr>
+      </p:pic>
     </p:spTree>
     <p:extLst>
       <p:ext uri="{BB962C8B-B14F-4D97-AF65-F5344CB8AC3E}">
-        <p14:creationId xmlns:p14="http://schemas.microsoft.com/office/powerpoint/2010/main" val="2923049697"/>
+        <p14:creationId xmlns:p14="http://schemas.microsoft.com/office/powerpoint/2010/main" val="1158378242"/>
       </p:ext>
     </p:extLst>
   </p:cSld>
@@ -4152,6 +3873,10 @@
           <a:bodyPr/>
           <a:lstStyle/>
           <a:p>
+            <a:r>
+              <a:rPr lang="de-DE" dirty="0" smtClean="0"/>
+              <a:t>Life-Demo</a:t>
+            </a:r>
             <a:endParaRPr lang="de-DE" dirty="0"/>
           </a:p>
         </p:txBody>
@@ -4171,36 +3896,346 @@
           <a:bodyPr/>
           <a:lstStyle/>
           <a:p>
-            <a:endParaRPr lang="de-DE" dirty="0" smtClean="0"/>
-          </a:p>
-          <a:p>
-            <a:endParaRPr lang="de-DE" dirty="0"/>
-          </a:p>
-          <a:p>
-            <a:pPr algn="ctr"/>
-            <a:r>
-              <a:rPr lang="de-DE" b="1" dirty="0" smtClean="0"/>
-              <a:t>Ende</a:t>
-            </a:r>
-          </a:p>
-          <a:p>
-            <a:pPr algn="ctr"/>
-            <a:endParaRPr lang="de-DE" dirty="0" smtClean="0"/>
-          </a:p>
-          <a:p>
-            <a:pPr algn="ctr"/>
-            <a:r>
-              <a:rPr lang="de-DE" dirty="0" smtClean="0"/>
-              <a:t>Vielen Dank für Ihre Aufmerksamkeit</a:t>
-            </a:r>
-            <a:endParaRPr lang="de-DE" dirty="0"/>
+            <a:endParaRPr lang="de-DE"/>
           </a:p>
         </p:txBody>
       </p:sp>
     </p:spTree>
     <p:extLst>
       <p:ext uri="{BB962C8B-B14F-4D97-AF65-F5344CB8AC3E}">
-        <p14:creationId xmlns:p14="http://schemas.microsoft.com/office/powerpoint/2010/main" val="2673450312"/>
+        <p14:creationId xmlns:p14="http://schemas.microsoft.com/office/powerpoint/2010/main" val="3784064787"/>
+      </p:ext>
+    </p:extLst>
+  </p:cSld>
+  <p:clrMapOvr>
+    <a:masterClrMapping/>
+  </p:clrMapOvr>
+  <p:timing>
+    <p:tnLst>
+      <p:par>
+        <p:cTn id="1" dur="indefinite" restart="never" nodeType="tmRoot"/>
+      </p:par>
+    </p:tnLst>
+  </p:timing>
+</p:sld>
+</file>
+
+<file path=ppt/slides/slide16.xml><?xml version="1.0" encoding="utf-8"?>
+<p:sld xmlns:a="http://schemas.openxmlformats.org/drawingml/2006/main" xmlns:r="http://schemas.openxmlformats.org/officeDocument/2006/relationships" xmlns:p="http://schemas.openxmlformats.org/presentationml/2006/main">
+  <p:cSld>
+    <p:spTree>
+      <p:nvGrpSpPr>
+        <p:cNvPr id="1" name=""/>
+        <p:cNvGrpSpPr/>
+        <p:nvPr/>
+      </p:nvGrpSpPr>
+      <p:grpSpPr>
+        <a:xfrm>
+          <a:off x="0" y="0"/>
+          <a:ext cx="0" cy="0"/>
+          <a:chOff x="0" y="0"/>
+          <a:chExt cx="0" cy="0"/>
+        </a:xfrm>
+      </p:grpSpPr>
+      <p:sp>
+        <p:nvSpPr>
+          <p:cNvPr id="2" name="Titel 1"/>
+          <p:cNvSpPr>
+            <a:spLocks noGrp="1"/>
+          </p:cNvSpPr>
+          <p:nvPr>
+            <p:ph type="title"/>
+          </p:nvPr>
+        </p:nvSpPr>
+        <p:spPr/>
+        <p:txBody>
+          <a:bodyPr/>
+          <a:lstStyle/>
+          <a:p>
+            <a:r>
+              <a:rPr lang="de-DE" dirty="0" smtClean="0"/>
+              <a:t>Server</a:t>
+            </a:r>
+            <a:endParaRPr lang="de-DE" dirty="0"/>
+          </a:p>
+        </p:txBody>
+      </p:sp>
+      <p:sp>
+        <p:nvSpPr>
+          <p:cNvPr id="3" name="Inhaltsplatzhalter 2"/>
+          <p:cNvSpPr>
+            <a:spLocks noGrp="1"/>
+          </p:cNvSpPr>
+          <p:nvPr>
+            <p:ph idx="1"/>
+          </p:nvPr>
+        </p:nvSpPr>
+        <p:spPr/>
+        <p:txBody>
+          <a:bodyPr/>
+          <a:lstStyle/>
+          <a:p>
+            <a:r>
+              <a:rPr lang="de-DE" dirty="0" smtClean="0"/>
+              <a:t>2-3 Punkte zum Server</a:t>
+            </a:r>
+            <a:endParaRPr lang="de-DE" dirty="0"/>
+          </a:p>
+        </p:txBody>
+      </p:sp>
+    </p:spTree>
+    <p:extLst>
+      <p:ext uri="{BB962C8B-B14F-4D97-AF65-F5344CB8AC3E}">
+        <p14:creationId xmlns:p14="http://schemas.microsoft.com/office/powerpoint/2010/main" val="2919619131"/>
+      </p:ext>
+    </p:extLst>
+  </p:cSld>
+  <p:clrMapOvr>
+    <a:masterClrMapping/>
+  </p:clrMapOvr>
+  <p:timing>
+    <p:tnLst>
+      <p:par>
+        <p:cTn id="1" dur="indefinite" restart="never" nodeType="tmRoot"/>
+      </p:par>
+    </p:tnLst>
+  </p:timing>
+</p:sld>
+</file>
+
+<file path=ppt/slides/slide17.xml><?xml version="1.0" encoding="utf-8"?>
+<p:sld xmlns:a="http://schemas.openxmlformats.org/drawingml/2006/main" xmlns:r="http://schemas.openxmlformats.org/officeDocument/2006/relationships" xmlns:p="http://schemas.openxmlformats.org/presentationml/2006/main">
+  <p:cSld>
+    <p:spTree>
+      <p:nvGrpSpPr>
+        <p:cNvPr id="1" name=""/>
+        <p:cNvGrpSpPr/>
+        <p:nvPr/>
+      </p:nvGrpSpPr>
+      <p:grpSpPr>
+        <a:xfrm>
+          <a:off x="0" y="0"/>
+          <a:ext cx="0" cy="0"/>
+          <a:chOff x="0" y="0"/>
+          <a:chExt cx="0" cy="0"/>
+        </a:xfrm>
+      </p:grpSpPr>
+      <p:sp>
+        <p:nvSpPr>
+          <p:cNvPr id="2" name="Titel 1"/>
+          <p:cNvSpPr>
+            <a:spLocks noGrp="1"/>
+          </p:cNvSpPr>
+          <p:nvPr>
+            <p:ph type="title"/>
+          </p:nvPr>
+        </p:nvSpPr>
+        <p:spPr/>
+        <p:txBody>
+          <a:bodyPr/>
+          <a:lstStyle/>
+          <a:p>
+            <a:r>
+              <a:rPr lang="de-DE" dirty="0" smtClean="0"/>
+              <a:t>Datenbank</a:t>
+            </a:r>
+            <a:endParaRPr lang="de-DE" dirty="0"/>
+          </a:p>
+        </p:txBody>
+      </p:sp>
+      <p:sp>
+        <p:nvSpPr>
+          <p:cNvPr id="3" name="Inhaltsplatzhalter 2"/>
+          <p:cNvSpPr>
+            <a:spLocks noGrp="1"/>
+          </p:cNvSpPr>
+          <p:nvPr>
+            <p:ph idx="1"/>
+          </p:nvPr>
+        </p:nvSpPr>
+        <p:spPr/>
+        <p:txBody>
+          <a:bodyPr/>
+          <a:lstStyle/>
+          <a:p>
+            <a:r>
+              <a:rPr lang="de-DE" dirty="0" smtClean="0"/>
+              <a:t>1-2 Punkte zur Datenbank</a:t>
+            </a:r>
+            <a:endParaRPr lang="de-DE" dirty="0"/>
+          </a:p>
+        </p:txBody>
+      </p:sp>
+    </p:spTree>
+    <p:extLst>
+      <p:ext uri="{BB962C8B-B14F-4D97-AF65-F5344CB8AC3E}">
+        <p14:creationId xmlns:p14="http://schemas.microsoft.com/office/powerpoint/2010/main" val="1588141210"/>
+      </p:ext>
+    </p:extLst>
+  </p:cSld>
+  <p:clrMapOvr>
+    <a:masterClrMapping/>
+  </p:clrMapOvr>
+  <p:timing>
+    <p:tnLst>
+      <p:par>
+        <p:cTn id="1" dur="indefinite" restart="never" nodeType="tmRoot"/>
+      </p:par>
+    </p:tnLst>
+  </p:timing>
+</p:sld>
+</file>
+
+<file path=ppt/slides/slide18.xml><?xml version="1.0" encoding="utf-8"?>
+<p:sld xmlns:a="http://schemas.openxmlformats.org/drawingml/2006/main" xmlns:r="http://schemas.openxmlformats.org/officeDocument/2006/relationships" xmlns:p="http://schemas.openxmlformats.org/presentationml/2006/main">
+  <p:cSld>
+    <p:spTree>
+      <p:nvGrpSpPr>
+        <p:cNvPr id="1" name=""/>
+        <p:cNvGrpSpPr/>
+        <p:nvPr/>
+      </p:nvGrpSpPr>
+      <p:grpSpPr>
+        <a:xfrm>
+          <a:off x="0" y="0"/>
+          <a:ext cx="0" cy="0"/>
+          <a:chOff x="0" y="0"/>
+          <a:chExt cx="0" cy="0"/>
+        </a:xfrm>
+      </p:grpSpPr>
+      <p:sp>
+        <p:nvSpPr>
+          <p:cNvPr id="2" name="Titel 1"/>
+          <p:cNvSpPr>
+            <a:spLocks noGrp="1"/>
+          </p:cNvSpPr>
+          <p:nvPr>
+            <p:ph type="title"/>
+          </p:nvPr>
+        </p:nvSpPr>
+        <p:spPr/>
+        <p:txBody>
+          <a:bodyPr/>
+          <a:lstStyle/>
+          <a:p>
+            <a:r>
+              <a:rPr lang="de-DE" dirty="0" smtClean="0"/>
+              <a:t>API / Backend</a:t>
+            </a:r>
+            <a:endParaRPr lang="de-DE" dirty="0"/>
+          </a:p>
+        </p:txBody>
+      </p:sp>
+      <p:sp>
+        <p:nvSpPr>
+          <p:cNvPr id="3" name="Inhaltsplatzhalter 2"/>
+          <p:cNvSpPr>
+            <a:spLocks noGrp="1"/>
+          </p:cNvSpPr>
+          <p:nvPr>
+            <p:ph idx="1"/>
+          </p:nvPr>
+        </p:nvSpPr>
+        <p:spPr/>
+        <p:txBody>
+          <a:bodyPr/>
+          <a:lstStyle/>
+          <a:p>
+            <a:r>
+              <a:rPr lang="de-DE" dirty="0" smtClean="0"/>
+              <a:t>2-3 Punkte zu API / Backend</a:t>
+            </a:r>
+            <a:endParaRPr lang="de-DE" dirty="0"/>
+          </a:p>
+        </p:txBody>
+      </p:sp>
+    </p:spTree>
+    <p:extLst>
+      <p:ext uri="{BB962C8B-B14F-4D97-AF65-F5344CB8AC3E}">
+        <p14:creationId xmlns:p14="http://schemas.microsoft.com/office/powerpoint/2010/main" val="2786761497"/>
+      </p:ext>
+    </p:extLst>
+  </p:cSld>
+  <p:clrMapOvr>
+    <a:masterClrMapping/>
+  </p:clrMapOvr>
+  <p:timing>
+    <p:tnLst>
+      <p:par>
+        <p:cTn id="1" dur="indefinite" restart="never" nodeType="tmRoot"/>
+      </p:par>
+    </p:tnLst>
+  </p:timing>
+</p:sld>
+</file>
+
+<file path=ppt/slides/slide19.xml><?xml version="1.0" encoding="utf-8"?>
+<p:sld xmlns:a="http://schemas.openxmlformats.org/drawingml/2006/main" xmlns:r="http://schemas.openxmlformats.org/officeDocument/2006/relationships" xmlns:p="http://schemas.openxmlformats.org/presentationml/2006/main">
+  <p:cSld>
+    <p:spTree>
+      <p:nvGrpSpPr>
+        <p:cNvPr id="1" name=""/>
+        <p:cNvGrpSpPr/>
+        <p:nvPr/>
+      </p:nvGrpSpPr>
+      <p:grpSpPr>
+        <a:xfrm>
+          <a:off x="0" y="0"/>
+          <a:ext cx="0" cy="0"/>
+          <a:chOff x="0" y="0"/>
+          <a:chExt cx="0" cy="0"/>
+        </a:xfrm>
+      </p:grpSpPr>
+      <p:sp>
+        <p:nvSpPr>
+          <p:cNvPr id="2" name="Titel 1"/>
+          <p:cNvSpPr>
+            <a:spLocks noGrp="1"/>
+          </p:cNvSpPr>
+          <p:nvPr>
+            <p:ph type="title"/>
+          </p:nvPr>
+        </p:nvSpPr>
+        <p:spPr/>
+        <p:txBody>
+          <a:bodyPr/>
+          <a:lstStyle/>
+          <a:p>
+            <a:r>
+              <a:rPr lang="de-DE" dirty="0" smtClean="0"/>
+              <a:t>Frontend</a:t>
+            </a:r>
+            <a:endParaRPr lang="de-DE" dirty="0"/>
+          </a:p>
+        </p:txBody>
+      </p:sp>
+      <p:sp>
+        <p:nvSpPr>
+          <p:cNvPr id="3" name="Inhaltsplatzhalter 2"/>
+          <p:cNvSpPr>
+            <a:spLocks noGrp="1"/>
+          </p:cNvSpPr>
+          <p:nvPr>
+            <p:ph idx="1"/>
+          </p:nvPr>
+        </p:nvSpPr>
+        <p:spPr/>
+        <p:txBody>
+          <a:bodyPr/>
+          <a:lstStyle/>
+          <a:p>
+            <a:r>
+              <a:rPr lang="de-DE" dirty="0" smtClean="0"/>
+              <a:t>1-2 Punkte zu Frontend</a:t>
+            </a:r>
+            <a:endParaRPr lang="de-DE" dirty="0"/>
+          </a:p>
+        </p:txBody>
+      </p:sp>
+    </p:spTree>
+    <p:extLst>
+      <p:ext uri="{BB962C8B-B14F-4D97-AF65-F5344CB8AC3E}">
+        <p14:creationId xmlns:p14="http://schemas.microsoft.com/office/powerpoint/2010/main" val="3301113212"/>
       </p:ext>
     </p:extLst>
   </p:cSld>
@@ -4244,7 +4279,12 @@
             <p:ph type="title"/>
           </p:nvPr>
         </p:nvSpPr>
-        <p:spPr/>
+        <p:spPr>
+          <a:xfrm>
+            <a:off x="0" y="0"/>
+            <a:ext cx="12192000" cy="1325563"/>
+          </a:xfrm>
+        </p:spPr>
         <p:txBody>
           <a:bodyPr/>
           <a:lstStyle/>
@@ -4277,7 +4317,14 @@
             <a:pPr lvl="1"/>
             <a:r>
               <a:rPr lang="de-DE" dirty="0" smtClean="0"/>
-              <a:t>Ablauf</a:t>
+              <a:t>Anforderungen</a:t>
+            </a:r>
+          </a:p>
+          <a:p>
+            <a:pPr lvl="1"/>
+            <a:r>
+              <a:rPr lang="de-DE" dirty="0" smtClean="0"/>
+              <a:t>Life-Demo</a:t>
             </a:r>
           </a:p>
           <a:p>
@@ -4317,13 +4364,6 @@
             <a:r>
               <a:rPr lang="de-DE" dirty="0" smtClean="0"/>
               <a:t>-App</a:t>
-            </a:r>
-          </a:p>
-          <a:p>
-            <a:pPr lvl="1"/>
-            <a:r>
-              <a:rPr lang="de-DE" dirty="0" smtClean="0"/>
-              <a:t>Projektablauf</a:t>
             </a:r>
           </a:p>
           <a:p>
@@ -4355,6 +4395,1351 @@
     <p:extLst>
       <p:ext uri="{BB962C8B-B14F-4D97-AF65-F5344CB8AC3E}">
         <p14:creationId xmlns:p14="http://schemas.microsoft.com/office/powerpoint/2010/main" val="4225563886"/>
+      </p:ext>
+    </p:extLst>
+  </p:cSld>
+  <p:clrMapOvr>
+    <a:masterClrMapping/>
+  </p:clrMapOvr>
+  <p:timing>
+    <p:tnLst>
+      <p:par>
+        <p:cTn id="1" dur="indefinite" restart="never" nodeType="tmRoot"/>
+      </p:par>
+    </p:tnLst>
+  </p:timing>
+</p:sld>
+</file>
+
+<file path=ppt/slides/slide20.xml><?xml version="1.0" encoding="utf-8"?>
+<p:sld xmlns:a="http://schemas.openxmlformats.org/drawingml/2006/main" xmlns:r="http://schemas.openxmlformats.org/officeDocument/2006/relationships" xmlns:p="http://schemas.openxmlformats.org/presentationml/2006/main">
+  <p:cSld>
+    <p:spTree>
+      <p:nvGrpSpPr>
+        <p:cNvPr id="1" name=""/>
+        <p:cNvGrpSpPr/>
+        <p:nvPr/>
+      </p:nvGrpSpPr>
+      <p:grpSpPr>
+        <a:xfrm>
+          <a:off x="0" y="0"/>
+          <a:ext cx="0" cy="0"/>
+          <a:chOff x="0" y="0"/>
+          <a:chExt cx="0" cy="0"/>
+        </a:xfrm>
+      </p:grpSpPr>
+      <p:sp>
+        <p:nvSpPr>
+          <p:cNvPr id="2" name="Titel 1"/>
+          <p:cNvSpPr>
+            <a:spLocks noGrp="1"/>
+          </p:cNvSpPr>
+          <p:nvPr>
+            <p:ph type="title"/>
+          </p:nvPr>
+        </p:nvSpPr>
+        <p:spPr/>
+        <p:txBody>
+          <a:bodyPr>
+            <a:normAutofit/>
+          </a:bodyPr>
+          <a:lstStyle/>
+          <a:p>
+            <a:r>
+              <a:rPr lang="de-DE" dirty="0" err="1" smtClean="0"/>
+              <a:t>Vuzix</a:t>
+            </a:r>
+            <a:r>
+              <a:rPr lang="de-DE" dirty="0" smtClean="0"/>
+              <a:t>-App</a:t>
+            </a:r>
+            <a:endParaRPr lang="de-DE" dirty="0"/>
+          </a:p>
+        </p:txBody>
+      </p:sp>
+      <p:sp>
+        <p:nvSpPr>
+          <p:cNvPr id="3" name="Inhaltsplatzhalter 2"/>
+          <p:cNvSpPr>
+            <a:spLocks noGrp="1"/>
+          </p:cNvSpPr>
+          <p:nvPr>
+            <p:ph idx="1"/>
+          </p:nvPr>
+        </p:nvSpPr>
+        <p:spPr/>
+        <p:txBody>
+          <a:bodyPr/>
+          <a:lstStyle/>
+          <a:p>
+            <a:r>
+              <a:rPr lang="de-DE" dirty="0" smtClean="0"/>
+              <a:t>2-3 Punkte zur </a:t>
+            </a:r>
+            <a:r>
+              <a:rPr lang="de-DE" dirty="0" err="1" smtClean="0"/>
+              <a:t>Vuzix</a:t>
+            </a:r>
+            <a:r>
+              <a:rPr lang="de-DE" dirty="0" smtClean="0"/>
+              <a:t> </a:t>
+            </a:r>
+            <a:r>
+              <a:rPr lang="de-DE" dirty="0" err="1" smtClean="0"/>
+              <a:t>app</a:t>
+            </a:r>
+            <a:endParaRPr lang="de-DE" dirty="0"/>
+          </a:p>
+        </p:txBody>
+      </p:sp>
+    </p:spTree>
+    <p:extLst>
+      <p:ext uri="{BB962C8B-B14F-4D97-AF65-F5344CB8AC3E}">
+        <p14:creationId xmlns:p14="http://schemas.microsoft.com/office/powerpoint/2010/main" val="2561323560"/>
+      </p:ext>
+    </p:extLst>
+  </p:cSld>
+  <p:clrMapOvr>
+    <a:masterClrMapping/>
+  </p:clrMapOvr>
+  <p:timing>
+    <p:tnLst>
+      <p:par>
+        <p:cTn id="1" dur="indefinite" restart="never" nodeType="tmRoot"/>
+      </p:par>
+    </p:tnLst>
+  </p:timing>
+</p:sld>
+</file>
+
+<file path=ppt/slides/slide21.xml><?xml version="1.0" encoding="utf-8"?>
+<p:sld xmlns:a="http://schemas.openxmlformats.org/drawingml/2006/main" xmlns:r="http://schemas.openxmlformats.org/officeDocument/2006/relationships" xmlns:p="http://schemas.openxmlformats.org/presentationml/2006/main">
+  <p:cSld>
+    <p:spTree>
+      <p:nvGrpSpPr>
+        <p:cNvPr id="1" name=""/>
+        <p:cNvGrpSpPr/>
+        <p:nvPr/>
+      </p:nvGrpSpPr>
+      <p:grpSpPr>
+        <a:xfrm>
+          <a:off x="0" y="0"/>
+          <a:ext cx="0" cy="0"/>
+          <a:chOff x="0" y="0"/>
+          <a:chExt cx="0" cy="0"/>
+        </a:xfrm>
+      </p:grpSpPr>
+      <p:sp>
+        <p:nvSpPr>
+          <p:cNvPr id="2" name="Titel 1"/>
+          <p:cNvSpPr>
+            <a:spLocks noGrp="1"/>
+          </p:cNvSpPr>
+          <p:nvPr>
+            <p:ph type="title"/>
+          </p:nvPr>
+        </p:nvSpPr>
+        <p:spPr/>
+        <p:txBody>
+          <a:bodyPr>
+            <a:normAutofit/>
+          </a:bodyPr>
+          <a:lstStyle/>
+          <a:p>
+            <a:r>
+              <a:rPr lang="de-DE" dirty="0" err="1" smtClean="0"/>
+              <a:t>Lession</a:t>
+            </a:r>
+            <a:r>
+              <a:rPr lang="de-DE" dirty="0" smtClean="0"/>
+              <a:t> </a:t>
+            </a:r>
+            <a:r>
+              <a:rPr lang="de-DE" dirty="0" err="1" smtClean="0"/>
+              <a:t>learned</a:t>
+            </a:r>
+            <a:endParaRPr lang="de-DE" dirty="0"/>
+          </a:p>
+        </p:txBody>
+      </p:sp>
+      <p:sp>
+        <p:nvSpPr>
+          <p:cNvPr id="3" name="Inhaltsplatzhalter 2"/>
+          <p:cNvSpPr>
+            <a:spLocks noGrp="1"/>
+          </p:cNvSpPr>
+          <p:nvPr>
+            <p:ph idx="1"/>
+          </p:nvPr>
+        </p:nvSpPr>
+        <p:spPr/>
+        <p:txBody>
+          <a:bodyPr>
+            <a:normAutofit/>
+          </a:bodyPr>
+          <a:lstStyle/>
+          <a:p>
+            <a:r>
+              <a:rPr lang="de-DE" dirty="0"/>
+              <a:t>Ablauf eines </a:t>
+            </a:r>
+            <a:r>
+              <a:rPr lang="de-DE" dirty="0" smtClean="0"/>
+              <a:t>kompletten </a:t>
+            </a:r>
+            <a:r>
+              <a:rPr lang="de-DE" dirty="0" err="1" smtClean="0"/>
+              <a:t>Scrum</a:t>
+            </a:r>
+            <a:r>
+              <a:rPr lang="de-DE" dirty="0" smtClean="0"/>
+              <a:t> Projekts</a:t>
+            </a:r>
+          </a:p>
+          <a:p>
+            <a:pPr lvl="1"/>
+            <a:r>
+              <a:rPr lang="de-DE" dirty="0" smtClean="0"/>
+              <a:t>6 Sprintwechsel</a:t>
+            </a:r>
+          </a:p>
+          <a:p>
+            <a:pPr lvl="2"/>
+            <a:r>
+              <a:rPr lang="de-DE" dirty="0" smtClean="0"/>
+              <a:t>Abnahme von </a:t>
+            </a:r>
+            <a:r>
+              <a:rPr lang="de-DE" dirty="0" err="1" smtClean="0"/>
+              <a:t>Issues</a:t>
+            </a:r>
+            <a:endParaRPr lang="de-DE" dirty="0" smtClean="0"/>
+          </a:p>
+          <a:p>
+            <a:pPr lvl="2"/>
+            <a:r>
+              <a:rPr lang="de-DE" dirty="0" smtClean="0"/>
+              <a:t>Retrospektive</a:t>
+            </a:r>
+          </a:p>
+          <a:p>
+            <a:pPr lvl="2"/>
+            <a:r>
+              <a:rPr lang="de-DE" dirty="0" smtClean="0"/>
+              <a:t>Verteilung von </a:t>
+            </a:r>
+            <a:r>
+              <a:rPr lang="de-DE" dirty="0" err="1" smtClean="0"/>
+              <a:t>Issues</a:t>
+            </a:r>
+            <a:endParaRPr lang="de-DE" dirty="0" smtClean="0"/>
+          </a:p>
+          <a:p>
+            <a:r>
+              <a:rPr lang="de-DE" dirty="0" smtClean="0"/>
+              <a:t>Übersicht aller Entwicklungsebenen</a:t>
+            </a:r>
+          </a:p>
+          <a:p>
+            <a:pPr lvl="1"/>
+            <a:r>
+              <a:rPr lang="de-DE" dirty="0" smtClean="0"/>
+              <a:t>Jeder hatte Aufgabenbereiche in jeder Entwicklungsebene</a:t>
+            </a:r>
+          </a:p>
+          <a:p>
+            <a:r>
+              <a:rPr lang="de-DE" dirty="0"/>
+              <a:t>Projekt Retrospektive</a:t>
+            </a:r>
+          </a:p>
+          <a:p>
+            <a:pPr lvl="1"/>
+            <a:r>
+              <a:rPr lang="de-DE" dirty="0"/>
+              <a:t>Abwägung ob </a:t>
+            </a:r>
+            <a:r>
+              <a:rPr lang="de-DE" dirty="0" err="1"/>
+              <a:t>Scrum</a:t>
+            </a:r>
+            <a:r>
+              <a:rPr lang="de-DE" dirty="0"/>
+              <a:t> </a:t>
+            </a:r>
+            <a:r>
+              <a:rPr lang="de-DE"/>
+              <a:t>für </a:t>
+            </a:r>
+            <a:r>
+              <a:rPr lang="de-DE" smtClean="0"/>
+              <a:t>kleine/studentische </a:t>
+            </a:r>
+            <a:r>
+              <a:rPr lang="de-DE" dirty="0"/>
+              <a:t>Projekte </a:t>
+            </a:r>
+            <a:r>
+              <a:rPr lang="de-DE" dirty="0" smtClean="0"/>
+              <a:t>geeignet</a:t>
+            </a:r>
+            <a:endParaRPr lang="de-DE" dirty="0"/>
+          </a:p>
+        </p:txBody>
+      </p:sp>
+    </p:spTree>
+    <p:extLst>
+      <p:ext uri="{BB962C8B-B14F-4D97-AF65-F5344CB8AC3E}">
+        <p14:creationId xmlns:p14="http://schemas.microsoft.com/office/powerpoint/2010/main" val="173347956"/>
+      </p:ext>
+    </p:extLst>
+  </p:cSld>
+  <p:clrMapOvr>
+    <a:masterClrMapping/>
+  </p:clrMapOvr>
+  <p:timing>
+    <p:tnLst>
+      <p:par>
+        <p:cTn id="1" dur="indefinite" restart="never" nodeType="tmRoot"/>
+      </p:par>
+    </p:tnLst>
+  </p:timing>
+</p:sld>
+</file>
+
+<file path=ppt/slides/slide22.xml><?xml version="1.0" encoding="utf-8"?>
+<p:sld xmlns:a="http://schemas.openxmlformats.org/drawingml/2006/main" xmlns:r="http://schemas.openxmlformats.org/officeDocument/2006/relationships" xmlns:p="http://schemas.openxmlformats.org/presentationml/2006/main">
+  <p:cSld>
+    <p:spTree>
+      <p:nvGrpSpPr>
+        <p:cNvPr id="1" name=""/>
+        <p:cNvGrpSpPr/>
+        <p:nvPr/>
+      </p:nvGrpSpPr>
+      <p:grpSpPr>
+        <a:xfrm>
+          <a:off x="0" y="0"/>
+          <a:ext cx="0" cy="0"/>
+          <a:chOff x="0" y="0"/>
+          <a:chExt cx="0" cy="0"/>
+        </a:xfrm>
+      </p:grpSpPr>
+      <p:sp>
+        <p:nvSpPr>
+          <p:cNvPr id="2" name="Titel 1"/>
+          <p:cNvSpPr>
+            <a:spLocks noGrp="1"/>
+          </p:cNvSpPr>
+          <p:nvPr>
+            <p:ph type="title"/>
+          </p:nvPr>
+        </p:nvSpPr>
+        <p:spPr/>
+        <p:txBody>
+          <a:bodyPr>
+            <a:normAutofit/>
+          </a:bodyPr>
+          <a:lstStyle/>
+          <a:p>
+            <a:r>
+              <a:rPr lang="de-DE" dirty="0" err="1" smtClean="0"/>
+              <a:t>Lession</a:t>
+            </a:r>
+            <a:r>
+              <a:rPr lang="de-DE" dirty="0" smtClean="0"/>
+              <a:t> </a:t>
+            </a:r>
+            <a:r>
+              <a:rPr lang="de-DE" dirty="0" err="1" smtClean="0"/>
+              <a:t>learned</a:t>
+            </a:r>
+            <a:endParaRPr lang="de-DE" dirty="0"/>
+          </a:p>
+        </p:txBody>
+      </p:sp>
+      <p:sp>
+        <p:nvSpPr>
+          <p:cNvPr id="3" name="Inhaltsplatzhalter 2"/>
+          <p:cNvSpPr>
+            <a:spLocks noGrp="1"/>
+          </p:cNvSpPr>
+          <p:nvPr>
+            <p:ph idx="1"/>
+          </p:nvPr>
+        </p:nvSpPr>
+        <p:spPr/>
+        <p:txBody>
+          <a:bodyPr>
+            <a:normAutofit/>
+          </a:bodyPr>
+          <a:lstStyle/>
+          <a:p>
+            <a:r>
+              <a:rPr lang="de-DE" dirty="0" err="1" smtClean="0"/>
+              <a:t>GitHub</a:t>
+            </a:r>
+            <a:endParaRPr lang="de-DE" dirty="0" smtClean="0"/>
+          </a:p>
+          <a:p>
+            <a:pPr lvl="1"/>
+            <a:r>
+              <a:rPr lang="de-DE" dirty="0" err="1" smtClean="0"/>
+              <a:t>ZenHub</a:t>
+            </a:r>
+            <a:endParaRPr lang="de-DE" dirty="0" smtClean="0"/>
+          </a:p>
+          <a:p>
+            <a:r>
+              <a:rPr lang="de-DE" dirty="0" err="1" smtClean="0"/>
+              <a:t>StarUML</a:t>
+            </a:r>
+            <a:endParaRPr lang="de-DE" dirty="0" smtClean="0"/>
+          </a:p>
+          <a:p>
+            <a:endParaRPr lang="de-DE" dirty="0"/>
+          </a:p>
+        </p:txBody>
+      </p:sp>
+    </p:spTree>
+    <p:extLst>
+      <p:ext uri="{BB962C8B-B14F-4D97-AF65-F5344CB8AC3E}">
+        <p14:creationId xmlns:p14="http://schemas.microsoft.com/office/powerpoint/2010/main" val="2853418997"/>
+      </p:ext>
+    </p:extLst>
+  </p:cSld>
+  <p:clrMapOvr>
+    <a:masterClrMapping/>
+  </p:clrMapOvr>
+  <p:timing>
+    <p:tnLst>
+      <p:par>
+        <p:cTn id="1" dur="indefinite" restart="never" nodeType="tmRoot"/>
+      </p:par>
+    </p:tnLst>
+  </p:timing>
+</p:sld>
+</file>
+
+<file path=ppt/slides/slide23.xml><?xml version="1.0" encoding="utf-8"?>
+<p:sld xmlns:a="http://schemas.openxmlformats.org/drawingml/2006/main" xmlns:r="http://schemas.openxmlformats.org/officeDocument/2006/relationships" xmlns:p="http://schemas.openxmlformats.org/presentationml/2006/main">
+  <p:cSld>
+    <p:spTree>
+      <p:nvGrpSpPr>
+        <p:cNvPr id="1" name=""/>
+        <p:cNvGrpSpPr/>
+        <p:nvPr/>
+      </p:nvGrpSpPr>
+      <p:grpSpPr>
+        <a:xfrm>
+          <a:off x="0" y="0"/>
+          <a:ext cx="0" cy="0"/>
+          <a:chOff x="0" y="0"/>
+          <a:chExt cx="0" cy="0"/>
+        </a:xfrm>
+      </p:grpSpPr>
+      <p:sp>
+        <p:nvSpPr>
+          <p:cNvPr id="2" name="Titel 1"/>
+          <p:cNvSpPr>
+            <a:spLocks noGrp="1"/>
+          </p:cNvSpPr>
+          <p:nvPr>
+            <p:ph type="title"/>
+          </p:nvPr>
+        </p:nvSpPr>
+        <p:spPr/>
+        <p:txBody>
+          <a:bodyPr>
+            <a:normAutofit/>
+          </a:bodyPr>
+          <a:lstStyle/>
+          <a:p>
+            <a:r>
+              <a:rPr lang="de-DE" dirty="0" err="1" smtClean="0"/>
+              <a:t>Lession</a:t>
+            </a:r>
+            <a:r>
+              <a:rPr lang="de-DE" dirty="0" smtClean="0"/>
+              <a:t> </a:t>
+            </a:r>
+            <a:r>
+              <a:rPr lang="de-DE" dirty="0" err="1" smtClean="0"/>
+              <a:t>learned</a:t>
+            </a:r>
+            <a:r>
+              <a:rPr lang="de-DE" dirty="0" smtClean="0"/>
+              <a:t>?</a:t>
+            </a:r>
+            <a:endParaRPr lang="de-DE" dirty="0"/>
+          </a:p>
+        </p:txBody>
+      </p:sp>
+      <p:sp>
+        <p:nvSpPr>
+          <p:cNvPr id="3" name="Inhaltsplatzhalter 2"/>
+          <p:cNvSpPr>
+            <a:spLocks noGrp="1"/>
+          </p:cNvSpPr>
+          <p:nvPr>
+            <p:ph idx="1"/>
+          </p:nvPr>
+        </p:nvSpPr>
+        <p:spPr/>
+        <p:txBody>
+          <a:bodyPr>
+            <a:normAutofit/>
+          </a:bodyPr>
+          <a:lstStyle/>
+          <a:p>
+            <a:r>
+              <a:rPr lang="de-DE" dirty="0" smtClean="0"/>
+              <a:t>Erster Sprintwechsel 10.03.</a:t>
+            </a:r>
+          </a:p>
+          <a:p>
+            <a:pPr lvl="1"/>
+            <a:r>
+              <a:rPr lang="de-DE" dirty="0" smtClean="0"/>
+              <a:t>Verteilung der ersten </a:t>
+            </a:r>
+            <a:r>
+              <a:rPr lang="de-DE" dirty="0" err="1" smtClean="0"/>
+              <a:t>Issues</a:t>
+            </a:r>
+            <a:r>
+              <a:rPr lang="de-DE" dirty="0" smtClean="0"/>
+              <a:t> </a:t>
+            </a:r>
+          </a:p>
+          <a:p>
+            <a:pPr lvl="2"/>
+            <a:r>
+              <a:rPr lang="de-DE" dirty="0" smtClean="0"/>
+              <a:t>Hauptsächlich Architekturen</a:t>
+            </a:r>
+          </a:p>
+          <a:p>
+            <a:pPr lvl="1"/>
+            <a:r>
+              <a:rPr lang="de-DE" dirty="0" smtClean="0"/>
+              <a:t>Vorbereiten des </a:t>
+            </a:r>
+            <a:r>
+              <a:rPr lang="de-DE" dirty="0" err="1" smtClean="0"/>
+              <a:t>Backlogs</a:t>
+            </a:r>
+            <a:r>
+              <a:rPr lang="de-DE" dirty="0" smtClean="0"/>
+              <a:t> für künftige Sprints</a:t>
+            </a:r>
+          </a:p>
+          <a:p>
+            <a:r>
+              <a:rPr lang="de-DE" dirty="0" smtClean="0"/>
+              <a:t>Zweiter Sprintwechsel 17.03.</a:t>
+            </a:r>
+          </a:p>
+          <a:p>
+            <a:pPr lvl="1"/>
+            <a:r>
+              <a:rPr lang="de-DE" dirty="0" smtClean="0"/>
+              <a:t>Abnahme der </a:t>
+            </a:r>
+            <a:r>
+              <a:rPr lang="de-DE" dirty="0" err="1" smtClean="0"/>
+              <a:t>Issues</a:t>
+            </a:r>
+            <a:endParaRPr lang="de-DE" dirty="0" smtClean="0"/>
+          </a:p>
+          <a:p>
+            <a:pPr lvl="1"/>
+            <a:r>
+              <a:rPr lang="de-DE" dirty="0" smtClean="0"/>
+              <a:t>Retrospektive</a:t>
+            </a:r>
+          </a:p>
+          <a:p>
+            <a:pPr lvl="2"/>
+            <a:r>
+              <a:rPr lang="de-DE" dirty="0" smtClean="0"/>
+              <a:t>Zusammenarbeit fördern (räumlich)</a:t>
+            </a:r>
+          </a:p>
+          <a:p>
+            <a:pPr lvl="2"/>
+            <a:r>
+              <a:rPr lang="de-DE" dirty="0" smtClean="0"/>
+              <a:t>Stimmung des Teams: Gut</a:t>
+            </a:r>
+          </a:p>
+          <a:p>
+            <a:pPr lvl="1"/>
+            <a:r>
+              <a:rPr lang="de-DE" dirty="0" smtClean="0"/>
+              <a:t>Verteilung von </a:t>
+            </a:r>
+            <a:r>
+              <a:rPr lang="de-DE" dirty="0" err="1" smtClean="0"/>
+              <a:t>Issues</a:t>
+            </a:r>
+            <a:endParaRPr lang="de-DE" dirty="0" smtClean="0"/>
+          </a:p>
+          <a:p>
+            <a:pPr lvl="2"/>
+            <a:r>
+              <a:rPr lang="de-DE" dirty="0" smtClean="0"/>
+              <a:t>Hauptsächlich Konzepte</a:t>
+            </a:r>
+            <a:endParaRPr lang="de-DE" dirty="0"/>
+          </a:p>
+        </p:txBody>
+      </p:sp>
+    </p:spTree>
+    <p:extLst>
+      <p:ext uri="{BB962C8B-B14F-4D97-AF65-F5344CB8AC3E}">
+        <p14:creationId xmlns:p14="http://schemas.microsoft.com/office/powerpoint/2010/main" val="2775317295"/>
+      </p:ext>
+    </p:extLst>
+  </p:cSld>
+  <p:clrMapOvr>
+    <a:masterClrMapping/>
+  </p:clrMapOvr>
+  <p:timing>
+    <p:tnLst>
+      <p:par>
+        <p:cTn id="1" dur="indefinite" restart="never" nodeType="tmRoot"/>
+      </p:par>
+    </p:tnLst>
+  </p:timing>
+</p:sld>
+</file>
+
+<file path=ppt/slides/slide24.xml><?xml version="1.0" encoding="utf-8"?>
+<p:sld xmlns:a="http://schemas.openxmlformats.org/drawingml/2006/main" xmlns:r="http://schemas.openxmlformats.org/officeDocument/2006/relationships" xmlns:p="http://schemas.openxmlformats.org/presentationml/2006/main">
+  <p:cSld>
+    <p:spTree>
+      <p:nvGrpSpPr>
+        <p:cNvPr id="1" name=""/>
+        <p:cNvGrpSpPr/>
+        <p:nvPr/>
+      </p:nvGrpSpPr>
+      <p:grpSpPr>
+        <a:xfrm>
+          <a:off x="0" y="0"/>
+          <a:ext cx="0" cy="0"/>
+          <a:chOff x="0" y="0"/>
+          <a:chExt cx="0" cy="0"/>
+        </a:xfrm>
+      </p:grpSpPr>
+      <p:sp>
+        <p:nvSpPr>
+          <p:cNvPr id="2" name="Titel 1"/>
+          <p:cNvSpPr>
+            <a:spLocks noGrp="1"/>
+          </p:cNvSpPr>
+          <p:nvPr>
+            <p:ph type="title"/>
+          </p:nvPr>
+        </p:nvSpPr>
+        <p:spPr/>
+        <p:txBody>
+          <a:bodyPr>
+            <a:normAutofit/>
+          </a:bodyPr>
+          <a:lstStyle/>
+          <a:p>
+            <a:r>
+              <a:rPr lang="de-DE" dirty="0" err="1"/>
+              <a:t>Lession</a:t>
+            </a:r>
+            <a:r>
+              <a:rPr lang="de-DE" dirty="0"/>
+              <a:t> </a:t>
+            </a:r>
+            <a:r>
+              <a:rPr lang="de-DE" dirty="0" err="1"/>
+              <a:t>learned</a:t>
+            </a:r>
+            <a:r>
+              <a:rPr lang="de-DE" dirty="0"/>
+              <a:t>?</a:t>
+            </a:r>
+          </a:p>
+        </p:txBody>
+      </p:sp>
+      <p:sp>
+        <p:nvSpPr>
+          <p:cNvPr id="3" name="Inhaltsplatzhalter 2"/>
+          <p:cNvSpPr>
+            <a:spLocks noGrp="1"/>
+          </p:cNvSpPr>
+          <p:nvPr>
+            <p:ph idx="1"/>
+          </p:nvPr>
+        </p:nvSpPr>
+        <p:spPr/>
+        <p:txBody>
+          <a:bodyPr>
+            <a:normAutofit/>
+          </a:bodyPr>
+          <a:lstStyle/>
+          <a:p>
+            <a:r>
+              <a:rPr lang="de-DE" dirty="0" smtClean="0"/>
+              <a:t>Dritter </a:t>
+            </a:r>
+            <a:r>
+              <a:rPr lang="de-DE" dirty="0"/>
+              <a:t>Sprintwechsel 23+24.03</a:t>
+            </a:r>
+            <a:r>
+              <a:rPr lang="de-DE" dirty="0" smtClean="0"/>
+              <a:t>.</a:t>
+            </a:r>
+          </a:p>
+          <a:p>
+            <a:pPr lvl="1"/>
+            <a:r>
+              <a:rPr lang="de-DE" dirty="0"/>
+              <a:t>Abnahme der </a:t>
+            </a:r>
+            <a:r>
+              <a:rPr lang="de-DE" dirty="0" err="1" smtClean="0"/>
+              <a:t>Issues</a:t>
+            </a:r>
+            <a:endParaRPr lang="de-DE" dirty="0" smtClean="0"/>
+          </a:p>
+          <a:p>
+            <a:pPr lvl="1"/>
+            <a:r>
+              <a:rPr lang="de-DE" dirty="0" smtClean="0"/>
+              <a:t>Retrospektive</a:t>
+            </a:r>
+          </a:p>
+          <a:p>
+            <a:pPr lvl="2"/>
+            <a:r>
+              <a:rPr lang="de-DE" dirty="0" smtClean="0"/>
+              <a:t>Größe der Arbeitsgruppen klein(er) gestalten</a:t>
+            </a:r>
+          </a:p>
+          <a:p>
+            <a:pPr lvl="2"/>
+            <a:r>
+              <a:rPr lang="de-DE" dirty="0" smtClean="0"/>
+              <a:t>Stimmung des Teams: Zufrieden mit Fortschritt</a:t>
+            </a:r>
+            <a:endParaRPr lang="de-DE" dirty="0"/>
+          </a:p>
+          <a:p>
+            <a:pPr lvl="1"/>
+            <a:r>
+              <a:rPr lang="de-DE" dirty="0" smtClean="0"/>
+              <a:t>Verteilung von </a:t>
+            </a:r>
+            <a:r>
+              <a:rPr lang="de-DE" dirty="0" err="1" smtClean="0"/>
+              <a:t>Issues</a:t>
+            </a:r>
+            <a:endParaRPr lang="de-DE" dirty="0" smtClean="0"/>
+          </a:p>
+          <a:p>
+            <a:pPr lvl="2"/>
+            <a:r>
+              <a:rPr lang="de-DE" dirty="0" smtClean="0"/>
+              <a:t>Hardwarearchitektur realisieren</a:t>
+            </a:r>
+          </a:p>
+          <a:p>
+            <a:pPr lvl="2"/>
+            <a:r>
+              <a:rPr lang="de-DE" dirty="0" smtClean="0"/>
+              <a:t>Frontend: </a:t>
+            </a:r>
+            <a:r>
+              <a:rPr lang="de-DE" dirty="0" err="1" smtClean="0"/>
+              <a:t>Mockup</a:t>
+            </a:r>
+            <a:r>
+              <a:rPr lang="de-DE" dirty="0" smtClean="0"/>
+              <a:t> und Login</a:t>
+            </a:r>
+          </a:p>
+          <a:p>
+            <a:pPr lvl="2"/>
+            <a:r>
+              <a:rPr lang="de-DE" dirty="0" err="1" smtClean="0"/>
+              <a:t>Vuzix</a:t>
+            </a:r>
+            <a:r>
+              <a:rPr lang="de-DE" dirty="0" smtClean="0"/>
+              <a:t>: Barcode-Scanner</a:t>
+            </a:r>
+            <a:endParaRPr lang="de-DE" dirty="0"/>
+          </a:p>
+          <a:p>
+            <a:endParaRPr lang="de-DE" dirty="0"/>
+          </a:p>
+        </p:txBody>
+      </p:sp>
+    </p:spTree>
+    <p:extLst>
+      <p:ext uri="{BB962C8B-B14F-4D97-AF65-F5344CB8AC3E}">
+        <p14:creationId xmlns:p14="http://schemas.microsoft.com/office/powerpoint/2010/main" val="3492031734"/>
+      </p:ext>
+    </p:extLst>
+  </p:cSld>
+  <p:clrMapOvr>
+    <a:masterClrMapping/>
+  </p:clrMapOvr>
+  <p:timing>
+    <p:tnLst>
+      <p:par>
+        <p:cTn id="1" dur="indefinite" restart="never" nodeType="tmRoot"/>
+      </p:par>
+    </p:tnLst>
+  </p:timing>
+</p:sld>
+</file>
+
+<file path=ppt/slides/slide25.xml><?xml version="1.0" encoding="utf-8"?>
+<p:sld xmlns:a="http://schemas.openxmlformats.org/drawingml/2006/main" xmlns:r="http://schemas.openxmlformats.org/officeDocument/2006/relationships" xmlns:p="http://schemas.openxmlformats.org/presentationml/2006/main">
+  <p:cSld>
+    <p:spTree>
+      <p:nvGrpSpPr>
+        <p:cNvPr id="1" name=""/>
+        <p:cNvGrpSpPr/>
+        <p:nvPr/>
+      </p:nvGrpSpPr>
+      <p:grpSpPr>
+        <a:xfrm>
+          <a:off x="0" y="0"/>
+          <a:ext cx="0" cy="0"/>
+          <a:chOff x="0" y="0"/>
+          <a:chExt cx="0" cy="0"/>
+        </a:xfrm>
+      </p:grpSpPr>
+      <p:sp>
+        <p:nvSpPr>
+          <p:cNvPr id="2" name="Titel 1"/>
+          <p:cNvSpPr>
+            <a:spLocks noGrp="1"/>
+          </p:cNvSpPr>
+          <p:nvPr>
+            <p:ph type="title"/>
+          </p:nvPr>
+        </p:nvSpPr>
+        <p:spPr/>
+        <p:txBody>
+          <a:bodyPr>
+            <a:normAutofit/>
+          </a:bodyPr>
+          <a:lstStyle/>
+          <a:p>
+            <a:r>
+              <a:rPr lang="de-DE" dirty="0" err="1"/>
+              <a:t>Lession</a:t>
+            </a:r>
+            <a:r>
+              <a:rPr lang="de-DE" dirty="0"/>
+              <a:t> </a:t>
+            </a:r>
+            <a:r>
+              <a:rPr lang="de-DE" dirty="0" err="1"/>
+              <a:t>learned</a:t>
+            </a:r>
+            <a:r>
+              <a:rPr lang="de-DE" dirty="0"/>
+              <a:t>?</a:t>
+            </a:r>
+          </a:p>
+        </p:txBody>
+      </p:sp>
+      <p:sp>
+        <p:nvSpPr>
+          <p:cNvPr id="3" name="Inhaltsplatzhalter 2"/>
+          <p:cNvSpPr>
+            <a:spLocks noGrp="1"/>
+          </p:cNvSpPr>
+          <p:nvPr>
+            <p:ph idx="1"/>
+          </p:nvPr>
+        </p:nvSpPr>
+        <p:spPr/>
+        <p:txBody>
+          <a:bodyPr>
+            <a:normAutofit/>
+          </a:bodyPr>
+          <a:lstStyle/>
+          <a:p>
+            <a:r>
+              <a:rPr lang="de-DE" dirty="0"/>
+              <a:t>Vierter Sprintwechsel 31.03.</a:t>
+            </a:r>
+          </a:p>
+          <a:p>
+            <a:pPr lvl="1"/>
+            <a:r>
+              <a:rPr lang="de-DE" dirty="0"/>
+              <a:t>Abnahme der </a:t>
+            </a:r>
+            <a:r>
+              <a:rPr lang="de-DE" dirty="0" err="1"/>
+              <a:t>Issues</a:t>
+            </a:r>
+            <a:endParaRPr lang="de-DE" dirty="0"/>
+          </a:p>
+          <a:p>
+            <a:pPr lvl="1"/>
+            <a:r>
+              <a:rPr lang="de-DE" dirty="0" smtClean="0"/>
+              <a:t>Retrospektive</a:t>
+            </a:r>
+          </a:p>
+          <a:p>
+            <a:pPr lvl="2"/>
+            <a:r>
+              <a:rPr lang="de-DE" dirty="0" smtClean="0"/>
+              <a:t>Kritik: Umsetzung von Programmier-</a:t>
+            </a:r>
+            <a:r>
+              <a:rPr lang="de-DE" dirty="0" err="1" smtClean="0"/>
+              <a:t>Issues</a:t>
+            </a:r>
+            <a:r>
+              <a:rPr lang="de-DE" dirty="0" smtClean="0"/>
+              <a:t> und Dokumentation von Quellcode</a:t>
+            </a:r>
+          </a:p>
+          <a:p>
+            <a:pPr lvl="2"/>
+            <a:r>
+              <a:rPr lang="de-DE" dirty="0" smtClean="0"/>
+              <a:t>Stimmung des Teams: Gemischt</a:t>
+            </a:r>
+            <a:endParaRPr lang="de-DE" dirty="0"/>
+          </a:p>
+          <a:p>
+            <a:pPr lvl="1"/>
+            <a:r>
+              <a:rPr lang="de-DE" dirty="0"/>
+              <a:t>Verteilung von </a:t>
+            </a:r>
+            <a:r>
+              <a:rPr lang="de-DE" dirty="0" err="1" smtClean="0"/>
+              <a:t>Issues</a:t>
+            </a:r>
+            <a:endParaRPr lang="de-DE" dirty="0" smtClean="0"/>
+          </a:p>
+          <a:p>
+            <a:pPr lvl="2"/>
+            <a:r>
+              <a:rPr lang="de-DE" dirty="0" smtClean="0"/>
+              <a:t>Hauptsächlich API / Backend</a:t>
+            </a:r>
+          </a:p>
+        </p:txBody>
+      </p:sp>
+    </p:spTree>
+    <p:extLst>
+      <p:ext uri="{BB962C8B-B14F-4D97-AF65-F5344CB8AC3E}">
+        <p14:creationId xmlns:p14="http://schemas.microsoft.com/office/powerpoint/2010/main" val="2560174521"/>
+      </p:ext>
+    </p:extLst>
+  </p:cSld>
+  <p:clrMapOvr>
+    <a:masterClrMapping/>
+  </p:clrMapOvr>
+  <p:timing>
+    <p:tnLst>
+      <p:par>
+        <p:cTn id="1" dur="indefinite" restart="never" nodeType="tmRoot"/>
+      </p:par>
+    </p:tnLst>
+  </p:timing>
+</p:sld>
+</file>
+
+<file path=ppt/slides/slide26.xml><?xml version="1.0" encoding="utf-8"?>
+<p:sld xmlns:a="http://schemas.openxmlformats.org/drawingml/2006/main" xmlns:r="http://schemas.openxmlformats.org/officeDocument/2006/relationships" xmlns:p="http://schemas.openxmlformats.org/presentationml/2006/main">
+  <p:cSld>
+    <p:spTree>
+      <p:nvGrpSpPr>
+        <p:cNvPr id="1" name=""/>
+        <p:cNvGrpSpPr/>
+        <p:nvPr/>
+      </p:nvGrpSpPr>
+      <p:grpSpPr>
+        <a:xfrm>
+          <a:off x="0" y="0"/>
+          <a:ext cx="0" cy="0"/>
+          <a:chOff x="0" y="0"/>
+          <a:chExt cx="0" cy="0"/>
+        </a:xfrm>
+      </p:grpSpPr>
+      <p:sp>
+        <p:nvSpPr>
+          <p:cNvPr id="2" name="Titel 1"/>
+          <p:cNvSpPr>
+            <a:spLocks noGrp="1"/>
+          </p:cNvSpPr>
+          <p:nvPr>
+            <p:ph type="title"/>
+          </p:nvPr>
+        </p:nvSpPr>
+        <p:spPr/>
+        <p:txBody>
+          <a:bodyPr>
+            <a:normAutofit/>
+          </a:bodyPr>
+          <a:lstStyle/>
+          <a:p>
+            <a:r>
+              <a:rPr lang="de-DE" dirty="0" err="1"/>
+              <a:t>Lession</a:t>
+            </a:r>
+            <a:r>
+              <a:rPr lang="de-DE" dirty="0"/>
+              <a:t> </a:t>
+            </a:r>
+            <a:r>
+              <a:rPr lang="de-DE" dirty="0" err="1"/>
+              <a:t>learned</a:t>
+            </a:r>
+            <a:r>
+              <a:rPr lang="de-DE" dirty="0"/>
+              <a:t>?</a:t>
+            </a:r>
+          </a:p>
+        </p:txBody>
+      </p:sp>
+      <p:sp>
+        <p:nvSpPr>
+          <p:cNvPr id="3" name="Inhaltsplatzhalter 2"/>
+          <p:cNvSpPr>
+            <a:spLocks noGrp="1"/>
+          </p:cNvSpPr>
+          <p:nvPr>
+            <p:ph idx="1"/>
+          </p:nvPr>
+        </p:nvSpPr>
+        <p:spPr/>
+        <p:txBody>
+          <a:bodyPr>
+            <a:normAutofit/>
+          </a:bodyPr>
+          <a:lstStyle/>
+          <a:p>
+            <a:r>
+              <a:rPr lang="de-DE" dirty="0"/>
+              <a:t>Fünfter Sprintwechsel 07.04.</a:t>
+            </a:r>
+          </a:p>
+          <a:p>
+            <a:pPr lvl="1"/>
+            <a:r>
+              <a:rPr lang="de-DE" dirty="0"/>
+              <a:t>Abnahme der </a:t>
+            </a:r>
+            <a:r>
+              <a:rPr lang="de-DE" dirty="0" err="1"/>
+              <a:t>Issues</a:t>
+            </a:r>
+            <a:endParaRPr lang="de-DE" dirty="0"/>
+          </a:p>
+          <a:p>
+            <a:pPr lvl="1"/>
+            <a:r>
+              <a:rPr lang="de-DE" dirty="0" smtClean="0"/>
+              <a:t>Retrospektive</a:t>
+            </a:r>
+          </a:p>
+          <a:p>
+            <a:pPr lvl="2"/>
+            <a:r>
+              <a:rPr lang="de-DE" dirty="0" smtClean="0"/>
+              <a:t>Allgemein ist das Team für mehr Qualität als Quantität</a:t>
+            </a:r>
+          </a:p>
+          <a:p>
+            <a:pPr lvl="2"/>
+            <a:r>
+              <a:rPr lang="de-DE" dirty="0" smtClean="0"/>
+              <a:t>Stimmung des Teams: Sehr gut</a:t>
+            </a:r>
+            <a:endParaRPr lang="de-DE" dirty="0"/>
+          </a:p>
+          <a:p>
+            <a:pPr lvl="1"/>
+            <a:r>
+              <a:rPr lang="de-DE" dirty="0"/>
+              <a:t>Verteilung von </a:t>
+            </a:r>
+            <a:r>
+              <a:rPr lang="de-DE" dirty="0" err="1" smtClean="0"/>
+              <a:t>Issues</a:t>
+            </a:r>
+            <a:endParaRPr lang="de-DE" dirty="0" smtClean="0"/>
+          </a:p>
+          <a:p>
+            <a:pPr lvl="2"/>
+            <a:r>
+              <a:rPr lang="de-DE" dirty="0" smtClean="0"/>
+              <a:t>Hauptsächlich Frontend</a:t>
+            </a:r>
+          </a:p>
+        </p:txBody>
+      </p:sp>
+    </p:spTree>
+    <p:extLst>
+      <p:ext uri="{BB962C8B-B14F-4D97-AF65-F5344CB8AC3E}">
+        <p14:creationId xmlns:p14="http://schemas.microsoft.com/office/powerpoint/2010/main" val="2570652742"/>
+      </p:ext>
+    </p:extLst>
+  </p:cSld>
+  <p:clrMapOvr>
+    <a:masterClrMapping/>
+  </p:clrMapOvr>
+  <p:timing>
+    <p:tnLst>
+      <p:par>
+        <p:cTn id="1" dur="indefinite" restart="never" nodeType="tmRoot"/>
+      </p:par>
+    </p:tnLst>
+  </p:timing>
+</p:sld>
+</file>
+
+<file path=ppt/slides/slide27.xml><?xml version="1.0" encoding="utf-8"?>
+<p:sld xmlns:a="http://schemas.openxmlformats.org/drawingml/2006/main" xmlns:r="http://schemas.openxmlformats.org/officeDocument/2006/relationships" xmlns:p="http://schemas.openxmlformats.org/presentationml/2006/main">
+  <p:cSld>
+    <p:spTree>
+      <p:nvGrpSpPr>
+        <p:cNvPr id="1" name=""/>
+        <p:cNvGrpSpPr/>
+        <p:nvPr/>
+      </p:nvGrpSpPr>
+      <p:grpSpPr>
+        <a:xfrm>
+          <a:off x="0" y="0"/>
+          <a:ext cx="0" cy="0"/>
+          <a:chOff x="0" y="0"/>
+          <a:chExt cx="0" cy="0"/>
+        </a:xfrm>
+      </p:grpSpPr>
+      <p:sp>
+        <p:nvSpPr>
+          <p:cNvPr id="2" name="Titel 1"/>
+          <p:cNvSpPr>
+            <a:spLocks noGrp="1"/>
+          </p:cNvSpPr>
+          <p:nvPr>
+            <p:ph type="title"/>
+          </p:nvPr>
+        </p:nvSpPr>
+        <p:spPr/>
+        <p:txBody>
+          <a:bodyPr>
+            <a:normAutofit/>
+          </a:bodyPr>
+          <a:lstStyle/>
+          <a:p>
+            <a:r>
+              <a:rPr lang="de-DE" dirty="0" err="1"/>
+              <a:t>Lession</a:t>
+            </a:r>
+            <a:r>
+              <a:rPr lang="de-DE" dirty="0"/>
+              <a:t> </a:t>
+            </a:r>
+            <a:r>
+              <a:rPr lang="de-DE" dirty="0" err="1"/>
+              <a:t>learned</a:t>
+            </a:r>
+            <a:r>
+              <a:rPr lang="de-DE" dirty="0"/>
+              <a:t>?</a:t>
+            </a:r>
+          </a:p>
+        </p:txBody>
+      </p:sp>
+      <p:sp>
+        <p:nvSpPr>
+          <p:cNvPr id="3" name="Inhaltsplatzhalter 2"/>
+          <p:cNvSpPr>
+            <a:spLocks noGrp="1"/>
+          </p:cNvSpPr>
+          <p:nvPr>
+            <p:ph idx="1"/>
+          </p:nvPr>
+        </p:nvSpPr>
+        <p:spPr/>
+        <p:txBody>
+          <a:bodyPr>
+            <a:normAutofit/>
+          </a:bodyPr>
+          <a:lstStyle/>
+          <a:p>
+            <a:r>
+              <a:rPr lang="de-DE" dirty="0"/>
+              <a:t>Sechster Sprintwechsel 13.04.</a:t>
+            </a:r>
+          </a:p>
+          <a:p>
+            <a:pPr lvl="1"/>
+            <a:r>
+              <a:rPr lang="de-DE" dirty="0"/>
+              <a:t>Abnahme der </a:t>
+            </a:r>
+            <a:r>
+              <a:rPr lang="de-DE" dirty="0" err="1"/>
+              <a:t>Issues</a:t>
+            </a:r>
+            <a:endParaRPr lang="de-DE" dirty="0"/>
+          </a:p>
+          <a:p>
+            <a:pPr lvl="1"/>
+            <a:r>
+              <a:rPr lang="de-DE" dirty="0" smtClean="0"/>
+              <a:t>Retrospektive</a:t>
+            </a:r>
+          </a:p>
+          <a:p>
+            <a:pPr lvl="2"/>
+            <a:r>
+              <a:rPr lang="de-DE" dirty="0" smtClean="0"/>
+              <a:t>Team hat Sprint als unstrukturiert empfunden da sehr viel parallel am Frontend gemacht wurde</a:t>
+            </a:r>
+          </a:p>
+          <a:p>
+            <a:pPr lvl="2"/>
+            <a:r>
+              <a:rPr lang="de-DE" dirty="0" smtClean="0"/>
+              <a:t>Stimmung des Teams: Gemischt</a:t>
+            </a:r>
+            <a:endParaRPr lang="de-DE" dirty="0"/>
+          </a:p>
+          <a:p>
+            <a:pPr lvl="1"/>
+            <a:r>
+              <a:rPr lang="de-DE" dirty="0" smtClean="0"/>
+              <a:t>Planung zum Projektabschluss</a:t>
+            </a:r>
+          </a:p>
+          <a:p>
+            <a:pPr lvl="2"/>
+            <a:r>
+              <a:rPr lang="de-DE" dirty="0" smtClean="0"/>
+              <a:t>Hauptsächlich Bugfixing, Tests und Füllen des Frontend/der Datenbank mit Content</a:t>
+            </a:r>
+          </a:p>
+        </p:txBody>
+      </p:sp>
+    </p:spTree>
+    <p:extLst>
+      <p:ext uri="{BB962C8B-B14F-4D97-AF65-F5344CB8AC3E}">
+        <p14:creationId xmlns:p14="http://schemas.microsoft.com/office/powerpoint/2010/main" val="974827180"/>
+      </p:ext>
+    </p:extLst>
+  </p:cSld>
+  <p:clrMapOvr>
+    <a:masterClrMapping/>
+  </p:clrMapOvr>
+  <p:timing>
+    <p:tnLst>
+      <p:par>
+        <p:cTn id="1" dur="indefinite" restart="never" nodeType="tmRoot"/>
+      </p:par>
+    </p:tnLst>
+  </p:timing>
+</p:sld>
+</file>
+
+<file path=ppt/slides/slide28.xml><?xml version="1.0" encoding="utf-8"?>
+<p:sld xmlns:a="http://schemas.openxmlformats.org/drawingml/2006/main" xmlns:r="http://schemas.openxmlformats.org/officeDocument/2006/relationships" xmlns:p="http://schemas.openxmlformats.org/presentationml/2006/main">
+  <p:cSld>
+    <p:spTree>
+      <p:nvGrpSpPr>
+        <p:cNvPr id="1" name=""/>
+        <p:cNvGrpSpPr/>
+        <p:nvPr/>
+      </p:nvGrpSpPr>
+      <p:grpSpPr>
+        <a:xfrm>
+          <a:off x="0" y="0"/>
+          <a:ext cx="0" cy="0"/>
+          <a:chOff x="0" y="0"/>
+          <a:chExt cx="0" cy="0"/>
+        </a:xfrm>
+      </p:grpSpPr>
+      <p:sp>
+        <p:nvSpPr>
+          <p:cNvPr id="2" name="Titel 1"/>
+          <p:cNvSpPr>
+            <a:spLocks noGrp="1"/>
+          </p:cNvSpPr>
+          <p:nvPr>
+            <p:ph type="title"/>
+          </p:nvPr>
+        </p:nvSpPr>
+        <p:spPr/>
+        <p:txBody>
+          <a:bodyPr/>
+          <a:lstStyle/>
+          <a:p>
+            <a:endParaRPr lang="de-DE" dirty="0"/>
+          </a:p>
+        </p:txBody>
+      </p:sp>
+      <p:sp>
+        <p:nvSpPr>
+          <p:cNvPr id="3" name="Inhaltsplatzhalter 2"/>
+          <p:cNvSpPr>
+            <a:spLocks noGrp="1"/>
+          </p:cNvSpPr>
+          <p:nvPr>
+            <p:ph idx="1"/>
+          </p:nvPr>
+        </p:nvSpPr>
+        <p:spPr/>
+        <p:txBody>
+          <a:bodyPr/>
+          <a:lstStyle/>
+          <a:p>
+            <a:endParaRPr lang="de-DE" dirty="0" smtClean="0"/>
+          </a:p>
+          <a:p>
+            <a:endParaRPr lang="de-DE" dirty="0"/>
+          </a:p>
+          <a:p>
+            <a:pPr marL="0" indent="0" algn="ctr">
+              <a:buNone/>
+            </a:pPr>
+            <a:r>
+              <a:rPr lang="de-DE" sz="3600" b="1" dirty="0" smtClean="0"/>
+              <a:t>Ende</a:t>
+            </a:r>
+          </a:p>
+          <a:p>
+            <a:pPr algn="ctr"/>
+            <a:endParaRPr lang="de-DE" dirty="0" smtClean="0"/>
+          </a:p>
+          <a:p>
+            <a:pPr marL="0" indent="0" algn="ctr">
+              <a:buNone/>
+            </a:pPr>
+            <a:r>
+              <a:rPr lang="de-DE" dirty="0" smtClean="0"/>
+              <a:t>Vielen Dank für Ihre Aufmerksamkeit</a:t>
+            </a:r>
+            <a:endParaRPr lang="de-DE" dirty="0"/>
+          </a:p>
+        </p:txBody>
+      </p:sp>
+    </p:spTree>
+    <p:extLst>
+      <p:ext uri="{BB962C8B-B14F-4D97-AF65-F5344CB8AC3E}">
+        <p14:creationId xmlns:p14="http://schemas.microsoft.com/office/powerpoint/2010/main" val="2673450312"/>
       </p:ext>
     </p:extLst>
   </p:cSld>
@@ -4398,48 +5783,940 @@
             <p:ph type="title"/>
           </p:nvPr>
         </p:nvSpPr>
-        <p:spPr/>
+        <p:spPr>
+          <a:xfrm>
+            <a:off x="0" y="0"/>
+            <a:ext cx="12192000" cy="1325563"/>
+          </a:xfrm>
+        </p:spPr>
         <p:txBody>
           <a:bodyPr/>
           <a:lstStyle/>
           <a:p>
             <a:r>
               <a:rPr lang="de-DE" dirty="0" smtClean="0"/>
-              <a:t>Ablauf</a:t>
+              <a:t>Funktionale Anforderungen</a:t>
             </a:r>
             <a:endParaRPr lang="de-DE" dirty="0"/>
           </a:p>
         </p:txBody>
       </p:sp>
-      <p:sp>
-        <p:nvSpPr>
-          <p:cNvPr id="3" name="Inhaltsplatzhalter 2"/>
-          <p:cNvSpPr>
-            <a:spLocks noGrp="1"/>
-          </p:cNvSpPr>
+      <p:graphicFrame>
+        <p:nvGraphicFramePr>
+          <p:cNvPr id="6" name="Inhaltsplatzhalter 5"/>
+          <p:cNvGraphicFramePr>
+            <a:graphicFrameLocks noGrp="1"/>
+          </p:cNvGraphicFramePr>
           <p:nvPr>
             <p:ph idx="1"/>
-          </p:nvPr>
-        </p:nvSpPr>
-        <p:spPr/>
-        <p:txBody>
-          <a:bodyPr/>
-          <a:lstStyle/>
-          <a:p>
-            <a:r>
-              <a:rPr lang="de-DE" dirty="0" smtClean="0"/>
-              <a:t>Sequenzdia?</a:t>
-            </a:r>
-          </a:p>
-          <a:p>
-            <a:r>
-              <a:rPr lang="de-DE" dirty="0" smtClean="0"/>
-              <a:t>Aktivitätsdia?</a:t>
-            </a:r>
-            <a:endParaRPr lang="de-DE" dirty="0"/>
-          </a:p>
-        </p:txBody>
-      </p:sp>
+            <p:extLst>
+              <p:ext uri="{D42A27DB-BD31-4B8C-83A1-F6EECF244321}">
+                <p14:modId xmlns:p14="http://schemas.microsoft.com/office/powerpoint/2010/main" val="356756610"/>
+              </p:ext>
+            </p:extLst>
+          </p:nvPr>
+        </p:nvGraphicFramePr>
+        <p:xfrm>
+          <a:off x="341196" y="1241945"/>
+          <a:ext cx="11518708" cy="5041691"/>
+        </p:xfrm>
+        <a:graphic>
+          <a:graphicData uri="http://schemas.openxmlformats.org/drawingml/2006/table">
+            <a:tbl>
+              <a:tblPr firstRow="1" firstCol="1" bandRow="1">
+                <a:tableStyleId>{5C22544A-7EE6-4342-B048-85BDC9FD1C3A}</a:tableStyleId>
+              </a:tblPr>
+              <a:tblGrid>
+                <a:gridCol w="813880"/>
+                <a:gridCol w="9258166"/>
+                <a:gridCol w="1446662"/>
+              </a:tblGrid>
+              <a:tr h="327548">
+                <a:tc>
+                  <a:txBody>
+                    <a:bodyPr/>
+                    <a:lstStyle/>
+                    <a:p>
+                      <a:pPr algn="ctr">
+                        <a:lnSpc>
+                          <a:spcPct val="107000"/>
+                        </a:lnSpc>
+                        <a:spcAft>
+                          <a:spcPts val="0"/>
+                        </a:spcAft>
+                      </a:pPr>
+                      <a:r>
+                        <a:rPr lang="de-DE" sz="2000" dirty="0">
+                          <a:effectLst/>
+                        </a:rPr>
+                        <a:t>ID</a:t>
+                      </a:r>
+                      <a:endParaRPr lang="de-DE" sz="2000" dirty="0">
+                        <a:effectLst/>
+                        <a:latin typeface="Calibri"/>
+                        <a:ea typeface="Calibri"/>
+                        <a:cs typeface="Times New Roman"/>
+                      </a:endParaRPr>
+                    </a:p>
+                  </a:txBody>
+                  <a:tcPr marL="68580" marR="68580" marT="0" marB="0"/>
+                </a:tc>
+                <a:tc>
+                  <a:txBody>
+                    <a:bodyPr/>
+                    <a:lstStyle/>
+                    <a:p>
+                      <a:pPr algn="ctr">
+                        <a:lnSpc>
+                          <a:spcPct val="107000"/>
+                        </a:lnSpc>
+                        <a:spcAft>
+                          <a:spcPts val="0"/>
+                        </a:spcAft>
+                      </a:pPr>
+                      <a:r>
+                        <a:rPr lang="de-DE" sz="2000" dirty="0">
+                          <a:effectLst/>
+                        </a:rPr>
+                        <a:t>Funktionalität</a:t>
+                      </a:r>
+                      <a:endParaRPr lang="de-DE" sz="2000" dirty="0">
+                        <a:effectLst/>
+                        <a:latin typeface="Calibri"/>
+                        <a:ea typeface="Calibri"/>
+                        <a:cs typeface="Times New Roman"/>
+                      </a:endParaRPr>
+                    </a:p>
+                  </a:txBody>
+                  <a:tcPr marL="68580" marR="68580" marT="0" marB="0"/>
+                </a:tc>
+                <a:tc>
+                  <a:txBody>
+                    <a:bodyPr/>
+                    <a:lstStyle/>
+                    <a:p>
+                      <a:pPr algn="ctr">
+                        <a:lnSpc>
+                          <a:spcPct val="107000"/>
+                        </a:lnSpc>
+                        <a:spcAft>
+                          <a:spcPts val="0"/>
+                        </a:spcAft>
+                      </a:pPr>
+                      <a:r>
+                        <a:rPr lang="de-DE" sz="2000" dirty="0">
+                          <a:effectLst/>
+                        </a:rPr>
+                        <a:t>Priorität</a:t>
+                      </a:r>
+                      <a:endParaRPr lang="de-DE" sz="2000" dirty="0">
+                        <a:effectLst/>
+                        <a:latin typeface="Calibri"/>
+                        <a:ea typeface="Calibri"/>
+                        <a:cs typeface="Times New Roman"/>
+                      </a:endParaRPr>
+                    </a:p>
+                  </a:txBody>
+                  <a:tcPr marL="68580" marR="68580" marT="0" marB="0"/>
+                </a:tc>
+              </a:tr>
+              <a:tr h="266924">
+                <a:tc>
+                  <a:txBody>
+                    <a:bodyPr/>
+                    <a:lstStyle/>
+                    <a:p>
+                      <a:pPr algn="ctr">
+                        <a:lnSpc>
+                          <a:spcPct val="107000"/>
+                        </a:lnSpc>
+                        <a:spcAft>
+                          <a:spcPts val="0"/>
+                        </a:spcAft>
+                      </a:pPr>
+                      <a:r>
+                        <a:rPr lang="de-DE" sz="1700" dirty="0">
+                          <a:effectLst/>
+                        </a:rPr>
+                        <a:t>F10</a:t>
+                      </a:r>
+                      <a:endParaRPr lang="de-DE" sz="1700" dirty="0">
+                        <a:effectLst/>
+                        <a:latin typeface="Calibri"/>
+                        <a:ea typeface="Calibri"/>
+                        <a:cs typeface="Times New Roman"/>
+                      </a:endParaRPr>
+                    </a:p>
+                  </a:txBody>
+                  <a:tcPr marL="68580" marR="68580" marT="0" marB="0"/>
+                </a:tc>
+                <a:tc>
+                  <a:txBody>
+                    <a:bodyPr/>
+                    <a:lstStyle/>
+                    <a:p>
+                      <a:pPr algn="ctr">
+                        <a:lnSpc>
+                          <a:spcPct val="107000"/>
+                        </a:lnSpc>
+                        <a:spcAft>
+                          <a:spcPts val="0"/>
+                        </a:spcAft>
+                      </a:pPr>
+                      <a:r>
+                        <a:rPr lang="en-US" sz="1700" dirty="0">
+                          <a:solidFill>
+                            <a:schemeClr val="bg1"/>
+                          </a:solidFill>
+                          <a:effectLst/>
+                        </a:rPr>
+                        <a:t>HMD App</a:t>
+                      </a:r>
+                      <a:endParaRPr lang="de-DE" sz="1700" dirty="0">
+                        <a:solidFill>
+                          <a:schemeClr val="bg1"/>
+                        </a:solidFill>
+                        <a:effectLst/>
+                        <a:latin typeface="Calibri"/>
+                        <a:ea typeface="Calibri"/>
+                        <a:cs typeface="Times New Roman"/>
+                      </a:endParaRPr>
+                    </a:p>
+                  </a:txBody>
+                  <a:tcPr marL="68580" marR="68580" marT="0" marB="0">
+                    <a:solidFill>
+                      <a:schemeClr val="accent1"/>
+                    </a:solidFill>
+                  </a:tcPr>
+                </a:tc>
+                <a:tc>
+                  <a:txBody>
+                    <a:bodyPr/>
+                    <a:lstStyle/>
+                    <a:p>
+                      <a:pPr algn="ctr">
+                        <a:lnSpc>
+                          <a:spcPct val="107000"/>
+                        </a:lnSpc>
+                        <a:spcAft>
+                          <a:spcPts val="0"/>
+                        </a:spcAft>
+                      </a:pPr>
+                      <a:r>
+                        <a:rPr lang="de-DE" sz="1700" dirty="0">
+                          <a:effectLst/>
+                        </a:rPr>
+                        <a:t> </a:t>
+                      </a:r>
+                      <a:endParaRPr lang="de-DE" sz="1700" dirty="0">
+                        <a:effectLst/>
+                        <a:latin typeface="Calibri"/>
+                        <a:ea typeface="Calibri"/>
+                        <a:cs typeface="Times New Roman"/>
+                      </a:endParaRPr>
+                    </a:p>
+                  </a:txBody>
+                  <a:tcPr marL="68580" marR="68580" marT="0" marB="0">
+                    <a:solidFill>
+                      <a:schemeClr val="accent1"/>
+                    </a:solidFill>
+                  </a:tcPr>
+                </a:tc>
+              </a:tr>
+              <a:tr h="559726">
+                <a:tc>
+                  <a:txBody>
+                    <a:bodyPr/>
+                    <a:lstStyle/>
+                    <a:p>
+                      <a:pPr algn="ctr">
+                        <a:lnSpc>
+                          <a:spcPct val="107000"/>
+                        </a:lnSpc>
+                        <a:spcAft>
+                          <a:spcPts val="0"/>
+                        </a:spcAft>
+                      </a:pPr>
+                      <a:r>
+                        <a:rPr lang="de-DE" sz="1700" dirty="0">
+                          <a:effectLst/>
+                        </a:rPr>
+                        <a:t>F10.1</a:t>
+                      </a:r>
+                      <a:endParaRPr lang="de-DE" sz="1700" dirty="0">
+                        <a:effectLst/>
+                        <a:latin typeface="Calibri"/>
+                        <a:ea typeface="Calibri"/>
+                        <a:cs typeface="Times New Roman"/>
+                      </a:endParaRPr>
+                    </a:p>
+                  </a:txBody>
+                  <a:tcPr marL="68580" marR="68580" marT="0" marB="0" anchor="ctr"/>
+                </a:tc>
+                <a:tc>
+                  <a:txBody>
+                    <a:bodyPr/>
+                    <a:lstStyle/>
+                    <a:p>
+                      <a:pPr algn="ctr">
+                        <a:lnSpc>
+                          <a:spcPct val="107000"/>
+                        </a:lnSpc>
+                        <a:spcAft>
+                          <a:spcPts val="0"/>
+                        </a:spcAft>
+                      </a:pPr>
+                      <a:r>
+                        <a:rPr lang="de-DE" sz="1700" dirty="0">
+                          <a:effectLst/>
+                        </a:rPr>
+                        <a:t>Das Zielsystem der HMD App ist die </a:t>
+                      </a:r>
+                      <a:r>
+                        <a:rPr lang="de-DE" sz="1700" dirty="0" err="1">
+                          <a:effectLst/>
+                        </a:rPr>
+                        <a:t>Vuzix</a:t>
+                      </a:r>
+                      <a:r>
+                        <a:rPr lang="de-DE" sz="1700" dirty="0">
+                          <a:effectLst/>
+                        </a:rPr>
+                        <a:t> M100. Die App muss ohne Einschränkungen auf der </a:t>
+                      </a:r>
+                      <a:r>
+                        <a:rPr lang="de-DE" sz="1700" dirty="0" err="1">
+                          <a:effectLst/>
+                        </a:rPr>
+                        <a:t>Vuzix</a:t>
+                      </a:r>
+                      <a:r>
+                        <a:rPr lang="de-DE" sz="1700" dirty="0">
+                          <a:effectLst/>
+                        </a:rPr>
+                        <a:t> M100 lauffähig sein.</a:t>
+                      </a:r>
+                      <a:endParaRPr lang="de-DE" sz="1700" dirty="0">
+                        <a:effectLst/>
+                        <a:latin typeface="Calibri"/>
+                        <a:ea typeface="Calibri"/>
+                        <a:cs typeface="Times New Roman"/>
+                      </a:endParaRPr>
+                    </a:p>
+                  </a:txBody>
+                  <a:tcPr marL="68580" marR="68580" marT="0" marB="0" anchor="ctr"/>
+                </a:tc>
+                <a:tc>
+                  <a:txBody>
+                    <a:bodyPr/>
+                    <a:lstStyle/>
+                    <a:p>
+                      <a:pPr algn="ctr">
+                        <a:lnSpc>
+                          <a:spcPct val="107000"/>
+                        </a:lnSpc>
+                        <a:spcAft>
+                          <a:spcPts val="0"/>
+                        </a:spcAft>
+                      </a:pPr>
+                      <a:r>
+                        <a:rPr lang="de-DE" sz="1700">
+                          <a:effectLst/>
+                        </a:rPr>
+                        <a:t>1</a:t>
+                      </a:r>
+                      <a:endParaRPr lang="de-DE" sz="1700">
+                        <a:effectLst/>
+                        <a:latin typeface="Calibri"/>
+                        <a:ea typeface="Calibri"/>
+                        <a:cs typeface="Times New Roman"/>
+                      </a:endParaRPr>
+                    </a:p>
+                  </a:txBody>
+                  <a:tcPr marL="68580" marR="68580" marT="0" marB="0" anchor="ctr"/>
+                </a:tc>
+              </a:tr>
+              <a:tr h="829624">
+                <a:tc>
+                  <a:txBody>
+                    <a:bodyPr/>
+                    <a:lstStyle/>
+                    <a:p>
+                      <a:pPr algn="ctr">
+                        <a:lnSpc>
+                          <a:spcPct val="107000"/>
+                        </a:lnSpc>
+                        <a:spcAft>
+                          <a:spcPts val="0"/>
+                        </a:spcAft>
+                      </a:pPr>
+                      <a:r>
+                        <a:rPr lang="de-DE" sz="1700" dirty="0">
+                          <a:effectLst/>
+                        </a:rPr>
+                        <a:t>F10.2 </a:t>
+                      </a:r>
+                      <a:endParaRPr lang="de-DE" sz="1700" dirty="0">
+                        <a:effectLst/>
+                        <a:latin typeface="Calibri"/>
+                        <a:ea typeface="Calibri"/>
+                        <a:cs typeface="Times New Roman"/>
+                      </a:endParaRPr>
+                    </a:p>
+                  </a:txBody>
+                  <a:tcPr marL="68580" marR="68580" marT="0" marB="0" anchor="ctr"/>
+                </a:tc>
+                <a:tc>
+                  <a:txBody>
+                    <a:bodyPr/>
+                    <a:lstStyle/>
+                    <a:p>
+                      <a:pPr algn="ctr">
+                        <a:lnSpc>
+                          <a:spcPct val="107000"/>
+                        </a:lnSpc>
+                        <a:spcAft>
+                          <a:spcPts val="0"/>
+                        </a:spcAft>
+                      </a:pPr>
+                      <a:r>
+                        <a:rPr lang="de-DE" sz="1700" dirty="0">
+                          <a:effectLst/>
+                        </a:rPr>
+                        <a:t>Um sein mobiles Endgerät mit einem Account zu verbinden, scannt der User einen Barcode, der ihm im Webbrowser angezeigt wird. Der User muss sich dafür bereits auf der Website registriert haben.</a:t>
+                      </a:r>
+                      <a:endParaRPr lang="de-DE" sz="1700" dirty="0">
+                        <a:effectLst/>
+                        <a:latin typeface="Calibri"/>
+                        <a:ea typeface="Calibri"/>
+                        <a:cs typeface="Times New Roman"/>
+                      </a:endParaRPr>
+                    </a:p>
+                  </a:txBody>
+                  <a:tcPr marL="68580" marR="68580" marT="0" marB="0" anchor="ctr"/>
+                </a:tc>
+                <a:tc>
+                  <a:txBody>
+                    <a:bodyPr/>
+                    <a:lstStyle/>
+                    <a:p>
+                      <a:pPr algn="ctr">
+                        <a:lnSpc>
+                          <a:spcPct val="107000"/>
+                        </a:lnSpc>
+                        <a:spcAft>
+                          <a:spcPts val="0"/>
+                        </a:spcAft>
+                      </a:pPr>
+                      <a:r>
+                        <a:rPr lang="de-DE" sz="1700">
+                          <a:effectLst/>
+                        </a:rPr>
+                        <a:t>2</a:t>
+                      </a:r>
+                      <a:endParaRPr lang="de-DE" sz="1700">
+                        <a:effectLst/>
+                        <a:latin typeface="Calibri"/>
+                        <a:ea typeface="Calibri"/>
+                        <a:cs typeface="Times New Roman"/>
+                      </a:endParaRPr>
+                    </a:p>
+                  </a:txBody>
+                  <a:tcPr marL="68580" marR="68580" marT="0" marB="0" anchor="ctr"/>
+                </a:tc>
+              </a:tr>
+              <a:tr h="829624">
+                <a:tc>
+                  <a:txBody>
+                    <a:bodyPr/>
+                    <a:lstStyle/>
+                    <a:p>
+                      <a:pPr algn="ctr">
+                        <a:lnSpc>
+                          <a:spcPct val="107000"/>
+                        </a:lnSpc>
+                        <a:spcAft>
+                          <a:spcPts val="0"/>
+                        </a:spcAft>
+                      </a:pPr>
+                      <a:r>
+                        <a:rPr lang="de-DE" sz="1700" dirty="0">
+                          <a:effectLst/>
+                        </a:rPr>
+                        <a:t>F10.3</a:t>
+                      </a:r>
+                      <a:endParaRPr lang="de-DE" sz="1700" dirty="0">
+                        <a:effectLst/>
+                        <a:latin typeface="Calibri"/>
+                        <a:ea typeface="Calibri"/>
+                        <a:cs typeface="Times New Roman"/>
+                      </a:endParaRPr>
+                    </a:p>
+                  </a:txBody>
+                  <a:tcPr marL="68580" marR="68580" marT="0" marB="0" anchor="ctr"/>
+                </a:tc>
+                <a:tc>
+                  <a:txBody>
+                    <a:bodyPr/>
+                    <a:lstStyle/>
+                    <a:p>
+                      <a:pPr algn="ctr">
+                        <a:lnSpc>
+                          <a:spcPct val="107000"/>
+                        </a:lnSpc>
+                        <a:spcAft>
+                          <a:spcPts val="0"/>
+                        </a:spcAft>
+                      </a:pPr>
+                      <a:r>
+                        <a:rPr lang="de-DE" sz="1700" dirty="0">
+                          <a:solidFill>
+                            <a:srgbClr val="FF9900"/>
+                          </a:solidFill>
+                          <a:effectLst/>
+                        </a:rPr>
+                        <a:t>Die App verfügt sowohl über den Standard-Sprachbefehl "</a:t>
+                      </a:r>
+                      <a:r>
+                        <a:rPr lang="de-DE" sz="1700" dirty="0" err="1">
+                          <a:solidFill>
+                            <a:srgbClr val="FF9900"/>
+                          </a:solidFill>
+                          <a:effectLst/>
+                        </a:rPr>
+                        <a:t>go</a:t>
+                      </a:r>
+                      <a:r>
+                        <a:rPr lang="de-DE" sz="1700" dirty="0">
+                          <a:solidFill>
+                            <a:srgbClr val="FF9900"/>
+                          </a:solidFill>
+                          <a:effectLst/>
+                        </a:rPr>
+                        <a:t> </a:t>
+                      </a:r>
+                      <a:r>
+                        <a:rPr lang="de-DE" sz="1700" dirty="0" err="1">
+                          <a:solidFill>
+                            <a:srgbClr val="FF9900"/>
+                          </a:solidFill>
+                          <a:effectLst/>
+                        </a:rPr>
+                        <a:t>home</a:t>
+                      </a:r>
+                      <a:r>
+                        <a:rPr lang="de-DE" sz="1700" dirty="0">
+                          <a:solidFill>
+                            <a:srgbClr val="FF9900"/>
+                          </a:solidFill>
+                          <a:effectLst/>
+                        </a:rPr>
+                        <a:t>" als auch den spezifischen Sprachbefehl "</a:t>
+                      </a:r>
+                      <a:r>
+                        <a:rPr lang="de-DE" sz="1700" dirty="0" err="1">
+                          <a:solidFill>
+                            <a:srgbClr val="FF9900"/>
+                          </a:solidFill>
+                          <a:effectLst/>
+                        </a:rPr>
+                        <a:t>scan</a:t>
+                      </a:r>
+                      <a:r>
+                        <a:rPr lang="de-DE" sz="1700" dirty="0">
+                          <a:solidFill>
+                            <a:srgbClr val="FF9900"/>
+                          </a:solidFill>
+                          <a:effectLst/>
+                        </a:rPr>
+                        <a:t>" zum Starten des Produktscanners.</a:t>
+                      </a:r>
+                      <a:endParaRPr lang="de-DE" sz="1700" dirty="0">
+                        <a:solidFill>
+                          <a:srgbClr val="FF9900"/>
+                        </a:solidFill>
+                        <a:effectLst/>
+                        <a:latin typeface="Calibri"/>
+                        <a:ea typeface="Calibri"/>
+                        <a:cs typeface="Times New Roman"/>
+                      </a:endParaRPr>
+                    </a:p>
+                  </a:txBody>
+                  <a:tcPr marL="68580" marR="68580" marT="0" marB="0" anchor="ctr"/>
+                </a:tc>
+                <a:tc>
+                  <a:txBody>
+                    <a:bodyPr/>
+                    <a:lstStyle/>
+                    <a:p>
+                      <a:pPr algn="ctr">
+                        <a:lnSpc>
+                          <a:spcPct val="107000"/>
+                        </a:lnSpc>
+                        <a:spcAft>
+                          <a:spcPts val="0"/>
+                        </a:spcAft>
+                      </a:pPr>
+                      <a:r>
+                        <a:rPr lang="de-DE" sz="1700" dirty="0">
+                          <a:solidFill>
+                            <a:srgbClr val="FF9900"/>
+                          </a:solidFill>
+                          <a:effectLst/>
+                        </a:rPr>
+                        <a:t>1</a:t>
+                      </a:r>
+                      <a:endParaRPr lang="de-DE" sz="1700" dirty="0">
+                        <a:solidFill>
+                          <a:srgbClr val="FF9900"/>
+                        </a:solidFill>
+                        <a:effectLst/>
+                        <a:latin typeface="Calibri"/>
+                        <a:ea typeface="Calibri"/>
+                        <a:cs typeface="Times New Roman"/>
+                      </a:endParaRPr>
+                    </a:p>
+                  </a:txBody>
+                  <a:tcPr marL="68580" marR="68580" marT="0" marB="0" anchor="ctr"/>
+                </a:tc>
+              </a:tr>
+              <a:tr h="548274">
+                <a:tc>
+                  <a:txBody>
+                    <a:bodyPr/>
+                    <a:lstStyle/>
+                    <a:p>
+                      <a:pPr algn="ctr">
+                        <a:lnSpc>
+                          <a:spcPct val="107000"/>
+                        </a:lnSpc>
+                        <a:spcAft>
+                          <a:spcPts val="0"/>
+                        </a:spcAft>
+                      </a:pPr>
+                      <a:r>
+                        <a:rPr lang="de-DE" sz="1700" dirty="0">
+                          <a:effectLst/>
+                        </a:rPr>
+                        <a:t>F10.4</a:t>
+                      </a:r>
+                      <a:endParaRPr lang="de-DE" sz="1700" dirty="0">
+                        <a:effectLst/>
+                        <a:latin typeface="Calibri"/>
+                        <a:ea typeface="Calibri"/>
+                        <a:cs typeface="Times New Roman"/>
+                      </a:endParaRPr>
+                    </a:p>
+                  </a:txBody>
+                  <a:tcPr marL="68580" marR="68580" marT="0" marB="0" anchor="ctr"/>
+                </a:tc>
+                <a:tc>
+                  <a:txBody>
+                    <a:bodyPr/>
+                    <a:lstStyle/>
+                    <a:p>
+                      <a:pPr algn="ctr">
+                        <a:lnSpc>
+                          <a:spcPct val="107000"/>
+                        </a:lnSpc>
+                        <a:spcAft>
+                          <a:spcPts val="0"/>
+                        </a:spcAft>
+                      </a:pPr>
+                      <a:r>
+                        <a:rPr lang="de-DE" sz="1700" dirty="0">
+                          <a:effectLst/>
+                        </a:rPr>
+                        <a:t>Nach dem Start der App wird der </a:t>
+                      </a:r>
+                      <a:r>
+                        <a:rPr lang="de-DE" sz="1700" dirty="0" err="1">
+                          <a:effectLst/>
+                        </a:rPr>
+                        <a:t>Homescreen</a:t>
+                      </a:r>
+                      <a:r>
+                        <a:rPr lang="de-DE" sz="1700" dirty="0">
+                          <a:effectLst/>
+                        </a:rPr>
+                        <a:t> angezeigt. Hier wird auf den Sprachbefehl zum Scannen gewartet.</a:t>
+                      </a:r>
+                      <a:endParaRPr lang="de-DE" sz="1700" dirty="0">
+                        <a:effectLst/>
+                        <a:latin typeface="Calibri"/>
+                        <a:ea typeface="Calibri"/>
+                        <a:cs typeface="Times New Roman"/>
+                      </a:endParaRPr>
+                    </a:p>
+                  </a:txBody>
+                  <a:tcPr marL="68580" marR="68580" marT="0" marB="0" anchor="ctr"/>
+                </a:tc>
+                <a:tc>
+                  <a:txBody>
+                    <a:bodyPr/>
+                    <a:lstStyle/>
+                    <a:p>
+                      <a:pPr algn="ctr">
+                        <a:lnSpc>
+                          <a:spcPct val="107000"/>
+                        </a:lnSpc>
+                        <a:spcAft>
+                          <a:spcPts val="0"/>
+                        </a:spcAft>
+                      </a:pPr>
+                      <a:r>
+                        <a:rPr lang="de-DE" sz="1700" dirty="0">
+                          <a:effectLst/>
+                        </a:rPr>
+                        <a:t>1</a:t>
+                      </a:r>
+                      <a:endParaRPr lang="de-DE" sz="1700" dirty="0">
+                        <a:effectLst/>
+                        <a:latin typeface="Calibri"/>
+                        <a:ea typeface="Calibri"/>
+                        <a:cs typeface="Times New Roman"/>
+                      </a:endParaRPr>
+                    </a:p>
+                  </a:txBody>
+                  <a:tcPr marL="68580" marR="68580" marT="0" marB="0" anchor="ctr"/>
+                </a:tc>
+              </a:tr>
+              <a:tr h="829624">
+                <a:tc>
+                  <a:txBody>
+                    <a:bodyPr/>
+                    <a:lstStyle/>
+                    <a:p>
+                      <a:pPr algn="ctr">
+                        <a:lnSpc>
+                          <a:spcPct val="107000"/>
+                        </a:lnSpc>
+                        <a:spcAft>
+                          <a:spcPts val="0"/>
+                        </a:spcAft>
+                      </a:pPr>
+                      <a:r>
+                        <a:rPr lang="de-DE" sz="1700" dirty="0">
+                          <a:effectLst/>
+                        </a:rPr>
+                        <a:t>F10.5</a:t>
+                      </a:r>
+                      <a:endParaRPr lang="de-DE" sz="1700" dirty="0">
+                        <a:effectLst/>
+                        <a:latin typeface="Calibri"/>
+                        <a:ea typeface="Calibri"/>
+                        <a:cs typeface="Times New Roman"/>
+                      </a:endParaRPr>
+                    </a:p>
+                  </a:txBody>
+                  <a:tcPr marL="68580" marR="68580" marT="0" marB="0" anchor="ctr"/>
+                </a:tc>
+                <a:tc>
+                  <a:txBody>
+                    <a:bodyPr/>
+                    <a:lstStyle/>
+                    <a:p>
+                      <a:pPr algn="ctr">
+                        <a:lnSpc>
+                          <a:spcPct val="107000"/>
+                        </a:lnSpc>
+                        <a:spcAft>
+                          <a:spcPts val="0"/>
+                        </a:spcAft>
+                      </a:pPr>
+                      <a:r>
+                        <a:rPr lang="de-DE" sz="1700" dirty="0">
+                          <a:effectLst/>
+                        </a:rPr>
+                        <a:t>Mit dem Sprachbefehl "</a:t>
+                      </a:r>
+                      <a:r>
+                        <a:rPr lang="de-DE" sz="1700" dirty="0" err="1">
+                          <a:effectLst/>
+                        </a:rPr>
+                        <a:t>scan</a:t>
+                      </a:r>
+                      <a:r>
+                        <a:rPr lang="de-DE" sz="1700" dirty="0">
+                          <a:effectLst/>
+                        </a:rPr>
+                        <a:t>" aktiviert der User im </a:t>
+                      </a:r>
+                      <a:r>
+                        <a:rPr lang="de-DE" sz="1700" dirty="0" err="1">
+                          <a:effectLst/>
+                        </a:rPr>
+                        <a:t>Homescreen</a:t>
+                      </a:r>
+                      <a:r>
+                        <a:rPr lang="de-DE" sz="1700" dirty="0">
+                          <a:effectLst/>
+                        </a:rPr>
+                        <a:t> den Scanner. Danach kann er über die Kamera den Barcode eines Produkts scannen.</a:t>
+                      </a:r>
+                      <a:endParaRPr lang="de-DE" sz="1700" dirty="0">
+                        <a:effectLst/>
+                        <a:latin typeface="Calibri"/>
+                        <a:ea typeface="Calibri"/>
+                        <a:cs typeface="Times New Roman"/>
+                      </a:endParaRPr>
+                    </a:p>
+                  </a:txBody>
+                  <a:tcPr marL="68580" marR="68580" marT="0" marB="0" anchor="ctr"/>
+                </a:tc>
+                <a:tc>
+                  <a:txBody>
+                    <a:bodyPr/>
+                    <a:lstStyle/>
+                    <a:p>
+                      <a:pPr algn="ctr">
+                        <a:lnSpc>
+                          <a:spcPct val="107000"/>
+                        </a:lnSpc>
+                        <a:spcAft>
+                          <a:spcPts val="0"/>
+                        </a:spcAft>
+                      </a:pPr>
+                      <a:r>
+                        <a:rPr lang="de-DE" sz="1700" dirty="0">
+                          <a:effectLst/>
+                        </a:rPr>
+                        <a:t>1</a:t>
+                      </a:r>
+                      <a:endParaRPr lang="de-DE" sz="1700" dirty="0">
+                        <a:effectLst/>
+                        <a:latin typeface="Calibri"/>
+                        <a:ea typeface="Calibri"/>
+                        <a:cs typeface="Times New Roman"/>
+                      </a:endParaRPr>
+                    </a:p>
+                  </a:txBody>
+                  <a:tcPr marL="68580" marR="68580" marT="0" marB="0" anchor="ctr"/>
+                </a:tc>
+              </a:tr>
+              <a:tr h="829624">
+                <a:tc>
+                  <a:txBody>
+                    <a:bodyPr/>
+                    <a:lstStyle/>
+                    <a:p>
+                      <a:pPr algn="ctr">
+                        <a:lnSpc>
+                          <a:spcPct val="107000"/>
+                        </a:lnSpc>
+                        <a:spcAft>
+                          <a:spcPts val="0"/>
+                        </a:spcAft>
+                      </a:pPr>
+                      <a:r>
+                        <a:rPr lang="de-DE" sz="1700" dirty="0">
+                          <a:effectLst/>
+                        </a:rPr>
+                        <a:t>F10.6</a:t>
+                      </a:r>
+                      <a:endParaRPr lang="de-DE" sz="1700" dirty="0">
+                        <a:effectLst/>
+                        <a:latin typeface="Calibri"/>
+                        <a:ea typeface="Calibri"/>
+                        <a:cs typeface="Times New Roman"/>
+                      </a:endParaRPr>
+                    </a:p>
+                  </a:txBody>
+                  <a:tcPr marL="68580" marR="68580" marT="0" marB="0" anchor="ctr"/>
+                </a:tc>
+                <a:tc>
+                  <a:txBody>
+                    <a:bodyPr/>
+                    <a:lstStyle/>
+                    <a:p>
+                      <a:pPr algn="ctr">
+                        <a:lnSpc>
+                          <a:spcPct val="107000"/>
+                        </a:lnSpc>
+                        <a:spcAft>
+                          <a:spcPts val="0"/>
+                        </a:spcAft>
+                      </a:pPr>
+                      <a:r>
+                        <a:rPr lang="de-DE" sz="1700" dirty="0">
+                          <a:solidFill>
+                            <a:srgbClr val="FF9900"/>
+                          </a:solidFill>
+                          <a:effectLst/>
+                        </a:rPr>
+                        <a:t>Wurde ein Produkt eingescannt, wird dem User auf dem Infoscreen das Ergebnis angezeigt. Nach 10 Sekunden im Infoscreen kehrt die App automatisch in den </a:t>
+                      </a:r>
+                      <a:r>
+                        <a:rPr lang="de-DE" sz="1700" dirty="0" err="1">
+                          <a:solidFill>
+                            <a:srgbClr val="FF9900"/>
+                          </a:solidFill>
+                          <a:effectLst/>
+                        </a:rPr>
+                        <a:t>Homescreen</a:t>
+                      </a:r>
+                      <a:r>
+                        <a:rPr lang="de-DE" sz="1700" dirty="0">
+                          <a:solidFill>
+                            <a:srgbClr val="FF9900"/>
+                          </a:solidFill>
+                          <a:effectLst/>
+                        </a:rPr>
+                        <a:t> zurück.</a:t>
+                      </a:r>
+                      <a:endParaRPr lang="de-DE" sz="1700" dirty="0">
+                        <a:solidFill>
+                          <a:srgbClr val="FF9900"/>
+                        </a:solidFill>
+                        <a:effectLst/>
+                        <a:latin typeface="Calibri"/>
+                        <a:ea typeface="Calibri"/>
+                        <a:cs typeface="Times New Roman"/>
+                      </a:endParaRPr>
+                    </a:p>
+                  </a:txBody>
+                  <a:tcPr marL="68580" marR="68580" marT="0" marB="0" anchor="ctr"/>
+                </a:tc>
+                <a:tc>
+                  <a:txBody>
+                    <a:bodyPr/>
+                    <a:lstStyle/>
+                    <a:p>
+                      <a:pPr algn="ctr">
+                        <a:lnSpc>
+                          <a:spcPct val="107000"/>
+                        </a:lnSpc>
+                        <a:spcAft>
+                          <a:spcPts val="0"/>
+                        </a:spcAft>
+                      </a:pPr>
+                      <a:r>
+                        <a:rPr lang="de-DE" sz="1700" dirty="0">
+                          <a:solidFill>
+                            <a:srgbClr val="FF9900"/>
+                          </a:solidFill>
+                          <a:effectLst/>
+                        </a:rPr>
+                        <a:t>1</a:t>
+                      </a:r>
+                      <a:endParaRPr lang="de-DE" sz="1700" dirty="0">
+                        <a:solidFill>
+                          <a:srgbClr val="FF9900"/>
+                        </a:solidFill>
+                        <a:effectLst/>
+                        <a:latin typeface="Calibri"/>
+                        <a:ea typeface="Calibri"/>
+                        <a:cs typeface="Times New Roman"/>
+                      </a:endParaRPr>
+                    </a:p>
+                  </a:txBody>
+                  <a:tcPr marL="68580" marR="68580" marT="0" marB="0" anchor="ctr"/>
+                </a:tc>
+              </a:tr>
+            </a:tbl>
+          </a:graphicData>
+        </a:graphic>
+      </p:graphicFrame>
     </p:spTree>
     <p:extLst>
       <p:ext uri="{BB962C8B-B14F-4D97-AF65-F5344CB8AC3E}">
@@ -4487,42 +6764,1204 @@
             <p:ph type="title"/>
           </p:nvPr>
         </p:nvSpPr>
-        <p:spPr/>
+        <p:spPr>
+          <a:xfrm>
+            <a:off x="0" y="0"/>
+            <a:ext cx="12192000" cy="1325563"/>
+          </a:xfrm>
+        </p:spPr>
         <p:txBody>
           <a:bodyPr/>
           <a:lstStyle/>
           <a:p>
             <a:r>
-              <a:rPr lang="de-DE" dirty="0" smtClean="0"/>
-              <a:t>Server</a:t>
+              <a:rPr lang="de-DE" dirty="0"/>
+              <a:t>Funktionale Anforderungen</a:t>
             </a:r>
             <a:endParaRPr lang="de-DE" dirty="0"/>
           </a:p>
         </p:txBody>
       </p:sp>
-      <p:sp>
-        <p:nvSpPr>
-          <p:cNvPr id="3" name="Inhaltsplatzhalter 2"/>
-          <p:cNvSpPr>
-            <a:spLocks noGrp="1"/>
-          </p:cNvSpPr>
+      <p:graphicFrame>
+        <p:nvGraphicFramePr>
+          <p:cNvPr id="4" name="Inhaltsplatzhalter 3"/>
+          <p:cNvGraphicFramePr>
+            <a:graphicFrameLocks noGrp="1"/>
+          </p:cNvGraphicFramePr>
           <p:nvPr>
             <p:ph idx="1"/>
-          </p:nvPr>
-        </p:nvSpPr>
-        <p:spPr/>
-        <p:txBody>
-          <a:bodyPr/>
-          <a:lstStyle/>
-          <a:p>
-            <a:endParaRPr lang="de-DE" dirty="0"/>
-          </a:p>
-        </p:txBody>
-      </p:sp>
+            <p:extLst>
+              <p:ext uri="{D42A27DB-BD31-4B8C-83A1-F6EECF244321}">
+                <p14:modId xmlns:p14="http://schemas.microsoft.com/office/powerpoint/2010/main" val="2112684005"/>
+              </p:ext>
+            </p:extLst>
+          </p:nvPr>
+        </p:nvGraphicFramePr>
+        <p:xfrm>
+          <a:off x="341195" y="1241946"/>
+          <a:ext cx="11495513" cy="4867019"/>
+        </p:xfrm>
+        <a:graphic>
+          <a:graphicData uri="http://schemas.openxmlformats.org/drawingml/2006/table">
+            <a:tbl>
+              <a:tblPr firstRow="1" firstCol="1" bandRow="1">
+                <a:tableStyleId>{5C22544A-7EE6-4342-B048-85BDC9FD1C3A}</a:tableStyleId>
+              </a:tblPr>
+              <a:tblGrid>
+                <a:gridCol w="779209"/>
+                <a:gridCol w="9269642"/>
+                <a:gridCol w="1446662"/>
+              </a:tblGrid>
+              <a:tr h="327547">
+                <a:tc>
+                  <a:txBody>
+                    <a:bodyPr/>
+                    <a:lstStyle/>
+                    <a:p>
+                      <a:pPr algn="ctr">
+                        <a:lnSpc>
+                          <a:spcPct val="107000"/>
+                        </a:lnSpc>
+                        <a:spcAft>
+                          <a:spcPts val="0"/>
+                        </a:spcAft>
+                      </a:pPr>
+                      <a:r>
+                        <a:rPr lang="de-DE" sz="2000" dirty="0">
+                          <a:effectLst/>
+                        </a:rPr>
+                        <a:t>ID</a:t>
+                      </a:r>
+                      <a:endParaRPr lang="de-DE" sz="2000" dirty="0">
+                        <a:effectLst/>
+                        <a:latin typeface="Calibri"/>
+                        <a:ea typeface="Calibri"/>
+                        <a:cs typeface="Times New Roman"/>
+                      </a:endParaRPr>
+                    </a:p>
+                  </a:txBody>
+                  <a:tcPr marL="68580" marR="68580" marT="0" marB="0"/>
+                </a:tc>
+                <a:tc>
+                  <a:txBody>
+                    <a:bodyPr/>
+                    <a:lstStyle/>
+                    <a:p>
+                      <a:pPr algn="ctr">
+                        <a:lnSpc>
+                          <a:spcPct val="107000"/>
+                        </a:lnSpc>
+                        <a:spcAft>
+                          <a:spcPts val="0"/>
+                        </a:spcAft>
+                      </a:pPr>
+                      <a:r>
+                        <a:rPr lang="de-DE" sz="2000" dirty="0">
+                          <a:effectLst/>
+                        </a:rPr>
+                        <a:t>Funktionalität</a:t>
+                      </a:r>
+                      <a:endParaRPr lang="de-DE" sz="2000" dirty="0">
+                        <a:effectLst/>
+                        <a:latin typeface="Calibri"/>
+                        <a:ea typeface="Calibri"/>
+                        <a:cs typeface="Times New Roman"/>
+                      </a:endParaRPr>
+                    </a:p>
+                  </a:txBody>
+                  <a:tcPr marL="68580" marR="68580" marT="0" marB="0"/>
+                </a:tc>
+                <a:tc>
+                  <a:txBody>
+                    <a:bodyPr/>
+                    <a:lstStyle/>
+                    <a:p>
+                      <a:pPr algn="ctr">
+                        <a:lnSpc>
+                          <a:spcPct val="107000"/>
+                        </a:lnSpc>
+                        <a:spcAft>
+                          <a:spcPts val="0"/>
+                        </a:spcAft>
+                      </a:pPr>
+                      <a:r>
+                        <a:rPr lang="de-DE" sz="2000" dirty="0">
+                          <a:effectLst/>
+                        </a:rPr>
+                        <a:t>Priorität</a:t>
+                      </a:r>
+                      <a:endParaRPr lang="de-DE" sz="2000" dirty="0">
+                        <a:effectLst/>
+                        <a:latin typeface="Calibri"/>
+                        <a:ea typeface="Calibri"/>
+                        <a:cs typeface="Times New Roman"/>
+                      </a:endParaRPr>
+                    </a:p>
+                  </a:txBody>
+                  <a:tcPr marL="68580" marR="68580" marT="0" marB="0"/>
+                </a:tc>
+              </a:tr>
+              <a:tr h="292976">
+                <a:tc>
+                  <a:txBody>
+                    <a:bodyPr/>
+                    <a:lstStyle/>
+                    <a:p>
+                      <a:pPr algn="ctr">
+                        <a:lnSpc>
+                          <a:spcPct val="107000"/>
+                        </a:lnSpc>
+                        <a:spcAft>
+                          <a:spcPts val="0"/>
+                        </a:spcAft>
+                      </a:pPr>
+                      <a:r>
+                        <a:rPr lang="de-DE" sz="1600" dirty="0" smtClean="0">
+                          <a:effectLst/>
+                        </a:rPr>
+                        <a:t>F20</a:t>
+                      </a:r>
+                      <a:endParaRPr lang="de-DE" sz="1600" dirty="0">
+                        <a:effectLst/>
+                        <a:latin typeface="Calibri"/>
+                        <a:ea typeface="Calibri"/>
+                        <a:cs typeface="Times New Roman"/>
+                      </a:endParaRPr>
+                    </a:p>
+                  </a:txBody>
+                  <a:tcPr marL="68580" marR="68580" marT="0" marB="0">
+                    <a:solidFill>
+                      <a:schemeClr val="accent1"/>
+                    </a:solidFill>
+                  </a:tcPr>
+                </a:tc>
+                <a:tc>
+                  <a:txBody>
+                    <a:bodyPr/>
+                    <a:lstStyle/>
+                    <a:p>
+                      <a:pPr algn="ctr">
+                        <a:lnSpc>
+                          <a:spcPct val="107000"/>
+                        </a:lnSpc>
+                        <a:spcAft>
+                          <a:spcPts val="0"/>
+                        </a:spcAft>
+                      </a:pPr>
+                      <a:r>
+                        <a:rPr lang="en-US" sz="1600" dirty="0" err="1">
+                          <a:solidFill>
+                            <a:schemeClr val="bg1"/>
+                          </a:solidFill>
+                          <a:effectLst/>
+                        </a:rPr>
+                        <a:t>Accountsystem</a:t>
+                      </a:r>
+                      <a:endParaRPr lang="de-DE" sz="1600" dirty="0">
+                        <a:solidFill>
+                          <a:schemeClr val="bg1"/>
+                        </a:solidFill>
+                        <a:effectLst/>
+                        <a:latin typeface="Calibri"/>
+                        <a:ea typeface="Calibri"/>
+                        <a:cs typeface="Times New Roman"/>
+                      </a:endParaRPr>
+                    </a:p>
+                  </a:txBody>
+                  <a:tcPr marL="68580" marR="68580" marT="0" marB="0">
+                    <a:solidFill>
+                      <a:schemeClr val="accent1"/>
+                    </a:solidFill>
+                  </a:tcPr>
+                </a:tc>
+                <a:tc>
+                  <a:txBody>
+                    <a:bodyPr/>
+                    <a:lstStyle/>
+                    <a:p>
+                      <a:pPr algn="ctr">
+                        <a:lnSpc>
+                          <a:spcPct val="107000"/>
+                        </a:lnSpc>
+                        <a:spcAft>
+                          <a:spcPts val="0"/>
+                        </a:spcAft>
+                      </a:pPr>
+                      <a:r>
+                        <a:rPr lang="de-DE" sz="1600" dirty="0" smtClean="0">
+                          <a:effectLst/>
+                        </a:rPr>
+                        <a:t> </a:t>
+                      </a:r>
+                      <a:endParaRPr lang="de-DE" sz="1600" dirty="0">
+                        <a:effectLst/>
+                        <a:latin typeface="Calibri"/>
+                        <a:ea typeface="Calibri"/>
+                        <a:cs typeface="Times New Roman"/>
+                      </a:endParaRPr>
+                    </a:p>
+                  </a:txBody>
+                  <a:tcPr marL="68580" marR="68580" marT="0" marB="0">
+                    <a:solidFill>
+                      <a:schemeClr val="accent1"/>
+                    </a:solidFill>
+                  </a:tcPr>
+                </a:tc>
+              </a:tr>
+              <a:tr h="327456">
+                <a:tc>
+                  <a:txBody>
+                    <a:bodyPr/>
+                    <a:lstStyle/>
+                    <a:p>
+                      <a:pPr algn="ctr">
+                        <a:lnSpc>
+                          <a:spcPct val="107000"/>
+                        </a:lnSpc>
+                        <a:spcAft>
+                          <a:spcPts val="0"/>
+                        </a:spcAft>
+                      </a:pPr>
+                      <a:r>
+                        <a:rPr lang="de-DE" sz="1600" dirty="0">
+                          <a:effectLst/>
+                        </a:rPr>
+                        <a:t>F20.1</a:t>
+                      </a:r>
+                      <a:endParaRPr lang="de-DE" sz="1600" dirty="0">
+                        <a:effectLst/>
+                        <a:latin typeface="Calibri"/>
+                        <a:ea typeface="Calibri"/>
+                        <a:cs typeface="Times New Roman"/>
+                      </a:endParaRPr>
+                    </a:p>
+                  </a:txBody>
+                  <a:tcPr marL="68580" marR="68580" marT="0" marB="0" anchor="ctr"/>
+                </a:tc>
+                <a:tc>
+                  <a:txBody>
+                    <a:bodyPr/>
+                    <a:lstStyle/>
+                    <a:p>
+                      <a:pPr algn="ctr">
+                        <a:lnSpc>
+                          <a:spcPct val="107000"/>
+                        </a:lnSpc>
+                        <a:spcAft>
+                          <a:spcPts val="0"/>
+                        </a:spcAft>
+                      </a:pPr>
+                      <a:r>
+                        <a:rPr lang="de-DE" sz="1600" dirty="0">
+                          <a:effectLst/>
+                        </a:rPr>
+                        <a:t>Der User kann einen Account erstellen, der persistent im System gespeichert wird. (siehe F30.1)</a:t>
+                      </a:r>
+                      <a:endParaRPr lang="de-DE" sz="1600" dirty="0">
+                        <a:effectLst/>
+                        <a:latin typeface="Calibri"/>
+                        <a:ea typeface="Calibri"/>
+                        <a:cs typeface="Times New Roman"/>
+                      </a:endParaRPr>
+                    </a:p>
+                  </a:txBody>
+                  <a:tcPr marL="68580" marR="68580" marT="0" marB="0" anchor="ctr"/>
+                </a:tc>
+                <a:tc>
+                  <a:txBody>
+                    <a:bodyPr/>
+                    <a:lstStyle/>
+                    <a:p>
+                      <a:pPr algn="ctr">
+                        <a:lnSpc>
+                          <a:spcPct val="107000"/>
+                        </a:lnSpc>
+                        <a:spcAft>
+                          <a:spcPts val="0"/>
+                        </a:spcAft>
+                      </a:pPr>
+                      <a:r>
+                        <a:rPr lang="de-DE" sz="1600" dirty="0">
+                          <a:effectLst/>
+                        </a:rPr>
+                        <a:t>1</a:t>
+                      </a:r>
+                      <a:endParaRPr lang="de-DE" sz="1600" dirty="0">
+                        <a:effectLst/>
+                        <a:latin typeface="Calibri"/>
+                        <a:ea typeface="Calibri"/>
+                        <a:cs typeface="Times New Roman"/>
+                      </a:endParaRPr>
+                    </a:p>
+                  </a:txBody>
+                  <a:tcPr marL="68580" marR="68580" marT="0" marB="0" anchor="ctr"/>
+                </a:tc>
+              </a:tr>
+              <a:tr h="327456">
+                <a:tc>
+                  <a:txBody>
+                    <a:bodyPr/>
+                    <a:lstStyle/>
+                    <a:p>
+                      <a:pPr algn="ctr">
+                        <a:lnSpc>
+                          <a:spcPct val="107000"/>
+                        </a:lnSpc>
+                        <a:spcAft>
+                          <a:spcPts val="0"/>
+                        </a:spcAft>
+                      </a:pPr>
+                      <a:r>
+                        <a:rPr lang="de-DE" sz="1600">
+                          <a:effectLst/>
+                        </a:rPr>
+                        <a:t>F20.2</a:t>
+                      </a:r>
+                      <a:endParaRPr lang="de-DE" sz="1600">
+                        <a:effectLst/>
+                        <a:latin typeface="Calibri"/>
+                        <a:ea typeface="Calibri"/>
+                        <a:cs typeface="Times New Roman"/>
+                      </a:endParaRPr>
+                    </a:p>
+                  </a:txBody>
+                  <a:tcPr marL="68580" marR="68580" marT="0" marB="0" anchor="ctr"/>
+                </a:tc>
+                <a:tc>
+                  <a:txBody>
+                    <a:bodyPr/>
+                    <a:lstStyle/>
+                    <a:p>
+                      <a:pPr algn="ctr">
+                        <a:lnSpc>
+                          <a:spcPct val="107000"/>
+                        </a:lnSpc>
+                        <a:spcAft>
+                          <a:spcPts val="0"/>
+                        </a:spcAft>
+                      </a:pPr>
+                      <a:r>
+                        <a:rPr lang="de-DE" sz="1600" dirty="0">
+                          <a:effectLst/>
+                        </a:rPr>
+                        <a:t>Der User kann beliebig viele mobile Endgeräte mit seinem Account verbinden.</a:t>
+                      </a:r>
+                      <a:endParaRPr lang="de-DE" sz="1600" dirty="0">
+                        <a:effectLst/>
+                        <a:latin typeface="Calibri"/>
+                        <a:ea typeface="Calibri"/>
+                        <a:cs typeface="Times New Roman"/>
+                      </a:endParaRPr>
+                    </a:p>
+                  </a:txBody>
+                  <a:tcPr marL="68580" marR="68580" marT="0" marB="0" anchor="ctr"/>
+                </a:tc>
+                <a:tc>
+                  <a:txBody>
+                    <a:bodyPr/>
+                    <a:lstStyle/>
+                    <a:p>
+                      <a:pPr algn="ctr">
+                        <a:lnSpc>
+                          <a:spcPct val="107000"/>
+                        </a:lnSpc>
+                        <a:spcAft>
+                          <a:spcPts val="0"/>
+                        </a:spcAft>
+                      </a:pPr>
+                      <a:r>
+                        <a:rPr lang="de-DE" sz="1600" dirty="0">
+                          <a:effectLst/>
+                        </a:rPr>
+                        <a:t>2</a:t>
+                      </a:r>
+                      <a:endParaRPr lang="de-DE" sz="1600" dirty="0">
+                        <a:effectLst/>
+                        <a:latin typeface="Calibri"/>
+                        <a:ea typeface="Calibri"/>
+                        <a:cs typeface="Times New Roman"/>
+                      </a:endParaRPr>
+                    </a:p>
+                  </a:txBody>
+                  <a:tcPr marL="68580" marR="68580" marT="0" marB="0" anchor="ctr"/>
+                </a:tc>
+              </a:tr>
+              <a:tr h="233142">
+                <a:tc>
+                  <a:txBody>
+                    <a:bodyPr/>
+                    <a:lstStyle/>
+                    <a:p>
+                      <a:pPr algn="ctr">
+                        <a:lnSpc>
+                          <a:spcPct val="107000"/>
+                        </a:lnSpc>
+                        <a:spcAft>
+                          <a:spcPts val="0"/>
+                        </a:spcAft>
+                      </a:pPr>
+                      <a:r>
+                        <a:rPr lang="de-DE" sz="1600" dirty="0">
+                          <a:effectLst/>
+                        </a:rPr>
+                        <a:t>F30</a:t>
+                      </a:r>
+                      <a:endParaRPr lang="de-DE" sz="1600" dirty="0">
+                        <a:effectLst/>
+                        <a:latin typeface="Calibri"/>
+                        <a:ea typeface="Calibri"/>
+                        <a:cs typeface="Times New Roman"/>
+                      </a:endParaRPr>
+                    </a:p>
+                  </a:txBody>
+                  <a:tcPr marL="68580" marR="68580" marT="0" marB="0"/>
+                </a:tc>
+                <a:tc>
+                  <a:txBody>
+                    <a:bodyPr/>
+                    <a:lstStyle/>
+                    <a:p>
+                      <a:pPr algn="ctr">
+                        <a:lnSpc>
+                          <a:spcPct val="107000"/>
+                        </a:lnSpc>
+                        <a:spcAft>
+                          <a:spcPts val="0"/>
+                        </a:spcAft>
+                      </a:pPr>
+                      <a:r>
+                        <a:rPr lang="de-DE" sz="1600" dirty="0">
+                          <a:solidFill>
+                            <a:schemeClr val="bg1"/>
+                          </a:solidFill>
+                          <a:effectLst/>
+                        </a:rPr>
+                        <a:t>Webapplikation</a:t>
+                      </a:r>
+                      <a:endParaRPr lang="de-DE" sz="1600" dirty="0">
+                        <a:solidFill>
+                          <a:schemeClr val="bg1"/>
+                        </a:solidFill>
+                        <a:effectLst/>
+                        <a:latin typeface="Calibri"/>
+                        <a:ea typeface="Calibri"/>
+                        <a:cs typeface="Times New Roman"/>
+                      </a:endParaRPr>
+                    </a:p>
+                  </a:txBody>
+                  <a:tcPr marL="68580" marR="68580" marT="0" marB="0">
+                    <a:solidFill>
+                      <a:schemeClr val="accent1"/>
+                    </a:solidFill>
+                  </a:tcPr>
+                </a:tc>
+                <a:tc>
+                  <a:txBody>
+                    <a:bodyPr/>
+                    <a:lstStyle/>
+                    <a:p>
+                      <a:pPr algn="ctr">
+                        <a:lnSpc>
+                          <a:spcPct val="107000"/>
+                        </a:lnSpc>
+                        <a:spcAft>
+                          <a:spcPts val="0"/>
+                        </a:spcAft>
+                      </a:pPr>
+                      <a:r>
+                        <a:rPr lang="de-DE" sz="1600" dirty="0">
+                          <a:effectLst/>
+                        </a:rPr>
+                        <a:t> </a:t>
+                      </a:r>
+                      <a:endParaRPr lang="de-DE" sz="1600" dirty="0">
+                        <a:effectLst/>
+                        <a:latin typeface="Calibri"/>
+                        <a:ea typeface="Calibri"/>
+                        <a:cs typeface="Times New Roman"/>
+                      </a:endParaRPr>
+                    </a:p>
+                  </a:txBody>
+                  <a:tcPr marL="68580" marR="68580" marT="0" marB="0">
+                    <a:solidFill>
+                      <a:schemeClr val="accent1"/>
+                    </a:solidFill>
+                  </a:tcPr>
+                </a:tc>
+              </a:tr>
+              <a:tr h="327456">
+                <a:tc>
+                  <a:txBody>
+                    <a:bodyPr/>
+                    <a:lstStyle/>
+                    <a:p>
+                      <a:pPr algn="ctr">
+                        <a:lnSpc>
+                          <a:spcPct val="107000"/>
+                        </a:lnSpc>
+                        <a:spcAft>
+                          <a:spcPts val="0"/>
+                        </a:spcAft>
+                      </a:pPr>
+                      <a:r>
+                        <a:rPr lang="de-DE" sz="1600" dirty="0">
+                          <a:effectLst/>
+                        </a:rPr>
+                        <a:t>F30.1</a:t>
+                      </a:r>
+                      <a:endParaRPr lang="de-DE" sz="1600" dirty="0">
+                        <a:effectLst/>
+                        <a:latin typeface="Calibri"/>
+                        <a:ea typeface="Calibri"/>
+                        <a:cs typeface="Times New Roman"/>
+                      </a:endParaRPr>
+                    </a:p>
+                  </a:txBody>
+                  <a:tcPr marL="68580" marR="68580" marT="0" marB="0" anchor="ctr"/>
+                </a:tc>
+                <a:tc>
+                  <a:txBody>
+                    <a:bodyPr/>
+                    <a:lstStyle/>
+                    <a:p>
+                      <a:pPr algn="ctr">
+                        <a:lnSpc>
+                          <a:spcPct val="107000"/>
+                        </a:lnSpc>
+                        <a:spcAft>
+                          <a:spcPts val="0"/>
+                        </a:spcAft>
+                      </a:pPr>
+                      <a:r>
+                        <a:rPr lang="de-DE" sz="1600" dirty="0">
+                          <a:effectLst/>
+                        </a:rPr>
+                        <a:t>Der User kann einen neuen Account über ein Registrierungsformular erstellen. (siehe F20.1)</a:t>
+                      </a:r>
+                      <a:endParaRPr lang="de-DE" sz="1600" dirty="0">
+                        <a:effectLst/>
+                        <a:latin typeface="Calibri"/>
+                        <a:ea typeface="Calibri"/>
+                        <a:cs typeface="Times New Roman"/>
+                      </a:endParaRPr>
+                    </a:p>
+                  </a:txBody>
+                  <a:tcPr marL="68580" marR="68580" marT="0" marB="0" anchor="ctr"/>
+                </a:tc>
+                <a:tc>
+                  <a:txBody>
+                    <a:bodyPr/>
+                    <a:lstStyle/>
+                    <a:p>
+                      <a:pPr algn="ctr">
+                        <a:lnSpc>
+                          <a:spcPct val="107000"/>
+                        </a:lnSpc>
+                        <a:spcAft>
+                          <a:spcPts val="0"/>
+                        </a:spcAft>
+                      </a:pPr>
+                      <a:r>
+                        <a:rPr lang="de-DE" sz="1600">
+                          <a:effectLst/>
+                        </a:rPr>
+                        <a:t>1</a:t>
+                      </a:r>
+                      <a:endParaRPr lang="de-DE" sz="1600">
+                        <a:effectLst/>
+                        <a:latin typeface="Calibri"/>
+                        <a:ea typeface="Calibri"/>
+                        <a:cs typeface="Times New Roman"/>
+                      </a:endParaRPr>
+                    </a:p>
+                  </a:txBody>
+                  <a:tcPr marL="68580" marR="68580" marT="0" marB="0" anchor="ctr"/>
+                </a:tc>
+              </a:tr>
+              <a:tr h="327456">
+                <a:tc>
+                  <a:txBody>
+                    <a:bodyPr/>
+                    <a:lstStyle/>
+                    <a:p>
+                      <a:pPr algn="ctr">
+                        <a:lnSpc>
+                          <a:spcPct val="107000"/>
+                        </a:lnSpc>
+                        <a:spcAft>
+                          <a:spcPts val="0"/>
+                        </a:spcAft>
+                      </a:pPr>
+                      <a:r>
+                        <a:rPr lang="de-DE" sz="1600">
+                          <a:effectLst/>
+                        </a:rPr>
+                        <a:t>F30.2</a:t>
+                      </a:r>
+                      <a:endParaRPr lang="de-DE" sz="1600">
+                        <a:effectLst/>
+                        <a:latin typeface="Calibri"/>
+                        <a:ea typeface="Calibri"/>
+                        <a:cs typeface="Times New Roman"/>
+                      </a:endParaRPr>
+                    </a:p>
+                  </a:txBody>
+                  <a:tcPr marL="68580" marR="68580" marT="0" marB="0" anchor="ctr"/>
+                </a:tc>
+                <a:tc>
+                  <a:txBody>
+                    <a:bodyPr/>
+                    <a:lstStyle/>
+                    <a:p>
+                      <a:pPr algn="ctr">
+                        <a:lnSpc>
+                          <a:spcPct val="107000"/>
+                        </a:lnSpc>
+                        <a:spcAft>
+                          <a:spcPts val="0"/>
+                        </a:spcAft>
+                      </a:pPr>
+                      <a:r>
+                        <a:rPr lang="de-DE" sz="1600" dirty="0">
+                          <a:effectLst/>
+                        </a:rPr>
+                        <a:t>Der User kann sich mit seiner Email-Adresse und seinem Passwort in einem Login Formular anmelden. </a:t>
+                      </a:r>
+                      <a:endParaRPr lang="de-DE" sz="1600" dirty="0">
+                        <a:effectLst/>
+                        <a:latin typeface="Calibri"/>
+                        <a:ea typeface="Calibri"/>
+                        <a:cs typeface="Times New Roman"/>
+                      </a:endParaRPr>
+                    </a:p>
+                  </a:txBody>
+                  <a:tcPr marL="68580" marR="68580" marT="0" marB="0" anchor="ctr"/>
+                </a:tc>
+                <a:tc>
+                  <a:txBody>
+                    <a:bodyPr/>
+                    <a:lstStyle/>
+                    <a:p>
+                      <a:pPr algn="ctr">
+                        <a:lnSpc>
+                          <a:spcPct val="107000"/>
+                        </a:lnSpc>
+                        <a:spcAft>
+                          <a:spcPts val="0"/>
+                        </a:spcAft>
+                      </a:pPr>
+                      <a:r>
+                        <a:rPr lang="de-DE" sz="1600">
+                          <a:effectLst/>
+                        </a:rPr>
+                        <a:t>1</a:t>
+                      </a:r>
+                      <a:endParaRPr lang="de-DE" sz="1600">
+                        <a:effectLst/>
+                        <a:latin typeface="Calibri"/>
+                        <a:ea typeface="Calibri"/>
+                        <a:cs typeface="Times New Roman"/>
+                      </a:endParaRPr>
+                    </a:p>
+                  </a:txBody>
+                  <a:tcPr marL="68580" marR="68580" marT="0" marB="0" anchor="ctr"/>
+                </a:tc>
+              </a:tr>
+              <a:tr h="327456">
+                <a:tc>
+                  <a:txBody>
+                    <a:bodyPr/>
+                    <a:lstStyle/>
+                    <a:p>
+                      <a:pPr algn="ctr">
+                        <a:lnSpc>
+                          <a:spcPct val="107000"/>
+                        </a:lnSpc>
+                        <a:spcAft>
+                          <a:spcPts val="0"/>
+                        </a:spcAft>
+                      </a:pPr>
+                      <a:r>
+                        <a:rPr lang="de-DE" sz="1600">
+                          <a:effectLst/>
+                        </a:rPr>
+                        <a:t>F30.3</a:t>
+                      </a:r>
+                      <a:endParaRPr lang="de-DE" sz="1600">
+                        <a:effectLst/>
+                        <a:latin typeface="Calibri"/>
+                        <a:ea typeface="Calibri"/>
+                        <a:cs typeface="Times New Roman"/>
+                      </a:endParaRPr>
+                    </a:p>
+                  </a:txBody>
+                  <a:tcPr marL="68580" marR="68580" marT="0" marB="0" anchor="ctr"/>
+                </a:tc>
+                <a:tc>
+                  <a:txBody>
+                    <a:bodyPr/>
+                    <a:lstStyle/>
+                    <a:p>
+                      <a:pPr algn="ctr">
+                        <a:lnSpc>
+                          <a:spcPct val="107000"/>
+                        </a:lnSpc>
+                        <a:spcAft>
+                          <a:spcPts val="0"/>
+                        </a:spcAft>
+                      </a:pPr>
+                      <a:r>
+                        <a:rPr lang="de-DE" sz="1600" dirty="0">
+                          <a:effectLst/>
+                        </a:rPr>
+                        <a:t>Der User kann Einträge aus der Inhaltsstoffdatenbank zu seiner </a:t>
+                      </a:r>
+                      <a:r>
+                        <a:rPr lang="de-DE" sz="1600" dirty="0" err="1">
+                          <a:effectLst/>
+                        </a:rPr>
+                        <a:t>Blacklist</a:t>
+                      </a:r>
+                      <a:r>
+                        <a:rPr lang="de-DE" sz="1600" dirty="0">
+                          <a:effectLst/>
+                        </a:rPr>
+                        <a:t> sowohl hinzufügen als auch wieder entfernen.</a:t>
+                      </a:r>
+                      <a:endParaRPr lang="de-DE" sz="1600" dirty="0">
+                        <a:effectLst/>
+                        <a:latin typeface="Calibri"/>
+                        <a:ea typeface="Calibri"/>
+                        <a:cs typeface="Times New Roman"/>
+                      </a:endParaRPr>
+                    </a:p>
+                  </a:txBody>
+                  <a:tcPr marL="68580" marR="68580" marT="0" marB="0" anchor="ctr"/>
+                </a:tc>
+                <a:tc>
+                  <a:txBody>
+                    <a:bodyPr/>
+                    <a:lstStyle/>
+                    <a:p>
+                      <a:pPr algn="ctr">
+                        <a:lnSpc>
+                          <a:spcPct val="107000"/>
+                        </a:lnSpc>
+                        <a:spcAft>
+                          <a:spcPts val="0"/>
+                        </a:spcAft>
+                      </a:pPr>
+                      <a:r>
+                        <a:rPr lang="de-DE" sz="1600">
+                          <a:effectLst/>
+                        </a:rPr>
+                        <a:t>1</a:t>
+                      </a:r>
+                      <a:endParaRPr lang="de-DE" sz="1600">
+                        <a:effectLst/>
+                        <a:latin typeface="Calibri"/>
+                        <a:ea typeface="Calibri"/>
+                        <a:cs typeface="Times New Roman"/>
+                      </a:endParaRPr>
+                    </a:p>
+                  </a:txBody>
+                  <a:tcPr marL="68580" marR="68580" marT="0" marB="0" anchor="ctr"/>
+                </a:tc>
+              </a:tr>
+              <a:tr h="327456">
+                <a:tc>
+                  <a:txBody>
+                    <a:bodyPr/>
+                    <a:lstStyle/>
+                    <a:p>
+                      <a:pPr algn="ctr">
+                        <a:lnSpc>
+                          <a:spcPct val="107000"/>
+                        </a:lnSpc>
+                        <a:spcAft>
+                          <a:spcPts val="0"/>
+                        </a:spcAft>
+                      </a:pPr>
+                      <a:r>
+                        <a:rPr lang="de-DE" sz="1600">
+                          <a:effectLst/>
+                        </a:rPr>
+                        <a:t>F30.4</a:t>
+                      </a:r>
+                      <a:endParaRPr lang="de-DE" sz="1600">
+                        <a:effectLst/>
+                        <a:latin typeface="Calibri"/>
+                        <a:ea typeface="Calibri"/>
+                        <a:cs typeface="Times New Roman"/>
+                      </a:endParaRPr>
+                    </a:p>
+                  </a:txBody>
+                  <a:tcPr marL="68580" marR="68580" marT="0" marB="0" anchor="ctr"/>
+                </a:tc>
+                <a:tc>
+                  <a:txBody>
+                    <a:bodyPr/>
+                    <a:lstStyle/>
+                    <a:p>
+                      <a:pPr algn="ctr">
+                        <a:lnSpc>
+                          <a:spcPct val="107000"/>
+                        </a:lnSpc>
+                        <a:spcAft>
+                          <a:spcPts val="0"/>
+                        </a:spcAft>
+                      </a:pPr>
+                      <a:r>
+                        <a:rPr lang="de-DE" sz="1600" dirty="0">
+                          <a:effectLst/>
+                        </a:rPr>
+                        <a:t>Der User kann HMDs koppeln und entkoppeln.</a:t>
+                      </a:r>
+                      <a:endParaRPr lang="de-DE" sz="1600" dirty="0">
+                        <a:effectLst/>
+                        <a:latin typeface="Calibri"/>
+                        <a:ea typeface="Calibri"/>
+                        <a:cs typeface="Times New Roman"/>
+                      </a:endParaRPr>
+                    </a:p>
+                  </a:txBody>
+                  <a:tcPr marL="68580" marR="68580" marT="0" marB="0" anchor="ctr"/>
+                </a:tc>
+                <a:tc>
+                  <a:txBody>
+                    <a:bodyPr/>
+                    <a:lstStyle/>
+                    <a:p>
+                      <a:pPr algn="ctr">
+                        <a:lnSpc>
+                          <a:spcPct val="107000"/>
+                        </a:lnSpc>
+                        <a:spcAft>
+                          <a:spcPts val="0"/>
+                        </a:spcAft>
+                      </a:pPr>
+                      <a:r>
+                        <a:rPr lang="de-DE" sz="1600">
+                          <a:effectLst/>
+                        </a:rPr>
+                        <a:t>2</a:t>
+                      </a:r>
+                      <a:endParaRPr lang="de-DE" sz="1600">
+                        <a:effectLst/>
+                        <a:latin typeface="Calibri"/>
+                        <a:ea typeface="Calibri"/>
+                        <a:cs typeface="Times New Roman"/>
+                      </a:endParaRPr>
+                    </a:p>
+                  </a:txBody>
+                  <a:tcPr marL="68580" marR="68580" marT="0" marB="0" anchor="ctr"/>
+                </a:tc>
+              </a:tr>
+              <a:tr h="327456">
+                <a:tc>
+                  <a:txBody>
+                    <a:bodyPr/>
+                    <a:lstStyle/>
+                    <a:p>
+                      <a:pPr algn="ctr">
+                        <a:lnSpc>
+                          <a:spcPct val="107000"/>
+                        </a:lnSpc>
+                        <a:spcAft>
+                          <a:spcPts val="0"/>
+                        </a:spcAft>
+                      </a:pPr>
+                      <a:r>
+                        <a:rPr lang="de-DE" sz="1600">
+                          <a:effectLst/>
+                        </a:rPr>
+                        <a:t>F30.5</a:t>
+                      </a:r>
+                      <a:endParaRPr lang="de-DE" sz="1600">
+                        <a:effectLst/>
+                        <a:latin typeface="Calibri"/>
+                        <a:ea typeface="Calibri"/>
+                        <a:cs typeface="Times New Roman"/>
+                      </a:endParaRPr>
+                    </a:p>
+                  </a:txBody>
+                  <a:tcPr marL="68580" marR="68580" marT="0" marB="0" anchor="ctr"/>
+                </a:tc>
+                <a:tc>
+                  <a:txBody>
+                    <a:bodyPr/>
+                    <a:lstStyle/>
+                    <a:p>
+                      <a:pPr algn="ctr">
+                        <a:lnSpc>
+                          <a:spcPct val="107000"/>
+                        </a:lnSpc>
+                        <a:spcAft>
+                          <a:spcPts val="0"/>
+                        </a:spcAft>
+                      </a:pPr>
+                      <a:r>
+                        <a:rPr lang="de-DE" sz="1600" dirty="0">
+                          <a:effectLst/>
+                        </a:rPr>
+                        <a:t>Für die Verbindung mit der HMD-App wird ein Barcode im Web-Browser angezeigt.</a:t>
+                      </a:r>
+                      <a:endParaRPr lang="de-DE" sz="1600" dirty="0">
+                        <a:effectLst/>
+                        <a:latin typeface="Calibri"/>
+                        <a:ea typeface="Calibri"/>
+                        <a:cs typeface="Times New Roman"/>
+                      </a:endParaRPr>
+                    </a:p>
+                  </a:txBody>
+                  <a:tcPr marL="68580" marR="68580" marT="0" marB="0" anchor="ctr"/>
+                </a:tc>
+                <a:tc>
+                  <a:txBody>
+                    <a:bodyPr/>
+                    <a:lstStyle/>
+                    <a:p>
+                      <a:pPr algn="ctr">
+                        <a:lnSpc>
+                          <a:spcPct val="107000"/>
+                        </a:lnSpc>
+                        <a:spcAft>
+                          <a:spcPts val="0"/>
+                        </a:spcAft>
+                      </a:pPr>
+                      <a:r>
+                        <a:rPr lang="de-DE" sz="1600">
+                          <a:effectLst/>
+                        </a:rPr>
+                        <a:t>2</a:t>
+                      </a:r>
+                      <a:endParaRPr lang="de-DE" sz="1600">
+                        <a:effectLst/>
+                        <a:latin typeface="Calibri"/>
+                        <a:ea typeface="Calibri"/>
+                        <a:cs typeface="Times New Roman"/>
+                      </a:endParaRPr>
+                    </a:p>
+                  </a:txBody>
+                  <a:tcPr marL="68580" marR="68580" marT="0" marB="0" anchor="ctr"/>
+                </a:tc>
+              </a:tr>
+              <a:tr h="327456">
+                <a:tc>
+                  <a:txBody>
+                    <a:bodyPr/>
+                    <a:lstStyle/>
+                    <a:p>
+                      <a:pPr algn="ctr">
+                        <a:lnSpc>
+                          <a:spcPct val="107000"/>
+                        </a:lnSpc>
+                        <a:spcAft>
+                          <a:spcPts val="0"/>
+                        </a:spcAft>
+                      </a:pPr>
+                      <a:r>
+                        <a:rPr lang="de-DE" sz="1600">
+                          <a:effectLst/>
+                        </a:rPr>
+                        <a:t>F30.6</a:t>
+                      </a:r>
+                      <a:endParaRPr lang="de-DE" sz="1600">
+                        <a:effectLst/>
+                        <a:latin typeface="Calibri"/>
+                        <a:ea typeface="Calibri"/>
+                        <a:cs typeface="Times New Roman"/>
+                      </a:endParaRPr>
+                    </a:p>
+                  </a:txBody>
+                  <a:tcPr marL="68580" marR="68580" marT="0" marB="0" anchor="ctr"/>
+                </a:tc>
+                <a:tc>
+                  <a:txBody>
+                    <a:bodyPr/>
+                    <a:lstStyle/>
+                    <a:p>
+                      <a:pPr algn="ctr">
+                        <a:lnSpc>
+                          <a:spcPct val="107000"/>
+                        </a:lnSpc>
+                        <a:spcAft>
+                          <a:spcPts val="0"/>
+                        </a:spcAft>
+                      </a:pPr>
+                      <a:r>
+                        <a:rPr lang="de-DE" sz="1600" dirty="0">
+                          <a:effectLst/>
+                        </a:rPr>
+                        <a:t>Der User kann seine Email-Adresse und sein Passwort ändern.</a:t>
+                      </a:r>
+                      <a:endParaRPr lang="de-DE" sz="1600" dirty="0">
+                        <a:effectLst/>
+                        <a:latin typeface="Calibri"/>
+                        <a:ea typeface="Calibri"/>
+                        <a:cs typeface="Times New Roman"/>
+                      </a:endParaRPr>
+                    </a:p>
+                  </a:txBody>
+                  <a:tcPr marL="68580" marR="68580" marT="0" marB="0" anchor="ctr"/>
+                </a:tc>
+                <a:tc>
+                  <a:txBody>
+                    <a:bodyPr/>
+                    <a:lstStyle/>
+                    <a:p>
+                      <a:pPr algn="ctr">
+                        <a:lnSpc>
+                          <a:spcPct val="107000"/>
+                        </a:lnSpc>
+                        <a:spcAft>
+                          <a:spcPts val="0"/>
+                        </a:spcAft>
+                      </a:pPr>
+                      <a:r>
+                        <a:rPr lang="de-DE" sz="1600">
+                          <a:effectLst/>
+                        </a:rPr>
+                        <a:t>2</a:t>
+                      </a:r>
+                      <a:endParaRPr lang="de-DE" sz="1600">
+                        <a:effectLst/>
+                        <a:latin typeface="Calibri"/>
+                        <a:ea typeface="Calibri"/>
+                        <a:cs typeface="Times New Roman"/>
+                      </a:endParaRPr>
+                    </a:p>
+                  </a:txBody>
+                  <a:tcPr marL="68580" marR="68580" marT="0" marB="0" anchor="ctr"/>
+                </a:tc>
+              </a:tr>
+              <a:tr h="654910">
+                <a:tc>
+                  <a:txBody>
+                    <a:bodyPr/>
+                    <a:lstStyle/>
+                    <a:p>
+                      <a:pPr algn="ctr">
+                        <a:lnSpc>
+                          <a:spcPct val="107000"/>
+                        </a:lnSpc>
+                        <a:spcAft>
+                          <a:spcPts val="0"/>
+                        </a:spcAft>
+                      </a:pPr>
+                      <a:r>
+                        <a:rPr lang="de-DE" sz="1600" dirty="0">
+                          <a:effectLst/>
+                        </a:rPr>
+                        <a:t>F30.7</a:t>
+                      </a:r>
+                      <a:endParaRPr lang="de-DE" sz="1600" dirty="0">
+                        <a:effectLst/>
+                        <a:latin typeface="Calibri"/>
+                        <a:ea typeface="Calibri"/>
+                        <a:cs typeface="Times New Roman"/>
+                      </a:endParaRPr>
+                    </a:p>
+                  </a:txBody>
+                  <a:tcPr marL="68580" marR="68580" marT="0" marB="0" anchor="ctr"/>
+                </a:tc>
+                <a:tc>
+                  <a:txBody>
+                    <a:bodyPr/>
+                    <a:lstStyle/>
+                    <a:p>
+                      <a:pPr algn="ctr">
+                        <a:lnSpc>
+                          <a:spcPct val="107000"/>
+                        </a:lnSpc>
+                        <a:spcAft>
+                          <a:spcPts val="0"/>
+                        </a:spcAft>
+                      </a:pPr>
+                      <a:r>
+                        <a:rPr lang="de-DE" sz="1600" dirty="0">
+                          <a:solidFill>
+                            <a:srgbClr val="FF0000"/>
+                          </a:solidFill>
+                          <a:effectLst/>
+                        </a:rPr>
+                        <a:t>Registriert sich ein User oder ändert er seine Emailadresse, muss er diese bestätigen. Zum Bestätigen wird </a:t>
+                      </a:r>
+                      <a:r>
+                        <a:rPr lang="de-DE" sz="1600" dirty="0" smtClean="0">
+                          <a:solidFill>
+                            <a:srgbClr val="FF0000"/>
+                          </a:solidFill>
+                          <a:effectLst/>
+                        </a:rPr>
+                        <a:t>ein </a:t>
+                      </a:r>
+                      <a:r>
+                        <a:rPr lang="de-DE" sz="1600" dirty="0">
+                          <a:solidFill>
+                            <a:srgbClr val="FF0000"/>
+                          </a:solidFill>
+                          <a:effectLst/>
+                        </a:rPr>
+                        <a:t>Bestätigungslink an die Emailadresse versandt, die durch den User bestätigt werden muss.</a:t>
+                      </a:r>
+                      <a:endParaRPr lang="de-DE" sz="1600" dirty="0">
+                        <a:solidFill>
+                          <a:srgbClr val="FF0000"/>
+                        </a:solidFill>
+                        <a:effectLst/>
+                        <a:latin typeface="Calibri"/>
+                        <a:ea typeface="Calibri"/>
+                        <a:cs typeface="Times New Roman"/>
+                      </a:endParaRPr>
+                    </a:p>
+                  </a:txBody>
+                  <a:tcPr marL="68580" marR="68580" marT="0" marB="0" anchor="ctr"/>
+                </a:tc>
+                <a:tc>
+                  <a:txBody>
+                    <a:bodyPr/>
+                    <a:lstStyle/>
+                    <a:p>
+                      <a:pPr algn="ctr">
+                        <a:lnSpc>
+                          <a:spcPct val="107000"/>
+                        </a:lnSpc>
+                        <a:spcAft>
+                          <a:spcPts val="0"/>
+                        </a:spcAft>
+                      </a:pPr>
+                      <a:r>
+                        <a:rPr lang="de-DE" sz="1600" dirty="0">
+                          <a:solidFill>
+                            <a:srgbClr val="FF0000"/>
+                          </a:solidFill>
+                          <a:effectLst/>
+                        </a:rPr>
+                        <a:t>2</a:t>
+                      </a:r>
+                      <a:endParaRPr lang="de-DE" sz="1600" dirty="0">
+                        <a:solidFill>
+                          <a:srgbClr val="FF0000"/>
+                        </a:solidFill>
+                        <a:effectLst/>
+                        <a:latin typeface="Calibri"/>
+                        <a:ea typeface="Calibri"/>
+                        <a:cs typeface="Times New Roman"/>
+                      </a:endParaRPr>
+                    </a:p>
+                  </a:txBody>
+                  <a:tcPr marL="68580" marR="68580" marT="0" marB="0" anchor="ctr"/>
+                </a:tc>
+              </a:tr>
+            </a:tbl>
+          </a:graphicData>
+        </a:graphic>
+      </p:graphicFrame>
     </p:spTree>
     <p:extLst>
       <p:ext uri="{BB962C8B-B14F-4D97-AF65-F5344CB8AC3E}">
-        <p14:creationId xmlns:p14="http://schemas.microsoft.com/office/powerpoint/2010/main" val="2919619131"/>
+        <p14:creationId xmlns:p14="http://schemas.microsoft.com/office/powerpoint/2010/main" val="3437110227"/>
       </p:ext>
     </p:extLst>
   </p:cSld>
@@ -4566,42 +8005,935 @@
             <p:ph type="title"/>
           </p:nvPr>
         </p:nvSpPr>
-        <p:spPr/>
+        <p:spPr>
+          <a:xfrm>
+            <a:off x="0" y="0"/>
+            <a:ext cx="12192000" cy="1325563"/>
+          </a:xfrm>
+        </p:spPr>
         <p:txBody>
           <a:bodyPr/>
           <a:lstStyle/>
           <a:p>
             <a:r>
-              <a:rPr lang="de-DE" dirty="0" smtClean="0"/>
-              <a:t>Datenbank</a:t>
+              <a:rPr lang="de-DE" dirty="0"/>
+              <a:t>Funktionale Anforderungen</a:t>
             </a:r>
             <a:endParaRPr lang="de-DE" dirty="0"/>
           </a:p>
         </p:txBody>
       </p:sp>
-      <p:sp>
-        <p:nvSpPr>
-          <p:cNvPr id="3" name="Inhaltsplatzhalter 2"/>
-          <p:cNvSpPr>
-            <a:spLocks noGrp="1"/>
-          </p:cNvSpPr>
+      <p:graphicFrame>
+        <p:nvGraphicFramePr>
+          <p:cNvPr id="5" name="Inhaltsplatzhalter 4"/>
+          <p:cNvGraphicFramePr>
+            <a:graphicFrameLocks noGrp="1"/>
+          </p:cNvGraphicFramePr>
           <p:nvPr>
             <p:ph idx="1"/>
-          </p:nvPr>
-        </p:nvSpPr>
-        <p:spPr/>
-        <p:txBody>
-          <a:bodyPr/>
-          <a:lstStyle/>
-          <a:p>
-            <a:endParaRPr lang="de-DE" dirty="0"/>
-          </a:p>
-        </p:txBody>
-      </p:sp>
+            <p:extLst>
+              <p:ext uri="{D42A27DB-BD31-4B8C-83A1-F6EECF244321}">
+                <p14:modId xmlns:p14="http://schemas.microsoft.com/office/powerpoint/2010/main" val="54312029"/>
+              </p:ext>
+            </p:extLst>
+          </p:nvPr>
+        </p:nvGraphicFramePr>
+        <p:xfrm>
+          <a:off x="341195" y="1241949"/>
+          <a:ext cx="11518709" cy="4751755"/>
+        </p:xfrm>
+        <a:graphic>
+          <a:graphicData uri="http://schemas.openxmlformats.org/drawingml/2006/table">
+            <a:tbl>
+              <a:tblPr firstRow="1" firstCol="1" bandRow="1">
+                <a:tableStyleId>{5C22544A-7EE6-4342-B048-85BDC9FD1C3A}</a:tableStyleId>
+              </a:tblPr>
+              <a:tblGrid>
+                <a:gridCol w="954405"/>
+                <a:gridCol w="9117642"/>
+                <a:gridCol w="1446662"/>
+              </a:tblGrid>
+              <a:tr h="327544">
+                <a:tc>
+                  <a:txBody>
+                    <a:bodyPr/>
+                    <a:lstStyle/>
+                    <a:p>
+                      <a:pPr algn="ctr">
+                        <a:lnSpc>
+                          <a:spcPct val="107000"/>
+                        </a:lnSpc>
+                        <a:spcAft>
+                          <a:spcPts val="0"/>
+                        </a:spcAft>
+                      </a:pPr>
+                      <a:r>
+                        <a:rPr lang="de-DE" sz="2000" dirty="0">
+                          <a:effectLst/>
+                        </a:rPr>
+                        <a:t>ID</a:t>
+                      </a:r>
+                      <a:endParaRPr lang="de-DE" sz="2000" dirty="0">
+                        <a:effectLst/>
+                        <a:latin typeface="Calibri"/>
+                        <a:ea typeface="Calibri"/>
+                        <a:cs typeface="Times New Roman"/>
+                      </a:endParaRPr>
+                    </a:p>
+                  </a:txBody>
+                  <a:tcPr marL="68580" marR="68580" marT="0" marB="0"/>
+                </a:tc>
+                <a:tc>
+                  <a:txBody>
+                    <a:bodyPr/>
+                    <a:lstStyle/>
+                    <a:p>
+                      <a:pPr algn="ctr">
+                        <a:lnSpc>
+                          <a:spcPct val="107000"/>
+                        </a:lnSpc>
+                        <a:spcAft>
+                          <a:spcPts val="0"/>
+                        </a:spcAft>
+                      </a:pPr>
+                      <a:r>
+                        <a:rPr lang="de-DE" sz="2000" dirty="0">
+                          <a:effectLst/>
+                        </a:rPr>
+                        <a:t>Funktionalität</a:t>
+                      </a:r>
+                      <a:endParaRPr lang="de-DE" sz="2000" dirty="0">
+                        <a:effectLst/>
+                        <a:latin typeface="Calibri"/>
+                        <a:ea typeface="Calibri"/>
+                        <a:cs typeface="Times New Roman"/>
+                      </a:endParaRPr>
+                    </a:p>
+                  </a:txBody>
+                  <a:tcPr marL="68580" marR="68580" marT="0" marB="0"/>
+                </a:tc>
+                <a:tc>
+                  <a:txBody>
+                    <a:bodyPr/>
+                    <a:lstStyle/>
+                    <a:p>
+                      <a:pPr algn="ctr">
+                        <a:lnSpc>
+                          <a:spcPct val="107000"/>
+                        </a:lnSpc>
+                        <a:spcAft>
+                          <a:spcPts val="0"/>
+                        </a:spcAft>
+                      </a:pPr>
+                      <a:r>
+                        <a:rPr lang="de-DE" sz="2000" dirty="0">
+                          <a:effectLst/>
+                        </a:rPr>
+                        <a:t>Priorität</a:t>
+                      </a:r>
+                      <a:endParaRPr lang="de-DE" sz="2000" dirty="0">
+                        <a:effectLst/>
+                        <a:latin typeface="Calibri"/>
+                        <a:ea typeface="Calibri"/>
+                        <a:cs typeface="Times New Roman"/>
+                      </a:endParaRPr>
+                    </a:p>
+                  </a:txBody>
+                  <a:tcPr marL="68580" marR="68580" marT="0" marB="0"/>
+                </a:tc>
+              </a:tr>
+              <a:tr h="324873">
+                <a:tc>
+                  <a:txBody>
+                    <a:bodyPr/>
+                    <a:lstStyle/>
+                    <a:p>
+                      <a:pPr algn="ctr">
+                        <a:lnSpc>
+                          <a:spcPct val="107000"/>
+                        </a:lnSpc>
+                        <a:spcAft>
+                          <a:spcPts val="0"/>
+                        </a:spcAft>
+                      </a:pPr>
+                      <a:r>
+                        <a:rPr lang="de-DE" sz="2000" dirty="0">
+                          <a:effectLst/>
+                        </a:rPr>
+                        <a:t>F40</a:t>
+                      </a:r>
+                      <a:endParaRPr lang="de-DE" sz="2000" dirty="0">
+                        <a:effectLst/>
+                        <a:latin typeface="Calibri"/>
+                        <a:ea typeface="Calibri"/>
+                        <a:cs typeface="Times New Roman"/>
+                      </a:endParaRPr>
+                    </a:p>
+                  </a:txBody>
+                  <a:tcPr marL="68580" marR="68580" marT="0" marB="0">
+                    <a:solidFill>
+                      <a:schemeClr val="accent1"/>
+                    </a:solidFill>
+                  </a:tcPr>
+                </a:tc>
+                <a:tc>
+                  <a:txBody>
+                    <a:bodyPr/>
+                    <a:lstStyle/>
+                    <a:p>
+                      <a:pPr algn="ctr">
+                        <a:lnSpc>
+                          <a:spcPct val="107000"/>
+                        </a:lnSpc>
+                        <a:spcAft>
+                          <a:spcPts val="0"/>
+                        </a:spcAft>
+                      </a:pPr>
+                      <a:r>
+                        <a:rPr lang="de-DE" sz="2000" dirty="0">
+                          <a:solidFill>
+                            <a:srgbClr val="FF9900"/>
+                          </a:solidFill>
+                          <a:effectLst/>
+                        </a:rPr>
+                        <a:t>Android-</a:t>
+                      </a:r>
+                      <a:r>
+                        <a:rPr lang="de-DE" sz="2000" dirty="0" err="1">
+                          <a:solidFill>
+                            <a:srgbClr val="FF9900"/>
+                          </a:solidFill>
+                          <a:effectLst/>
+                        </a:rPr>
+                        <a:t>Smartph</a:t>
+                      </a:r>
+                      <a:r>
+                        <a:rPr lang="en-US" sz="2000" dirty="0">
+                          <a:solidFill>
+                            <a:srgbClr val="FF9900"/>
+                          </a:solidFill>
+                          <a:effectLst/>
+                        </a:rPr>
+                        <a:t>one App</a:t>
+                      </a:r>
+                      <a:endParaRPr lang="de-DE" sz="2000" dirty="0">
+                        <a:solidFill>
+                          <a:srgbClr val="FF9900"/>
+                        </a:solidFill>
+                        <a:effectLst/>
+                        <a:latin typeface="Calibri"/>
+                        <a:ea typeface="Calibri"/>
+                        <a:cs typeface="Times New Roman"/>
+                      </a:endParaRPr>
+                    </a:p>
+                  </a:txBody>
+                  <a:tcPr marL="68580" marR="68580" marT="0" marB="0">
+                    <a:solidFill>
+                      <a:schemeClr val="accent1"/>
+                    </a:solidFill>
+                  </a:tcPr>
+                </a:tc>
+                <a:tc>
+                  <a:txBody>
+                    <a:bodyPr/>
+                    <a:lstStyle/>
+                    <a:p>
+                      <a:pPr algn="ctr">
+                        <a:lnSpc>
+                          <a:spcPct val="107000"/>
+                        </a:lnSpc>
+                        <a:spcAft>
+                          <a:spcPts val="0"/>
+                        </a:spcAft>
+                      </a:pPr>
+                      <a:r>
+                        <a:rPr lang="de-DE" sz="2000" dirty="0">
+                          <a:effectLst/>
+                        </a:rPr>
+                        <a:t> </a:t>
+                      </a:r>
+                      <a:endParaRPr lang="de-DE" sz="2000" dirty="0">
+                        <a:effectLst/>
+                        <a:latin typeface="Calibri"/>
+                        <a:ea typeface="Calibri"/>
+                        <a:cs typeface="Times New Roman"/>
+                      </a:endParaRPr>
+                    </a:p>
+                  </a:txBody>
+                  <a:tcPr marL="68580" marR="68580" marT="0" marB="0">
+                    <a:solidFill>
+                      <a:schemeClr val="accent1"/>
+                    </a:solidFill>
+                  </a:tcPr>
+                </a:tc>
+              </a:tr>
+              <a:tr h="255290">
+                <a:tc>
+                  <a:txBody>
+                    <a:bodyPr/>
+                    <a:lstStyle/>
+                    <a:p>
+                      <a:pPr algn="ctr">
+                        <a:lnSpc>
+                          <a:spcPct val="107000"/>
+                        </a:lnSpc>
+                        <a:spcAft>
+                          <a:spcPts val="0"/>
+                        </a:spcAft>
+                      </a:pPr>
+                      <a:r>
+                        <a:rPr lang="de-DE" sz="2000" dirty="0">
+                          <a:effectLst/>
+                        </a:rPr>
+                        <a:t>F40.1</a:t>
+                      </a:r>
+                      <a:endParaRPr lang="de-DE" sz="2000" dirty="0">
+                        <a:effectLst/>
+                        <a:latin typeface="Calibri"/>
+                        <a:ea typeface="Calibri"/>
+                        <a:cs typeface="Times New Roman"/>
+                      </a:endParaRPr>
+                    </a:p>
+                  </a:txBody>
+                  <a:tcPr marL="68580" marR="68580" marT="0" marB="0" anchor="ctr"/>
+                </a:tc>
+                <a:tc>
+                  <a:txBody>
+                    <a:bodyPr/>
+                    <a:lstStyle/>
+                    <a:p>
+                      <a:pPr algn="ctr">
+                        <a:lnSpc>
+                          <a:spcPct val="107000"/>
+                        </a:lnSpc>
+                        <a:spcAft>
+                          <a:spcPts val="0"/>
+                        </a:spcAft>
+                      </a:pPr>
+                      <a:r>
+                        <a:rPr lang="de-DE" sz="2000" dirty="0">
+                          <a:effectLst/>
+                        </a:rPr>
+                        <a:t>Der User kann HMDs koppeln und entkoppeln.</a:t>
+                      </a:r>
+                      <a:endParaRPr lang="de-DE" sz="2000" dirty="0">
+                        <a:effectLst/>
+                        <a:latin typeface="Calibri"/>
+                        <a:ea typeface="Calibri"/>
+                        <a:cs typeface="Times New Roman"/>
+                      </a:endParaRPr>
+                    </a:p>
+                  </a:txBody>
+                  <a:tcPr marL="68580" marR="68580" marT="0" marB="0" anchor="ctr"/>
+                </a:tc>
+                <a:tc>
+                  <a:txBody>
+                    <a:bodyPr/>
+                    <a:lstStyle/>
+                    <a:p>
+                      <a:pPr algn="ctr">
+                        <a:lnSpc>
+                          <a:spcPct val="107000"/>
+                        </a:lnSpc>
+                        <a:spcAft>
+                          <a:spcPts val="0"/>
+                        </a:spcAft>
+                      </a:pPr>
+                      <a:r>
+                        <a:rPr lang="de-DE" sz="2000" dirty="0">
+                          <a:effectLst/>
+                        </a:rPr>
+                        <a:t>3</a:t>
+                      </a:r>
+                      <a:endParaRPr lang="de-DE" sz="2000" dirty="0">
+                        <a:effectLst/>
+                        <a:latin typeface="Calibri"/>
+                        <a:ea typeface="Calibri"/>
+                        <a:cs typeface="Times New Roman"/>
+                      </a:endParaRPr>
+                    </a:p>
+                  </a:txBody>
+                  <a:tcPr marL="68580" marR="68580" marT="0" marB="0" anchor="ctr"/>
+                </a:tc>
+              </a:tr>
+              <a:tr h="510579">
+                <a:tc>
+                  <a:txBody>
+                    <a:bodyPr/>
+                    <a:lstStyle/>
+                    <a:p>
+                      <a:pPr algn="ctr">
+                        <a:lnSpc>
+                          <a:spcPct val="107000"/>
+                        </a:lnSpc>
+                        <a:spcAft>
+                          <a:spcPts val="0"/>
+                        </a:spcAft>
+                      </a:pPr>
+                      <a:r>
+                        <a:rPr lang="de-DE" sz="2000">
+                          <a:effectLst/>
+                        </a:rPr>
+                        <a:t>F40.2</a:t>
+                      </a:r>
+                      <a:endParaRPr lang="de-DE" sz="2000">
+                        <a:effectLst/>
+                        <a:latin typeface="Calibri"/>
+                        <a:ea typeface="Calibri"/>
+                        <a:cs typeface="Times New Roman"/>
+                      </a:endParaRPr>
+                    </a:p>
+                  </a:txBody>
+                  <a:tcPr marL="68580" marR="68580" marT="0" marB="0" anchor="ctr"/>
+                </a:tc>
+                <a:tc>
+                  <a:txBody>
+                    <a:bodyPr/>
+                    <a:lstStyle/>
+                    <a:p>
+                      <a:pPr algn="ctr">
+                        <a:lnSpc>
+                          <a:spcPct val="107000"/>
+                        </a:lnSpc>
+                        <a:spcAft>
+                          <a:spcPts val="0"/>
+                        </a:spcAft>
+                      </a:pPr>
+                      <a:r>
+                        <a:rPr lang="de-DE" sz="2000" dirty="0">
+                          <a:effectLst/>
+                        </a:rPr>
+                        <a:t>Der User kann sich für die Nutzung des Dienstes in der Android-Anwendung registrieren.</a:t>
+                      </a:r>
+                      <a:endParaRPr lang="de-DE" sz="2000" dirty="0">
+                        <a:effectLst/>
+                        <a:latin typeface="Calibri"/>
+                        <a:ea typeface="Calibri"/>
+                        <a:cs typeface="Times New Roman"/>
+                      </a:endParaRPr>
+                    </a:p>
+                  </a:txBody>
+                  <a:tcPr marL="68580" marR="68580" marT="0" marB="0" anchor="ctr"/>
+                </a:tc>
+                <a:tc>
+                  <a:txBody>
+                    <a:bodyPr/>
+                    <a:lstStyle/>
+                    <a:p>
+                      <a:pPr algn="ctr">
+                        <a:lnSpc>
+                          <a:spcPct val="107000"/>
+                        </a:lnSpc>
+                        <a:spcAft>
+                          <a:spcPts val="0"/>
+                        </a:spcAft>
+                      </a:pPr>
+                      <a:r>
+                        <a:rPr lang="de-DE" sz="2000">
+                          <a:effectLst/>
+                        </a:rPr>
+                        <a:t>3</a:t>
+                      </a:r>
+                      <a:endParaRPr lang="de-DE" sz="2000">
+                        <a:effectLst/>
+                        <a:latin typeface="Calibri"/>
+                        <a:ea typeface="Calibri"/>
+                        <a:cs typeface="Times New Roman"/>
+                      </a:endParaRPr>
+                    </a:p>
+                  </a:txBody>
+                  <a:tcPr marL="68580" marR="68580" marT="0" marB="0" anchor="ctr"/>
+                </a:tc>
+              </a:tr>
+              <a:tr h="510579">
+                <a:tc>
+                  <a:txBody>
+                    <a:bodyPr/>
+                    <a:lstStyle/>
+                    <a:p>
+                      <a:pPr algn="ctr">
+                        <a:lnSpc>
+                          <a:spcPct val="107000"/>
+                        </a:lnSpc>
+                        <a:spcAft>
+                          <a:spcPts val="0"/>
+                        </a:spcAft>
+                      </a:pPr>
+                      <a:r>
+                        <a:rPr lang="de-DE" sz="2000">
+                          <a:effectLst/>
+                        </a:rPr>
+                        <a:t>F40.3</a:t>
+                      </a:r>
+                      <a:endParaRPr lang="de-DE" sz="2000">
+                        <a:effectLst/>
+                        <a:latin typeface="Calibri"/>
+                        <a:ea typeface="Calibri"/>
+                        <a:cs typeface="Times New Roman"/>
+                      </a:endParaRPr>
+                    </a:p>
+                  </a:txBody>
+                  <a:tcPr marL="68580" marR="68580" marT="0" marB="0" anchor="ctr"/>
+                </a:tc>
+                <a:tc>
+                  <a:txBody>
+                    <a:bodyPr/>
+                    <a:lstStyle/>
+                    <a:p>
+                      <a:pPr algn="ctr">
+                        <a:lnSpc>
+                          <a:spcPct val="107000"/>
+                        </a:lnSpc>
+                        <a:spcAft>
+                          <a:spcPts val="0"/>
+                        </a:spcAft>
+                      </a:pPr>
+                      <a:r>
+                        <a:rPr lang="de-DE" sz="2000" dirty="0">
+                          <a:effectLst/>
+                        </a:rPr>
+                        <a:t>Der User muss sich zur Nutzung des Dienstes in der Android-Anwendung anmelden.</a:t>
+                      </a:r>
+                      <a:endParaRPr lang="de-DE" sz="2000" dirty="0">
+                        <a:effectLst/>
+                        <a:latin typeface="Calibri"/>
+                        <a:ea typeface="Calibri"/>
+                        <a:cs typeface="Times New Roman"/>
+                      </a:endParaRPr>
+                    </a:p>
+                  </a:txBody>
+                  <a:tcPr marL="68580" marR="68580" marT="0" marB="0" anchor="ctr"/>
+                </a:tc>
+                <a:tc>
+                  <a:txBody>
+                    <a:bodyPr/>
+                    <a:lstStyle/>
+                    <a:p>
+                      <a:pPr algn="ctr">
+                        <a:lnSpc>
+                          <a:spcPct val="107000"/>
+                        </a:lnSpc>
+                        <a:spcAft>
+                          <a:spcPts val="0"/>
+                        </a:spcAft>
+                      </a:pPr>
+                      <a:r>
+                        <a:rPr lang="de-DE" sz="2000">
+                          <a:effectLst/>
+                        </a:rPr>
+                        <a:t>3</a:t>
+                      </a:r>
+                      <a:endParaRPr lang="de-DE" sz="2000">
+                        <a:effectLst/>
+                        <a:latin typeface="Calibri"/>
+                        <a:ea typeface="Calibri"/>
+                        <a:cs typeface="Times New Roman"/>
+                      </a:endParaRPr>
+                    </a:p>
+                  </a:txBody>
+                  <a:tcPr marL="68580" marR="68580" marT="0" marB="0" anchor="ctr"/>
+                </a:tc>
+              </a:tr>
+              <a:tr h="510579">
+                <a:tc>
+                  <a:txBody>
+                    <a:bodyPr/>
+                    <a:lstStyle/>
+                    <a:p>
+                      <a:pPr algn="ctr">
+                        <a:lnSpc>
+                          <a:spcPct val="107000"/>
+                        </a:lnSpc>
+                        <a:spcAft>
+                          <a:spcPts val="0"/>
+                        </a:spcAft>
+                      </a:pPr>
+                      <a:r>
+                        <a:rPr lang="de-DE" sz="2000">
+                          <a:effectLst/>
+                        </a:rPr>
+                        <a:t>F40.4</a:t>
+                      </a:r>
+                      <a:endParaRPr lang="de-DE" sz="2000">
+                        <a:effectLst/>
+                        <a:latin typeface="Calibri"/>
+                        <a:ea typeface="Calibri"/>
+                        <a:cs typeface="Times New Roman"/>
+                      </a:endParaRPr>
+                    </a:p>
+                  </a:txBody>
+                  <a:tcPr marL="68580" marR="68580" marT="0" marB="0" anchor="ctr"/>
+                </a:tc>
+                <a:tc>
+                  <a:txBody>
+                    <a:bodyPr/>
+                    <a:lstStyle/>
+                    <a:p>
+                      <a:pPr algn="ctr">
+                        <a:lnSpc>
+                          <a:spcPct val="107000"/>
+                        </a:lnSpc>
+                        <a:spcAft>
+                          <a:spcPts val="0"/>
+                        </a:spcAft>
+                      </a:pPr>
+                      <a:r>
+                        <a:rPr lang="de-DE" sz="2000" dirty="0">
+                          <a:effectLst/>
+                        </a:rPr>
+                        <a:t>Der User muss seine Email-Adresse und sein Passwort ändern können.</a:t>
+                      </a:r>
+                      <a:endParaRPr lang="de-DE" sz="2000" dirty="0">
+                        <a:effectLst/>
+                        <a:latin typeface="Calibri"/>
+                        <a:ea typeface="Calibri"/>
+                        <a:cs typeface="Times New Roman"/>
+                      </a:endParaRPr>
+                    </a:p>
+                  </a:txBody>
+                  <a:tcPr marL="68580" marR="68580" marT="0" marB="0" anchor="ctr"/>
+                </a:tc>
+                <a:tc>
+                  <a:txBody>
+                    <a:bodyPr/>
+                    <a:lstStyle/>
+                    <a:p>
+                      <a:pPr algn="ctr">
+                        <a:lnSpc>
+                          <a:spcPct val="107000"/>
+                        </a:lnSpc>
+                        <a:spcAft>
+                          <a:spcPts val="0"/>
+                        </a:spcAft>
+                      </a:pPr>
+                      <a:r>
+                        <a:rPr lang="de-DE" sz="2000">
+                          <a:effectLst/>
+                        </a:rPr>
+                        <a:t>3</a:t>
+                      </a:r>
+                      <a:endParaRPr lang="de-DE" sz="2000">
+                        <a:effectLst/>
+                        <a:latin typeface="Calibri"/>
+                        <a:ea typeface="Calibri"/>
+                        <a:cs typeface="Times New Roman"/>
+                      </a:endParaRPr>
+                    </a:p>
+                  </a:txBody>
+                  <a:tcPr marL="68580" marR="68580" marT="0" marB="0" anchor="ctr"/>
+                </a:tc>
+              </a:tr>
+              <a:tr h="510579">
+                <a:tc>
+                  <a:txBody>
+                    <a:bodyPr/>
+                    <a:lstStyle/>
+                    <a:p>
+                      <a:pPr algn="ctr">
+                        <a:lnSpc>
+                          <a:spcPct val="107000"/>
+                        </a:lnSpc>
+                        <a:spcAft>
+                          <a:spcPts val="0"/>
+                        </a:spcAft>
+                      </a:pPr>
+                      <a:r>
+                        <a:rPr lang="de-DE" sz="2000">
+                          <a:effectLst/>
+                        </a:rPr>
+                        <a:t>F40.5</a:t>
+                      </a:r>
+                      <a:endParaRPr lang="de-DE" sz="2000">
+                        <a:effectLst/>
+                        <a:latin typeface="Calibri"/>
+                        <a:ea typeface="Calibri"/>
+                        <a:cs typeface="Times New Roman"/>
+                      </a:endParaRPr>
+                    </a:p>
+                  </a:txBody>
+                  <a:tcPr marL="68580" marR="68580" marT="0" marB="0" anchor="ctr"/>
+                </a:tc>
+                <a:tc>
+                  <a:txBody>
+                    <a:bodyPr/>
+                    <a:lstStyle/>
+                    <a:p>
+                      <a:pPr algn="ctr">
+                        <a:lnSpc>
+                          <a:spcPct val="107000"/>
+                        </a:lnSpc>
+                        <a:spcAft>
+                          <a:spcPts val="0"/>
+                        </a:spcAft>
+                      </a:pPr>
+                      <a:r>
+                        <a:rPr lang="de-DE" sz="2000" dirty="0">
+                          <a:effectLst/>
+                        </a:rPr>
+                        <a:t>Der User kann Einträge aus der Inhaltsstoffdatenbank zu seiner </a:t>
+                      </a:r>
+                      <a:r>
+                        <a:rPr lang="de-DE" sz="2000" dirty="0" err="1">
+                          <a:effectLst/>
+                        </a:rPr>
+                        <a:t>Blacklist</a:t>
+                      </a:r>
+                      <a:r>
+                        <a:rPr lang="de-DE" sz="2000" dirty="0">
+                          <a:effectLst/>
+                        </a:rPr>
+                        <a:t> hinzufügen und wieder entfernen.</a:t>
+                      </a:r>
+                      <a:endParaRPr lang="de-DE" sz="2000" dirty="0">
+                        <a:effectLst/>
+                        <a:latin typeface="Calibri"/>
+                        <a:ea typeface="Calibri"/>
+                        <a:cs typeface="Times New Roman"/>
+                      </a:endParaRPr>
+                    </a:p>
+                  </a:txBody>
+                  <a:tcPr marL="68580" marR="68580" marT="0" marB="0" anchor="ctr"/>
+                </a:tc>
+                <a:tc>
+                  <a:txBody>
+                    <a:bodyPr/>
+                    <a:lstStyle/>
+                    <a:p>
+                      <a:pPr algn="ctr">
+                        <a:lnSpc>
+                          <a:spcPct val="107000"/>
+                        </a:lnSpc>
+                        <a:spcAft>
+                          <a:spcPts val="0"/>
+                        </a:spcAft>
+                      </a:pPr>
+                      <a:r>
+                        <a:rPr lang="de-DE" sz="2000">
+                          <a:effectLst/>
+                        </a:rPr>
+                        <a:t>3</a:t>
+                      </a:r>
+                      <a:endParaRPr lang="de-DE" sz="2000">
+                        <a:effectLst/>
+                        <a:latin typeface="Calibri"/>
+                        <a:ea typeface="Calibri"/>
+                        <a:cs typeface="Times New Roman"/>
+                      </a:endParaRPr>
+                    </a:p>
+                  </a:txBody>
+                  <a:tcPr marL="68580" marR="68580" marT="0" marB="0" anchor="ctr"/>
+                </a:tc>
+              </a:tr>
+              <a:tr h="510579">
+                <a:tc>
+                  <a:txBody>
+                    <a:bodyPr/>
+                    <a:lstStyle/>
+                    <a:p>
+                      <a:pPr algn="ctr">
+                        <a:lnSpc>
+                          <a:spcPct val="107000"/>
+                        </a:lnSpc>
+                        <a:spcAft>
+                          <a:spcPts val="0"/>
+                        </a:spcAft>
+                      </a:pPr>
+                      <a:r>
+                        <a:rPr lang="de-DE" sz="2000">
+                          <a:effectLst/>
+                        </a:rPr>
+                        <a:t>F40.6</a:t>
+                      </a:r>
+                      <a:endParaRPr lang="de-DE" sz="2000">
+                        <a:effectLst/>
+                        <a:latin typeface="Calibri"/>
+                        <a:ea typeface="Calibri"/>
+                        <a:cs typeface="Times New Roman"/>
+                      </a:endParaRPr>
+                    </a:p>
+                  </a:txBody>
+                  <a:tcPr marL="68580" marR="68580" marT="0" marB="0" anchor="ctr"/>
+                </a:tc>
+                <a:tc>
+                  <a:txBody>
+                    <a:bodyPr/>
+                    <a:lstStyle/>
+                    <a:p>
+                      <a:pPr algn="ctr">
+                        <a:lnSpc>
+                          <a:spcPct val="107000"/>
+                        </a:lnSpc>
+                        <a:spcAft>
+                          <a:spcPts val="0"/>
+                        </a:spcAft>
+                      </a:pPr>
+                      <a:r>
+                        <a:rPr lang="de-DE" sz="2000" dirty="0">
+                          <a:solidFill>
+                            <a:srgbClr val="FF0000"/>
+                          </a:solidFill>
+                          <a:effectLst/>
+                        </a:rPr>
+                        <a:t>Der User scannt einen Produktbarcode und erhält eine Information über die Verträglichkeit.</a:t>
+                      </a:r>
+                      <a:endParaRPr lang="de-DE" sz="2000" dirty="0">
+                        <a:solidFill>
+                          <a:srgbClr val="FF0000"/>
+                        </a:solidFill>
+                        <a:effectLst/>
+                        <a:latin typeface="Calibri"/>
+                        <a:ea typeface="Calibri"/>
+                        <a:cs typeface="Times New Roman"/>
+                      </a:endParaRPr>
+                    </a:p>
+                  </a:txBody>
+                  <a:tcPr marL="68580" marR="68580" marT="0" marB="0" anchor="ctr"/>
+                </a:tc>
+                <a:tc>
+                  <a:txBody>
+                    <a:bodyPr/>
+                    <a:lstStyle/>
+                    <a:p>
+                      <a:pPr algn="ctr">
+                        <a:lnSpc>
+                          <a:spcPct val="107000"/>
+                        </a:lnSpc>
+                        <a:spcAft>
+                          <a:spcPts val="0"/>
+                        </a:spcAft>
+                      </a:pPr>
+                      <a:r>
+                        <a:rPr lang="de-DE" sz="2000" dirty="0">
+                          <a:solidFill>
+                            <a:srgbClr val="FF0000"/>
+                          </a:solidFill>
+                          <a:effectLst/>
+                        </a:rPr>
+                        <a:t>3</a:t>
+                      </a:r>
+                      <a:endParaRPr lang="de-DE" sz="2000" dirty="0">
+                        <a:solidFill>
+                          <a:srgbClr val="FF0000"/>
+                        </a:solidFill>
+                        <a:effectLst/>
+                        <a:latin typeface="Calibri"/>
+                        <a:ea typeface="Calibri"/>
+                        <a:cs typeface="Times New Roman"/>
+                      </a:endParaRPr>
+                    </a:p>
+                  </a:txBody>
+                  <a:tcPr marL="68580" marR="68580" marT="0" marB="0" anchor="ctr"/>
+                </a:tc>
+              </a:tr>
+              <a:tr h="510579">
+                <a:tc>
+                  <a:txBody>
+                    <a:bodyPr/>
+                    <a:lstStyle/>
+                    <a:p>
+                      <a:pPr algn="ctr">
+                        <a:lnSpc>
+                          <a:spcPct val="107000"/>
+                        </a:lnSpc>
+                        <a:spcAft>
+                          <a:spcPts val="0"/>
+                        </a:spcAft>
+                      </a:pPr>
+                      <a:r>
+                        <a:rPr lang="de-DE" sz="2000">
+                          <a:effectLst/>
+                        </a:rPr>
+                        <a:t>F40.7</a:t>
+                      </a:r>
+                      <a:endParaRPr lang="de-DE" sz="2000">
+                        <a:effectLst/>
+                        <a:latin typeface="Calibri"/>
+                        <a:ea typeface="Calibri"/>
+                        <a:cs typeface="Times New Roman"/>
+                      </a:endParaRPr>
+                    </a:p>
+                  </a:txBody>
+                  <a:tcPr marL="68580" marR="68580" marT="0" marB="0" anchor="ctr"/>
+                </a:tc>
+                <a:tc>
+                  <a:txBody>
+                    <a:bodyPr/>
+                    <a:lstStyle/>
+                    <a:p>
+                      <a:pPr algn="ctr">
+                        <a:lnSpc>
+                          <a:spcPct val="107000"/>
+                        </a:lnSpc>
+                        <a:spcAft>
+                          <a:spcPts val="0"/>
+                        </a:spcAft>
+                      </a:pPr>
+                      <a:r>
+                        <a:rPr lang="de-DE" sz="2000" dirty="0">
+                          <a:solidFill>
+                            <a:srgbClr val="FF0000"/>
+                          </a:solidFill>
+                          <a:effectLst/>
+                        </a:rPr>
+                        <a:t>Der User kann sich alle Inhaltsstoffe des Produktes anzeigen lassen, sowie eine Websuche nach dem Produkt starten.</a:t>
+                      </a:r>
+                      <a:endParaRPr lang="de-DE" sz="2000" dirty="0">
+                        <a:solidFill>
+                          <a:srgbClr val="FF0000"/>
+                        </a:solidFill>
+                        <a:effectLst/>
+                        <a:latin typeface="Calibri"/>
+                        <a:ea typeface="Calibri"/>
+                        <a:cs typeface="Times New Roman"/>
+                      </a:endParaRPr>
+                    </a:p>
+                  </a:txBody>
+                  <a:tcPr marL="68580" marR="68580" marT="0" marB="0" anchor="ctr"/>
+                </a:tc>
+                <a:tc>
+                  <a:txBody>
+                    <a:bodyPr/>
+                    <a:lstStyle/>
+                    <a:p>
+                      <a:pPr algn="ctr">
+                        <a:lnSpc>
+                          <a:spcPct val="107000"/>
+                        </a:lnSpc>
+                        <a:spcAft>
+                          <a:spcPts val="0"/>
+                        </a:spcAft>
+                      </a:pPr>
+                      <a:r>
+                        <a:rPr lang="de-DE" sz="2000" dirty="0">
+                          <a:solidFill>
+                            <a:srgbClr val="FF0000"/>
+                          </a:solidFill>
+                          <a:effectLst/>
+                        </a:rPr>
+                        <a:t>3</a:t>
+                      </a:r>
+                      <a:endParaRPr lang="de-DE" sz="2000" dirty="0">
+                        <a:solidFill>
+                          <a:srgbClr val="FF0000"/>
+                        </a:solidFill>
+                        <a:effectLst/>
+                        <a:latin typeface="Calibri"/>
+                        <a:ea typeface="Calibri"/>
+                        <a:cs typeface="Times New Roman"/>
+                      </a:endParaRPr>
+                    </a:p>
+                  </a:txBody>
+                  <a:tcPr marL="68580" marR="68580" marT="0" marB="0" anchor="ctr"/>
+                </a:tc>
+              </a:tr>
+            </a:tbl>
+          </a:graphicData>
+        </a:graphic>
+      </p:graphicFrame>
     </p:spTree>
     <p:extLst>
       <p:ext uri="{BB962C8B-B14F-4D97-AF65-F5344CB8AC3E}">
-        <p14:creationId xmlns:p14="http://schemas.microsoft.com/office/powerpoint/2010/main" val="1588141210"/>
+        <p14:creationId xmlns:p14="http://schemas.microsoft.com/office/powerpoint/2010/main" val="3696313738"/>
       </p:ext>
     </p:extLst>
   </p:cSld>
@@ -4645,42 +8977,755 @@
             <p:ph type="title"/>
           </p:nvPr>
         </p:nvSpPr>
-        <p:spPr/>
+        <p:spPr>
+          <a:xfrm>
+            <a:off x="0" y="0"/>
+            <a:ext cx="12192000" cy="1325563"/>
+          </a:xfrm>
+        </p:spPr>
         <p:txBody>
           <a:bodyPr/>
           <a:lstStyle/>
           <a:p>
             <a:r>
               <a:rPr lang="de-DE" dirty="0" smtClean="0"/>
-              <a:t>API / Backend</a:t>
+              <a:t>Nicht-Funktionale </a:t>
+            </a:r>
+            <a:r>
+              <a:rPr lang="de-DE" dirty="0"/>
+              <a:t>Anforderungen</a:t>
             </a:r>
             <a:endParaRPr lang="de-DE" dirty="0"/>
           </a:p>
         </p:txBody>
       </p:sp>
-      <p:sp>
-        <p:nvSpPr>
-          <p:cNvPr id="3" name="Inhaltsplatzhalter 2"/>
-          <p:cNvSpPr>
-            <a:spLocks noGrp="1"/>
-          </p:cNvSpPr>
+      <p:graphicFrame>
+        <p:nvGraphicFramePr>
+          <p:cNvPr id="5" name="Inhaltsplatzhalter 4"/>
+          <p:cNvGraphicFramePr>
+            <a:graphicFrameLocks noGrp="1"/>
+          </p:cNvGraphicFramePr>
           <p:nvPr>
             <p:ph idx="1"/>
-          </p:nvPr>
-        </p:nvSpPr>
-        <p:spPr/>
-        <p:txBody>
-          <a:bodyPr/>
-          <a:lstStyle/>
-          <a:p>
-            <a:endParaRPr lang="de-DE" dirty="0"/>
-          </a:p>
-        </p:txBody>
-      </p:sp>
+            <p:extLst>
+              <p:ext uri="{D42A27DB-BD31-4B8C-83A1-F6EECF244321}">
+                <p14:modId xmlns:p14="http://schemas.microsoft.com/office/powerpoint/2010/main" val="1873304580"/>
+              </p:ext>
+            </p:extLst>
+          </p:nvPr>
+        </p:nvGraphicFramePr>
+        <p:xfrm>
+          <a:off x="341194" y="1241945"/>
+          <a:ext cx="11481528" cy="4280187"/>
+        </p:xfrm>
+        <a:graphic>
+          <a:graphicData uri="http://schemas.openxmlformats.org/drawingml/2006/table">
+            <a:tbl>
+              <a:tblPr firstRow="1" firstCol="1" bandRow="1">
+                <a:tableStyleId>{5C22544A-7EE6-4342-B048-85BDC9FD1C3A}</a:tableStyleId>
+              </a:tblPr>
+              <a:tblGrid>
+                <a:gridCol w="781685"/>
+                <a:gridCol w="10699843"/>
+              </a:tblGrid>
+              <a:tr h="496857">
+                <a:tc>
+                  <a:txBody>
+                    <a:bodyPr/>
+                    <a:lstStyle/>
+                    <a:p>
+                      <a:pPr algn="ctr">
+                        <a:lnSpc>
+                          <a:spcPct val="107000"/>
+                        </a:lnSpc>
+                        <a:spcAft>
+                          <a:spcPts val="0"/>
+                        </a:spcAft>
+                      </a:pPr>
+                      <a:r>
+                        <a:rPr lang="de-DE" sz="2000" dirty="0">
+                          <a:effectLst/>
+                        </a:rPr>
+                        <a:t>ID</a:t>
+                      </a:r>
+                      <a:endParaRPr lang="de-DE" sz="2000" dirty="0">
+                        <a:effectLst/>
+                        <a:latin typeface="Calibri"/>
+                        <a:ea typeface="Calibri"/>
+                        <a:cs typeface="Times New Roman"/>
+                      </a:endParaRPr>
+                    </a:p>
+                  </a:txBody>
+                  <a:tcPr marL="68580" marR="68580" marT="0" marB="0">
+                    <a:solidFill>
+                      <a:schemeClr val="accent1"/>
+                    </a:solidFill>
+                  </a:tcPr>
+                </a:tc>
+                <a:tc>
+                  <a:txBody>
+                    <a:bodyPr/>
+                    <a:lstStyle/>
+                    <a:p>
+                      <a:pPr algn="ctr">
+                        <a:lnSpc>
+                          <a:spcPct val="107000"/>
+                        </a:lnSpc>
+                        <a:spcAft>
+                          <a:spcPts val="0"/>
+                        </a:spcAft>
+                      </a:pPr>
+                      <a:r>
+                        <a:rPr lang="de-DE" sz="2000" dirty="0">
+                          <a:effectLst/>
+                        </a:rPr>
+                        <a:t>Funktionalität</a:t>
+                      </a:r>
+                      <a:endParaRPr lang="de-DE" sz="2000" dirty="0">
+                        <a:effectLst/>
+                        <a:latin typeface="Calibri"/>
+                        <a:ea typeface="Calibri"/>
+                        <a:cs typeface="Times New Roman"/>
+                      </a:endParaRPr>
+                    </a:p>
+                  </a:txBody>
+                  <a:tcPr marL="68580" marR="68580" marT="0" marB="0">
+                    <a:solidFill>
+                      <a:schemeClr val="accent1"/>
+                    </a:solidFill>
+                  </a:tcPr>
+                </a:tc>
+              </a:tr>
+              <a:tr h="267419">
+                <a:tc>
+                  <a:txBody>
+                    <a:bodyPr/>
+                    <a:lstStyle/>
+                    <a:p>
+                      <a:pPr algn="ctr">
+                        <a:lnSpc>
+                          <a:spcPct val="107000"/>
+                        </a:lnSpc>
+                        <a:spcAft>
+                          <a:spcPts val="0"/>
+                        </a:spcAft>
+                      </a:pPr>
+                      <a:r>
+                        <a:rPr lang="de-DE" sz="2000" b="1" dirty="0">
+                          <a:solidFill>
+                            <a:srgbClr val="FFFFFF"/>
+                          </a:solidFill>
+                          <a:effectLst/>
+                          <a:latin typeface="Calibri"/>
+                          <a:ea typeface="Calibri"/>
+                          <a:cs typeface="Times New Roman"/>
+                        </a:rPr>
+                        <a:t>N10 </a:t>
+                      </a:r>
+                      <a:endParaRPr lang="de-DE" sz="2000" dirty="0">
+                        <a:effectLst/>
+                        <a:latin typeface="Calibri"/>
+                        <a:ea typeface="Calibri"/>
+                        <a:cs typeface="Times New Roman"/>
+                      </a:endParaRPr>
+                    </a:p>
+                  </a:txBody>
+                  <a:tcPr marL="68580" marR="68580" marT="0" marB="0">
+                    <a:solidFill>
+                      <a:schemeClr val="accent1"/>
+                    </a:solidFill>
+                  </a:tcPr>
+                </a:tc>
+                <a:tc>
+                  <a:txBody>
+                    <a:bodyPr/>
+                    <a:lstStyle/>
+                    <a:p>
+                      <a:pPr algn="ctr">
+                        <a:lnSpc>
+                          <a:spcPct val="107000"/>
+                        </a:lnSpc>
+                        <a:spcAft>
+                          <a:spcPts val="0"/>
+                        </a:spcAft>
+                      </a:pPr>
+                      <a:r>
+                        <a:rPr lang="de-DE" sz="2000" b="1" dirty="0">
+                          <a:solidFill>
+                            <a:srgbClr val="FFFFFF"/>
+                          </a:solidFill>
+                          <a:effectLst/>
+                          <a:latin typeface="Calibri"/>
+                          <a:ea typeface="Calibri"/>
+                          <a:cs typeface="Times New Roman"/>
+                        </a:rPr>
+                        <a:t>Fachliche Mengen</a:t>
+                      </a:r>
+                      <a:endParaRPr lang="de-DE" sz="2000" dirty="0">
+                        <a:effectLst/>
+                        <a:latin typeface="Calibri"/>
+                        <a:ea typeface="Calibri"/>
+                        <a:cs typeface="Times New Roman"/>
+                      </a:endParaRPr>
+                    </a:p>
+                  </a:txBody>
+                  <a:tcPr marL="68580" marR="68580" marT="0" marB="0">
+                    <a:solidFill>
+                      <a:schemeClr val="accent1"/>
+                    </a:solidFill>
+                  </a:tcPr>
+                </a:tc>
+              </a:tr>
+              <a:tr h="544232">
+                <a:tc>
+                  <a:txBody>
+                    <a:bodyPr/>
+                    <a:lstStyle/>
+                    <a:p>
+                      <a:pPr algn="ctr">
+                        <a:lnSpc>
+                          <a:spcPct val="107000"/>
+                        </a:lnSpc>
+                        <a:spcAft>
+                          <a:spcPts val="0"/>
+                        </a:spcAft>
+                      </a:pPr>
+                      <a:r>
+                        <a:rPr lang="de-DE" sz="2000" b="1">
+                          <a:effectLst/>
+                          <a:latin typeface="Calibri"/>
+                          <a:ea typeface="Calibri"/>
+                          <a:cs typeface="Times New Roman"/>
+                        </a:rPr>
+                        <a:t>N10.1</a:t>
+                      </a:r>
+                      <a:endParaRPr lang="de-DE" sz="2000">
+                        <a:effectLst/>
+                        <a:latin typeface="Calibri"/>
+                        <a:ea typeface="Calibri"/>
+                        <a:cs typeface="Times New Roman"/>
+                      </a:endParaRPr>
+                    </a:p>
+                  </a:txBody>
+                  <a:tcPr marL="68580" marR="68580" marT="0" marB="0"/>
+                </a:tc>
+                <a:tc>
+                  <a:txBody>
+                    <a:bodyPr/>
+                    <a:lstStyle/>
+                    <a:p>
+                      <a:pPr algn="ctr">
+                        <a:lnSpc>
+                          <a:spcPct val="107000"/>
+                        </a:lnSpc>
+                        <a:spcAft>
+                          <a:spcPts val="0"/>
+                        </a:spcAft>
+                      </a:pPr>
+                      <a:r>
+                        <a:rPr lang="de-DE" sz="2000" dirty="0">
+                          <a:effectLst/>
+                          <a:latin typeface="Calibri"/>
+                          <a:ea typeface="Calibri"/>
+                          <a:cs typeface="Times New Roman"/>
+                        </a:rPr>
+                        <a:t>Bei der Anzahl der Nutzer wird zu Beginn von einer Nutzeranzahl von unter 1000 Nutzern ausgegangen. Die Anwendung sollte später auch für größere Nutzeranzahlen auslegbar sein.</a:t>
+                      </a:r>
+                    </a:p>
+                  </a:txBody>
+                  <a:tcPr marL="68580" marR="68580" marT="0" marB="0"/>
+                </a:tc>
+              </a:tr>
+              <a:tr h="260986">
+                <a:tc>
+                  <a:txBody>
+                    <a:bodyPr/>
+                    <a:lstStyle/>
+                    <a:p>
+                      <a:pPr algn="ctr">
+                        <a:lnSpc>
+                          <a:spcPct val="107000"/>
+                        </a:lnSpc>
+                        <a:spcAft>
+                          <a:spcPts val="0"/>
+                        </a:spcAft>
+                      </a:pPr>
+                      <a:r>
+                        <a:rPr lang="de-DE" sz="2000" b="1">
+                          <a:effectLst/>
+                          <a:latin typeface="Calibri"/>
+                          <a:ea typeface="Calibri"/>
+                          <a:cs typeface="Times New Roman"/>
+                        </a:rPr>
+                        <a:t>N10.2</a:t>
+                      </a:r>
+                      <a:endParaRPr lang="de-DE" sz="2000">
+                        <a:effectLst/>
+                        <a:latin typeface="Calibri"/>
+                        <a:ea typeface="Calibri"/>
+                        <a:cs typeface="Times New Roman"/>
+                      </a:endParaRPr>
+                    </a:p>
+                  </a:txBody>
+                  <a:tcPr marL="68580" marR="68580" marT="0" marB="0"/>
+                </a:tc>
+                <a:tc>
+                  <a:txBody>
+                    <a:bodyPr/>
+                    <a:lstStyle/>
+                    <a:p>
+                      <a:pPr algn="ctr">
+                        <a:lnSpc>
+                          <a:spcPct val="107000"/>
+                        </a:lnSpc>
+                        <a:spcAft>
+                          <a:spcPts val="0"/>
+                        </a:spcAft>
+                      </a:pPr>
+                      <a:r>
+                        <a:rPr lang="de-DE" sz="2000" dirty="0">
+                          <a:effectLst/>
+                          <a:latin typeface="Calibri"/>
+                          <a:ea typeface="Calibri"/>
+                          <a:cs typeface="Times New Roman"/>
+                        </a:rPr>
+                        <a:t>Jeder Nutzer hat durchschnittlich 10 Inhaltsstoffe in seiner </a:t>
+                      </a:r>
+                      <a:r>
+                        <a:rPr lang="de-DE" sz="2000" dirty="0" err="1">
+                          <a:effectLst/>
+                          <a:latin typeface="Calibri"/>
+                          <a:ea typeface="Calibri"/>
+                          <a:cs typeface="Times New Roman"/>
+                        </a:rPr>
+                        <a:t>Blacklist</a:t>
+                      </a:r>
+                      <a:r>
+                        <a:rPr lang="de-DE" sz="2000" dirty="0">
+                          <a:effectLst/>
+                          <a:latin typeface="Calibri"/>
+                          <a:ea typeface="Calibri"/>
+                          <a:cs typeface="Times New Roman"/>
+                        </a:rPr>
+                        <a:t>.</a:t>
+                      </a:r>
+                    </a:p>
+                  </a:txBody>
+                  <a:tcPr marL="68580" marR="68580" marT="0" marB="0"/>
+                </a:tc>
+              </a:tr>
+              <a:tr h="269096">
+                <a:tc>
+                  <a:txBody>
+                    <a:bodyPr/>
+                    <a:lstStyle/>
+                    <a:p>
+                      <a:pPr algn="ctr">
+                        <a:lnSpc>
+                          <a:spcPct val="107000"/>
+                        </a:lnSpc>
+                        <a:spcAft>
+                          <a:spcPts val="0"/>
+                        </a:spcAft>
+                      </a:pPr>
+                      <a:r>
+                        <a:rPr lang="de-DE" sz="2000" b="1">
+                          <a:effectLst/>
+                          <a:latin typeface="Calibri"/>
+                          <a:ea typeface="Calibri"/>
+                          <a:cs typeface="Times New Roman"/>
+                        </a:rPr>
+                        <a:t>N20</a:t>
+                      </a:r>
+                      <a:endParaRPr lang="de-DE" sz="2000">
+                        <a:effectLst/>
+                        <a:latin typeface="Calibri"/>
+                        <a:ea typeface="Calibri"/>
+                        <a:cs typeface="Times New Roman"/>
+                      </a:endParaRPr>
+                    </a:p>
+                  </a:txBody>
+                  <a:tcPr marL="68580" marR="68580" marT="0" marB="0"/>
+                </a:tc>
+                <a:tc>
+                  <a:txBody>
+                    <a:bodyPr/>
+                    <a:lstStyle/>
+                    <a:p>
+                      <a:pPr algn="ctr">
+                        <a:lnSpc>
+                          <a:spcPct val="107000"/>
+                        </a:lnSpc>
+                        <a:spcAft>
+                          <a:spcPts val="0"/>
+                        </a:spcAft>
+                      </a:pPr>
+                      <a:r>
+                        <a:rPr lang="de-DE" sz="2000" dirty="0" smtClean="0">
+                          <a:solidFill>
+                            <a:schemeClr val="bg1"/>
+                          </a:solidFill>
+                          <a:effectLst/>
+                          <a:latin typeface="Calibri"/>
+                          <a:ea typeface="Calibri"/>
+                          <a:cs typeface="Times New Roman"/>
+                        </a:rPr>
+                        <a:t>Usability</a:t>
+                      </a:r>
+                      <a:endParaRPr lang="de-DE" sz="2000" dirty="0">
+                        <a:solidFill>
+                          <a:schemeClr val="bg1"/>
+                        </a:solidFill>
+                        <a:effectLst/>
+                        <a:latin typeface="Calibri"/>
+                        <a:ea typeface="Calibri"/>
+                        <a:cs typeface="Times New Roman"/>
+                      </a:endParaRPr>
+                    </a:p>
+                  </a:txBody>
+                  <a:tcPr marL="68580" marR="68580" marT="0" marB="0">
+                    <a:solidFill>
+                      <a:schemeClr val="accent1"/>
+                    </a:solidFill>
+                  </a:tcPr>
+                </a:tc>
+              </a:tr>
+              <a:tr h="272955">
+                <a:tc>
+                  <a:txBody>
+                    <a:bodyPr/>
+                    <a:lstStyle/>
+                    <a:p>
+                      <a:pPr algn="ctr">
+                        <a:lnSpc>
+                          <a:spcPct val="107000"/>
+                        </a:lnSpc>
+                        <a:spcAft>
+                          <a:spcPts val="0"/>
+                        </a:spcAft>
+                      </a:pPr>
+                      <a:r>
+                        <a:rPr lang="de-DE" sz="2000" b="1">
+                          <a:effectLst/>
+                          <a:latin typeface="Calibri"/>
+                          <a:ea typeface="Calibri"/>
+                          <a:cs typeface="Times New Roman"/>
+                        </a:rPr>
+                        <a:t>N20.1</a:t>
+                      </a:r>
+                      <a:endParaRPr lang="de-DE" sz="2000">
+                        <a:effectLst/>
+                        <a:latin typeface="Calibri"/>
+                        <a:ea typeface="Calibri"/>
+                        <a:cs typeface="Times New Roman"/>
+                      </a:endParaRPr>
+                    </a:p>
+                  </a:txBody>
+                  <a:tcPr marL="68580" marR="68580" marT="0" marB="0"/>
+                </a:tc>
+                <a:tc>
+                  <a:txBody>
+                    <a:bodyPr/>
+                    <a:lstStyle/>
+                    <a:p>
+                      <a:pPr algn="ctr">
+                        <a:lnSpc>
+                          <a:spcPct val="107000"/>
+                        </a:lnSpc>
+                        <a:spcAft>
+                          <a:spcPts val="0"/>
+                        </a:spcAft>
+                      </a:pPr>
+                      <a:r>
+                        <a:rPr lang="de-DE" sz="2000" dirty="0">
+                          <a:effectLst/>
+                          <a:latin typeface="Calibri"/>
+                          <a:ea typeface="Calibri"/>
+                          <a:cs typeface="Times New Roman"/>
+                        </a:rPr>
+                        <a:t>Die Oberfläche muss selbsterklärend und einfach sein, damit es auch von Einsteigern ohne Einweisung verwendet werden kann.</a:t>
+                      </a:r>
+                    </a:p>
+                  </a:txBody>
+                  <a:tcPr marL="68580" marR="68580" marT="0" marB="0"/>
+                </a:tc>
+              </a:tr>
+              <a:tr h="267418">
+                <a:tc>
+                  <a:txBody>
+                    <a:bodyPr/>
+                    <a:lstStyle/>
+                    <a:p>
+                      <a:pPr algn="ctr">
+                        <a:lnSpc>
+                          <a:spcPct val="107000"/>
+                        </a:lnSpc>
+                        <a:spcAft>
+                          <a:spcPts val="0"/>
+                        </a:spcAft>
+                      </a:pPr>
+                      <a:r>
+                        <a:rPr lang="de-DE" sz="2000" b="1">
+                          <a:effectLst/>
+                          <a:latin typeface="Calibri"/>
+                          <a:ea typeface="Calibri"/>
+                          <a:cs typeface="Times New Roman"/>
+                        </a:rPr>
+                        <a:t>N20.2</a:t>
+                      </a:r>
+                      <a:endParaRPr lang="de-DE" sz="2000">
+                        <a:effectLst/>
+                        <a:latin typeface="Calibri"/>
+                        <a:ea typeface="Calibri"/>
+                        <a:cs typeface="Times New Roman"/>
+                      </a:endParaRPr>
+                    </a:p>
+                  </a:txBody>
+                  <a:tcPr marL="68580" marR="68580" marT="0" marB="0"/>
+                </a:tc>
+                <a:tc>
+                  <a:txBody>
+                    <a:bodyPr/>
+                    <a:lstStyle/>
+                    <a:p>
+                      <a:pPr algn="ctr">
+                        <a:lnSpc>
+                          <a:spcPct val="107000"/>
+                        </a:lnSpc>
+                        <a:spcAft>
+                          <a:spcPts val="0"/>
+                        </a:spcAft>
+                      </a:pPr>
+                      <a:r>
+                        <a:rPr lang="de-DE" sz="2000" dirty="0">
+                          <a:solidFill>
+                            <a:srgbClr val="FF9900"/>
+                          </a:solidFill>
+                          <a:effectLst/>
+                          <a:latin typeface="Calibri"/>
+                          <a:ea typeface="Calibri"/>
+                          <a:cs typeface="Times New Roman"/>
+                        </a:rPr>
+                        <a:t>Die Funktionen der Oberfläche werden in einem Handbuch dokumentiert.</a:t>
+                      </a:r>
+                    </a:p>
+                  </a:txBody>
+                  <a:tcPr marL="68580" marR="68580" marT="0" marB="0"/>
+                </a:tc>
+              </a:tr>
+              <a:tr h="544232">
+                <a:tc>
+                  <a:txBody>
+                    <a:bodyPr/>
+                    <a:lstStyle/>
+                    <a:p>
+                      <a:pPr algn="ctr">
+                        <a:lnSpc>
+                          <a:spcPct val="107000"/>
+                        </a:lnSpc>
+                        <a:spcAft>
+                          <a:spcPts val="0"/>
+                        </a:spcAft>
+                      </a:pPr>
+                      <a:r>
+                        <a:rPr lang="de-DE" sz="2000" b="1">
+                          <a:effectLst/>
+                          <a:latin typeface="Calibri"/>
+                          <a:ea typeface="Calibri"/>
+                          <a:cs typeface="Times New Roman"/>
+                        </a:rPr>
+                        <a:t>N20.3</a:t>
+                      </a:r>
+                      <a:endParaRPr lang="de-DE" sz="2000">
+                        <a:effectLst/>
+                        <a:latin typeface="Calibri"/>
+                        <a:ea typeface="Calibri"/>
+                        <a:cs typeface="Times New Roman"/>
+                      </a:endParaRPr>
+                    </a:p>
+                  </a:txBody>
+                  <a:tcPr marL="68580" marR="68580" marT="0" marB="0"/>
+                </a:tc>
+                <a:tc>
+                  <a:txBody>
+                    <a:bodyPr/>
+                    <a:lstStyle/>
+                    <a:p>
+                      <a:pPr algn="ctr">
+                        <a:lnSpc>
+                          <a:spcPct val="107000"/>
+                        </a:lnSpc>
+                        <a:spcAft>
+                          <a:spcPts val="0"/>
+                        </a:spcAft>
+                      </a:pPr>
+                      <a:r>
+                        <a:rPr lang="de-DE" sz="2000" dirty="0">
+                          <a:effectLst/>
+                          <a:latin typeface="Calibri"/>
+                          <a:ea typeface="Calibri"/>
+                          <a:cs typeface="Times New Roman"/>
+                        </a:rPr>
+                        <a:t>Insbesondere auf dem niedrig auflösendem Bildschirm der </a:t>
+                      </a:r>
+                      <a:r>
+                        <a:rPr lang="de-DE" sz="2000" dirty="0" err="1">
+                          <a:effectLst/>
+                          <a:latin typeface="Calibri"/>
+                          <a:ea typeface="Calibri"/>
+                          <a:cs typeface="Times New Roman"/>
+                        </a:rPr>
+                        <a:t>Vuzix</a:t>
+                      </a:r>
+                      <a:r>
+                        <a:rPr lang="de-DE" sz="2000" dirty="0">
+                          <a:effectLst/>
+                          <a:latin typeface="Calibri"/>
+                          <a:ea typeface="Calibri"/>
+                          <a:cs typeface="Times New Roman"/>
+                        </a:rPr>
+                        <a:t> M100 muss auf eine gute Lesbarkeit der Inhalte geachtet werden. Auch auf allen anderen Plattformen muss eine Lesbarkeit gegeben sein.</a:t>
+                      </a:r>
+                    </a:p>
+                  </a:txBody>
+                  <a:tcPr marL="68580" marR="68580" marT="0" marB="0"/>
+                </a:tc>
+              </a:tr>
+              <a:tr h="301929">
+                <a:tc>
+                  <a:txBody>
+                    <a:bodyPr/>
+                    <a:lstStyle/>
+                    <a:p>
+                      <a:pPr algn="ctr">
+                        <a:lnSpc>
+                          <a:spcPct val="107000"/>
+                        </a:lnSpc>
+                        <a:spcAft>
+                          <a:spcPts val="0"/>
+                        </a:spcAft>
+                      </a:pPr>
+                      <a:r>
+                        <a:rPr lang="de-DE" sz="2000" b="1">
+                          <a:effectLst/>
+                          <a:latin typeface="Calibri"/>
+                          <a:ea typeface="Calibri"/>
+                          <a:cs typeface="Times New Roman"/>
+                        </a:rPr>
+                        <a:t>N30</a:t>
+                      </a:r>
+                      <a:endParaRPr lang="de-DE" sz="2000">
+                        <a:effectLst/>
+                        <a:latin typeface="Calibri"/>
+                        <a:ea typeface="Calibri"/>
+                        <a:cs typeface="Times New Roman"/>
+                      </a:endParaRPr>
+                    </a:p>
+                  </a:txBody>
+                  <a:tcPr marL="68580" marR="68580" marT="0" marB="0"/>
+                </a:tc>
+                <a:tc>
+                  <a:txBody>
+                    <a:bodyPr/>
+                    <a:lstStyle/>
+                    <a:p>
+                      <a:pPr algn="ctr">
+                        <a:lnSpc>
+                          <a:spcPct val="107000"/>
+                        </a:lnSpc>
+                        <a:spcAft>
+                          <a:spcPts val="0"/>
+                        </a:spcAft>
+                      </a:pPr>
+                      <a:r>
+                        <a:rPr lang="de-DE" sz="2000" dirty="0">
+                          <a:solidFill>
+                            <a:schemeClr val="bg1"/>
+                          </a:solidFill>
+                          <a:effectLst/>
+                          <a:latin typeface="Calibri"/>
+                          <a:ea typeface="Calibri"/>
+                          <a:cs typeface="Times New Roman"/>
+                        </a:rPr>
+                        <a:t>Erscheinungsbild</a:t>
+                      </a:r>
+                    </a:p>
+                  </a:txBody>
+                  <a:tcPr marL="68580" marR="68580" marT="0" marB="0">
+                    <a:solidFill>
+                      <a:schemeClr val="accent1"/>
+                    </a:solidFill>
+                  </a:tcPr>
+                </a:tc>
+              </a:tr>
+              <a:tr h="272955">
+                <a:tc>
+                  <a:txBody>
+                    <a:bodyPr/>
+                    <a:lstStyle/>
+                    <a:p>
+                      <a:pPr algn="ctr">
+                        <a:lnSpc>
+                          <a:spcPct val="107000"/>
+                        </a:lnSpc>
+                        <a:spcAft>
+                          <a:spcPts val="0"/>
+                        </a:spcAft>
+                      </a:pPr>
+                      <a:r>
+                        <a:rPr lang="de-DE" sz="2000" b="1">
+                          <a:effectLst/>
+                          <a:latin typeface="Calibri"/>
+                          <a:ea typeface="Calibri"/>
+                          <a:cs typeface="Times New Roman"/>
+                        </a:rPr>
+                        <a:t>N30.1</a:t>
+                      </a:r>
+                      <a:endParaRPr lang="de-DE" sz="2000">
+                        <a:effectLst/>
+                        <a:latin typeface="Calibri"/>
+                        <a:ea typeface="Calibri"/>
+                        <a:cs typeface="Times New Roman"/>
+                      </a:endParaRPr>
+                    </a:p>
+                  </a:txBody>
+                  <a:tcPr marL="68580" marR="68580" marT="0" marB="0"/>
+                </a:tc>
+                <a:tc>
+                  <a:txBody>
+                    <a:bodyPr/>
+                    <a:lstStyle/>
+                    <a:p>
+                      <a:pPr algn="ctr">
+                        <a:lnSpc>
+                          <a:spcPct val="107000"/>
+                        </a:lnSpc>
+                        <a:spcAft>
+                          <a:spcPts val="0"/>
+                        </a:spcAft>
+                      </a:pPr>
+                      <a:r>
+                        <a:rPr lang="de-DE" sz="2000" dirty="0">
+                          <a:effectLst/>
+                          <a:latin typeface="Calibri"/>
+                          <a:ea typeface="Calibri"/>
+                          <a:cs typeface="Times New Roman"/>
+                        </a:rPr>
+                        <a:t>Die Erscheinung der Oberfläche soll in Design und Bedienungskonzept einheitlich sein.</a:t>
+                      </a:r>
+                    </a:p>
+                  </a:txBody>
+                  <a:tcPr marL="68580" marR="68580" marT="0" marB="0"/>
+                </a:tc>
+              </a:tr>
+            </a:tbl>
+          </a:graphicData>
+        </a:graphic>
+      </p:graphicFrame>
     </p:spTree>
     <p:extLst>
       <p:ext uri="{BB962C8B-B14F-4D97-AF65-F5344CB8AC3E}">
-        <p14:creationId xmlns:p14="http://schemas.microsoft.com/office/powerpoint/2010/main" val="2786761497"/>
+        <p14:creationId xmlns:p14="http://schemas.microsoft.com/office/powerpoint/2010/main" val="1360542806"/>
       </p:ext>
     </p:extLst>
   </p:cSld>
@@ -4724,42 +9769,730 @@
             <p:ph type="title"/>
           </p:nvPr>
         </p:nvSpPr>
-        <p:spPr/>
+        <p:spPr>
+          <a:xfrm>
+            <a:off x="0" y="0"/>
+            <a:ext cx="12192000" cy="1325563"/>
+          </a:xfrm>
+        </p:spPr>
         <p:txBody>
           <a:bodyPr/>
           <a:lstStyle/>
           <a:p>
             <a:r>
               <a:rPr lang="de-DE" dirty="0" smtClean="0"/>
-              <a:t>Frontend</a:t>
+              <a:t>Nicht-Funktionale </a:t>
+            </a:r>
+            <a:r>
+              <a:rPr lang="de-DE" dirty="0"/>
+              <a:t>Anforderungen</a:t>
             </a:r>
             <a:endParaRPr lang="de-DE" dirty="0"/>
           </a:p>
         </p:txBody>
       </p:sp>
-      <p:sp>
-        <p:nvSpPr>
-          <p:cNvPr id="3" name="Inhaltsplatzhalter 2"/>
-          <p:cNvSpPr>
-            <a:spLocks noGrp="1"/>
-          </p:cNvSpPr>
+      <p:graphicFrame>
+        <p:nvGraphicFramePr>
+          <p:cNvPr id="5" name="Inhaltsplatzhalter 4"/>
+          <p:cNvGraphicFramePr>
+            <a:graphicFrameLocks noGrp="1"/>
+          </p:cNvGraphicFramePr>
           <p:nvPr>
             <p:ph idx="1"/>
-          </p:nvPr>
-        </p:nvSpPr>
-        <p:spPr/>
-        <p:txBody>
-          <a:bodyPr/>
-          <a:lstStyle/>
-          <a:p>
-            <a:endParaRPr lang="de-DE" dirty="0"/>
-          </a:p>
-        </p:txBody>
-      </p:sp>
+            <p:extLst>
+              <p:ext uri="{D42A27DB-BD31-4B8C-83A1-F6EECF244321}">
+                <p14:modId xmlns:p14="http://schemas.microsoft.com/office/powerpoint/2010/main" val="1393544634"/>
+              </p:ext>
+            </p:extLst>
+          </p:nvPr>
+        </p:nvGraphicFramePr>
+        <p:xfrm>
+          <a:off x="341194" y="1232700"/>
+          <a:ext cx="11518710" cy="4243095"/>
+        </p:xfrm>
+        <a:graphic>
+          <a:graphicData uri="http://schemas.openxmlformats.org/drawingml/2006/table">
+            <a:tbl>
+              <a:tblPr firstRow="1" firstCol="1" bandRow="1">
+                <a:tableStyleId>{5C22544A-7EE6-4342-B048-85BDC9FD1C3A}</a:tableStyleId>
+              </a:tblPr>
+              <a:tblGrid>
+                <a:gridCol w="699046"/>
+                <a:gridCol w="10819664"/>
+              </a:tblGrid>
+              <a:tr h="496857">
+                <a:tc>
+                  <a:txBody>
+                    <a:bodyPr/>
+                    <a:lstStyle/>
+                    <a:p>
+                      <a:pPr algn="ctr">
+                        <a:lnSpc>
+                          <a:spcPct val="107000"/>
+                        </a:lnSpc>
+                        <a:spcAft>
+                          <a:spcPts val="0"/>
+                        </a:spcAft>
+                      </a:pPr>
+                      <a:r>
+                        <a:rPr lang="de-DE" sz="2000" dirty="0">
+                          <a:effectLst/>
+                        </a:rPr>
+                        <a:t>ID</a:t>
+                      </a:r>
+                      <a:endParaRPr lang="de-DE" sz="2000" dirty="0">
+                        <a:effectLst/>
+                        <a:latin typeface="Calibri"/>
+                        <a:ea typeface="Calibri"/>
+                        <a:cs typeface="Times New Roman"/>
+                      </a:endParaRPr>
+                    </a:p>
+                  </a:txBody>
+                  <a:tcPr marL="68580" marR="68580" marT="0" marB="0">
+                    <a:solidFill>
+                      <a:schemeClr val="accent1"/>
+                    </a:solidFill>
+                  </a:tcPr>
+                </a:tc>
+                <a:tc>
+                  <a:txBody>
+                    <a:bodyPr/>
+                    <a:lstStyle/>
+                    <a:p>
+                      <a:pPr algn="ctr">
+                        <a:lnSpc>
+                          <a:spcPct val="107000"/>
+                        </a:lnSpc>
+                        <a:spcAft>
+                          <a:spcPts val="0"/>
+                        </a:spcAft>
+                      </a:pPr>
+                      <a:r>
+                        <a:rPr lang="de-DE" sz="2000" dirty="0">
+                          <a:effectLst/>
+                        </a:rPr>
+                        <a:t>Funktionalität</a:t>
+                      </a:r>
+                      <a:endParaRPr lang="de-DE" sz="2000" dirty="0">
+                        <a:effectLst/>
+                        <a:latin typeface="Calibri"/>
+                        <a:ea typeface="Calibri"/>
+                        <a:cs typeface="Times New Roman"/>
+                      </a:endParaRPr>
+                    </a:p>
+                  </a:txBody>
+                  <a:tcPr marL="68580" marR="68580" marT="0" marB="0">
+                    <a:solidFill>
+                      <a:schemeClr val="accent1"/>
+                    </a:solidFill>
+                  </a:tcPr>
+                </a:tc>
+              </a:tr>
+              <a:tr h="294714">
+                <a:tc>
+                  <a:txBody>
+                    <a:bodyPr/>
+                    <a:lstStyle/>
+                    <a:p>
+                      <a:pPr algn="ctr">
+                        <a:lnSpc>
+                          <a:spcPct val="107000"/>
+                        </a:lnSpc>
+                        <a:spcAft>
+                          <a:spcPts val="0"/>
+                        </a:spcAft>
+                      </a:pPr>
+                      <a:r>
+                        <a:rPr lang="de-DE" sz="1800" b="1" dirty="0">
+                          <a:solidFill>
+                            <a:srgbClr val="FFFFFF"/>
+                          </a:solidFill>
+                          <a:effectLst/>
+                          <a:latin typeface="Calibri"/>
+                          <a:ea typeface="Calibri"/>
+                          <a:cs typeface="Times New Roman"/>
+                        </a:rPr>
+                        <a:t>N40</a:t>
+                      </a:r>
+                      <a:endParaRPr lang="de-DE" sz="1800" dirty="0">
+                        <a:effectLst/>
+                        <a:latin typeface="Calibri"/>
+                        <a:ea typeface="Calibri"/>
+                        <a:cs typeface="Times New Roman"/>
+                      </a:endParaRPr>
+                    </a:p>
+                  </a:txBody>
+                  <a:tcPr marL="68580" marR="68580" marT="0" marB="0"/>
+                </a:tc>
+                <a:tc>
+                  <a:txBody>
+                    <a:bodyPr/>
+                    <a:lstStyle/>
+                    <a:p>
+                      <a:pPr algn="ctr">
+                        <a:lnSpc>
+                          <a:spcPct val="107000"/>
+                        </a:lnSpc>
+                        <a:spcAft>
+                          <a:spcPts val="0"/>
+                        </a:spcAft>
+                      </a:pPr>
+                      <a:r>
+                        <a:rPr lang="de-DE" sz="1800" b="1" dirty="0">
+                          <a:solidFill>
+                            <a:srgbClr val="FFFFFF"/>
+                          </a:solidFill>
+                          <a:effectLst/>
+                          <a:latin typeface="Calibri"/>
+                          <a:ea typeface="Calibri"/>
+                          <a:cs typeface="Times New Roman"/>
+                        </a:rPr>
+                        <a:t>Performanz</a:t>
+                      </a:r>
+                      <a:endParaRPr lang="de-DE" sz="1800" dirty="0">
+                        <a:effectLst/>
+                        <a:latin typeface="Calibri"/>
+                        <a:ea typeface="Calibri"/>
+                        <a:cs typeface="Times New Roman"/>
+                      </a:endParaRPr>
+                    </a:p>
+                  </a:txBody>
+                  <a:tcPr marL="68580" marR="68580" marT="0" marB="0">
+                    <a:solidFill>
+                      <a:schemeClr val="accent1"/>
+                    </a:solidFill>
+                  </a:tcPr>
+                </a:tc>
+              </a:tr>
+              <a:tr h="286603">
+                <a:tc>
+                  <a:txBody>
+                    <a:bodyPr/>
+                    <a:lstStyle/>
+                    <a:p>
+                      <a:pPr algn="ctr">
+                        <a:lnSpc>
+                          <a:spcPct val="107000"/>
+                        </a:lnSpc>
+                        <a:spcAft>
+                          <a:spcPts val="0"/>
+                        </a:spcAft>
+                      </a:pPr>
+                      <a:r>
+                        <a:rPr lang="de-DE" sz="1800" b="1">
+                          <a:effectLst/>
+                          <a:latin typeface="Calibri"/>
+                          <a:ea typeface="Calibri"/>
+                          <a:cs typeface="Times New Roman"/>
+                        </a:rPr>
+                        <a:t>N40.1</a:t>
+                      </a:r>
+                      <a:endParaRPr lang="de-DE" sz="1800">
+                        <a:effectLst/>
+                        <a:latin typeface="Calibri"/>
+                        <a:ea typeface="Calibri"/>
+                        <a:cs typeface="Times New Roman"/>
+                      </a:endParaRPr>
+                    </a:p>
+                  </a:txBody>
+                  <a:tcPr marL="68580" marR="68580" marT="0" marB="0"/>
+                </a:tc>
+                <a:tc>
+                  <a:txBody>
+                    <a:bodyPr/>
+                    <a:lstStyle/>
+                    <a:p>
+                      <a:pPr algn="ctr">
+                        <a:lnSpc>
+                          <a:spcPct val="107000"/>
+                        </a:lnSpc>
+                        <a:spcAft>
+                          <a:spcPts val="0"/>
+                        </a:spcAft>
+                      </a:pPr>
+                      <a:r>
+                        <a:rPr lang="de-DE" sz="1800" dirty="0">
+                          <a:effectLst/>
+                          <a:latin typeface="Calibri"/>
+                          <a:ea typeface="Calibri"/>
+                          <a:cs typeface="Times New Roman"/>
+                        </a:rPr>
+                        <a:t>Der Server soll für die Bearbeitung einer Anfrage maximal 100ms brauchen.</a:t>
+                      </a:r>
+                    </a:p>
+                  </a:txBody>
+                  <a:tcPr marL="68580" marR="68580" marT="0" marB="0"/>
+                </a:tc>
+              </a:tr>
+              <a:tr h="286603">
+                <a:tc>
+                  <a:txBody>
+                    <a:bodyPr/>
+                    <a:lstStyle/>
+                    <a:p>
+                      <a:pPr algn="ctr">
+                        <a:lnSpc>
+                          <a:spcPct val="107000"/>
+                        </a:lnSpc>
+                        <a:spcAft>
+                          <a:spcPts val="0"/>
+                        </a:spcAft>
+                      </a:pPr>
+                      <a:r>
+                        <a:rPr lang="de-DE" sz="1800" b="1">
+                          <a:effectLst/>
+                          <a:latin typeface="Calibri"/>
+                          <a:ea typeface="Calibri"/>
+                          <a:cs typeface="Times New Roman"/>
+                        </a:rPr>
+                        <a:t>N40.2</a:t>
+                      </a:r>
+                      <a:endParaRPr lang="de-DE" sz="1800">
+                        <a:effectLst/>
+                        <a:latin typeface="Calibri"/>
+                        <a:ea typeface="Calibri"/>
+                        <a:cs typeface="Times New Roman"/>
+                      </a:endParaRPr>
+                    </a:p>
+                  </a:txBody>
+                  <a:tcPr marL="68580" marR="68580" marT="0" marB="0"/>
+                </a:tc>
+                <a:tc>
+                  <a:txBody>
+                    <a:bodyPr/>
+                    <a:lstStyle/>
+                    <a:p>
+                      <a:pPr algn="ctr">
+                        <a:lnSpc>
+                          <a:spcPct val="107000"/>
+                        </a:lnSpc>
+                        <a:spcAft>
+                          <a:spcPts val="0"/>
+                        </a:spcAft>
+                      </a:pPr>
+                      <a:r>
+                        <a:rPr lang="de-DE" sz="1800">
+                          <a:effectLst/>
+                          <a:latin typeface="Calibri"/>
+                          <a:ea typeface="Calibri"/>
+                          <a:cs typeface="Times New Roman"/>
+                        </a:rPr>
+                        <a:t>Es wird von maximal 60 Anfragen pro Minute unter Volllast ausgegangen.</a:t>
+                      </a:r>
+                    </a:p>
+                  </a:txBody>
+                  <a:tcPr marL="68580" marR="68580" marT="0" marB="0"/>
+                </a:tc>
+              </a:tr>
+              <a:tr h="544232">
+                <a:tc>
+                  <a:txBody>
+                    <a:bodyPr/>
+                    <a:lstStyle/>
+                    <a:p>
+                      <a:pPr algn="ctr">
+                        <a:lnSpc>
+                          <a:spcPct val="107000"/>
+                        </a:lnSpc>
+                        <a:spcAft>
+                          <a:spcPts val="0"/>
+                        </a:spcAft>
+                      </a:pPr>
+                      <a:r>
+                        <a:rPr lang="de-DE" sz="1800" b="1">
+                          <a:effectLst/>
+                          <a:latin typeface="Calibri"/>
+                          <a:ea typeface="Calibri"/>
+                          <a:cs typeface="Times New Roman"/>
+                        </a:rPr>
+                        <a:t>N40.3</a:t>
+                      </a:r>
+                      <a:endParaRPr lang="de-DE" sz="1800">
+                        <a:effectLst/>
+                        <a:latin typeface="Calibri"/>
+                        <a:ea typeface="Calibri"/>
+                        <a:cs typeface="Times New Roman"/>
+                      </a:endParaRPr>
+                    </a:p>
+                  </a:txBody>
+                  <a:tcPr marL="68580" marR="68580" marT="0" marB="0"/>
+                </a:tc>
+                <a:tc>
+                  <a:txBody>
+                    <a:bodyPr/>
+                    <a:lstStyle/>
+                    <a:p>
+                      <a:pPr algn="ctr">
+                        <a:lnSpc>
+                          <a:spcPct val="107000"/>
+                        </a:lnSpc>
+                        <a:spcAft>
+                          <a:spcPts val="0"/>
+                        </a:spcAft>
+                      </a:pPr>
+                      <a:r>
+                        <a:rPr lang="de-DE" sz="1800">
+                          <a:effectLst/>
+                          <a:latin typeface="Calibri"/>
+                          <a:ea typeface="Calibri"/>
+                          <a:cs typeface="Times New Roman"/>
+                        </a:rPr>
+                        <a:t>Da die App vorerst nicht kommerziell betrieben wird, ist eine hohe Verfügbarkeit nicht wichtig. Eine Verfügbarkeit des Webservices von 98% im Jahreszeitraum ist damit ausreichend.</a:t>
+                      </a:r>
+                    </a:p>
+                  </a:txBody>
+                  <a:tcPr marL="68580" marR="68580" marT="0" marB="0"/>
+                </a:tc>
+              </a:tr>
+              <a:tr h="301930">
+                <a:tc>
+                  <a:txBody>
+                    <a:bodyPr/>
+                    <a:lstStyle/>
+                    <a:p>
+                      <a:pPr algn="ctr">
+                        <a:lnSpc>
+                          <a:spcPct val="107000"/>
+                        </a:lnSpc>
+                        <a:spcAft>
+                          <a:spcPts val="0"/>
+                        </a:spcAft>
+                      </a:pPr>
+                      <a:r>
+                        <a:rPr lang="de-DE" sz="1800" b="1">
+                          <a:effectLst/>
+                          <a:latin typeface="Calibri"/>
+                          <a:ea typeface="Calibri"/>
+                          <a:cs typeface="Times New Roman"/>
+                        </a:rPr>
+                        <a:t>N50</a:t>
+                      </a:r>
+                      <a:endParaRPr lang="de-DE" sz="1800">
+                        <a:effectLst/>
+                        <a:latin typeface="Calibri"/>
+                        <a:ea typeface="Calibri"/>
+                        <a:cs typeface="Times New Roman"/>
+                      </a:endParaRPr>
+                    </a:p>
+                  </a:txBody>
+                  <a:tcPr marL="68580" marR="68580" marT="0" marB="0"/>
+                </a:tc>
+                <a:tc>
+                  <a:txBody>
+                    <a:bodyPr/>
+                    <a:lstStyle/>
+                    <a:p>
+                      <a:pPr algn="ctr">
+                        <a:lnSpc>
+                          <a:spcPct val="107000"/>
+                        </a:lnSpc>
+                        <a:spcAft>
+                          <a:spcPts val="0"/>
+                        </a:spcAft>
+                      </a:pPr>
+                      <a:r>
+                        <a:rPr lang="de-DE" sz="1800" dirty="0">
+                          <a:solidFill>
+                            <a:schemeClr val="bg1"/>
+                          </a:solidFill>
+                          <a:effectLst/>
+                          <a:latin typeface="Calibri"/>
+                          <a:ea typeface="Calibri"/>
+                          <a:cs typeface="Times New Roman"/>
+                        </a:rPr>
+                        <a:t>Wartbarkeit</a:t>
+                      </a:r>
+                    </a:p>
+                  </a:txBody>
+                  <a:tcPr marL="68580" marR="68580" marT="0" marB="0">
+                    <a:solidFill>
+                      <a:schemeClr val="accent1"/>
+                    </a:solidFill>
+                  </a:tcPr>
+                </a:tc>
+              </a:tr>
+              <a:tr h="163773">
+                <a:tc>
+                  <a:txBody>
+                    <a:bodyPr/>
+                    <a:lstStyle/>
+                    <a:p>
+                      <a:pPr algn="ctr">
+                        <a:lnSpc>
+                          <a:spcPct val="107000"/>
+                        </a:lnSpc>
+                        <a:spcAft>
+                          <a:spcPts val="0"/>
+                        </a:spcAft>
+                      </a:pPr>
+                      <a:r>
+                        <a:rPr lang="de-DE" sz="1800" b="1">
+                          <a:effectLst/>
+                          <a:latin typeface="Calibri"/>
+                          <a:ea typeface="Calibri"/>
+                          <a:cs typeface="Times New Roman"/>
+                        </a:rPr>
+                        <a:t>N50.1</a:t>
+                      </a:r>
+                      <a:endParaRPr lang="de-DE" sz="1800">
+                        <a:effectLst/>
+                        <a:latin typeface="Calibri"/>
+                        <a:ea typeface="Calibri"/>
+                        <a:cs typeface="Times New Roman"/>
+                      </a:endParaRPr>
+                    </a:p>
+                  </a:txBody>
+                  <a:tcPr marL="68580" marR="68580" marT="0" marB="0"/>
+                </a:tc>
+                <a:tc>
+                  <a:txBody>
+                    <a:bodyPr/>
+                    <a:lstStyle/>
+                    <a:p>
+                      <a:pPr algn="ctr">
+                        <a:lnSpc>
+                          <a:spcPct val="107000"/>
+                        </a:lnSpc>
+                        <a:spcAft>
+                          <a:spcPts val="0"/>
+                        </a:spcAft>
+                      </a:pPr>
+                      <a:r>
+                        <a:rPr lang="de-DE" sz="1800">
+                          <a:effectLst/>
+                          <a:latin typeface="Calibri"/>
+                          <a:ea typeface="Calibri"/>
+                          <a:cs typeface="Times New Roman"/>
+                        </a:rPr>
+                        <a:t>Für die Qualität und Einheitlichkeit des Codes wird ein Styleguide definiert, dem der produzierte Code entsprechen muss.</a:t>
+                      </a:r>
+                    </a:p>
+                  </a:txBody>
+                  <a:tcPr marL="68580" marR="68580" marT="0" marB="0"/>
+                </a:tc>
+              </a:tr>
+              <a:tr h="544232">
+                <a:tc>
+                  <a:txBody>
+                    <a:bodyPr/>
+                    <a:lstStyle/>
+                    <a:p>
+                      <a:pPr algn="ctr">
+                        <a:lnSpc>
+                          <a:spcPct val="107000"/>
+                        </a:lnSpc>
+                        <a:spcAft>
+                          <a:spcPts val="0"/>
+                        </a:spcAft>
+                      </a:pPr>
+                      <a:r>
+                        <a:rPr lang="de-DE" sz="1800" b="1">
+                          <a:effectLst/>
+                          <a:latin typeface="Calibri"/>
+                          <a:ea typeface="Calibri"/>
+                          <a:cs typeface="Times New Roman"/>
+                        </a:rPr>
+                        <a:t>N50.2</a:t>
+                      </a:r>
+                      <a:endParaRPr lang="de-DE" sz="1800">
+                        <a:effectLst/>
+                        <a:latin typeface="Calibri"/>
+                        <a:ea typeface="Calibri"/>
+                        <a:cs typeface="Times New Roman"/>
+                      </a:endParaRPr>
+                    </a:p>
+                  </a:txBody>
+                  <a:tcPr marL="68580" marR="68580" marT="0" marB="0"/>
+                </a:tc>
+                <a:tc>
+                  <a:txBody>
+                    <a:bodyPr/>
+                    <a:lstStyle/>
+                    <a:p>
+                      <a:pPr algn="ctr">
+                        <a:lnSpc>
+                          <a:spcPct val="107000"/>
+                        </a:lnSpc>
+                        <a:spcAft>
+                          <a:spcPts val="0"/>
+                        </a:spcAft>
+                      </a:pPr>
+                      <a:r>
+                        <a:rPr lang="de-DE" sz="1800" dirty="0">
+                          <a:solidFill>
+                            <a:srgbClr val="FF9900"/>
+                          </a:solidFill>
+                          <a:effectLst/>
+                          <a:latin typeface="Calibri"/>
+                          <a:ea typeface="Calibri"/>
+                          <a:cs typeface="Times New Roman"/>
+                        </a:rPr>
+                        <a:t>Der Code muss mit ausreichend Kommentaren ausgestattet sein. Für eine Automatische Dokumentationserstellung werden spezielle Kommentare erstellt, die automatisch verarbeitet werden. Diese Kommentare werden im </a:t>
+                      </a:r>
+                      <a:r>
+                        <a:rPr lang="de-DE" sz="1800" dirty="0" err="1">
+                          <a:solidFill>
+                            <a:srgbClr val="FF9900"/>
+                          </a:solidFill>
+                          <a:effectLst/>
+                          <a:latin typeface="Calibri"/>
+                          <a:ea typeface="Calibri"/>
+                          <a:cs typeface="Times New Roman"/>
+                        </a:rPr>
+                        <a:t>Styleguide</a:t>
+                      </a:r>
+                      <a:r>
+                        <a:rPr lang="de-DE" sz="1800" dirty="0">
+                          <a:solidFill>
+                            <a:srgbClr val="FF9900"/>
+                          </a:solidFill>
+                          <a:effectLst/>
+                          <a:latin typeface="Calibri"/>
+                          <a:ea typeface="Calibri"/>
+                          <a:cs typeface="Times New Roman"/>
+                        </a:rPr>
+                        <a:t> festgehalten.</a:t>
+                      </a:r>
+                    </a:p>
+                  </a:txBody>
+                  <a:tcPr marL="68580" marR="68580" marT="0" marB="0"/>
+                </a:tc>
+              </a:tr>
+              <a:tr h="202753">
+                <a:tc>
+                  <a:txBody>
+                    <a:bodyPr/>
+                    <a:lstStyle/>
+                    <a:p>
+                      <a:pPr algn="ctr">
+                        <a:lnSpc>
+                          <a:spcPct val="107000"/>
+                        </a:lnSpc>
+                        <a:spcAft>
+                          <a:spcPts val="0"/>
+                        </a:spcAft>
+                      </a:pPr>
+                      <a:r>
+                        <a:rPr lang="de-DE" sz="1800" b="1">
+                          <a:effectLst/>
+                          <a:latin typeface="Calibri"/>
+                          <a:ea typeface="Calibri"/>
+                          <a:cs typeface="Times New Roman"/>
+                        </a:rPr>
+                        <a:t>N60</a:t>
+                      </a:r>
+                      <a:endParaRPr lang="de-DE" sz="1800">
+                        <a:effectLst/>
+                        <a:latin typeface="Calibri"/>
+                        <a:ea typeface="Calibri"/>
+                        <a:cs typeface="Times New Roman"/>
+                      </a:endParaRPr>
+                    </a:p>
+                  </a:txBody>
+                  <a:tcPr marL="68580" marR="68580" marT="0" marB="0"/>
+                </a:tc>
+                <a:tc>
+                  <a:txBody>
+                    <a:bodyPr/>
+                    <a:lstStyle/>
+                    <a:p>
+                      <a:pPr algn="ctr">
+                        <a:lnSpc>
+                          <a:spcPct val="107000"/>
+                        </a:lnSpc>
+                        <a:spcAft>
+                          <a:spcPts val="0"/>
+                        </a:spcAft>
+                      </a:pPr>
+                      <a:r>
+                        <a:rPr lang="de-DE" sz="1800" dirty="0">
+                          <a:solidFill>
+                            <a:schemeClr val="bg1"/>
+                          </a:solidFill>
+                          <a:effectLst/>
+                          <a:latin typeface="Calibri"/>
+                          <a:ea typeface="Calibri"/>
+                          <a:cs typeface="Times New Roman"/>
+                        </a:rPr>
+                        <a:t>Tests</a:t>
+                      </a:r>
+                    </a:p>
+                  </a:txBody>
+                  <a:tcPr marL="68580" marR="68580" marT="0" marB="0">
+                    <a:solidFill>
+                      <a:schemeClr val="accent1"/>
+                    </a:solidFill>
+                  </a:tcPr>
+                </a:tc>
+              </a:tr>
+              <a:tr h="240055">
+                <a:tc>
+                  <a:txBody>
+                    <a:bodyPr/>
+                    <a:lstStyle/>
+                    <a:p>
+                      <a:pPr algn="ctr">
+                        <a:lnSpc>
+                          <a:spcPct val="107000"/>
+                        </a:lnSpc>
+                        <a:spcAft>
+                          <a:spcPts val="0"/>
+                        </a:spcAft>
+                      </a:pPr>
+                      <a:r>
+                        <a:rPr lang="de-DE" sz="1800" b="1">
+                          <a:effectLst/>
+                          <a:latin typeface="Calibri"/>
+                          <a:ea typeface="Calibri"/>
+                          <a:cs typeface="Times New Roman"/>
+                        </a:rPr>
+                        <a:t>N60.1</a:t>
+                      </a:r>
+                      <a:endParaRPr lang="de-DE" sz="1800">
+                        <a:effectLst/>
+                        <a:latin typeface="Calibri"/>
+                        <a:ea typeface="Calibri"/>
+                        <a:cs typeface="Times New Roman"/>
+                      </a:endParaRPr>
+                    </a:p>
+                  </a:txBody>
+                  <a:tcPr marL="68580" marR="68580" marT="0" marB="0"/>
+                </a:tc>
+                <a:tc>
+                  <a:txBody>
+                    <a:bodyPr/>
+                    <a:lstStyle/>
+                    <a:p>
+                      <a:pPr algn="ctr">
+                        <a:lnSpc>
+                          <a:spcPct val="107000"/>
+                        </a:lnSpc>
+                        <a:spcAft>
+                          <a:spcPts val="0"/>
+                        </a:spcAft>
+                      </a:pPr>
+                      <a:r>
+                        <a:rPr lang="de-DE" sz="1800" dirty="0">
+                          <a:effectLst/>
+                          <a:latin typeface="Calibri"/>
+                          <a:ea typeface="Calibri"/>
+                          <a:cs typeface="Times New Roman"/>
+                        </a:rPr>
+                        <a:t>Anforderungen an die Testbarkeit werden in einem separaten Testkonzept festgelegt.</a:t>
+                      </a:r>
+                    </a:p>
+                  </a:txBody>
+                  <a:tcPr marL="68580" marR="68580" marT="0" marB="0"/>
+                </a:tc>
+              </a:tr>
+            </a:tbl>
+          </a:graphicData>
+        </a:graphic>
+      </p:graphicFrame>
     </p:spTree>
     <p:extLst>
       <p:ext uri="{BB962C8B-B14F-4D97-AF65-F5344CB8AC3E}">
-        <p14:creationId xmlns:p14="http://schemas.microsoft.com/office/powerpoint/2010/main" val="3301113212"/>
+        <p14:creationId xmlns:p14="http://schemas.microsoft.com/office/powerpoint/2010/main" val="1018171969"/>
       </p:ext>
     </p:extLst>
   </p:cSld>
@@ -4803,48 +10536,56 @@
             <p:ph type="title"/>
           </p:nvPr>
         </p:nvSpPr>
-        <p:spPr/>
-        <p:txBody>
-          <a:bodyPr>
-            <a:normAutofit/>
-          </a:bodyPr>
-          <a:lstStyle/>
-          <a:p>
-            <a:r>
-              <a:rPr lang="de-DE" dirty="0" err="1" smtClean="0"/>
-              <a:t>Vuzix</a:t>
-            </a:r>
-            <a:r>
-              <a:rPr lang="de-DE" dirty="0" smtClean="0"/>
-              <a:t>-App</a:t>
-            </a:r>
-            <a:endParaRPr lang="de-DE" dirty="0"/>
-          </a:p>
-        </p:txBody>
-      </p:sp>
-      <p:sp>
-        <p:nvSpPr>
-          <p:cNvPr id="3" name="Inhaltsplatzhalter 2"/>
-          <p:cNvSpPr>
-            <a:spLocks noGrp="1"/>
-          </p:cNvSpPr>
-          <p:nvPr>
-            <p:ph idx="1"/>
-          </p:nvPr>
-        </p:nvSpPr>
-        <p:spPr/>
+        <p:spPr>
+          <a:xfrm>
+            <a:off x="0" y="0"/>
+            <a:ext cx="12192000" cy="1325563"/>
+          </a:xfrm>
+        </p:spPr>
         <p:txBody>
           <a:bodyPr/>
           <a:lstStyle/>
           <a:p>
+            <a:r>
+              <a:rPr lang="de-DE" dirty="0" smtClean="0"/>
+              <a:t>Life-Demo</a:t>
+            </a:r>
             <a:endParaRPr lang="de-DE" dirty="0"/>
           </a:p>
         </p:txBody>
       </p:sp>
+      <p:pic>
+        <p:nvPicPr>
+          <p:cNvPr id="4" name="Inhaltsplatzhalter 3"/>
+          <p:cNvPicPr>
+            <a:picLocks noGrp="1" noChangeAspect="1"/>
+          </p:cNvPicPr>
+          <p:nvPr>
+            <p:ph idx="1"/>
+          </p:nvPr>
+        </p:nvPicPr>
+        <p:blipFill rotWithShape="1">
+          <a:blip r:embed="rId2">
+            <a:extLst>
+              <a:ext uri="{28A0092B-C50C-407E-A947-70E740481C1C}">
+                <a14:useLocalDpi xmlns:a14="http://schemas.microsoft.com/office/drawing/2010/main" val="0"/>
+              </a:ext>
+            </a:extLst>
+          </a:blip>
+          <a:srcRect t="-370" b="-1"/>
+          <a:stretch/>
+        </p:blipFill>
+        <p:spPr>
+          <a:xfrm>
+            <a:off x="846165" y="1274584"/>
+            <a:ext cx="10485911" cy="5017034"/>
+          </a:xfrm>
+        </p:spPr>
+      </p:pic>
     </p:spTree>
     <p:extLst>
       <p:ext uri="{BB962C8B-B14F-4D97-AF65-F5344CB8AC3E}">
-        <p14:creationId xmlns:p14="http://schemas.microsoft.com/office/powerpoint/2010/main" val="2561323560"/>
+        <p14:creationId xmlns:p14="http://schemas.microsoft.com/office/powerpoint/2010/main" val="3105310023"/>
       </p:ext>
     </p:extLst>
   </p:cSld>
@@ -4890,143 +10631,50 @@
         </p:nvSpPr>
         <p:spPr/>
         <p:txBody>
-          <a:bodyPr>
-            <a:normAutofit/>
-          </a:bodyPr>
+          <a:bodyPr/>
           <a:lstStyle/>
           <a:p>
             <a:r>
               <a:rPr lang="de-DE" dirty="0" smtClean="0"/>
-              <a:t>Projektablauf</a:t>
+              <a:t>Life-Demo</a:t>
             </a:r>
             <a:endParaRPr lang="de-DE" dirty="0"/>
           </a:p>
         </p:txBody>
       </p:sp>
-      <p:sp>
-        <p:nvSpPr>
-          <p:cNvPr id="3" name="Inhaltsplatzhalter 2"/>
-          <p:cNvSpPr>
-            <a:spLocks noGrp="1"/>
-          </p:cNvSpPr>
+      <p:pic>
+        <p:nvPicPr>
+          <p:cNvPr id="4" name="Inhaltsplatzhalter 3"/>
+          <p:cNvPicPr>
+            <a:picLocks noGrp="1" noChangeAspect="1"/>
+          </p:cNvPicPr>
           <p:nvPr>
             <p:ph idx="1"/>
           </p:nvPr>
-        </p:nvSpPr>
-        <p:spPr/>
-        <p:txBody>
-          <a:bodyPr>
-            <a:normAutofit/>
-          </a:bodyPr>
-          <a:lstStyle/>
-          <a:p>
-            <a:r>
-              <a:rPr lang="de-DE" dirty="0" smtClean="0"/>
-              <a:t>Erster Sprintwechsel 10.03.</a:t>
-            </a:r>
-          </a:p>
-          <a:p>
-            <a:pPr lvl="1"/>
-            <a:r>
-              <a:rPr lang="de-DE" dirty="0" smtClean="0"/>
-              <a:t>Verteilung der ersten </a:t>
-            </a:r>
-            <a:r>
-              <a:rPr lang="de-DE" dirty="0" err="1" smtClean="0"/>
-              <a:t>Issues</a:t>
-            </a:r>
-            <a:r>
-              <a:rPr lang="de-DE" dirty="0" smtClean="0"/>
-              <a:t> </a:t>
-            </a:r>
-          </a:p>
-          <a:p>
-            <a:pPr lvl="2"/>
-            <a:r>
-              <a:rPr lang="de-DE" dirty="0" smtClean="0"/>
-              <a:t>Hauptsächlich Architekturen</a:t>
-            </a:r>
-          </a:p>
-          <a:p>
-            <a:pPr lvl="1"/>
-            <a:r>
-              <a:rPr lang="de-DE" dirty="0" smtClean="0"/>
-              <a:t>Vorbereiten des </a:t>
-            </a:r>
-            <a:r>
-              <a:rPr lang="de-DE" dirty="0" err="1" smtClean="0"/>
-              <a:t>Backlogs</a:t>
-            </a:r>
-            <a:r>
-              <a:rPr lang="de-DE" dirty="0" smtClean="0"/>
-              <a:t> für künftige Sprints</a:t>
-            </a:r>
-          </a:p>
-          <a:p>
-            <a:r>
-              <a:rPr lang="de-DE" dirty="0" smtClean="0"/>
-              <a:t>Zweiter Sprintwechsel 17.03.</a:t>
-            </a:r>
-          </a:p>
-          <a:p>
-            <a:pPr lvl="1"/>
-            <a:r>
-              <a:rPr lang="de-DE" dirty="0" smtClean="0"/>
-              <a:t>Abnahme der </a:t>
-            </a:r>
-            <a:r>
-              <a:rPr lang="de-DE" dirty="0" err="1" smtClean="0"/>
-              <a:t>Issues</a:t>
-            </a:r>
-            <a:endParaRPr lang="de-DE" dirty="0" smtClean="0"/>
-          </a:p>
-          <a:p>
-            <a:pPr lvl="1"/>
-            <a:r>
-              <a:rPr lang="de-DE" dirty="0" smtClean="0"/>
-              <a:t>Retrospektive</a:t>
-            </a:r>
-          </a:p>
-          <a:p>
-            <a:pPr lvl="2"/>
-            <a:r>
-              <a:rPr lang="de-DE" dirty="0" smtClean="0"/>
-              <a:t>Zusammenarbeit fördern (räumlich)</a:t>
-            </a:r>
-          </a:p>
-          <a:p>
-            <a:pPr lvl="2"/>
-            <a:r>
-              <a:rPr lang="de-DE" dirty="0" smtClean="0"/>
-              <a:t>Stimmung des Teams: Gut</a:t>
-            </a:r>
-          </a:p>
-          <a:p>
-            <a:pPr lvl="1"/>
-            <a:r>
-              <a:rPr lang="de-DE" dirty="0" smtClean="0"/>
-              <a:t>Verteilung von </a:t>
-            </a:r>
-            <a:r>
-              <a:rPr lang="de-DE" dirty="0" err="1" smtClean="0"/>
-              <a:t>Issues</a:t>
-            </a:r>
-            <a:endParaRPr lang="de-DE" dirty="0" smtClean="0"/>
-          </a:p>
-          <a:p>
-            <a:pPr lvl="2"/>
-            <a:r>
-              <a:rPr lang="de-DE" dirty="0" smtClean="0"/>
-              <a:t>Hauptsächlich Konzepte</a:t>
-            </a:r>
-            <a:endParaRPr lang="de-DE" dirty="0"/>
-          </a:p>
-        </p:txBody>
-      </p:sp>
+        </p:nvPicPr>
+        <p:blipFill>
+          <a:blip r:embed="rId2">
+            <a:extLst>
+              <a:ext uri="{28A0092B-C50C-407E-A947-70E740481C1C}">
+                <a14:useLocalDpi xmlns:a14="http://schemas.microsoft.com/office/drawing/2010/main" val="0"/>
+              </a:ext>
+            </a:extLst>
+          </a:blip>
+          <a:stretch>
+            <a:fillRect/>
+          </a:stretch>
+        </p:blipFill>
+        <p:spPr>
+          <a:xfrm>
+            <a:off x="843851" y="1296538"/>
+            <a:ext cx="10524570" cy="5008728"/>
+          </a:xfrm>
+        </p:spPr>
+      </p:pic>
     </p:spTree>
     <p:extLst>
       <p:ext uri="{BB962C8B-B14F-4D97-AF65-F5344CB8AC3E}">
-        <p14:creationId xmlns:p14="http://schemas.microsoft.com/office/powerpoint/2010/main" val="173347956"/>
+        <p14:creationId xmlns:p14="http://schemas.microsoft.com/office/powerpoint/2010/main" val="3845227295"/>
       </p:ext>
     </p:extLst>
   </p:cSld>
@@ -5238,7 +10886,7 @@
   <a:extraClrSchemeLst/>
   <a:extLst>
     <a:ext uri="{05A4C25C-085E-4340-85A3-A5531E510DB2}">
-      <thm15:themeFamily xmlns="" xmlns:thm15="http://schemas.microsoft.com/office/thememl/2012/main" name="Office Theme" id="{62F939B6-93AF-4DB8-9C6B-D6C7DFDC589F}" vid="{4A3C46E8-61CC-4603-A589-7422A47A8E4A}"/>
+      <thm15:themeFamily xmlns:thm15="http://schemas.microsoft.com/office/thememl/2012/main" xmlns="" name="Office Theme" id="{62F939B6-93AF-4DB8-9C6B-D6C7DFDC589F}" vid="{4A3C46E8-61CC-4603-A589-7422A47A8E4A}"/>
     </a:ext>
   </a:extLst>
 </a:theme>

--- a/Docs/AbschlussPräsi.pptx
+++ b/Docs/AbschlussPräsi.pptx
@@ -20,19 +20,18 @@
     <p:sldId id="290" r:id="rId14"/>
     <p:sldId id="291" r:id="rId15"/>
     <p:sldId id="292" r:id="rId16"/>
-    <p:sldId id="272" r:id="rId17"/>
-    <p:sldId id="273" r:id="rId18"/>
-    <p:sldId id="274" r:id="rId19"/>
-    <p:sldId id="275" r:id="rId20"/>
-    <p:sldId id="276" r:id="rId21"/>
-    <p:sldId id="277" r:id="rId22"/>
-    <p:sldId id="294" r:id="rId23"/>
-    <p:sldId id="293" r:id="rId24"/>
-    <p:sldId id="279" r:id="rId25"/>
-    <p:sldId id="280" r:id="rId26"/>
-    <p:sldId id="281" r:id="rId27"/>
-    <p:sldId id="282" r:id="rId28"/>
-    <p:sldId id="271" r:id="rId29"/>
+    <p:sldId id="298" r:id="rId17"/>
+    <p:sldId id="299" r:id="rId18"/>
+    <p:sldId id="300" r:id="rId19"/>
+    <p:sldId id="272" r:id="rId20"/>
+    <p:sldId id="273" r:id="rId21"/>
+    <p:sldId id="274" r:id="rId22"/>
+    <p:sldId id="275" r:id="rId23"/>
+    <p:sldId id="276" r:id="rId24"/>
+    <p:sldId id="277" r:id="rId25"/>
+    <p:sldId id="294" r:id="rId26"/>
+    <p:sldId id="301" r:id="rId27"/>
+    <p:sldId id="271" r:id="rId28"/>
   </p:sldIdLst>
   <p:sldSz cx="12192000" cy="6858000"/>
   <p:notesSz cx="6858000" cy="9144000"/>
@@ -133,7 +132,7 @@
   </p:defaultTextStyle>
   <p:extLst>
     <p:ext uri="{EFAFB233-063F-42B5-8137-9DF3F51BA10A}">
-      <p15:sldGuideLst xmlns:p15="http://schemas.microsoft.com/office/powerpoint/2012/main" xmlns=""/>
+      <p15:sldGuideLst xmlns="" xmlns:p15="http://schemas.microsoft.com/office/powerpoint/2012/main"/>
     </p:ext>
   </p:extLst>
 </p:presentation>
@@ -3423,14 +3422,19 @@
             <p:ph type="title"/>
           </p:nvPr>
         </p:nvSpPr>
-        <p:spPr/>
+        <p:spPr>
+          <a:xfrm>
+            <a:off x="0" y="0"/>
+            <a:ext cx="12192000" cy="1325563"/>
+          </a:xfrm>
+        </p:spPr>
         <p:txBody>
           <a:bodyPr/>
           <a:lstStyle/>
           <a:p>
             <a:r>
               <a:rPr lang="de-DE" dirty="0" smtClean="0"/>
-              <a:t>Life-Demo</a:t>
+              <a:t>Live-Demo</a:t>
             </a:r>
             <a:endParaRPr lang="de-DE" dirty="0"/>
           </a:p>
@@ -3512,14 +3516,19 @@
             <p:ph type="title"/>
           </p:nvPr>
         </p:nvSpPr>
-        <p:spPr/>
+        <p:spPr>
+          <a:xfrm>
+            <a:off x="0" y="0"/>
+            <a:ext cx="12192000" cy="1325563"/>
+          </a:xfrm>
+        </p:spPr>
         <p:txBody>
           <a:bodyPr/>
           <a:lstStyle/>
           <a:p>
             <a:r>
               <a:rPr lang="de-DE" dirty="0" smtClean="0"/>
-              <a:t>Life-Demo</a:t>
+              <a:t>Live-Demo</a:t>
             </a:r>
             <a:endParaRPr lang="de-DE" dirty="0"/>
           </a:p>
@@ -3601,14 +3610,19 @@
             <p:ph type="title"/>
           </p:nvPr>
         </p:nvSpPr>
-        <p:spPr/>
+        <p:spPr>
+          <a:xfrm>
+            <a:off x="0" y="0"/>
+            <a:ext cx="12192000" cy="1325563"/>
+          </a:xfrm>
+        </p:spPr>
         <p:txBody>
           <a:bodyPr/>
           <a:lstStyle/>
           <a:p>
             <a:r>
               <a:rPr lang="de-DE" dirty="0" smtClean="0"/>
-              <a:t>Life-Demo</a:t>
+              <a:t>Live-Demo</a:t>
             </a:r>
             <a:endParaRPr lang="de-DE" dirty="0"/>
           </a:p>
@@ -3690,14 +3704,19 @@
             <p:ph type="title"/>
           </p:nvPr>
         </p:nvSpPr>
-        <p:spPr/>
+        <p:spPr>
+          <a:xfrm>
+            <a:off x="0" y="0"/>
+            <a:ext cx="12192000" cy="1325563"/>
+          </a:xfrm>
+        </p:spPr>
         <p:txBody>
           <a:bodyPr/>
           <a:lstStyle/>
           <a:p>
             <a:r>
               <a:rPr lang="de-DE" dirty="0" smtClean="0"/>
-              <a:t>Life-Demo</a:t>
+              <a:t>Live-Demo</a:t>
             </a:r>
             <a:endParaRPr lang="de-DE" dirty="0"/>
           </a:p>
@@ -3779,14 +3798,19 @@
             <p:ph type="title"/>
           </p:nvPr>
         </p:nvSpPr>
-        <p:spPr/>
+        <p:spPr>
+          <a:xfrm>
+            <a:off x="0" y="0"/>
+            <a:ext cx="12192000" cy="1325563"/>
+          </a:xfrm>
+        </p:spPr>
         <p:txBody>
           <a:bodyPr/>
           <a:lstStyle/>
           <a:p>
             <a:r>
               <a:rPr lang="de-DE" dirty="0" smtClean="0"/>
-              <a:t>Life-Demo</a:t>
+              <a:t>Live-Demo</a:t>
             </a:r>
             <a:endParaRPr lang="de-DE" dirty="0"/>
           </a:p>
@@ -3868,38 +3892,65 @@
             <p:ph type="title"/>
           </p:nvPr>
         </p:nvSpPr>
-        <p:spPr/>
+        <p:spPr>
+          <a:xfrm>
+            <a:off x="0" y="0"/>
+            <a:ext cx="12192000" cy="1325563"/>
+          </a:xfrm>
+        </p:spPr>
         <p:txBody>
           <a:bodyPr/>
           <a:lstStyle/>
           <a:p>
             <a:r>
               <a:rPr lang="de-DE" dirty="0" smtClean="0"/>
-              <a:t>Life-Demo</a:t>
+              <a:t>Live-Demo</a:t>
             </a:r>
             <a:endParaRPr lang="de-DE" dirty="0"/>
           </a:p>
         </p:txBody>
       </p:sp>
-      <p:sp>
-        <p:nvSpPr>
-          <p:cNvPr id="3" name="Inhaltsplatzhalter 2"/>
-          <p:cNvSpPr>
-            <a:spLocks noGrp="1"/>
-          </p:cNvSpPr>
-          <p:nvPr>
-            <p:ph idx="1"/>
-          </p:nvPr>
-        </p:nvSpPr>
-        <p:spPr/>
-        <p:txBody>
-          <a:bodyPr/>
-          <a:lstStyle/>
-          <a:p>
-            <a:endParaRPr lang="de-DE"/>
-          </a:p>
-        </p:txBody>
-      </p:sp>
+      <p:pic>
+        <p:nvPicPr>
+          <p:cNvPr id="1026" name="Picture 2" descr="C:\Users\admin\Google Drive\Studium\Studium\4 Semester\Software Engineering 1\Allergeek\Application\Images\Welcome.png"/>
+          <p:cNvPicPr>
+            <a:picLocks noChangeAspect="1" noChangeArrowheads="1"/>
+          </p:cNvPicPr>
+          <p:nvPr/>
+        </p:nvPicPr>
+        <p:blipFill>
+          <a:blip r:embed="rId2">
+            <a:extLst>
+              <a:ext uri="{28A0092B-C50C-407E-A947-70E740481C1C}">
+                <a14:useLocalDpi xmlns:a14="http://schemas.microsoft.com/office/drawing/2010/main" val="0"/>
+              </a:ext>
+            </a:extLst>
+          </a:blip>
+          <a:srcRect/>
+          <a:stretch>
+            <a:fillRect/>
+          </a:stretch>
+        </p:blipFill>
+        <p:spPr bwMode="auto">
+          <a:xfrm>
+            <a:off x="1624076" y="1253817"/>
+            <a:ext cx="8952931" cy="5056748"/>
+          </a:xfrm>
+          <a:prstGeom prst="rect">
+            <a:avLst/>
+          </a:prstGeom>
+          <a:noFill/>
+          <a:extLst>
+            <a:ext uri="{909E8E84-426E-40DD-AFC4-6F175D3DCCD1}">
+              <a14:hiddenFill xmlns:a14="http://schemas.microsoft.com/office/drawing/2010/main">
+                <a:solidFill>
+                  <a:srgbClr val="FFFFFF"/>
+                </a:solidFill>
+              </a14:hiddenFill>
+            </a:ext>
+          </a:extLst>
+        </p:spPr>
+      </p:pic>
     </p:spTree>
     <p:extLst>
       <p:ext uri="{BB962C8B-B14F-4D97-AF65-F5344CB8AC3E}">
@@ -3947,46 +3998,69 @@
             <p:ph type="title"/>
           </p:nvPr>
         </p:nvSpPr>
-        <p:spPr/>
+        <p:spPr>
+          <a:xfrm>
+            <a:off x="0" y="0"/>
+            <a:ext cx="12192000" cy="1325563"/>
+          </a:xfrm>
+        </p:spPr>
         <p:txBody>
           <a:bodyPr/>
           <a:lstStyle/>
           <a:p>
             <a:r>
               <a:rPr lang="de-DE" dirty="0" smtClean="0"/>
-              <a:t>Server</a:t>
+              <a:t>Live-Demo</a:t>
             </a:r>
             <a:endParaRPr lang="de-DE" dirty="0"/>
           </a:p>
         </p:txBody>
       </p:sp>
-      <p:sp>
-        <p:nvSpPr>
-          <p:cNvPr id="3" name="Inhaltsplatzhalter 2"/>
-          <p:cNvSpPr>
-            <a:spLocks noGrp="1"/>
-          </p:cNvSpPr>
-          <p:nvPr>
-            <p:ph idx="1"/>
-          </p:nvPr>
-        </p:nvSpPr>
-        <p:spPr/>
-        <p:txBody>
-          <a:bodyPr/>
-          <a:lstStyle/>
-          <a:p>
-            <a:r>
-              <a:rPr lang="de-DE" dirty="0" smtClean="0"/>
-              <a:t>2-3 Punkte zum Server</a:t>
-            </a:r>
-            <a:endParaRPr lang="de-DE" dirty="0"/>
-          </a:p>
-        </p:txBody>
-      </p:sp>
+      <p:pic>
+        <p:nvPicPr>
+          <p:cNvPr id="2050" name="Picture 2" descr="C:\Users\admin\Google Drive\Studium\Studium\4 Semester\Software Engineering 1\Allergeek\Application\Images\scan.png"/>
+          <p:cNvPicPr>
+            <a:picLocks noChangeAspect="1" noChangeArrowheads="1"/>
+          </p:cNvPicPr>
+          <p:nvPr/>
+        </p:nvPicPr>
+        <p:blipFill>
+          <a:blip r:embed="rId2">
+            <a:extLst>
+              <a:ext uri="{28A0092B-C50C-407E-A947-70E740481C1C}">
+                <a14:useLocalDpi xmlns:a14="http://schemas.microsoft.com/office/drawing/2010/main" val="0"/>
+              </a:ext>
+            </a:extLst>
+          </a:blip>
+          <a:srcRect/>
+          <a:stretch>
+            <a:fillRect/>
+          </a:stretch>
+        </p:blipFill>
+        <p:spPr bwMode="auto">
+          <a:xfrm>
+            <a:off x="1626751" y="1250661"/>
+            <a:ext cx="8950263" cy="5055240"/>
+          </a:xfrm>
+          <a:prstGeom prst="rect">
+            <a:avLst/>
+          </a:prstGeom>
+          <a:noFill/>
+          <a:extLst>
+            <a:ext uri="{909E8E84-426E-40DD-AFC4-6F175D3DCCD1}">
+              <a14:hiddenFill xmlns:a14="http://schemas.microsoft.com/office/drawing/2010/main">
+                <a:solidFill>
+                  <a:srgbClr val="FFFFFF"/>
+                </a:solidFill>
+              </a14:hiddenFill>
+            </a:ext>
+          </a:extLst>
+        </p:spPr>
+      </p:pic>
     </p:spTree>
     <p:extLst>
       <p:ext uri="{BB962C8B-B14F-4D97-AF65-F5344CB8AC3E}">
-        <p14:creationId xmlns:p14="http://schemas.microsoft.com/office/powerpoint/2010/main" val="2919619131"/>
+        <p14:creationId xmlns:p14="http://schemas.microsoft.com/office/powerpoint/2010/main" val="4040681332"/>
       </p:ext>
     </p:extLst>
   </p:cSld>
@@ -4030,46 +4104,69 @@
             <p:ph type="title"/>
           </p:nvPr>
         </p:nvSpPr>
-        <p:spPr/>
+        <p:spPr>
+          <a:xfrm>
+            <a:off x="0" y="0"/>
+            <a:ext cx="12192000" cy="1325563"/>
+          </a:xfrm>
+        </p:spPr>
         <p:txBody>
           <a:bodyPr/>
           <a:lstStyle/>
           <a:p>
             <a:r>
               <a:rPr lang="de-DE" dirty="0" smtClean="0"/>
-              <a:t>Datenbank</a:t>
+              <a:t>Live-Demo</a:t>
             </a:r>
             <a:endParaRPr lang="de-DE" dirty="0"/>
           </a:p>
         </p:txBody>
       </p:sp>
-      <p:sp>
-        <p:nvSpPr>
-          <p:cNvPr id="3" name="Inhaltsplatzhalter 2"/>
-          <p:cNvSpPr>
-            <a:spLocks noGrp="1"/>
-          </p:cNvSpPr>
-          <p:nvPr>
-            <p:ph idx="1"/>
-          </p:nvPr>
-        </p:nvSpPr>
-        <p:spPr/>
-        <p:txBody>
-          <a:bodyPr/>
-          <a:lstStyle/>
-          <a:p>
-            <a:r>
-              <a:rPr lang="de-DE" dirty="0" smtClean="0"/>
-              <a:t>1-2 Punkte zur Datenbank</a:t>
-            </a:r>
-            <a:endParaRPr lang="de-DE" dirty="0"/>
-          </a:p>
-        </p:txBody>
-      </p:sp>
+      <p:pic>
+        <p:nvPicPr>
+          <p:cNvPr id="3074" name="Picture 2" descr="C:\Users\admin\Google Drive\Studium\Studium\4 Semester\Software Engineering 1\Allergeek\Application\Images\Herz.png"/>
+          <p:cNvPicPr>
+            <a:picLocks noChangeAspect="1" noChangeArrowheads="1"/>
+          </p:cNvPicPr>
+          <p:nvPr/>
+        </p:nvPicPr>
+        <p:blipFill>
+          <a:blip r:embed="rId2">
+            <a:extLst>
+              <a:ext uri="{28A0092B-C50C-407E-A947-70E740481C1C}">
+                <a14:useLocalDpi xmlns:a14="http://schemas.microsoft.com/office/drawing/2010/main" val="0"/>
+              </a:ext>
+            </a:extLst>
+          </a:blip>
+          <a:srcRect/>
+          <a:stretch>
+            <a:fillRect/>
+          </a:stretch>
+        </p:blipFill>
+        <p:spPr bwMode="auto">
+          <a:xfrm>
+            <a:off x="1624084" y="1249748"/>
+            <a:ext cx="8952931" cy="5056748"/>
+          </a:xfrm>
+          <a:prstGeom prst="rect">
+            <a:avLst/>
+          </a:prstGeom>
+          <a:noFill/>
+          <a:extLst>
+            <a:ext uri="{909E8E84-426E-40DD-AFC4-6F175D3DCCD1}">
+              <a14:hiddenFill xmlns:a14="http://schemas.microsoft.com/office/drawing/2010/main">
+                <a:solidFill>
+                  <a:srgbClr val="FFFFFF"/>
+                </a:solidFill>
+              </a14:hiddenFill>
+            </a:ext>
+          </a:extLst>
+        </p:spPr>
+      </p:pic>
     </p:spTree>
     <p:extLst>
       <p:ext uri="{BB962C8B-B14F-4D97-AF65-F5344CB8AC3E}">
-        <p14:creationId xmlns:p14="http://schemas.microsoft.com/office/powerpoint/2010/main" val="1588141210"/>
+        <p14:creationId xmlns:p14="http://schemas.microsoft.com/office/powerpoint/2010/main" val="2122135940"/>
       </p:ext>
     </p:extLst>
   </p:cSld>
@@ -4113,46 +4210,69 @@
             <p:ph type="title"/>
           </p:nvPr>
         </p:nvSpPr>
-        <p:spPr/>
+        <p:spPr>
+          <a:xfrm>
+            <a:off x="0" y="0"/>
+            <a:ext cx="12192000" cy="1325563"/>
+          </a:xfrm>
+        </p:spPr>
         <p:txBody>
           <a:bodyPr/>
           <a:lstStyle/>
           <a:p>
             <a:r>
               <a:rPr lang="de-DE" dirty="0" smtClean="0"/>
-              <a:t>API / Backend</a:t>
+              <a:t>Live-Demo</a:t>
             </a:r>
             <a:endParaRPr lang="de-DE" dirty="0"/>
           </a:p>
         </p:txBody>
       </p:sp>
-      <p:sp>
-        <p:nvSpPr>
-          <p:cNvPr id="3" name="Inhaltsplatzhalter 2"/>
-          <p:cNvSpPr>
-            <a:spLocks noGrp="1"/>
-          </p:cNvSpPr>
-          <p:nvPr>
-            <p:ph idx="1"/>
-          </p:nvPr>
-        </p:nvSpPr>
-        <p:spPr/>
-        <p:txBody>
-          <a:bodyPr/>
-          <a:lstStyle/>
-          <a:p>
-            <a:r>
-              <a:rPr lang="de-DE" dirty="0" smtClean="0"/>
-              <a:t>2-3 Punkte zu API / Backend</a:t>
-            </a:r>
-            <a:endParaRPr lang="de-DE" dirty="0"/>
-          </a:p>
-        </p:txBody>
-      </p:sp>
+      <p:pic>
+        <p:nvPicPr>
+          <p:cNvPr id="4098" name="Picture 2" descr="C:\Users\admin\Google Drive\Studium\Studium\4 Semester\Software Engineering 1\Allergeek\Application\Images\gebrochenes Herz.png"/>
+          <p:cNvPicPr>
+            <a:picLocks noChangeAspect="1" noChangeArrowheads="1"/>
+          </p:cNvPicPr>
+          <p:nvPr/>
+        </p:nvPicPr>
+        <p:blipFill>
+          <a:blip r:embed="rId2">
+            <a:extLst>
+              <a:ext uri="{28A0092B-C50C-407E-A947-70E740481C1C}">
+                <a14:useLocalDpi xmlns:a14="http://schemas.microsoft.com/office/drawing/2010/main" val="0"/>
+              </a:ext>
+            </a:extLst>
+          </a:blip>
+          <a:srcRect/>
+          <a:stretch>
+            <a:fillRect/>
+          </a:stretch>
+        </p:blipFill>
+        <p:spPr bwMode="auto">
+          <a:xfrm>
+            <a:off x="1627211" y="1253793"/>
+            <a:ext cx="8949804" cy="5054982"/>
+          </a:xfrm>
+          <a:prstGeom prst="rect">
+            <a:avLst/>
+          </a:prstGeom>
+          <a:noFill/>
+          <a:extLst>
+            <a:ext uri="{909E8E84-426E-40DD-AFC4-6F175D3DCCD1}">
+              <a14:hiddenFill xmlns:a14="http://schemas.microsoft.com/office/drawing/2010/main">
+                <a:solidFill>
+                  <a:srgbClr val="FFFFFF"/>
+                </a:solidFill>
+              </a14:hiddenFill>
+            </a:ext>
+          </a:extLst>
+        </p:spPr>
+      </p:pic>
     </p:spTree>
     <p:extLst>
       <p:ext uri="{BB962C8B-B14F-4D97-AF65-F5344CB8AC3E}">
-        <p14:creationId xmlns:p14="http://schemas.microsoft.com/office/powerpoint/2010/main" val="2786761497"/>
+        <p14:creationId xmlns:p14="http://schemas.microsoft.com/office/powerpoint/2010/main" val="1498910138"/>
       </p:ext>
     </p:extLst>
   </p:cSld>
@@ -4203,7 +4323,7 @@
           <a:p>
             <a:r>
               <a:rPr lang="de-DE" dirty="0" smtClean="0"/>
-              <a:t>Frontend</a:t>
+              <a:t>Server</a:t>
             </a:r>
             <a:endParaRPr lang="de-DE" dirty="0"/>
           </a:p>
@@ -4226,7 +4346,7 @@
           <a:p>
             <a:r>
               <a:rPr lang="de-DE" dirty="0" smtClean="0"/>
-              <a:t>1-2 Punkte zu Frontend</a:t>
+              <a:t>2-3 Punkte zum Server</a:t>
             </a:r>
             <a:endParaRPr lang="de-DE" dirty="0"/>
           </a:p>
@@ -4235,7 +4355,7 @@
     </p:spTree>
     <p:extLst>
       <p:ext uri="{BB962C8B-B14F-4D97-AF65-F5344CB8AC3E}">
-        <p14:creationId xmlns:p14="http://schemas.microsoft.com/office/powerpoint/2010/main" val="3301113212"/>
+        <p14:creationId xmlns:p14="http://schemas.microsoft.com/office/powerpoint/2010/main" val="2919619131"/>
       </p:ext>
     </p:extLst>
   </p:cSld>
@@ -4324,8 +4444,9 @@
             <a:pPr lvl="1"/>
             <a:r>
               <a:rPr lang="de-DE" dirty="0" smtClean="0"/>
-              <a:t>Life-Demo</a:t>
-            </a:r>
+              <a:t>Live-Demo</a:t>
+            </a:r>
+            <a:endParaRPr lang="de-DE" dirty="0" smtClean="0"/>
           </a:p>
           <a:p>
             <a:pPr lvl="1"/>
@@ -4370,7 +4491,7 @@
             <a:pPr lvl="1"/>
             <a:r>
               <a:rPr lang="de-DE" dirty="0" err="1" smtClean="0"/>
-              <a:t>Lession</a:t>
+              <a:t>Lesson</a:t>
             </a:r>
             <a:r>
               <a:rPr lang="de-DE" dirty="0" smtClean="0"/>
@@ -4379,6 +4500,14 @@
             <a:r>
               <a:rPr lang="de-DE" dirty="0" err="1" smtClean="0"/>
               <a:t>learned</a:t>
+            </a:r>
+            <a:endParaRPr lang="de-DE" dirty="0" smtClean="0"/>
+          </a:p>
+          <a:p>
+            <a:pPr lvl="1"/>
+            <a:r>
+              <a:rPr lang="de-DE" smtClean="0"/>
+              <a:t>Future Vision</a:t>
             </a:r>
             <a:endParaRPr lang="de-DE" dirty="0" smtClean="0"/>
           </a:p>
@@ -4440,18 +4569,12 @@
         </p:nvSpPr>
         <p:spPr/>
         <p:txBody>
-          <a:bodyPr>
-            <a:normAutofit/>
-          </a:bodyPr>
+          <a:bodyPr/>
           <a:lstStyle/>
           <a:p>
             <a:r>
-              <a:rPr lang="de-DE" dirty="0" err="1" smtClean="0"/>
-              <a:t>Vuzix</a:t>
-            </a:r>
-            <a:r>
               <a:rPr lang="de-DE" dirty="0" smtClean="0"/>
-              <a:t>-App</a:t>
+              <a:t>Datenbank</a:t>
             </a:r>
             <a:endParaRPr lang="de-DE" dirty="0"/>
           </a:p>
@@ -4474,19 +4597,7 @@
           <a:p>
             <a:r>
               <a:rPr lang="de-DE" dirty="0" smtClean="0"/>
-              <a:t>2-3 Punkte zur </a:t>
-            </a:r>
-            <a:r>
-              <a:rPr lang="de-DE" dirty="0" err="1" smtClean="0"/>
-              <a:t>Vuzix</a:t>
-            </a:r>
-            <a:r>
-              <a:rPr lang="de-DE" dirty="0" smtClean="0"/>
-              <a:t> </a:t>
-            </a:r>
-            <a:r>
-              <a:rPr lang="de-DE" dirty="0" err="1" smtClean="0"/>
-              <a:t>app</a:t>
+              <a:t>1-2 Punkte zur Datenbank</a:t>
             </a:r>
             <a:endParaRPr lang="de-DE" dirty="0"/>
           </a:p>
@@ -4495,7 +4606,7 @@
     </p:spTree>
     <p:extLst>
       <p:ext uri="{BB962C8B-B14F-4D97-AF65-F5344CB8AC3E}">
-        <p14:creationId xmlns:p14="http://schemas.microsoft.com/office/powerpoint/2010/main" val="2561323560"/>
+        <p14:creationId xmlns:p14="http://schemas.microsoft.com/office/powerpoint/2010/main" val="1588141210"/>
       </p:ext>
     </p:extLst>
   </p:cSld>
@@ -4541,22 +4652,12 @@
         </p:nvSpPr>
         <p:spPr/>
         <p:txBody>
-          <a:bodyPr>
-            <a:normAutofit/>
-          </a:bodyPr>
+          <a:bodyPr/>
           <a:lstStyle/>
           <a:p>
             <a:r>
-              <a:rPr lang="de-DE" dirty="0" err="1" smtClean="0"/>
-              <a:t>Lession</a:t>
-            </a:r>
-            <a:r>
               <a:rPr lang="de-DE" dirty="0" smtClean="0"/>
-              <a:t> </a:t>
-            </a:r>
-            <a:r>
-              <a:rPr lang="de-DE" dirty="0" err="1" smtClean="0"/>
-              <a:t>learned</a:t>
+              <a:t>API / Backend</a:t>
             </a:r>
             <a:endParaRPr lang="de-DE" dirty="0"/>
           </a:p>
@@ -4574,114 +4675,12 @@
         </p:nvSpPr>
         <p:spPr/>
         <p:txBody>
-          <a:bodyPr>
-            <a:normAutofit/>
-          </a:bodyPr>
+          <a:bodyPr/>
           <a:lstStyle/>
           <a:p>
             <a:r>
-              <a:rPr lang="de-DE" dirty="0"/>
-              <a:t>Ablauf eines </a:t>
-            </a:r>
-            <a:r>
               <a:rPr lang="de-DE" dirty="0" smtClean="0"/>
-              <a:t>kompletten </a:t>
-            </a:r>
-            <a:r>
-              <a:rPr lang="de-DE" dirty="0" err="1" smtClean="0"/>
-              <a:t>Scrum</a:t>
-            </a:r>
-            <a:r>
-              <a:rPr lang="de-DE" dirty="0" smtClean="0"/>
-              <a:t> Projekts</a:t>
-            </a:r>
-          </a:p>
-          <a:p>
-            <a:pPr lvl="1"/>
-            <a:r>
-              <a:rPr lang="de-DE" dirty="0" smtClean="0"/>
-              <a:t>6 Sprintwechsel</a:t>
-            </a:r>
-          </a:p>
-          <a:p>
-            <a:pPr lvl="2"/>
-            <a:r>
-              <a:rPr lang="de-DE" dirty="0" smtClean="0"/>
-              <a:t>Abnahme von </a:t>
-            </a:r>
-            <a:r>
-              <a:rPr lang="de-DE" dirty="0" err="1" smtClean="0"/>
-              <a:t>Issues</a:t>
-            </a:r>
-            <a:endParaRPr lang="de-DE" dirty="0" smtClean="0"/>
-          </a:p>
-          <a:p>
-            <a:pPr lvl="2"/>
-            <a:r>
-              <a:rPr lang="de-DE" dirty="0" smtClean="0"/>
-              <a:t>Retrospektive</a:t>
-            </a:r>
-          </a:p>
-          <a:p>
-            <a:pPr lvl="2"/>
-            <a:r>
-              <a:rPr lang="de-DE" dirty="0" smtClean="0"/>
-              <a:t>Verteilung von </a:t>
-            </a:r>
-            <a:r>
-              <a:rPr lang="de-DE" dirty="0" err="1" smtClean="0"/>
-              <a:t>Issues</a:t>
-            </a:r>
-            <a:endParaRPr lang="de-DE" dirty="0" smtClean="0"/>
-          </a:p>
-          <a:p>
-            <a:r>
-              <a:rPr lang="de-DE" dirty="0" smtClean="0"/>
-              <a:t>Übersicht aller Entwicklungsebenen</a:t>
-            </a:r>
-          </a:p>
-          <a:p>
-            <a:pPr lvl="1"/>
-            <a:r>
-              <a:rPr lang="de-DE" dirty="0" smtClean="0"/>
-              <a:t>Jeder hatte Aufgabenbereiche in jeder Entwicklungsebene</a:t>
-            </a:r>
-          </a:p>
-          <a:p>
-            <a:r>
-              <a:rPr lang="de-DE" dirty="0"/>
-              <a:t>Projekt Retrospektive</a:t>
-            </a:r>
-          </a:p>
-          <a:p>
-            <a:pPr lvl="1"/>
-            <a:r>
-              <a:rPr lang="de-DE" dirty="0"/>
-              <a:t>Abwägung ob </a:t>
-            </a:r>
-            <a:r>
-              <a:rPr lang="de-DE" dirty="0" err="1"/>
-              <a:t>Scrum</a:t>
-            </a:r>
-            <a:r>
-              <a:rPr lang="de-DE" dirty="0"/>
-              <a:t> </a:t>
-            </a:r>
-            <a:r>
-              <a:rPr lang="de-DE"/>
-              <a:t>für </a:t>
-            </a:r>
-            <a:r>
-              <a:rPr lang="de-DE" smtClean="0"/>
-              <a:t>kleine/studentische </a:t>
-            </a:r>
-            <a:r>
-              <a:rPr lang="de-DE" dirty="0"/>
-              <a:t>Projekte </a:t>
-            </a:r>
-            <a:r>
-              <a:rPr lang="de-DE" dirty="0" smtClean="0"/>
-              <a:t>geeignet</a:t>
+              <a:t>2-3 Punkte zu API / Backend</a:t>
             </a:r>
             <a:endParaRPr lang="de-DE" dirty="0"/>
           </a:p>
@@ -4690,7 +4689,7 @@
     </p:spTree>
     <p:extLst>
       <p:ext uri="{BB962C8B-B14F-4D97-AF65-F5344CB8AC3E}">
-        <p14:creationId xmlns:p14="http://schemas.microsoft.com/office/powerpoint/2010/main" val="173347956"/>
+        <p14:creationId xmlns:p14="http://schemas.microsoft.com/office/powerpoint/2010/main" val="2786761497"/>
       </p:ext>
     </p:extLst>
   </p:cSld>
@@ -4736,22 +4735,12 @@
         </p:nvSpPr>
         <p:spPr/>
         <p:txBody>
-          <a:bodyPr>
-            <a:normAutofit/>
-          </a:bodyPr>
+          <a:bodyPr/>
           <a:lstStyle/>
           <a:p>
             <a:r>
-              <a:rPr lang="de-DE" dirty="0" err="1" smtClean="0"/>
-              <a:t>Lession</a:t>
-            </a:r>
-            <a:r>
               <a:rPr lang="de-DE" dirty="0" smtClean="0"/>
-              <a:t> </a:t>
-            </a:r>
-            <a:r>
-              <a:rPr lang="de-DE" dirty="0" err="1" smtClean="0"/>
-              <a:t>learned</a:t>
+              <a:t>Frontend</a:t>
             </a:r>
             <a:endParaRPr lang="de-DE" dirty="0"/>
           </a:p>
@@ -4769,33 +4758,13 @@
         </p:nvSpPr>
         <p:spPr/>
         <p:txBody>
-          <a:bodyPr>
-            <a:normAutofit/>
-          </a:bodyPr>
+          <a:bodyPr/>
           <a:lstStyle/>
           <a:p>
             <a:r>
-              <a:rPr lang="de-DE" dirty="0" err="1" smtClean="0"/>
-              <a:t>GitHub</a:t>
-            </a:r>
-            <a:endParaRPr lang="de-DE" dirty="0" smtClean="0"/>
-          </a:p>
-          <a:p>
-            <a:pPr lvl="1"/>
-            <a:r>
-              <a:rPr lang="de-DE" dirty="0" err="1" smtClean="0"/>
-              <a:t>ZenHub</a:t>
-            </a:r>
-            <a:endParaRPr lang="de-DE" dirty="0" smtClean="0"/>
-          </a:p>
-          <a:p>
-            <a:r>
-              <a:rPr lang="de-DE" dirty="0" err="1" smtClean="0"/>
-              <a:t>StarUML</a:t>
-            </a:r>
-            <a:endParaRPr lang="de-DE" dirty="0" smtClean="0"/>
-          </a:p>
-          <a:p>
+              <a:rPr lang="de-DE" dirty="0" smtClean="0"/>
+              <a:t>1-2 Punkte zu Frontend</a:t>
+            </a:r>
             <a:endParaRPr lang="de-DE" dirty="0"/>
           </a:p>
         </p:txBody>
@@ -4803,7 +4772,7 @@
     </p:spTree>
     <p:extLst>
       <p:ext uri="{BB962C8B-B14F-4D97-AF65-F5344CB8AC3E}">
-        <p14:creationId xmlns:p14="http://schemas.microsoft.com/office/powerpoint/2010/main" val="2853418997"/>
+        <p14:creationId xmlns:p14="http://schemas.microsoft.com/office/powerpoint/2010/main" val="3301113212"/>
       </p:ext>
     </p:extLst>
   </p:cSld>
@@ -4856,19 +4825,11 @@
           <a:p>
             <a:r>
               <a:rPr lang="de-DE" dirty="0" err="1" smtClean="0"/>
-              <a:t>Lession</a:t>
+              <a:t>Vuzix</a:t>
             </a:r>
             <a:r>
               <a:rPr lang="de-DE" dirty="0" smtClean="0"/>
-              <a:t> </a:t>
-            </a:r>
-            <a:r>
-              <a:rPr lang="de-DE" dirty="0" err="1" smtClean="0"/>
-              <a:t>learned</a:t>
-            </a:r>
-            <a:r>
-              <a:rPr lang="de-DE" dirty="0" smtClean="0"/>
-              <a:t>?</a:t>
+              <a:t>-App</a:t>
             </a:r>
             <a:endParaRPr lang="de-DE" dirty="0"/>
           </a:p>
@@ -4886,109 +4847,24 @@
         </p:nvSpPr>
         <p:spPr/>
         <p:txBody>
-          <a:bodyPr>
-            <a:normAutofit/>
-          </a:bodyPr>
+          <a:bodyPr/>
           <a:lstStyle/>
           <a:p>
             <a:r>
               <a:rPr lang="de-DE" dirty="0" smtClean="0"/>
-              <a:t>Erster Sprintwechsel 10.03.</a:t>
-            </a:r>
-          </a:p>
-          <a:p>
-            <a:pPr lvl="1"/>
-            <a:r>
-              <a:rPr lang="de-DE" dirty="0" smtClean="0"/>
-              <a:t>Verteilung der ersten </a:t>
+              <a:t>2-3 Punkte zur </a:t>
             </a:r>
             <a:r>
               <a:rPr lang="de-DE" dirty="0" err="1" smtClean="0"/>
-              <a:t>Issues</a:t>
+              <a:t>Vuzix</a:t>
             </a:r>
             <a:r>
               <a:rPr lang="de-DE" dirty="0" smtClean="0"/>
               <a:t> </a:t>
             </a:r>
-          </a:p>
-          <a:p>
-            <a:pPr lvl="2"/>
-            <a:r>
-              <a:rPr lang="de-DE" dirty="0" smtClean="0"/>
-              <a:t>Hauptsächlich Architekturen</a:t>
-            </a:r>
-          </a:p>
-          <a:p>
-            <a:pPr lvl="1"/>
-            <a:r>
-              <a:rPr lang="de-DE" dirty="0" smtClean="0"/>
-              <a:t>Vorbereiten des </a:t>
-            </a:r>
             <a:r>
               <a:rPr lang="de-DE" dirty="0" err="1" smtClean="0"/>
-              <a:t>Backlogs</a:t>
-            </a:r>
-            <a:r>
-              <a:rPr lang="de-DE" dirty="0" smtClean="0"/>
-              <a:t> für künftige Sprints</a:t>
-            </a:r>
-          </a:p>
-          <a:p>
-            <a:r>
-              <a:rPr lang="de-DE" dirty="0" smtClean="0"/>
-              <a:t>Zweiter Sprintwechsel 17.03.</a:t>
-            </a:r>
-          </a:p>
-          <a:p>
-            <a:pPr lvl="1"/>
-            <a:r>
-              <a:rPr lang="de-DE" dirty="0" smtClean="0"/>
-              <a:t>Abnahme der </a:t>
-            </a:r>
-            <a:r>
-              <a:rPr lang="de-DE" dirty="0" err="1" smtClean="0"/>
-              <a:t>Issues</a:t>
-            </a:r>
-            <a:endParaRPr lang="de-DE" dirty="0" smtClean="0"/>
-          </a:p>
-          <a:p>
-            <a:pPr lvl="1"/>
-            <a:r>
-              <a:rPr lang="de-DE" dirty="0" smtClean="0"/>
-              <a:t>Retrospektive</a:t>
-            </a:r>
-          </a:p>
-          <a:p>
-            <a:pPr lvl="2"/>
-            <a:r>
-              <a:rPr lang="de-DE" dirty="0" smtClean="0"/>
-              <a:t>Zusammenarbeit fördern (räumlich)</a:t>
-            </a:r>
-          </a:p>
-          <a:p>
-            <a:pPr lvl="2"/>
-            <a:r>
-              <a:rPr lang="de-DE" dirty="0" smtClean="0"/>
-              <a:t>Stimmung des Teams: Gut</a:t>
-            </a:r>
-          </a:p>
-          <a:p>
-            <a:pPr lvl="1"/>
-            <a:r>
-              <a:rPr lang="de-DE" dirty="0" smtClean="0"/>
-              <a:t>Verteilung von </a:t>
-            </a:r>
-            <a:r>
-              <a:rPr lang="de-DE" dirty="0" err="1" smtClean="0"/>
-              <a:t>Issues</a:t>
-            </a:r>
-            <a:endParaRPr lang="de-DE" dirty="0" smtClean="0"/>
-          </a:p>
-          <a:p>
-            <a:pPr lvl="2"/>
-            <a:r>
-              <a:rPr lang="de-DE" dirty="0" smtClean="0"/>
-              <a:t>Hauptsächlich Konzepte</a:t>
+              <a:t>app</a:t>
             </a:r>
             <a:endParaRPr lang="de-DE" dirty="0"/>
           </a:p>
@@ -4997,7 +4873,7 @@
     </p:spTree>
     <p:extLst>
       <p:ext uri="{BB962C8B-B14F-4D97-AF65-F5344CB8AC3E}">
-        <p14:creationId xmlns:p14="http://schemas.microsoft.com/office/powerpoint/2010/main" val="2775317295"/>
+        <p14:creationId xmlns:p14="http://schemas.microsoft.com/office/powerpoint/2010/main" val="2561323560"/>
       </p:ext>
     </p:extLst>
   </p:cSld>
@@ -5049,21 +4925,18 @@
           <a:lstStyle/>
           <a:p>
             <a:r>
-              <a:rPr lang="de-DE" dirty="0" err="1"/>
-              <a:t>Lession</a:t>
-            </a:r>
-            <a:r>
-              <a:rPr lang="de-DE" dirty="0"/>
+              <a:rPr lang="de-DE" dirty="0" err="1" smtClean="0"/>
+              <a:t>Lesson</a:t>
+            </a:r>
+            <a:r>
+              <a:rPr lang="de-DE" dirty="0" smtClean="0"/>
               <a:t> </a:t>
             </a:r>
             <a:r>
-              <a:rPr lang="de-DE" dirty="0" err="1"/>
+              <a:rPr lang="de-DE" dirty="0" err="1" smtClean="0"/>
               <a:t>learned</a:t>
             </a:r>
-            <a:r>
-              <a:rPr lang="de-DE" dirty="0"/>
-              <a:t>?</a:t>
-            </a:r>
+            <a:endParaRPr lang="de-DE" dirty="0"/>
           </a:p>
         </p:txBody>
       </p:sp>
@@ -5085,23 +4958,34 @@
           <a:lstStyle/>
           <a:p>
             <a:r>
+              <a:rPr lang="de-DE" dirty="0"/>
+              <a:t>Ablauf eines </a:t>
+            </a:r>
+            <a:r>
               <a:rPr lang="de-DE" dirty="0" smtClean="0"/>
-              <a:t>Dritter </a:t>
-            </a:r>
-            <a:r>
-              <a:rPr lang="de-DE" dirty="0"/>
-              <a:t>Sprintwechsel 23+24.03</a:t>
+              <a:t>kompletten </a:t>
+            </a:r>
+            <a:r>
+              <a:rPr lang="de-DE" dirty="0" err="1" smtClean="0"/>
+              <a:t>Scrum</a:t>
             </a:r>
             <a:r>
               <a:rPr lang="de-DE" dirty="0" smtClean="0"/>
-              <a:t>.</a:t>
+              <a:t> Projekts</a:t>
             </a:r>
           </a:p>
           <a:p>
             <a:pPr lvl="1"/>
             <a:r>
-              <a:rPr lang="de-DE" dirty="0"/>
-              <a:t>Abnahme der </a:t>
+              <a:rPr lang="de-DE" dirty="0" smtClean="0"/>
+              <a:t>6 Sprintwechsel</a:t>
+            </a:r>
+          </a:p>
+          <a:p>
+            <a:pPr lvl="2"/>
+            <a:r>
+              <a:rPr lang="de-DE" dirty="0" smtClean="0"/>
+              <a:t>Abnahme von </a:t>
             </a:r>
             <a:r>
               <a:rPr lang="de-DE" dirty="0" err="1" smtClean="0"/>
@@ -5110,7 +4994,7 @@
             <a:endParaRPr lang="de-DE" dirty="0" smtClean="0"/>
           </a:p>
           <a:p>
-            <a:pPr lvl="1"/>
+            <a:pPr lvl="2"/>
             <a:r>
               <a:rPr lang="de-DE" dirty="0" smtClean="0"/>
               <a:t>Retrospektive</a:t>
@@ -5120,21 +5004,6 @@
             <a:pPr lvl="2"/>
             <a:r>
               <a:rPr lang="de-DE" dirty="0" smtClean="0"/>
-              <a:t>Größe der Arbeitsgruppen klein(er) gestalten</a:t>
-            </a:r>
-          </a:p>
-          <a:p>
-            <a:pPr lvl="2"/>
-            <a:r>
-              <a:rPr lang="de-DE" dirty="0" smtClean="0"/>
-              <a:t>Stimmung des Teams: Zufrieden mit Fortschritt</a:t>
-            </a:r>
-            <a:endParaRPr lang="de-DE" dirty="0"/>
-          </a:p>
-          <a:p>
-            <a:pPr lvl="1"/>
-            <a:r>
-              <a:rPr lang="de-DE" dirty="0" smtClean="0"/>
               <a:t>Verteilung von </a:t>
             </a:r>
             <a:r>
@@ -5144,40 +5013,54 @@
             <a:endParaRPr lang="de-DE" dirty="0" smtClean="0"/>
           </a:p>
           <a:p>
-            <a:pPr lvl="2"/>
             <a:r>
               <a:rPr lang="de-DE" dirty="0" smtClean="0"/>
-              <a:t>Hardwarearchitektur realisieren</a:t>
-            </a:r>
-          </a:p>
-          <a:p>
-            <a:pPr lvl="2"/>
+              <a:t>Übersicht aller Entwicklungsebenen</a:t>
+            </a:r>
+          </a:p>
+          <a:p>
+            <a:pPr lvl="1"/>
             <a:r>
               <a:rPr lang="de-DE" dirty="0" smtClean="0"/>
-              <a:t>Frontend: </a:t>
-            </a:r>
-            <a:r>
-              <a:rPr lang="de-DE" dirty="0" err="1" smtClean="0"/>
-              <a:t>Mockup</a:t>
+              <a:t>Jeder hatte Aufgabenbereiche in jeder Entwicklungsebene</a:t>
+            </a:r>
+          </a:p>
+          <a:p>
+            <a:r>
+              <a:rPr lang="de-DE" dirty="0"/>
+              <a:t>Projekt Retrospektive</a:t>
+            </a:r>
+          </a:p>
+          <a:p>
+            <a:pPr lvl="1"/>
+            <a:r>
+              <a:rPr lang="de-DE" dirty="0"/>
+              <a:t>Abwägung ob </a:t>
+            </a:r>
+            <a:r>
+              <a:rPr lang="de-DE" dirty="0" err="1"/>
+              <a:t>Scrum</a:t>
+            </a:r>
+            <a:r>
+              <a:rPr lang="de-DE" dirty="0"/>
+              <a:t> </a:t>
+            </a:r>
+            <a:r>
+              <a:rPr lang="de-DE"/>
+              <a:t>für </a:t>
+            </a:r>
+            <a:r>
+              <a:rPr lang="de-DE" smtClean="0"/>
+              <a:t>kleine/studentische </a:t>
+            </a:r>
+            <a:r>
+              <a:rPr lang="de-DE" dirty="0"/>
+              <a:t>Projekte </a:t>
             </a:r>
             <a:r>
               <a:rPr lang="de-DE" dirty="0" smtClean="0"/>
-              <a:t> und Login</a:t>
-            </a:r>
-          </a:p>
-          <a:p>
-            <a:pPr lvl="2"/>
-            <a:r>
-              <a:rPr lang="de-DE" dirty="0" err="1" smtClean="0"/>
-              <a:t>Vuzix</a:t>
-            </a:r>
-            <a:r>
-              <a:rPr lang="de-DE" dirty="0" smtClean="0"/>
-              <a:t>: Barcode-Scanner</a:t>
-            </a:r>
-            <a:endParaRPr lang="de-DE" dirty="0"/>
-          </a:p>
-          <a:p>
+              <a:t>geeignet</a:t>
+            </a:r>
             <a:endParaRPr lang="de-DE" dirty="0"/>
           </a:p>
         </p:txBody>
@@ -5185,7 +5068,7 @@
     </p:spTree>
     <p:extLst>
       <p:ext uri="{BB962C8B-B14F-4D97-AF65-F5344CB8AC3E}">
-        <p14:creationId xmlns:p14="http://schemas.microsoft.com/office/powerpoint/2010/main" val="3492031734"/>
+        <p14:creationId xmlns:p14="http://schemas.microsoft.com/office/powerpoint/2010/main" val="173347956"/>
       </p:ext>
     </p:extLst>
   </p:cSld>
@@ -5237,21 +5120,18 @@
           <a:lstStyle/>
           <a:p>
             <a:r>
-              <a:rPr lang="de-DE" dirty="0" err="1"/>
-              <a:t>Lession</a:t>
-            </a:r>
-            <a:r>
-              <a:rPr lang="de-DE" dirty="0"/>
+              <a:rPr lang="de-DE" dirty="0" err="1" smtClean="0"/>
+              <a:t>Lesson</a:t>
+            </a:r>
+            <a:r>
+              <a:rPr lang="de-DE" dirty="0" smtClean="0"/>
               <a:t> </a:t>
             </a:r>
             <a:r>
-              <a:rPr lang="de-DE" dirty="0" err="1"/>
+              <a:rPr lang="de-DE" dirty="0" err="1" smtClean="0"/>
               <a:t>learned</a:t>
             </a:r>
-            <a:r>
-              <a:rPr lang="de-DE" dirty="0"/>
-              <a:t>?</a:t>
-            </a:r>
+            <a:endParaRPr lang="de-DE" dirty="0"/>
           </a:p>
         </p:txBody>
       </p:sp>
@@ -5273,77 +5153,35 @@
           <a:lstStyle/>
           <a:p>
             <a:r>
-              <a:rPr lang="de-DE" dirty="0"/>
-              <a:t>Vierter Sprintwechsel 31.03.</a:t>
-            </a:r>
+              <a:rPr lang="de-DE" dirty="0" err="1" smtClean="0"/>
+              <a:t>GitHub</a:t>
+            </a:r>
+            <a:endParaRPr lang="de-DE" dirty="0" smtClean="0"/>
           </a:p>
           <a:p>
             <a:pPr lvl="1"/>
             <a:r>
-              <a:rPr lang="de-DE" dirty="0"/>
-              <a:t>Abnahme der </a:t>
-            </a:r>
-            <a:r>
-              <a:rPr lang="de-DE" dirty="0" err="1"/>
-              <a:t>Issues</a:t>
-            </a:r>
+              <a:rPr lang="de-DE" dirty="0" err="1" smtClean="0"/>
+              <a:t>ZenHub</a:t>
+            </a:r>
+            <a:endParaRPr lang="de-DE" dirty="0" smtClean="0"/>
+          </a:p>
+          <a:p>
+            <a:r>
+              <a:rPr lang="de-DE" dirty="0" err="1" smtClean="0"/>
+              <a:t>StarUML</a:t>
+            </a:r>
+            <a:endParaRPr lang="de-DE" dirty="0" smtClean="0"/>
+          </a:p>
+          <a:p>
             <a:endParaRPr lang="de-DE" dirty="0"/>
-          </a:p>
-          <a:p>
-            <a:pPr lvl="1"/>
-            <a:r>
-              <a:rPr lang="de-DE" dirty="0" smtClean="0"/>
-              <a:t>Retrospektive</a:t>
-            </a:r>
-          </a:p>
-          <a:p>
-            <a:pPr lvl="2"/>
-            <a:r>
-              <a:rPr lang="de-DE" dirty="0" smtClean="0"/>
-              <a:t>Kritik: Umsetzung von Programmier-</a:t>
-            </a:r>
-            <a:r>
-              <a:rPr lang="de-DE" dirty="0" err="1" smtClean="0"/>
-              <a:t>Issues</a:t>
-            </a:r>
-            <a:r>
-              <a:rPr lang="de-DE" dirty="0" smtClean="0"/>
-              <a:t> und Dokumentation von Quellcode</a:t>
-            </a:r>
-          </a:p>
-          <a:p>
-            <a:pPr lvl="2"/>
-            <a:r>
-              <a:rPr lang="de-DE" dirty="0" smtClean="0"/>
-              <a:t>Stimmung des Teams: Gemischt</a:t>
-            </a:r>
-            <a:endParaRPr lang="de-DE" dirty="0"/>
-          </a:p>
-          <a:p>
-            <a:pPr lvl="1"/>
-            <a:r>
-              <a:rPr lang="de-DE" dirty="0"/>
-              <a:t>Verteilung von </a:t>
-            </a:r>
-            <a:r>
-              <a:rPr lang="de-DE" dirty="0" err="1" smtClean="0"/>
-              <a:t>Issues</a:t>
-            </a:r>
-            <a:endParaRPr lang="de-DE" dirty="0" smtClean="0"/>
-          </a:p>
-          <a:p>
-            <a:pPr lvl="2"/>
-            <a:r>
-              <a:rPr lang="de-DE" dirty="0" smtClean="0"/>
-              <a:t>Hauptsächlich API / Backend</a:t>
-            </a:r>
           </a:p>
         </p:txBody>
       </p:sp>
     </p:spTree>
     <p:extLst>
       <p:ext uri="{BB962C8B-B14F-4D97-AF65-F5344CB8AC3E}">
-        <p14:creationId xmlns:p14="http://schemas.microsoft.com/office/powerpoint/2010/main" val="2560174521"/>
+        <p14:creationId xmlns:p14="http://schemas.microsoft.com/office/powerpoint/2010/main" val="2853418997"/>
       </p:ext>
     </p:extLst>
   </p:cSld>
@@ -5395,21 +5233,10 @@
           <a:lstStyle/>
           <a:p>
             <a:r>
-              <a:rPr lang="de-DE" dirty="0" err="1"/>
-              <a:t>Lession</a:t>
-            </a:r>
-            <a:r>
-              <a:rPr lang="de-DE" dirty="0"/>
-              <a:t> </a:t>
-            </a:r>
-            <a:r>
-              <a:rPr lang="de-DE" dirty="0" err="1"/>
-              <a:t>learned</a:t>
-            </a:r>
-            <a:r>
-              <a:rPr lang="de-DE" dirty="0"/>
-              <a:t>?</a:t>
-            </a:r>
+              <a:rPr lang="de-DE" dirty="0" smtClean="0"/>
+              <a:t>Future Vision</a:t>
+            </a:r>
+            <a:endParaRPr lang="de-DE" dirty="0"/>
           </a:p>
         </p:txBody>
       </p:sp>
@@ -5431,69 +5258,41 @@
           <a:lstStyle/>
           <a:p>
             <a:r>
-              <a:rPr lang="de-DE" dirty="0"/>
-              <a:t>Fünfter Sprintwechsel 07.04.</a:t>
-            </a:r>
-          </a:p>
-          <a:p>
-            <a:pPr lvl="1"/>
-            <a:r>
-              <a:rPr lang="de-DE" dirty="0"/>
-              <a:t>Abnahme der </a:t>
-            </a:r>
-            <a:r>
-              <a:rPr lang="de-DE" dirty="0" err="1"/>
-              <a:t>Issues</a:t>
+              <a:rPr lang="de-DE" dirty="0" smtClean="0"/>
+              <a:t>Android App</a:t>
+            </a:r>
+          </a:p>
+          <a:p>
+            <a:r>
+              <a:rPr lang="de-DE" dirty="0" smtClean="0"/>
+              <a:t>Erweiterung um die Information der genauen Inhaltsstoffe mit Mengen angaben</a:t>
+            </a:r>
+          </a:p>
+          <a:p>
+            <a:r>
+              <a:rPr lang="de-DE" dirty="0" err="1" smtClean="0"/>
+              <a:t>Blacklist</a:t>
+            </a:r>
+            <a:r>
+              <a:rPr lang="de-DE" dirty="0" smtClean="0"/>
+              <a:t> erweitern um Zutaten meiden ab einer gewissen Menge </a:t>
+            </a:r>
+            <a:r>
+              <a:rPr lang="de-DE" dirty="0" err="1" smtClean="0"/>
+              <a:t>bsp.</a:t>
+            </a:r>
+            <a:r>
+              <a:rPr lang="de-DE" dirty="0" smtClean="0"/>
+              <a:t> Zucker</a:t>
             </a:r>
             <a:endParaRPr lang="de-DE" dirty="0"/>
-          </a:p>
-          <a:p>
-            <a:pPr lvl="1"/>
-            <a:r>
-              <a:rPr lang="de-DE" dirty="0" smtClean="0"/>
-              <a:t>Retrospektive</a:t>
-            </a:r>
-          </a:p>
-          <a:p>
-            <a:pPr lvl="2"/>
-            <a:r>
-              <a:rPr lang="de-DE" dirty="0" smtClean="0"/>
-              <a:t>Allgemein ist das Team für mehr Qualität als Quantität</a:t>
-            </a:r>
-          </a:p>
-          <a:p>
-            <a:pPr lvl="2"/>
-            <a:r>
-              <a:rPr lang="de-DE" dirty="0" smtClean="0"/>
-              <a:t>Stimmung des Teams: Sehr gut</a:t>
-            </a:r>
-            <a:endParaRPr lang="de-DE" dirty="0"/>
-          </a:p>
-          <a:p>
-            <a:pPr lvl="1"/>
-            <a:r>
-              <a:rPr lang="de-DE" dirty="0"/>
-              <a:t>Verteilung von </a:t>
-            </a:r>
-            <a:r>
-              <a:rPr lang="de-DE" dirty="0" err="1" smtClean="0"/>
-              <a:t>Issues</a:t>
-            </a:r>
-            <a:endParaRPr lang="de-DE" dirty="0" smtClean="0"/>
-          </a:p>
-          <a:p>
-            <a:pPr lvl="2"/>
-            <a:r>
-              <a:rPr lang="de-DE" dirty="0" smtClean="0"/>
-              <a:t>Hauptsächlich Frontend</a:t>
-            </a:r>
           </a:p>
         </p:txBody>
       </p:sp>
     </p:spTree>
     <p:extLst>
       <p:ext uri="{BB962C8B-B14F-4D97-AF65-F5344CB8AC3E}">
-        <p14:creationId xmlns:p14="http://schemas.microsoft.com/office/powerpoint/2010/main" val="2570652742"/>
+        <p14:creationId xmlns:p14="http://schemas.microsoft.com/office/powerpoint/2010/main" val="119336592"/>
       </p:ext>
     </p:extLst>
   </p:cSld>
@@ -5511,151 +5310,6 @@
 </file>
 
 <file path=ppt/slides/slide27.xml><?xml version="1.0" encoding="utf-8"?>
-<p:sld xmlns:a="http://schemas.openxmlformats.org/drawingml/2006/main" xmlns:r="http://schemas.openxmlformats.org/officeDocument/2006/relationships" xmlns:p="http://schemas.openxmlformats.org/presentationml/2006/main">
-  <p:cSld>
-    <p:spTree>
-      <p:nvGrpSpPr>
-        <p:cNvPr id="1" name=""/>
-        <p:cNvGrpSpPr/>
-        <p:nvPr/>
-      </p:nvGrpSpPr>
-      <p:grpSpPr>
-        <a:xfrm>
-          <a:off x="0" y="0"/>
-          <a:ext cx="0" cy="0"/>
-          <a:chOff x="0" y="0"/>
-          <a:chExt cx="0" cy="0"/>
-        </a:xfrm>
-      </p:grpSpPr>
-      <p:sp>
-        <p:nvSpPr>
-          <p:cNvPr id="2" name="Titel 1"/>
-          <p:cNvSpPr>
-            <a:spLocks noGrp="1"/>
-          </p:cNvSpPr>
-          <p:nvPr>
-            <p:ph type="title"/>
-          </p:nvPr>
-        </p:nvSpPr>
-        <p:spPr/>
-        <p:txBody>
-          <a:bodyPr>
-            <a:normAutofit/>
-          </a:bodyPr>
-          <a:lstStyle/>
-          <a:p>
-            <a:r>
-              <a:rPr lang="de-DE" dirty="0" err="1"/>
-              <a:t>Lession</a:t>
-            </a:r>
-            <a:r>
-              <a:rPr lang="de-DE" dirty="0"/>
-              <a:t> </a:t>
-            </a:r>
-            <a:r>
-              <a:rPr lang="de-DE" dirty="0" err="1"/>
-              <a:t>learned</a:t>
-            </a:r>
-            <a:r>
-              <a:rPr lang="de-DE" dirty="0"/>
-              <a:t>?</a:t>
-            </a:r>
-          </a:p>
-        </p:txBody>
-      </p:sp>
-      <p:sp>
-        <p:nvSpPr>
-          <p:cNvPr id="3" name="Inhaltsplatzhalter 2"/>
-          <p:cNvSpPr>
-            <a:spLocks noGrp="1"/>
-          </p:cNvSpPr>
-          <p:nvPr>
-            <p:ph idx="1"/>
-          </p:nvPr>
-        </p:nvSpPr>
-        <p:spPr/>
-        <p:txBody>
-          <a:bodyPr>
-            <a:normAutofit/>
-          </a:bodyPr>
-          <a:lstStyle/>
-          <a:p>
-            <a:r>
-              <a:rPr lang="de-DE" dirty="0"/>
-              <a:t>Sechster Sprintwechsel 13.04.</a:t>
-            </a:r>
-          </a:p>
-          <a:p>
-            <a:pPr lvl="1"/>
-            <a:r>
-              <a:rPr lang="de-DE" dirty="0"/>
-              <a:t>Abnahme der </a:t>
-            </a:r>
-            <a:r>
-              <a:rPr lang="de-DE" dirty="0" err="1"/>
-              <a:t>Issues</a:t>
-            </a:r>
-            <a:endParaRPr lang="de-DE" dirty="0"/>
-          </a:p>
-          <a:p>
-            <a:pPr lvl="1"/>
-            <a:r>
-              <a:rPr lang="de-DE" dirty="0" smtClean="0"/>
-              <a:t>Retrospektive</a:t>
-            </a:r>
-          </a:p>
-          <a:p>
-            <a:pPr lvl="2"/>
-            <a:r>
-              <a:rPr lang="de-DE" dirty="0" smtClean="0"/>
-              <a:t>Team hat Sprint als unstrukturiert empfunden da sehr viel parallel am Frontend gemacht wurde</a:t>
-            </a:r>
-          </a:p>
-          <a:p>
-            <a:pPr lvl="2"/>
-            <a:r>
-              <a:rPr lang="de-DE" dirty="0" smtClean="0"/>
-              <a:t>Stimmung des Teams: Gemischt</a:t>
-            </a:r>
-            <a:endParaRPr lang="de-DE" dirty="0"/>
-          </a:p>
-          <a:p>
-            <a:pPr lvl="1"/>
-            <a:r>
-              <a:rPr lang="de-DE" dirty="0" smtClean="0"/>
-              <a:t>Planung zum Projektabschluss</a:t>
-            </a:r>
-          </a:p>
-          <a:p>
-            <a:pPr lvl="2"/>
-            <a:r>
-              <a:rPr lang="de-DE" dirty="0" smtClean="0"/>
-              <a:t>Hauptsächlich Bugfixing, Tests und Füllen des Frontend/der Datenbank mit Content</a:t>
-            </a:r>
-          </a:p>
-        </p:txBody>
-      </p:sp>
-    </p:spTree>
-    <p:extLst>
-      <p:ext uri="{BB962C8B-B14F-4D97-AF65-F5344CB8AC3E}">
-        <p14:creationId xmlns:p14="http://schemas.microsoft.com/office/powerpoint/2010/main" val="974827180"/>
-      </p:ext>
-    </p:extLst>
-  </p:cSld>
-  <p:clrMapOvr>
-    <a:masterClrMapping/>
-  </p:clrMapOvr>
-  <p:timing>
-    <p:tnLst>
-      <p:par>
-        <p:cTn id="1" dur="indefinite" restart="never" nodeType="tmRoot"/>
-      </p:par>
-    </p:tnLst>
-  </p:timing>
-</p:sld>
-</file>
-
-<file path=ppt/slides/slide28.xml><?xml version="1.0" encoding="utf-8"?>
 <p:sld xmlns:a="http://schemas.openxmlformats.org/drawingml/2006/main" xmlns:r="http://schemas.openxmlformats.org/officeDocument/2006/relationships" xmlns:p="http://schemas.openxmlformats.org/presentationml/2006/main">
   <p:cSld>
     <p:spTree>
@@ -6778,7 +6432,6 @@
               <a:rPr lang="de-DE" dirty="0"/>
               <a:t>Funktionale Anforderungen</a:t>
             </a:r>
-            <a:endParaRPr lang="de-DE" dirty="0"/>
           </a:p>
         </p:txBody>
       </p:sp>
@@ -8019,7 +7672,6 @@
               <a:rPr lang="de-DE" dirty="0"/>
               <a:t>Funktionale Anforderungen</a:t>
             </a:r>
-            <a:endParaRPr lang="de-DE" dirty="0"/>
           </a:p>
         </p:txBody>
       </p:sp>
@@ -8995,7 +8647,6 @@
               <a:rPr lang="de-DE" dirty="0"/>
               <a:t>Anforderungen</a:t>
             </a:r>
-            <a:endParaRPr lang="de-DE" dirty="0"/>
           </a:p>
         </p:txBody>
       </p:sp>
@@ -9016,7 +8667,7 @@
         </p:nvGraphicFramePr>
         <p:xfrm>
           <a:off x="341194" y="1241945"/>
-          <a:ext cx="11481528" cy="4280187"/>
+          <a:ext cx="11481528" cy="4410489"/>
         </p:xfrm>
         <a:graphic>
           <a:graphicData uri="http://schemas.openxmlformats.org/drawingml/2006/table">
@@ -9787,7 +9438,6 @@
               <a:rPr lang="de-DE" dirty="0"/>
               <a:t>Anforderungen</a:t>
             </a:r>
-            <a:endParaRPr lang="de-DE" dirty="0"/>
           </a:p>
         </p:txBody>
       </p:sp>
@@ -9808,7 +9458,7 @@
         </p:nvGraphicFramePr>
         <p:xfrm>
           <a:off x="341194" y="1232700"/>
-          <a:ext cx="11518710" cy="4243095"/>
+          <a:ext cx="11518710" cy="4321968"/>
         </p:xfrm>
         <a:graphic>
           <a:graphicData uri="http://schemas.openxmlformats.org/drawingml/2006/table">
@@ -10548,7 +10198,7 @@
           <a:p>
             <a:r>
               <a:rPr lang="de-DE" dirty="0" smtClean="0"/>
-              <a:t>Life-Demo</a:t>
+              <a:t>Live-Demo</a:t>
             </a:r>
             <a:endParaRPr lang="de-DE" dirty="0"/>
           </a:p>
@@ -10629,14 +10279,19 @@
             <p:ph type="title"/>
           </p:nvPr>
         </p:nvSpPr>
-        <p:spPr/>
+        <p:spPr>
+          <a:xfrm>
+            <a:off x="0" y="0"/>
+            <a:ext cx="12192000" cy="1325563"/>
+          </a:xfrm>
+        </p:spPr>
         <p:txBody>
           <a:bodyPr/>
           <a:lstStyle/>
           <a:p>
             <a:r>
-              <a:rPr lang="de-DE" dirty="0" smtClean="0"/>
-              <a:t>Life-Demo</a:t>
+              <a:rPr lang="de-DE" dirty="0"/>
+              <a:t>Live-Demo</a:t>
             </a:r>
             <a:endParaRPr lang="de-DE" dirty="0"/>
           </a:p>
@@ -10886,7 +10541,7 @@
   <a:extraClrSchemeLst/>
   <a:extLst>
     <a:ext uri="{05A4C25C-085E-4340-85A3-A5531E510DB2}">
-      <thm15:themeFamily xmlns:thm15="http://schemas.microsoft.com/office/thememl/2012/main" xmlns="" name="Office Theme" id="{62F939B6-93AF-4DB8-9C6B-D6C7DFDC589F}" vid="{4A3C46E8-61CC-4603-A589-7422A47A8E4A}"/>
+      <thm15:themeFamily xmlns="" xmlns:thm15="http://schemas.microsoft.com/office/thememl/2012/main" name="Office Theme" id="{62F939B6-93AF-4DB8-9C6B-D6C7DFDC589F}" vid="{4A3C46E8-61CC-4603-A589-7422A47A8E4A}"/>
     </a:ext>
   </a:extLst>
 </a:theme>

--- a/Docs/AbschlussPräsi.pptx
+++ b/Docs/AbschlussPräsi.pptx
@@ -19,19 +19,20 @@
     <p:sldId id="289" r:id="rId13"/>
     <p:sldId id="290" r:id="rId14"/>
     <p:sldId id="291" r:id="rId15"/>
-    <p:sldId id="292" r:id="rId16"/>
-    <p:sldId id="298" r:id="rId17"/>
-    <p:sldId id="299" r:id="rId18"/>
-    <p:sldId id="300" r:id="rId19"/>
-    <p:sldId id="272" r:id="rId20"/>
-    <p:sldId id="273" r:id="rId21"/>
-    <p:sldId id="274" r:id="rId22"/>
-    <p:sldId id="275" r:id="rId23"/>
-    <p:sldId id="276" r:id="rId24"/>
-    <p:sldId id="277" r:id="rId25"/>
-    <p:sldId id="294" r:id="rId26"/>
-    <p:sldId id="301" r:id="rId27"/>
-    <p:sldId id="271" r:id="rId28"/>
+    <p:sldId id="302" r:id="rId16"/>
+    <p:sldId id="292" r:id="rId17"/>
+    <p:sldId id="298" r:id="rId18"/>
+    <p:sldId id="299" r:id="rId19"/>
+    <p:sldId id="300" r:id="rId20"/>
+    <p:sldId id="272" r:id="rId21"/>
+    <p:sldId id="273" r:id="rId22"/>
+    <p:sldId id="274" r:id="rId23"/>
+    <p:sldId id="275" r:id="rId24"/>
+    <p:sldId id="276" r:id="rId25"/>
+    <p:sldId id="277" r:id="rId26"/>
+    <p:sldId id="294" r:id="rId27"/>
+    <p:sldId id="301" r:id="rId28"/>
+    <p:sldId id="271" r:id="rId29"/>
   </p:sldIdLst>
   <p:sldSz cx="12192000" cy="6858000"/>
   <p:notesSz cx="6858000" cy="9144000"/>
@@ -132,7 +133,7 @@
   </p:defaultTextStyle>
   <p:extLst>
     <p:ext uri="{EFAFB233-063F-42B5-8137-9DF3F51BA10A}">
-      <p15:sldGuideLst xmlns="" xmlns:p15="http://schemas.microsoft.com/office/powerpoint/2012/main"/>
+      <p15:sldGuideLst xmlns:p15="http://schemas.microsoft.com/office/powerpoint/2012/main" xmlns=""/>
     </p:ext>
   </p:extLst>
 </p:presentation>
@@ -282,7 +283,7 @@
             <a:fld id="{B61BEF0D-F0BB-DE4B-95CE-6DB70DBA9567}" type="datetimeFigureOut">
               <a:rPr lang="en-US" smtClean="0"/>
               <a:pPr/>
-              <a:t>4/22/2015</a:t>
+              <a:t>4/26/2015</a:t>
             </a:fld>
             <a:endParaRPr lang="en-US" dirty="0"/>
           </a:p>
@@ -514,7 +515,7 @@
           <a:p>
             <a:fld id="{55C6B4A9-1611-4792-9094-5F34BCA07E0B}" type="datetimeFigureOut">
               <a:rPr lang="en-US" smtClean="0"/>
-              <a:t>4/22/2015</a:t>
+              <a:t>4/26/2015</a:t>
             </a:fld>
             <a:endParaRPr lang="en-US" dirty="0"/>
           </a:p>
@@ -719,7 +720,7 @@
             <a:fld id="{B61BEF0D-F0BB-DE4B-95CE-6DB70DBA9567}" type="datetimeFigureOut">
               <a:rPr lang="en-US" smtClean="0"/>
               <a:pPr/>
-              <a:t>4/22/2015</a:t>
+              <a:t>4/26/2015</a:t>
             </a:fld>
             <a:endParaRPr lang="en-US" dirty="0"/>
           </a:p>
@@ -919,7 +920,7 @@
             <a:fld id="{B61BEF0D-F0BB-DE4B-95CE-6DB70DBA9567}" type="datetimeFigureOut">
               <a:rPr lang="en-US" smtClean="0"/>
               <a:pPr/>
-              <a:t>4/22/2015</a:t>
+              <a:t>4/26/2015</a:t>
             </a:fld>
             <a:endParaRPr lang="en-US" dirty="0"/>
           </a:p>
@@ -1191,7 +1192,7 @@
             <a:fld id="{B61BEF0D-F0BB-DE4B-95CE-6DB70DBA9567}" type="datetimeFigureOut">
               <a:rPr lang="en-US" smtClean="0"/>
               <a:pPr/>
-              <a:t>4/22/2015</a:t>
+              <a:t>4/26/2015</a:t>
             </a:fld>
             <a:endParaRPr lang="en-US" dirty="0"/>
           </a:p>
@@ -1448,7 +1449,7 @@
           <a:p>
             <a:fld id="{EB712588-04B1-427B-82EE-E8DB90309F08}" type="datetimeFigureOut">
               <a:rPr lang="en-US" smtClean="0"/>
-              <a:t>4/22/2015</a:t>
+              <a:t>4/26/2015</a:t>
             </a:fld>
             <a:endParaRPr lang="en-US" dirty="0"/>
           </a:p>
@@ -1840,7 +1841,7 @@
             <a:fld id="{B61BEF0D-F0BB-DE4B-95CE-6DB70DBA9567}" type="datetimeFigureOut">
               <a:rPr lang="en-US" smtClean="0"/>
               <a:pPr/>
-              <a:t>4/22/2015</a:t>
+              <a:t>4/26/2015</a:t>
             </a:fld>
             <a:endParaRPr lang="en-US" dirty="0"/>
           </a:p>
@@ -1984,7 +1985,7 @@
             <a:fld id="{B61BEF0D-F0BB-DE4B-95CE-6DB70DBA9567}" type="datetimeFigureOut">
               <a:rPr lang="en-US" smtClean="0"/>
               <a:pPr/>
-              <a:t>4/22/2015</a:t>
+              <a:t>4/26/2015</a:t>
             </a:fld>
             <a:endParaRPr lang="en-US" dirty="0"/>
           </a:p>
@@ -2105,7 +2106,7 @@
             <a:fld id="{B61BEF0D-F0BB-DE4B-95CE-6DB70DBA9567}" type="datetimeFigureOut">
               <a:rPr lang="en-US" smtClean="0"/>
               <a:pPr/>
-              <a:t>4/22/2015</a:t>
+              <a:t>4/26/2015</a:t>
             </a:fld>
             <a:endParaRPr lang="en-US" dirty="0"/>
           </a:p>
@@ -2407,7 +2408,7 @@
           <a:p>
             <a:fld id="{42A54C80-263E-416B-A8E0-580EDEADCBDC}" type="datetimeFigureOut">
               <a:rPr lang="en-US" smtClean="0"/>
-              <a:t>4/22/2015</a:t>
+              <a:t>4/26/2015</a:t>
             </a:fld>
             <a:endParaRPr lang="en-US" dirty="0"/>
           </a:p>
@@ -2685,7 +2686,7 @@
             <a:fld id="{B61BEF0D-F0BB-DE4B-95CE-6DB70DBA9567}" type="datetimeFigureOut">
               <a:rPr lang="en-US" smtClean="0"/>
               <a:pPr/>
-              <a:t>4/22/2015</a:t>
+              <a:t>4/26/2015</a:t>
             </a:fld>
             <a:endParaRPr lang="en-US" dirty="0"/>
           </a:p>
@@ -2906,7 +2907,7 @@
             <a:fld id="{B61BEF0D-F0BB-DE4B-95CE-6DB70DBA9567}" type="datetimeFigureOut">
               <a:rPr lang="en-US" smtClean="0"/>
               <a:pPr/>
-              <a:t>4/22/2015</a:t>
+              <a:t>4/26/2015</a:t>
             </a:fld>
             <a:endParaRPr lang="en-US" dirty="0"/>
           </a:p>
@@ -3912,6 +3913,100 @@
       </p:sp>
       <p:pic>
         <p:nvPicPr>
+          <p:cNvPr id="4" name="Inhaltsplatzhalter 3"/>
+          <p:cNvPicPr>
+            <a:picLocks noGrp="1" noChangeAspect="1"/>
+          </p:cNvPicPr>
+          <p:nvPr>
+            <p:ph idx="1"/>
+          </p:nvPr>
+        </p:nvPicPr>
+        <p:blipFill>
+          <a:blip r:embed="rId2">
+            <a:extLst>
+              <a:ext uri="{28A0092B-C50C-407E-A947-70E740481C1C}">
+                <a14:useLocalDpi xmlns:a14="http://schemas.microsoft.com/office/drawing/2010/main" val="0"/>
+              </a:ext>
+            </a:extLst>
+          </a:blip>
+          <a:stretch>
+            <a:fillRect/>
+          </a:stretch>
+        </p:blipFill>
+        <p:spPr>
+          <a:xfrm>
+            <a:off x="962888" y="1374186"/>
+            <a:ext cx="10241932" cy="4866248"/>
+          </a:xfrm>
+        </p:spPr>
+      </p:pic>
+    </p:spTree>
+    <p:extLst>
+      <p:ext uri="{BB962C8B-B14F-4D97-AF65-F5344CB8AC3E}">
+        <p14:creationId xmlns:p14="http://schemas.microsoft.com/office/powerpoint/2010/main" val="3670675049"/>
+      </p:ext>
+    </p:extLst>
+  </p:cSld>
+  <p:clrMapOvr>
+    <a:masterClrMapping/>
+  </p:clrMapOvr>
+  <p:timing>
+    <p:tnLst>
+      <p:par>
+        <p:cTn id="1" dur="indefinite" restart="never" nodeType="tmRoot"/>
+      </p:par>
+    </p:tnLst>
+  </p:timing>
+</p:sld>
+</file>
+
+<file path=ppt/slides/slide16.xml><?xml version="1.0" encoding="utf-8"?>
+<p:sld xmlns:a="http://schemas.openxmlformats.org/drawingml/2006/main" xmlns:r="http://schemas.openxmlformats.org/officeDocument/2006/relationships" xmlns:p="http://schemas.openxmlformats.org/presentationml/2006/main">
+  <p:cSld>
+    <p:spTree>
+      <p:nvGrpSpPr>
+        <p:cNvPr id="1" name=""/>
+        <p:cNvGrpSpPr/>
+        <p:nvPr/>
+      </p:nvGrpSpPr>
+      <p:grpSpPr>
+        <a:xfrm>
+          <a:off x="0" y="0"/>
+          <a:ext cx="0" cy="0"/>
+          <a:chOff x="0" y="0"/>
+          <a:chExt cx="0" cy="0"/>
+        </a:xfrm>
+      </p:grpSpPr>
+      <p:sp>
+        <p:nvSpPr>
+          <p:cNvPr id="2" name="Titel 1"/>
+          <p:cNvSpPr>
+            <a:spLocks noGrp="1"/>
+          </p:cNvSpPr>
+          <p:nvPr>
+            <p:ph type="title"/>
+          </p:nvPr>
+        </p:nvSpPr>
+        <p:spPr>
+          <a:xfrm>
+            <a:off x="0" y="0"/>
+            <a:ext cx="12192000" cy="1325563"/>
+          </a:xfrm>
+        </p:spPr>
+        <p:txBody>
+          <a:bodyPr/>
+          <a:lstStyle/>
+          <a:p>
+            <a:r>
+              <a:rPr lang="de-DE" dirty="0" smtClean="0"/>
+              <a:t>Live-Demo</a:t>
+            </a:r>
+            <a:endParaRPr lang="de-DE" dirty="0"/>
+          </a:p>
+        </p:txBody>
+      </p:sp>
+      <p:pic>
+        <p:nvPicPr>
           <p:cNvPr id="1026" name="Picture 2" descr="C:\Users\admin\Google Drive\Studium\Studium\4 Semester\Software Engineering 1\Allergeek\Application\Images\Welcome.png"/>
           <p:cNvPicPr>
             <a:picLocks noChangeAspect="1" noChangeArrowheads="1"/>
@@ -3971,7 +4066,7 @@
 </p:sld>
 </file>
 
-<file path=ppt/slides/slide16.xml><?xml version="1.0" encoding="utf-8"?>
+<file path=ppt/slides/slide17.xml><?xml version="1.0" encoding="utf-8"?>
 <p:sld xmlns:a="http://schemas.openxmlformats.org/drawingml/2006/main" xmlns:r="http://schemas.openxmlformats.org/officeDocument/2006/relationships" xmlns:p="http://schemas.openxmlformats.org/presentationml/2006/main">
   <p:cSld>
     <p:spTree>
@@ -4077,7 +4172,7 @@
 </p:sld>
 </file>
 
-<file path=ppt/slides/slide17.xml><?xml version="1.0" encoding="utf-8"?>
+<file path=ppt/slides/slide18.xml><?xml version="1.0" encoding="utf-8"?>
 <p:sld xmlns:a="http://schemas.openxmlformats.org/drawingml/2006/main" xmlns:r="http://schemas.openxmlformats.org/officeDocument/2006/relationships" xmlns:p="http://schemas.openxmlformats.org/presentationml/2006/main">
   <p:cSld>
     <p:spTree>
@@ -4183,7 +4278,7 @@
 </p:sld>
 </file>
 
-<file path=ppt/slides/slide18.xml><?xml version="1.0" encoding="utf-8"?>
+<file path=ppt/slides/slide19.xml><?xml version="1.0" encoding="utf-8"?>
 <p:sld xmlns:a="http://schemas.openxmlformats.org/drawingml/2006/main" xmlns:r="http://schemas.openxmlformats.org/officeDocument/2006/relationships" xmlns:p="http://schemas.openxmlformats.org/presentationml/2006/main">
   <p:cSld>
     <p:spTree>
@@ -4289,89 +4384,6 @@
 </p:sld>
 </file>
 
-<file path=ppt/slides/slide19.xml><?xml version="1.0" encoding="utf-8"?>
-<p:sld xmlns:a="http://schemas.openxmlformats.org/drawingml/2006/main" xmlns:r="http://schemas.openxmlformats.org/officeDocument/2006/relationships" xmlns:p="http://schemas.openxmlformats.org/presentationml/2006/main">
-  <p:cSld>
-    <p:spTree>
-      <p:nvGrpSpPr>
-        <p:cNvPr id="1" name=""/>
-        <p:cNvGrpSpPr/>
-        <p:nvPr/>
-      </p:nvGrpSpPr>
-      <p:grpSpPr>
-        <a:xfrm>
-          <a:off x="0" y="0"/>
-          <a:ext cx="0" cy="0"/>
-          <a:chOff x="0" y="0"/>
-          <a:chExt cx="0" cy="0"/>
-        </a:xfrm>
-      </p:grpSpPr>
-      <p:sp>
-        <p:nvSpPr>
-          <p:cNvPr id="2" name="Titel 1"/>
-          <p:cNvSpPr>
-            <a:spLocks noGrp="1"/>
-          </p:cNvSpPr>
-          <p:nvPr>
-            <p:ph type="title"/>
-          </p:nvPr>
-        </p:nvSpPr>
-        <p:spPr/>
-        <p:txBody>
-          <a:bodyPr/>
-          <a:lstStyle/>
-          <a:p>
-            <a:r>
-              <a:rPr lang="de-DE" dirty="0" smtClean="0"/>
-              <a:t>Server</a:t>
-            </a:r>
-            <a:endParaRPr lang="de-DE" dirty="0"/>
-          </a:p>
-        </p:txBody>
-      </p:sp>
-      <p:sp>
-        <p:nvSpPr>
-          <p:cNvPr id="3" name="Inhaltsplatzhalter 2"/>
-          <p:cNvSpPr>
-            <a:spLocks noGrp="1"/>
-          </p:cNvSpPr>
-          <p:nvPr>
-            <p:ph idx="1"/>
-          </p:nvPr>
-        </p:nvSpPr>
-        <p:spPr/>
-        <p:txBody>
-          <a:bodyPr/>
-          <a:lstStyle/>
-          <a:p>
-            <a:r>
-              <a:rPr lang="de-DE" dirty="0" smtClean="0"/>
-              <a:t>2-3 Punkte zum Server</a:t>
-            </a:r>
-            <a:endParaRPr lang="de-DE" dirty="0"/>
-          </a:p>
-        </p:txBody>
-      </p:sp>
-    </p:spTree>
-    <p:extLst>
-      <p:ext uri="{BB962C8B-B14F-4D97-AF65-F5344CB8AC3E}">
-        <p14:creationId xmlns:p14="http://schemas.microsoft.com/office/powerpoint/2010/main" val="2919619131"/>
-      </p:ext>
-    </p:extLst>
-  </p:cSld>
-  <p:clrMapOvr>
-    <a:masterClrMapping/>
-  </p:clrMapOvr>
-  <p:timing>
-    <p:tnLst>
-      <p:par>
-        <p:cTn id="1" dur="indefinite" restart="never" nodeType="tmRoot"/>
-      </p:par>
-    </p:tnLst>
-  </p:timing>
-</p:sld>
-</file>
-
 <file path=ppt/slides/slide2.xml><?xml version="1.0" encoding="utf-8"?>
 <p:sld xmlns:a="http://schemas.openxmlformats.org/drawingml/2006/main" xmlns:r="http://schemas.openxmlformats.org/officeDocument/2006/relationships" xmlns:p="http://schemas.openxmlformats.org/presentationml/2006/main">
   <p:cSld>
@@ -4446,7 +4458,6 @@
               <a:rPr lang="de-DE" dirty="0" smtClean="0"/>
               <a:t>Live-Demo</a:t>
             </a:r>
-            <a:endParaRPr lang="de-DE" dirty="0" smtClean="0"/>
           </a:p>
           <a:p>
             <a:pPr lvl="1"/>
@@ -4574,7 +4585,7 @@
           <a:p>
             <a:r>
               <a:rPr lang="de-DE" dirty="0" smtClean="0"/>
-              <a:t>Datenbank</a:t>
+              <a:t>Server</a:t>
             </a:r>
             <a:endParaRPr lang="de-DE" dirty="0"/>
           </a:p>
@@ -4582,7 +4593,7 @@
       </p:sp>
       <p:sp>
         <p:nvSpPr>
-          <p:cNvPr id="3" name="Inhaltsplatzhalter 2"/>
+          <p:cNvPr id="5" name="Inhaltsplatzhalter 4"/>
           <p:cNvSpPr>
             <a:spLocks noGrp="1"/>
           </p:cNvSpPr>
@@ -4595,18 +4606,328 @@
           <a:bodyPr/>
           <a:lstStyle/>
           <a:p>
-            <a:r>
-              <a:rPr lang="de-DE" dirty="0" smtClean="0"/>
-              <a:t>1-2 Punkte zur Datenbank</a:t>
-            </a:r>
-            <a:endParaRPr lang="de-DE" dirty="0"/>
+            <a:pPr>
+              <a:buFont typeface="Arial"/>
+              <a:buChar char="•"/>
+            </a:pPr>
+            <a:r>
+              <a:rPr lang="en-US" dirty="0" err="1" smtClean="0">
+                <a:solidFill>
+                  <a:srgbClr val="000000"/>
+                </a:solidFill>
+              </a:rPr>
+              <a:t>Debian</a:t>
+            </a:r>
+            <a:endParaRPr lang="en-US" dirty="0" smtClean="0">
+              <a:solidFill>
+                <a:srgbClr val="000000"/>
+              </a:solidFill>
+            </a:endParaRPr>
+          </a:p>
+          <a:p>
+            <a:pPr>
+              <a:buFont typeface="Arial"/>
+              <a:buChar char="•"/>
+            </a:pPr>
+            <a:endParaRPr lang="en-US" dirty="0"/>
+          </a:p>
+          <a:p>
+            <a:pPr>
+              <a:buFont typeface="Arial"/>
+              <a:buChar char="•"/>
+            </a:pPr>
+            <a:r>
+              <a:rPr lang="en-US" dirty="0">
+                <a:solidFill>
+                  <a:srgbClr val="000000"/>
+                </a:solidFill>
+              </a:rPr>
+              <a:t>Apache HTTP-Server</a:t>
+            </a:r>
+            <a:endParaRPr lang="en-US" dirty="0"/>
+          </a:p>
+          <a:p>
+            <a:endParaRPr lang="en-US" dirty="0"/>
+          </a:p>
+          <a:p>
+            <a:pPr>
+              <a:buFont typeface="Arial"/>
+              <a:buChar char="•"/>
+            </a:pPr>
+            <a:r>
+              <a:rPr lang="en-US" dirty="0">
+                <a:solidFill>
+                  <a:srgbClr val="000000"/>
+                </a:solidFill>
+              </a:rPr>
+              <a:t>MySQL-Server</a:t>
+            </a:r>
+            <a:endParaRPr lang="en-US" dirty="0"/>
+          </a:p>
+          <a:p>
+            <a:endParaRPr lang="en-US" dirty="0"/>
+          </a:p>
+          <a:p>
+            <a:pPr>
+              <a:buFont typeface="Arial"/>
+              <a:buChar char="•"/>
+            </a:pPr>
+            <a:r>
+              <a:rPr lang="en-US" dirty="0" err="1" smtClean="0">
+                <a:solidFill>
+                  <a:srgbClr val="000000"/>
+                </a:solidFill>
+              </a:rPr>
+              <a:t>phpMyAdmin</a:t>
+            </a:r>
+            <a:endParaRPr lang="en-US" dirty="0"/>
           </a:p>
         </p:txBody>
       </p:sp>
+      <p:sp>
+        <p:nvSpPr>
+          <p:cNvPr id="6" name="CustomShape 3"/>
+          <p:cNvSpPr/>
+          <p:nvPr/>
+        </p:nvSpPr>
+        <p:spPr>
+          <a:xfrm>
+            <a:off x="8713440" y="2802240"/>
+            <a:ext cx="1005120" cy="1005840"/>
+          </a:xfrm>
+          <a:prstGeom prst="ellipse">
+            <a:avLst/>
+          </a:prstGeom>
+          <a:solidFill>
+            <a:srgbClr val="E6E6FF"/>
+          </a:solidFill>
+          <a:ln w="29160">
+            <a:solidFill>
+              <a:srgbClr val="000000"/>
+            </a:solidFill>
+            <a:round/>
+          </a:ln>
+        </p:spPr>
+        <p:style>
+          <a:lnRef idx="0">
+            <a:scrgbClr r="0" g="0" b="0"/>
+          </a:lnRef>
+          <a:fillRef idx="0">
+            <a:scrgbClr r="0" g="0" b="0"/>
+          </a:fillRef>
+          <a:effectRef idx="0">
+            <a:scrgbClr r="0" g="0" b="0"/>
+          </a:effectRef>
+          <a:fontRef idx="minor"/>
+        </p:style>
+      </p:sp>
+      <p:pic>
+        <p:nvPicPr>
+          <p:cNvPr id="7" name="Grafik 6"/>
+          <p:cNvPicPr/>
+          <p:nvPr/>
+        </p:nvPicPr>
+        <p:blipFill>
+          <a:blip r:embed="rId2"/>
+          <a:stretch/>
+        </p:blipFill>
+        <p:spPr>
+          <a:xfrm>
+            <a:off x="8951760" y="3040560"/>
+            <a:ext cx="456840" cy="545400"/>
+          </a:xfrm>
+          <a:prstGeom prst="rect">
+            <a:avLst/>
+          </a:prstGeom>
+          <a:ln>
+            <a:noFill/>
+          </a:ln>
+        </p:spPr>
+      </p:pic>
+      <p:sp>
+        <p:nvSpPr>
+          <p:cNvPr id="8" name="CustomShape 4"/>
+          <p:cNvSpPr/>
+          <p:nvPr/>
+        </p:nvSpPr>
+        <p:spPr>
+          <a:xfrm>
+            <a:off x="7498080" y="3527280"/>
+            <a:ext cx="1005120" cy="1005840"/>
+          </a:xfrm>
+          <a:prstGeom prst="ellipse">
+            <a:avLst/>
+          </a:prstGeom>
+          <a:solidFill>
+            <a:srgbClr val="E6E6FF"/>
+          </a:solidFill>
+          <a:ln w="29160">
+            <a:solidFill>
+              <a:srgbClr val="000000"/>
+            </a:solidFill>
+            <a:round/>
+          </a:ln>
+        </p:spPr>
+        <p:style>
+          <a:lnRef idx="0">
+            <a:scrgbClr r="0" g="0" b="0"/>
+          </a:lnRef>
+          <a:fillRef idx="0">
+            <a:scrgbClr r="0" g="0" b="0"/>
+          </a:fillRef>
+          <a:effectRef idx="0">
+            <a:scrgbClr r="0" g="0" b="0"/>
+          </a:effectRef>
+          <a:fontRef idx="minor"/>
+        </p:style>
+      </p:sp>
+      <p:pic>
+        <p:nvPicPr>
+          <p:cNvPr id="9" name="Grafik 8"/>
+          <p:cNvPicPr/>
+          <p:nvPr/>
+        </p:nvPicPr>
+        <p:blipFill>
+          <a:blip r:embed="rId3"/>
+          <a:stretch/>
+        </p:blipFill>
+        <p:spPr>
+          <a:xfrm>
+            <a:off x="7644240" y="3618000"/>
+            <a:ext cx="808560" cy="900360"/>
+          </a:xfrm>
+          <a:prstGeom prst="rect">
+            <a:avLst/>
+          </a:prstGeom>
+          <a:ln>
+            <a:noFill/>
+          </a:ln>
+        </p:spPr>
+      </p:pic>
+      <p:sp>
+        <p:nvSpPr>
+          <p:cNvPr id="10" name="CustomShape 5"/>
+          <p:cNvSpPr/>
+          <p:nvPr/>
+        </p:nvSpPr>
+        <p:spPr>
+          <a:xfrm>
+            <a:off x="7495920" y="1897920"/>
+            <a:ext cx="1005120" cy="1005840"/>
+          </a:xfrm>
+          <a:prstGeom prst="ellipse">
+            <a:avLst/>
+          </a:prstGeom>
+          <a:solidFill>
+            <a:srgbClr val="E6E6FF"/>
+          </a:solidFill>
+          <a:ln w="29160">
+            <a:solidFill>
+              <a:srgbClr val="000000"/>
+            </a:solidFill>
+            <a:round/>
+          </a:ln>
+        </p:spPr>
+        <p:style>
+          <a:lnRef idx="0">
+            <a:scrgbClr r="0" g="0" b="0"/>
+          </a:lnRef>
+          <a:fillRef idx="0">
+            <a:scrgbClr r="0" g="0" b="0"/>
+          </a:fillRef>
+          <a:effectRef idx="0">
+            <a:scrgbClr r="0" g="0" b="0"/>
+          </a:effectRef>
+          <a:fontRef idx="minor"/>
+        </p:style>
+      </p:sp>
+      <p:sp>
+        <p:nvSpPr>
+          <p:cNvPr id="11" name="CustomShape 6"/>
+          <p:cNvSpPr/>
+          <p:nvPr/>
+        </p:nvSpPr>
+        <p:spPr>
+          <a:xfrm>
+            <a:off x="8677440" y="4386600"/>
+            <a:ext cx="1005120" cy="1005840"/>
+          </a:xfrm>
+          <a:prstGeom prst="ellipse">
+            <a:avLst/>
+          </a:prstGeom>
+          <a:solidFill>
+            <a:srgbClr val="E6E6FF"/>
+          </a:solidFill>
+          <a:ln w="29160">
+            <a:solidFill>
+              <a:srgbClr val="000000"/>
+            </a:solidFill>
+            <a:round/>
+          </a:ln>
+        </p:spPr>
+        <p:style>
+          <a:lnRef idx="0">
+            <a:scrgbClr r="0" g="0" b="0"/>
+          </a:lnRef>
+          <a:fillRef idx="0">
+            <a:scrgbClr r="0" g="0" b="0"/>
+          </a:fillRef>
+          <a:effectRef idx="0">
+            <a:scrgbClr r="0" g="0" b="0"/>
+          </a:effectRef>
+          <a:fontRef idx="minor"/>
+        </p:style>
+      </p:sp>
+      <p:pic>
+        <p:nvPicPr>
+          <p:cNvPr id="12" name="Grafik 11"/>
+          <p:cNvPicPr/>
+          <p:nvPr/>
+        </p:nvPicPr>
+        <p:blipFill>
+          <a:blip r:embed="rId4"/>
+          <a:stretch/>
+        </p:blipFill>
+        <p:spPr>
+          <a:xfrm>
+            <a:off x="8710560" y="4441680"/>
+            <a:ext cx="804960" cy="914760"/>
+          </a:xfrm>
+          <a:prstGeom prst="rect">
+            <a:avLst/>
+          </a:prstGeom>
+          <a:ln>
+            <a:noFill/>
+          </a:ln>
+        </p:spPr>
+      </p:pic>
+      <p:pic>
+        <p:nvPicPr>
+          <p:cNvPr id="13" name="Grafik 12"/>
+          <p:cNvPicPr/>
+          <p:nvPr/>
+        </p:nvPicPr>
+        <p:blipFill>
+          <a:blip r:embed="rId5"/>
+          <a:stretch/>
+        </p:blipFill>
+        <p:spPr>
+          <a:xfrm>
+            <a:off x="7738920" y="2116800"/>
+            <a:ext cx="543960" cy="608760"/>
+          </a:xfrm>
+          <a:prstGeom prst="rect">
+            <a:avLst/>
+          </a:prstGeom>
+          <a:ln>
+            <a:noFill/>
+          </a:ln>
+        </p:spPr>
+      </p:pic>
     </p:spTree>
     <p:extLst>
       <p:ext uri="{BB962C8B-B14F-4D97-AF65-F5344CB8AC3E}">
-        <p14:creationId xmlns:p14="http://schemas.microsoft.com/office/powerpoint/2010/main" val="1588141210"/>
+        <p14:creationId xmlns:p14="http://schemas.microsoft.com/office/powerpoint/2010/main" val="2919619131"/>
       </p:ext>
     </p:extLst>
   </p:cSld>
@@ -4657,7 +4978,7 @@
           <a:p>
             <a:r>
               <a:rPr lang="de-DE" dirty="0" smtClean="0"/>
-              <a:t>API / Backend</a:t>
+              <a:t>Datenbank</a:t>
             </a:r>
             <a:endParaRPr lang="de-DE" dirty="0"/>
           </a:p>
@@ -4675,12 +4996,166 @@
         </p:nvSpPr>
         <p:spPr/>
         <p:txBody>
-          <a:bodyPr/>
+          <a:bodyPr>
+            <a:normAutofit lnSpcReduction="10000"/>
+          </a:bodyPr>
           <a:lstStyle/>
           <a:p>
-            <a:r>
-              <a:rPr lang="de-DE" dirty="0" smtClean="0"/>
-              <a:t>2-3 Punkte zu API / Backend</a:t>
+            <a:pPr>
+              <a:buFont typeface="Arial"/>
+              <a:buChar char="•"/>
+            </a:pPr>
+            <a:r>
+              <a:rPr lang="de-DE" dirty="0">
+                <a:solidFill>
+                  <a:srgbClr val="000000"/>
+                </a:solidFill>
+              </a:rPr>
+              <a:t>Ablegen von</a:t>
+            </a:r>
+            <a:endParaRPr lang="de-DE" dirty="0"/>
+          </a:p>
+          <a:p>
+            <a:pPr>
+              <a:buFont typeface="Arial"/>
+              <a:buChar char="•"/>
+            </a:pPr>
+            <a:endParaRPr lang="de-DE" dirty="0"/>
+          </a:p>
+          <a:p>
+            <a:pPr>
+              <a:buFont typeface="Arial"/>
+              <a:buChar char="•"/>
+            </a:pPr>
+            <a:r>
+              <a:rPr lang="de-DE" dirty="0" err="1" smtClean="0">
+                <a:solidFill>
+                  <a:srgbClr val="000000"/>
+                </a:solidFill>
+              </a:rPr>
+              <a:t>Produktionformationen</a:t>
+            </a:r>
+            <a:endParaRPr lang="de-DE" dirty="0"/>
+          </a:p>
+          <a:p>
+            <a:pPr lvl="1">
+              <a:buFont typeface="Arial"/>
+              <a:buChar char="•"/>
+            </a:pPr>
+            <a:r>
+              <a:rPr lang="de-DE" sz="2400" dirty="0" smtClean="0">
+                <a:solidFill>
+                  <a:srgbClr val="000000"/>
+                </a:solidFill>
+              </a:rPr>
+              <a:t>Produkte</a:t>
+            </a:r>
+            <a:endParaRPr lang="de-DE" dirty="0" smtClean="0"/>
+          </a:p>
+          <a:p>
+            <a:pPr lvl="1">
+              <a:buFont typeface="Arial"/>
+              <a:buChar char="•"/>
+            </a:pPr>
+            <a:r>
+              <a:rPr lang="de-DE" sz="2800" dirty="0" smtClean="0">
+                <a:solidFill>
+                  <a:srgbClr val="000000"/>
+                </a:solidFill>
+              </a:rPr>
+              <a:t>Inhaltsstoffe </a:t>
+            </a:r>
+            <a:r>
+              <a:rPr lang="de-DE" sz="2800" dirty="0">
+                <a:solidFill>
+                  <a:srgbClr val="000000"/>
+                </a:solidFill>
+              </a:rPr>
+              <a:t>(inkl. </a:t>
+            </a:r>
+            <a:r>
+              <a:rPr lang="de-DE" sz="2800" dirty="0" smtClean="0">
+                <a:solidFill>
+                  <a:srgbClr val="000000"/>
+                </a:solidFill>
+              </a:rPr>
+              <a:t>Allergiegruppe)</a:t>
+            </a:r>
+            <a:endParaRPr lang="de-DE" dirty="0" smtClean="0"/>
+          </a:p>
+          <a:p>
+            <a:pPr lvl="1">
+              <a:buFont typeface="Arial"/>
+              <a:buChar char="•"/>
+            </a:pPr>
+            <a:r>
+              <a:rPr lang="de-DE" sz="2800" dirty="0" smtClean="0">
+                <a:solidFill>
+                  <a:srgbClr val="000000"/>
+                </a:solidFill>
+              </a:rPr>
+              <a:t>Barcode</a:t>
+            </a:r>
+            <a:endParaRPr lang="de-DE" dirty="0"/>
+          </a:p>
+          <a:p>
+            <a:pPr lvl="1">
+              <a:buSzPct val="45000"/>
+              <a:buFont typeface="StarSymbol"/>
+              <a:buChar char=""/>
+            </a:pPr>
+            <a:endParaRPr lang="de-DE" dirty="0"/>
+          </a:p>
+          <a:p>
+            <a:pPr>
+              <a:buFont typeface="Arial"/>
+              <a:buChar char="•"/>
+            </a:pPr>
+            <a:r>
+              <a:rPr lang="de-DE" dirty="0" smtClean="0">
+                <a:solidFill>
+                  <a:srgbClr val="000000"/>
+                </a:solidFill>
+              </a:rPr>
+              <a:t>Userinformationen</a:t>
+            </a:r>
+            <a:endParaRPr lang="de-DE" dirty="0" smtClean="0"/>
+          </a:p>
+          <a:p>
+            <a:pPr lvl="1">
+              <a:buFont typeface="Arial"/>
+              <a:buChar char="•"/>
+            </a:pPr>
+            <a:r>
+              <a:rPr lang="de-DE" sz="2400" dirty="0" smtClean="0">
+                <a:solidFill>
+                  <a:srgbClr val="000000"/>
+                </a:solidFill>
+              </a:rPr>
+              <a:t>Authentifizierungsdaten</a:t>
+            </a:r>
+            <a:endParaRPr lang="de-DE" dirty="0" smtClean="0"/>
+          </a:p>
+          <a:p>
+            <a:pPr lvl="1">
+              <a:buFont typeface="Arial"/>
+              <a:buChar char="•"/>
+            </a:pPr>
+            <a:r>
+              <a:rPr lang="de-DE" sz="2800" dirty="0" smtClean="0">
+                <a:solidFill>
+                  <a:srgbClr val="000000"/>
+                </a:solidFill>
+              </a:rPr>
+              <a:t>Gekoppelte </a:t>
+            </a:r>
+            <a:r>
+              <a:rPr lang="de-DE" sz="2800" dirty="0">
+                <a:solidFill>
+                  <a:srgbClr val="000000"/>
+                </a:solidFill>
+              </a:rPr>
+              <a:t>Geräte</a:t>
             </a:r>
             <a:endParaRPr lang="de-DE" dirty="0"/>
           </a:p>
@@ -4689,7 +5164,7 @@
     </p:spTree>
     <p:extLst>
       <p:ext uri="{BB962C8B-B14F-4D97-AF65-F5344CB8AC3E}">
-        <p14:creationId xmlns:p14="http://schemas.microsoft.com/office/powerpoint/2010/main" val="2786761497"/>
+        <p14:creationId xmlns:p14="http://schemas.microsoft.com/office/powerpoint/2010/main" val="1588141210"/>
       </p:ext>
     </p:extLst>
   </p:cSld>
@@ -4740,7 +5215,7 @@
           <a:p>
             <a:r>
               <a:rPr lang="de-DE" dirty="0" smtClean="0"/>
-              <a:t>Frontend</a:t>
+              <a:t>API / Backend</a:t>
             </a:r>
             <a:endParaRPr lang="de-DE" dirty="0"/>
           </a:p>
@@ -4761,18 +5236,197 @@
           <a:bodyPr/>
           <a:lstStyle/>
           <a:p>
-            <a:r>
-              <a:rPr lang="de-DE" dirty="0" smtClean="0"/>
-              <a:t>1-2 Punkte zu Frontend</a:t>
-            </a:r>
-            <a:endParaRPr lang="de-DE" dirty="0"/>
+            <a:pPr>
+              <a:buFont typeface="Arial"/>
+              <a:buChar char="•"/>
+            </a:pPr>
+            <a:r>
+              <a:rPr lang="en-US" dirty="0" err="1">
+                <a:solidFill>
+                  <a:srgbClr val="000000"/>
+                </a:solidFill>
+              </a:rPr>
+              <a:t>Schnittstelle</a:t>
+            </a:r>
+            <a:r>
+              <a:rPr lang="en-US" dirty="0">
+                <a:solidFill>
+                  <a:srgbClr val="000000"/>
+                </a:solidFill>
+              </a:rPr>
+              <a:t> </a:t>
+            </a:r>
+            <a:r>
+              <a:rPr lang="en-US" dirty="0" smtClean="0">
+                <a:solidFill>
+                  <a:srgbClr val="000000"/>
+                </a:solidFill>
+              </a:rPr>
+              <a:t>RESTful-API</a:t>
+            </a:r>
+            <a:endParaRPr lang="en-US" dirty="0" smtClean="0"/>
+          </a:p>
+          <a:p>
+            <a:pPr lvl="1">
+              <a:buFont typeface="Arial"/>
+              <a:buChar char="•"/>
+            </a:pPr>
+            <a:r>
+              <a:rPr lang="en-US" sz="2400" dirty="0" err="1" smtClean="0">
+                <a:solidFill>
+                  <a:srgbClr val="000000"/>
+                </a:solidFill>
+              </a:rPr>
+              <a:t>Routen</a:t>
+            </a:r>
+            <a:r>
+              <a:rPr lang="en-US" sz="2400" dirty="0" smtClean="0">
+                <a:solidFill>
+                  <a:srgbClr val="000000"/>
+                </a:solidFill>
+              </a:rPr>
+              <a:t> </a:t>
+            </a:r>
+            <a:r>
+              <a:rPr lang="en-US" sz="2400" dirty="0">
+                <a:solidFill>
+                  <a:srgbClr val="000000"/>
+                </a:solidFill>
+              </a:rPr>
+              <a:t>in </a:t>
+            </a:r>
+            <a:r>
+              <a:rPr lang="en-US" sz="2400" dirty="0" err="1">
+                <a:solidFill>
+                  <a:srgbClr val="000000"/>
+                </a:solidFill>
+              </a:rPr>
+              <a:t>php</a:t>
+            </a:r>
+            <a:r>
+              <a:rPr lang="en-US" sz="2400" dirty="0">
+                <a:solidFill>
+                  <a:srgbClr val="000000"/>
+                </a:solidFill>
+              </a:rPr>
+              <a:t> </a:t>
+            </a:r>
+            <a:r>
+              <a:rPr lang="en-US" sz="2400" dirty="0" err="1" smtClean="0">
+                <a:solidFill>
+                  <a:srgbClr val="000000"/>
+                </a:solidFill>
+              </a:rPr>
+              <a:t>implementiert</a:t>
+            </a:r>
+            <a:endParaRPr lang="en-US" dirty="0" smtClean="0"/>
+          </a:p>
+          <a:p>
+            <a:pPr lvl="1">
+              <a:buFont typeface="Arial"/>
+              <a:buChar char="•"/>
+            </a:pPr>
+            <a:r>
+              <a:rPr lang="en-US" sz="2800" dirty="0" smtClean="0">
+                <a:solidFill>
+                  <a:srgbClr val="000000"/>
+                </a:solidFill>
+              </a:rPr>
+              <a:t>Web-</a:t>
+            </a:r>
+            <a:r>
+              <a:rPr lang="en-US" sz="2800" dirty="0" err="1" smtClean="0">
+                <a:solidFill>
+                  <a:srgbClr val="000000"/>
+                </a:solidFill>
+              </a:rPr>
+              <a:t>Applikation</a:t>
+            </a:r>
+            <a:endParaRPr lang="en-US" dirty="0" smtClean="0"/>
+          </a:p>
+          <a:p>
+            <a:pPr lvl="1">
+              <a:buFont typeface="Arial"/>
+              <a:buChar char="•"/>
+            </a:pPr>
+            <a:r>
+              <a:rPr lang="en-US" sz="2800" dirty="0" smtClean="0">
+                <a:solidFill>
+                  <a:srgbClr val="000000"/>
+                </a:solidFill>
+              </a:rPr>
+              <a:t>HMD-</a:t>
+            </a:r>
+            <a:r>
+              <a:rPr lang="en-US" sz="2800" dirty="0" err="1" smtClean="0">
+                <a:solidFill>
+                  <a:srgbClr val="000000"/>
+                </a:solidFill>
+              </a:rPr>
+              <a:t>Applikation</a:t>
+            </a:r>
+            <a:endParaRPr lang="en-US" dirty="0"/>
+          </a:p>
+          <a:p>
+            <a:pPr lvl="1">
+              <a:buSzPct val="45000"/>
+              <a:buFont typeface="StarSymbol"/>
+              <a:buChar char=""/>
+            </a:pPr>
+            <a:endParaRPr lang="en-US" dirty="0"/>
+          </a:p>
+          <a:p>
+            <a:pPr>
+              <a:buFont typeface="Arial"/>
+              <a:buChar char="•"/>
+            </a:pPr>
+            <a:r>
+              <a:rPr lang="en-US" dirty="0" err="1">
+                <a:solidFill>
+                  <a:srgbClr val="000000"/>
+                </a:solidFill>
+              </a:rPr>
+              <a:t>Repräsentation</a:t>
+            </a:r>
+            <a:r>
+              <a:rPr lang="en-US" dirty="0">
+                <a:solidFill>
+                  <a:srgbClr val="000000"/>
+                </a:solidFill>
+              </a:rPr>
+              <a:t> der </a:t>
+            </a:r>
+            <a:r>
+              <a:rPr lang="en-US" dirty="0" err="1" smtClean="0">
+                <a:solidFill>
+                  <a:srgbClr val="000000"/>
+                </a:solidFill>
+              </a:rPr>
+              <a:t>Daten</a:t>
+            </a:r>
+            <a:endParaRPr lang="en-US" dirty="0" smtClean="0"/>
+          </a:p>
+          <a:p>
+            <a:pPr lvl="1">
+              <a:buFont typeface="Arial"/>
+              <a:buChar char="•"/>
+            </a:pPr>
+            <a:r>
+              <a:rPr lang="en-US" sz="2400" dirty="0" smtClean="0">
+                <a:solidFill>
+                  <a:srgbClr val="000000"/>
+                </a:solidFill>
+              </a:rPr>
+              <a:t>JSON</a:t>
+            </a:r>
+            <a:endParaRPr lang="en-US" dirty="0"/>
           </a:p>
         </p:txBody>
       </p:sp>
     </p:spTree>
     <p:extLst>
       <p:ext uri="{BB962C8B-B14F-4D97-AF65-F5344CB8AC3E}">
-        <p14:creationId xmlns:p14="http://schemas.microsoft.com/office/powerpoint/2010/main" val="3301113212"/>
+        <p14:creationId xmlns:p14="http://schemas.microsoft.com/office/powerpoint/2010/main" val="2786761497"/>
       </p:ext>
     </p:extLst>
   </p:cSld>
@@ -4818,18 +5472,12 @@
         </p:nvSpPr>
         <p:spPr/>
         <p:txBody>
-          <a:bodyPr>
-            <a:normAutofit/>
-          </a:bodyPr>
+          <a:bodyPr/>
           <a:lstStyle/>
           <a:p>
             <a:r>
-              <a:rPr lang="de-DE" dirty="0" err="1" smtClean="0"/>
-              <a:t>Vuzix</a:t>
-            </a:r>
-            <a:r>
               <a:rPr lang="de-DE" dirty="0" smtClean="0"/>
-              <a:t>-App</a:t>
+              <a:t>Frontend</a:t>
             </a:r>
             <a:endParaRPr lang="de-DE" dirty="0"/>
           </a:p>
@@ -4852,19 +5500,7 @@
           <a:p>
             <a:r>
               <a:rPr lang="de-DE" dirty="0" smtClean="0"/>
-              <a:t>2-3 Punkte zur </a:t>
-            </a:r>
-            <a:r>
-              <a:rPr lang="de-DE" dirty="0" err="1" smtClean="0"/>
-              <a:t>Vuzix</a:t>
-            </a:r>
-            <a:r>
-              <a:rPr lang="de-DE" dirty="0" smtClean="0"/>
-              <a:t> </a:t>
-            </a:r>
-            <a:r>
-              <a:rPr lang="de-DE" dirty="0" err="1" smtClean="0"/>
-              <a:t>app</a:t>
+              <a:t>1-2 Punkte zu Frontend</a:t>
             </a:r>
             <a:endParaRPr lang="de-DE" dirty="0"/>
           </a:p>
@@ -4873,7 +5509,7 @@
     </p:spTree>
     <p:extLst>
       <p:ext uri="{BB962C8B-B14F-4D97-AF65-F5344CB8AC3E}">
-        <p14:creationId xmlns:p14="http://schemas.microsoft.com/office/powerpoint/2010/main" val="2561323560"/>
+        <p14:creationId xmlns:p14="http://schemas.microsoft.com/office/powerpoint/2010/main" val="3301113212"/>
       </p:ext>
     </p:extLst>
   </p:cSld>
@@ -4926,15 +5562,11 @@
           <a:p>
             <a:r>
               <a:rPr lang="de-DE" dirty="0" err="1" smtClean="0"/>
-              <a:t>Lesson</a:t>
+              <a:t>Vuzix</a:t>
             </a:r>
             <a:r>
               <a:rPr lang="de-DE" dirty="0" smtClean="0"/>
-              <a:t> </a:t>
-            </a:r>
-            <a:r>
-              <a:rPr lang="de-DE" dirty="0" err="1" smtClean="0"/>
-              <a:t>learned</a:t>
+              <a:t>-App</a:t>
             </a:r>
             <a:endParaRPr lang="de-DE" dirty="0"/>
           </a:p>
@@ -4952,114 +5584,24 @@
         </p:nvSpPr>
         <p:spPr/>
         <p:txBody>
-          <a:bodyPr>
-            <a:normAutofit/>
-          </a:bodyPr>
+          <a:bodyPr/>
           <a:lstStyle/>
           <a:p>
             <a:r>
-              <a:rPr lang="de-DE" dirty="0"/>
-              <a:t>Ablauf eines </a:t>
-            </a:r>
-            <a:r>
               <a:rPr lang="de-DE" dirty="0" smtClean="0"/>
-              <a:t>kompletten </a:t>
+              <a:t>2-3 Punkte zur </a:t>
             </a:r>
             <a:r>
               <a:rPr lang="de-DE" dirty="0" err="1" smtClean="0"/>
-              <a:t>Scrum</a:t>
+              <a:t>Vuzix</a:t>
             </a:r>
             <a:r>
               <a:rPr lang="de-DE" dirty="0" smtClean="0"/>
-              <a:t> Projekts</a:t>
-            </a:r>
-          </a:p>
-          <a:p>
-            <a:pPr lvl="1"/>
-            <a:r>
-              <a:rPr lang="de-DE" dirty="0" smtClean="0"/>
-              <a:t>6 Sprintwechsel</a:t>
-            </a:r>
-          </a:p>
-          <a:p>
-            <a:pPr lvl="2"/>
-            <a:r>
-              <a:rPr lang="de-DE" dirty="0" smtClean="0"/>
-              <a:t>Abnahme von </a:t>
+              <a:t> </a:t>
             </a:r>
             <a:r>
               <a:rPr lang="de-DE" dirty="0" err="1" smtClean="0"/>
-              <a:t>Issues</a:t>
-            </a:r>
-            <a:endParaRPr lang="de-DE" dirty="0" smtClean="0"/>
-          </a:p>
-          <a:p>
-            <a:pPr lvl="2"/>
-            <a:r>
-              <a:rPr lang="de-DE" dirty="0" smtClean="0"/>
-              <a:t>Retrospektive</a:t>
-            </a:r>
-          </a:p>
-          <a:p>
-            <a:pPr lvl="2"/>
-            <a:r>
-              <a:rPr lang="de-DE" dirty="0" smtClean="0"/>
-              <a:t>Verteilung von </a:t>
-            </a:r>
-            <a:r>
-              <a:rPr lang="de-DE" dirty="0" err="1" smtClean="0"/>
-              <a:t>Issues</a:t>
-            </a:r>
-            <a:endParaRPr lang="de-DE" dirty="0" smtClean="0"/>
-          </a:p>
-          <a:p>
-            <a:r>
-              <a:rPr lang="de-DE" dirty="0" smtClean="0"/>
-              <a:t>Übersicht aller Entwicklungsebenen</a:t>
-            </a:r>
-          </a:p>
-          <a:p>
-            <a:pPr lvl="1"/>
-            <a:r>
-              <a:rPr lang="de-DE" dirty="0" smtClean="0"/>
-              <a:t>Jeder hatte Aufgabenbereiche in jeder Entwicklungsebene</a:t>
-            </a:r>
-          </a:p>
-          <a:p>
-            <a:r>
-              <a:rPr lang="de-DE" dirty="0"/>
-              <a:t>Projekt Retrospektive</a:t>
-            </a:r>
-          </a:p>
-          <a:p>
-            <a:pPr lvl="1"/>
-            <a:r>
-              <a:rPr lang="de-DE" dirty="0"/>
-              <a:t>Abwägung ob </a:t>
-            </a:r>
-            <a:r>
-              <a:rPr lang="de-DE" dirty="0" err="1"/>
-              <a:t>Scrum</a:t>
-            </a:r>
-            <a:r>
-              <a:rPr lang="de-DE" dirty="0"/>
-              <a:t> </a:t>
-            </a:r>
-            <a:r>
-              <a:rPr lang="de-DE"/>
-              <a:t>für </a:t>
-            </a:r>
-            <a:r>
-              <a:rPr lang="de-DE" smtClean="0"/>
-              <a:t>kleine/studentische </a:t>
-            </a:r>
-            <a:r>
-              <a:rPr lang="de-DE" dirty="0"/>
-              <a:t>Projekte </a:t>
-            </a:r>
-            <a:r>
-              <a:rPr lang="de-DE" dirty="0" smtClean="0"/>
-              <a:t>geeignet</a:t>
+              <a:t>app</a:t>
             </a:r>
             <a:endParaRPr lang="de-DE" dirty="0"/>
           </a:p>
@@ -5068,7 +5610,7 @@
     </p:spTree>
     <p:extLst>
       <p:ext uri="{BB962C8B-B14F-4D97-AF65-F5344CB8AC3E}">
-        <p14:creationId xmlns:p14="http://schemas.microsoft.com/office/powerpoint/2010/main" val="173347956"/>
+        <p14:creationId xmlns:p14="http://schemas.microsoft.com/office/powerpoint/2010/main" val="2561323560"/>
       </p:ext>
     </p:extLst>
   </p:cSld>
@@ -5153,27 +5695,105 @@
           <a:lstStyle/>
           <a:p>
             <a:r>
+              <a:rPr lang="de-DE" dirty="0"/>
+              <a:t>Ablauf eines </a:t>
+            </a:r>
+            <a:r>
+              <a:rPr lang="de-DE" dirty="0" smtClean="0"/>
+              <a:t>kompletten </a:t>
+            </a:r>
+            <a:r>
               <a:rPr lang="de-DE" dirty="0" err="1" smtClean="0"/>
-              <a:t>GitHub</a:t>
+              <a:t>Scrum</a:t>
+            </a:r>
+            <a:r>
+              <a:rPr lang="de-DE" dirty="0" smtClean="0"/>
+              <a:t> Projekts</a:t>
+            </a:r>
+          </a:p>
+          <a:p>
+            <a:pPr lvl="1"/>
+            <a:r>
+              <a:rPr lang="de-DE" dirty="0" smtClean="0"/>
+              <a:t>6 Sprintwechsel</a:t>
+            </a:r>
+          </a:p>
+          <a:p>
+            <a:pPr lvl="2"/>
+            <a:r>
+              <a:rPr lang="de-DE" dirty="0" smtClean="0"/>
+              <a:t>Abnahme von </a:t>
+            </a:r>
+            <a:r>
+              <a:rPr lang="de-DE" dirty="0" err="1" smtClean="0"/>
+              <a:t>Issues</a:t>
             </a:r>
             <a:endParaRPr lang="de-DE" dirty="0" smtClean="0"/>
           </a:p>
           <a:p>
+            <a:pPr lvl="2"/>
+            <a:r>
+              <a:rPr lang="de-DE" dirty="0" smtClean="0"/>
+              <a:t>Retrospektive</a:t>
+            </a:r>
+          </a:p>
+          <a:p>
+            <a:pPr lvl="2"/>
+            <a:r>
+              <a:rPr lang="de-DE" dirty="0" smtClean="0"/>
+              <a:t>Verteilung von </a:t>
+            </a:r>
+            <a:r>
+              <a:rPr lang="de-DE" dirty="0" err="1" smtClean="0"/>
+              <a:t>Issues</a:t>
+            </a:r>
+            <a:endParaRPr lang="de-DE" dirty="0" smtClean="0"/>
+          </a:p>
+          <a:p>
+            <a:r>
+              <a:rPr lang="de-DE" dirty="0" smtClean="0"/>
+              <a:t>Übersicht aller Entwicklungsebenen</a:t>
+            </a:r>
+          </a:p>
+          <a:p>
             <a:pPr lvl="1"/>
             <a:r>
-              <a:rPr lang="de-DE" dirty="0" err="1" smtClean="0"/>
-              <a:t>ZenHub</a:t>
-            </a:r>
-            <a:endParaRPr lang="de-DE" dirty="0" smtClean="0"/>
-          </a:p>
-          <a:p>
-            <a:r>
-              <a:rPr lang="de-DE" dirty="0" err="1" smtClean="0"/>
-              <a:t>StarUML</a:t>
-            </a:r>
-            <a:endParaRPr lang="de-DE" dirty="0" smtClean="0"/>
-          </a:p>
-          <a:p>
+              <a:rPr lang="de-DE" dirty="0" smtClean="0"/>
+              <a:t>Jeder hatte Aufgabenbereiche in jeder Entwicklungsebene</a:t>
+            </a:r>
+          </a:p>
+          <a:p>
+            <a:r>
+              <a:rPr lang="de-DE" dirty="0"/>
+              <a:t>Projekt Retrospektive</a:t>
+            </a:r>
+          </a:p>
+          <a:p>
+            <a:pPr lvl="1"/>
+            <a:r>
+              <a:rPr lang="de-DE" dirty="0"/>
+              <a:t>Abwägung ob </a:t>
+            </a:r>
+            <a:r>
+              <a:rPr lang="de-DE" dirty="0" err="1"/>
+              <a:t>Scrum</a:t>
+            </a:r>
+            <a:r>
+              <a:rPr lang="de-DE" dirty="0"/>
+              <a:t> für </a:t>
+            </a:r>
+            <a:r>
+              <a:rPr lang="de-DE" dirty="0" smtClean="0"/>
+              <a:t>kleine/studentische </a:t>
+            </a:r>
+            <a:r>
+              <a:rPr lang="de-DE" dirty="0"/>
+              <a:t>Projekte </a:t>
+            </a:r>
+            <a:r>
+              <a:rPr lang="de-DE" dirty="0" smtClean="0"/>
+              <a:t>geeignet</a:t>
+            </a:r>
             <a:endParaRPr lang="de-DE" dirty="0"/>
           </a:p>
         </p:txBody>
@@ -5181,7 +5801,7 @@
     </p:spTree>
     <p:extLst>
       <p:ext uri="{BB962C8B-B14F-4D97-AF65-F5344CB8AC3E}">
-        <p14:creationId xmlns:p14="http://schemas.microsoft.com/office/powerpoint/2010/main" val="2853418997"/>
+        <p14:creationId xmlns:p14="http://schemas.microsoft.com/office/powerpoint/2010/main" val="173347956"/>
       </p:ext>
     </p:extLst>
   </p:cSld>
@@ -5233,6 +5853,119 @@
           <a:lstStyle/>
           <a:p>
             <a:r>
+              <a:rPr lang="de-DE" dirty="0" err="1" smtClean="0"/>
+              <a:t>Lesson</a:t>
+            </a:r>
+            <a:r>
+              <a:rPr lang="de-DE" dirty="0" smtClean="0"/>
+              <a:t> </a:t>
+            </a:r>
+            <a:r>
+              <a:rPr lang="de-DE" dirty="0" err="1" smtClean="0"/>
+              <a:t>learned</a:t>
+            </a:r>
+            <a:endParaRPr lang="de-DE" dirty="0"/>
+          </a:p>
+        </p:txBody>
+      </p:sp>
+      <p:sp>
+        <p:nvSpPr>
+          <p:cNvPr id="3" name="Inhaltsplatzhalter 2"/>
+          <p:cNvSpPr>
+            <a:spLocks noGrp="1"/>
+          </p:cNvSpPr>
+          <p:nvPr>
+            <p:ph idx="1"/>
+          </p:nvPr>
+        </p:nvSpPr>
+        <p:spPr/>
+        <p:txBody>
+          <a:bodyPr>
+            <a:normAutofit/>
+          </a:bodyPr>
+          <a:lstStyle/>
+          <a:p>
+            <a:r>
+              <a:rPr lang="de-DE" dirty="0" err="1" smtClean="0"/>
+              <a:t>GitHub</a:t>
+            </a:r>
+            <a:endParaRPr lang="de-DE" dirty="0" smtClean="0"/>
+          </a:p>
+          <a:p>
+            <a:pPr lvl="1"/>
+            <a:r>
+              <a:rPr lang="de-DE" dirty="0" err="1" smtClean="0"/>
+              <a:t>ZenHub</a:t>
+            </a:r>
+            <a:endParaRPr lang="de-DE" dirty="0" smtClean="0"/>
+          </a:p>
+          <a:p>
+            <a:r>
+              <a:rPr lang="de-DE" dirty="0" err="1" smtClean="0"/>
+              <a:t>StarUML</a:t>
+            </a:r>
+            <a:endParaRPr lang="de-DE" dirty="0" smtClean="0"/>
+          </a:p>
+          <a:p>
+            <a:endParaRPr lang="de-DE" dirty="0"/>
+          </a:p>
+        </p:txBody>
+      </p:sp>
+    </p:spTree>
+    <p:extLst>
+      <p:ext uri="{BB962C8B-B14F-4D97-AF65-F5344CB8AC3E}">
+        <p14:creationId xmlns:p14="http://schemas.microsoft.com/office/powerpoint/2010/main" val="2853418997"/>
+      </p:ext>
+    </p:extLst>
+  </p:cSld>
+  <p:clrMapOvr>
+    <a:masterClrMapping/>
+  </p:clrMapOvr>
+  <p:timing>
+    <p:tnLst>
+      <p:par>
+        <p:cTn id="1" dur="indefinite" restart="never" nodeType="tmRoot"/>
+      </p:par>
+    </p:tnLst>
+  </p:timing>
+</p:sld>
+</file>
+
+<file path=ppt/slides/slide27.xml><?xml version="1.0" encoding="utf-8"?>
+<p:sld xmlns:a="http://schemas.openxmlformats.org/drawingml/2006/main" xmlns:r="http://schemas.openxmlformats.org/officeDocument/2006/relationships" xmlns:p="http://schemas.openxmlformats.org/presentationml/2006/main">
+  <p:cSld>
+    <p:spTree>
+      <p:nvGrpSpPr>
+        <p:cNvPr id="1" name=""/>
+        <p:cNvGrpSpPr/>
+        <p:nvPr/>
+      </p:nvGrpSpPr>
+      <p:grpSpPr>
+        <a:xfrm>
+          <a:off x="0" y="0"/>
+          <a:ext cx="0" cy="0"/>
+          <a:chOff x="0" y="0"/>
+          <a:chExt cx="0" cy="0"/>
+        </a:xfrm>
+      </p:grpSpPr>
+      <p:sp>
+        <p:nvSpPr>
+          <p:cNvPr id="2" name="Titel 1"/>
+          <p:cNvSpPr>
+            <a:spLocks noGrp="1"/>
+          </p:cNvSpPr>
+          <p:nvPr>
+            <p:ph type="title"/>
+          </p:nvPr>
+        </p:nvSpPr>
+        <p:spPr/>
+        <p:txBody>
+          <a:bodyPr>
+            <a:normAutofit/>
+          </a:bodyPr>
+          <a:lstStyle/>
+          <a:p>
+            <a:r>
               <a:rPr lang="de-DE" dirty="0" smtClean="0"/>
               <a:t>Future Vision</a:t>
             </a:r>
@@ -5309,7 +6042,7 @@
 </p:sld>
 </file>
 
-<file path=ppt/slides/slide27.xml><?xml version="1.0" encoding="utf-8"?>
+<file path=ppt/slides/slide28.xml><?xml version="1.0" encoding="utf-8"?>
 <p:sld xmlns:a="http://schemas.openxmlformats.org/drawingml/2006/main" xmlns:r="http://schemas.openxmlformats.org/officeDocument/2006/relationships" xmlns:p="http://schemas.openxmlformats.org/presentationml/2006/main">
   <p:cSld>
     <p:spTree>
@@ -5465,7 +6198,7 @@
             <p:ph idx="1"/>
             <p:extLst>
               <p:ext uri="{D42A27DB-BD31-4B8C-83A1-F6EECF244321}">
-                <p14:modId xmlns:p14="http://schemas.microsoft.com/office/powerpoint/2010/main" val="356756610"/>
+                <p14:modId xmlns:p14="http://schemas.microsoft.com/office/powerpoint/2010/main" val="4159111866"/>
               </p:ext>
             </p:extLst>
           </p:nvPr>
@@ -5513,7 +6246,13 @@
                       </a:endParaRPr>
                     </a:p>
                   </a:txBody>
-                  <a:tcPr marL="68580" marR="68580" marT="0" marB="0"/>
+                  <a:tcPr marL="68580" marR="68580" marT="0" marB="0">
+                    <a:solidFill>
+                      <a:schemeClr val="bg2">
+                        <a:lumMod val="50000"/>
+                      </a:schemeClr>
+                    </a:solidFill>
+                  </a:tcPr>
                 </a:tc>
                 <a:tc>
                   <a:txBody>
@@ -5542,7 +6281,13 @@
                       </a:endParaRPr>
                     </a:p>
                   </a:txBody>
-                  <a:tcPr marL="68580" marR="68580" marT="0" marB="0"/>
+                  <a:tcPr marL="68580" marR="68580" marT="0" marB="0">
+                    <a:solidFill>
+                      <a:schemeClr val="bg2">
+                        <a:lumMod val="50000"/>
+                      </a:schemeClr>
+                    </a:solidFill>
+                  </a:tcPr>
                 </a:tc>
                 <a:tc>
                   <a:txBody>
@@ -5571,7 +6316,13 @@
                       </a:endParaRPr>
                     </a:p>
                   </a:txBody>
-                  <a:tcPr marL="68580" marR="68580" marT="0" marB="0"/>
+                  <a:tcPr marL="68580" marR="68580" marT="0" marB="0">
+                    <a:solidFill>
+                      <a:schemeClr val="bg2">
+                        <a:lumMod val="50000"/>
+                      </a:schemeClr>
+                    </a:solidFill>
+                  </a:tcPr>
                 </a:tc>
               </a:tr>
               <a:tr h="266924">
@@ -5602,7 +6353,13 @@
                       </a:endParaRPr>
                     </a:p>
                   </a:txBody>
-                  <a:tcPr marL="68580" marR="68580" marT="0" marB="0"/>
+                  <a:tcPr marL="68580" marR="68580" marT="0" marB="0">
+                    <a:solidFill>
+                      <a:schemeClr val="bg2">
+                        <a:lumMod val="50000"/>
+                      </a:schemeClr>
+                    </a:solidFill>
+                  </a:tcPr>
                 </a:tc>
                 <a:tc>
                   <a:txBody>
@@ -5639,7 +6396,9 @@
                   </a:txBody>
                   <a:tcPr marL="68580" marR="68580" marT="0" marB="0">
                     <a:solidFill>
-                      <a:schemeClr val="accent1"/>
+                      <a:schemeClr val="bg2">
+                        <a:lumMod val="50000"/>
+                      </a:schemeClr>
                     </a:solidFill>
                   </a:tcPr>
                 </a:tc>
@@ -5672,7 +6431,9 @@
                   </a:txBody>
                   <a:tcPr marL="68580" marR="68580" marT="0" marB="0">
                     <a:solidFill>
-                      <a:schemeClr val="accent1"/>
+                      <a:schemeClr val="bg2">
+                        <a:lumMod val="50000"/>
+                      </a:schemeClr>
                     </a:solidFill>
                   </a:tcPr>
                 </a:tc>
@@ -5705,7 +6466,13 @@
                       </a:endParaRPr>
                     </a:p>
                   </a:txBody>
-                  <a:tcPr marL="68580" marR="68580" marT="0" marB="0" anchor="ctr"/>
+                  <a:tcPr marL="68580" marR="68580" marT="0" marB="0" anchor="ctr">
+                    <a:solidFill>
+                      <a:schemeClr val="bg2">
+                        <a:lumMod val="50000"/>
+                      </a:schemeClr>
+                    </a:solidFill>
+                  </a:tcPr>
                 </a:tc>
                 <a:tc>
                   <a:txBody>
@@ -5818,7 +6585,13 @@
                       </a:endParaRPr>
                     </a:p>
                   </a:txBody>
-                  <a:tcPr marL="68580" marR="68580" marT="0" marB="0" anchor="ctr"/>
+                  <a:tcPr marL="68580" marR="68580" marT="0" marB="0" anchor="ctr">
+                    <a:solidFill>
+                      <a:schemeClr val="bg2">
+                        <a:lumMod val="50000"/>
+                      </a:schemeClr>
+                    </a:solidFill>
+                  </a:tcPr>
                 </a:tc>
                 <a:tc>
                   <a:txBody>
@@ -5907,7 +6680,13 @@
                       </a:endParaRPr>
                     </a:p>
                   </a:txBody>
-                  <a:tcPr marL="68580" marR="68580" marT="0" marB="0" anchor="ctr"/>
+                  <a:tcPr marL="68580" marR="68580" marT="0" marB="0" anchor="ctr">
+                    <a:solidFill>
+                      <a:schemeClr val="bg2">
+                        <a:lumMod val="50000"/>
+                      </a:schemeClr>
+                    </a:solidFill>
+                  </a:tcPr>
                 </a:tc>
                 <a:tc>
                   <a:txBody>
@@ -6062,7 +6841,13 @@
                       </a:endParaRPr>
                     </a:p>
                   </a:txBody>
-                  <a:tcPr marL="68580" marR="68580" marT="0" marB="0" anchor="ctr"/>
+                  <a:tcPr marL="68580" marR="68580" marT="0" marB="0" anchor="ctr">
+                    <a:solidFill>
+                      <a:schemeClr val="bg2">
+                        <a:lumMod val="50000"/>
+                      </a:schemeClr>
+                    </a:solidFill>
+                  </a:tcPr>
                 </a:tc>
                 <a:tc>
                   <a:txBody>
@@ -6163,7 +6948,13 @@
                       </a:endParaRPr>
                     </a:p>
                   </a:txBody>
-                  <a:tcPr marL="68580" marR="68580" marT="0" marB="0" anchor="ctr"/>
+                  <a:tcPr marL="68580" marR="68580" marT="0" marB="0" anchor="ctr">
+                    <a:solidFill>
+                      <a:schemeClr val="bg2">
+                        <a:lumMod val="50000"/>
+                      </a:schemeClr>
+                    </a:solidFill>
+                  </a:tcPr>
                 </a:tc>
                 <a:tc>
                   <a:txBody>
@@ -6276,7 +7067,13 @@
                       </a:endParaRPr>
                     </a:p>
                   </a:txBody>
-                  <a:tcPr marL="68580" marR="68580" marT="0" marB="0" anchor="ctr"/>
+                  <a:tcPr marL="68580" marR="68580" marT="0" marB="0" anchor="ctr">
+                    <a:solidFill>
+                      <a:schemeClr val="bg2">
+                        <a:lumMod val="50000"/>
+                      </a:schemeClr>
+                    </a:solidFill>
+                  </a:tcPr>
                 </a:tc>
                 <a:tc>
                   <a:txBody>
@@ -6445,7 +7242,7 @@
             <p:ph idx="1"/>
             <p:extLst>
               <p:ext uri="{D42A27DB-BD31-4B8C-83A1-F6EECF244321}">
-                <p14:modId xmlns:p14="http://schemas.microsoft.com/office/powerpoint/2010/main" val="2112684005"/>
+                <p14:modId xmlns:p14="http://schemas.microsoft.com/office/powerpoint/2010/main" val="2879732508"/>
               </p:ext>
             </p:extLst>
           </p:nvPr>
@@ -6493,7 +7290,13 @@
                       </a:endParaRPr>
                     </a:p>
                   </a:txBody>
-                  <a:tcPr marL="68580" marR="68580" marT="0" marB="0"/>
+                  <a:tcPr marL="68580" marR="68580" marT="0" marB="0">
+                    <a:solidFill>
+                      <a:schemeClr val="bg2">
+                        <a:lumMod val="50000"/>
+                      </a:schemeClr>
+                    </a:solidFill>
+                  </a:tcPr>
                 </a:tc>
                 <a:tc>
                   <a:txBody>
@@ -6522,7 +7325,13 @@
                       </a:endParaRPr>
                     </a:p>
                   </a:txBody>
-                  <a:tcPr marL="68580" marR="68580" marT="0" marB="0"/>
+                  <a:tcPr marL="68580" marR="68580" marT="0" marB="0">
+                    <a:solidFill>
+                      <a:schemeClr val="bg2">
+                        <a:lumMod val="50000"/>
+                      </a:schemeClr>
+                    </a:solidFill>
+                  </a:tcPr>
                 </a:tc>
                 <a:tc>
                   <a:txBody>
@@ -6551,7 +7360,13 @@
                       </a:endParaRPr>
                     </a:p>
                   </a:txBody>
-                  <a:tcPr marL="68580" marR="68580" marT="0" marB="0"/>
+                  <a:tcPr marL="68580" marR="68580" marT="0" marB="0">
+                    <a:solidFill>
+                      <a:schemeClr val="bg2">
+                        <a:lumMod val="50000"/>
+                      </a:schemeClr>
+                    </a:solidFill>
+                  </a:tcPr>
                 </a:tc>
               </a:tr>
               <a:tr h="292976">
@@ -6584,7 +7399,9 @@
                   </a:txBody>
                   <a:tcPr marL="68580" marR="68580" marT="0" marB="0">
                     <a:solidFill>
-                      <a:schemeClr val="accent1"/>
+                      <a:schemeClr val="bg2">
+                        <a:lumMod val="50000"/>
+                      </a:schemeClr>
                     </a:solidFill>
                   </a:tcPr>
                 </a:tc>
@@ -6623,7 +7440,9 @@
                   </a:txBody>
                   <a:tcPr marL="68580" marR="68580" marT="0" marB="0">
                     <a:solidFill>
-                      <a:schemeClr val="accent1"/>
+                      <a:schemeClr val="bg2">
+                        <a:lumMod val="50000"/>
+                      </a:schemeClr>
                     </a:solidFill>
                   </a:tcPr>
                 </a:tc>
@@ -6656,7 +7475,9 @@
                   </a:txBody>
                   <a:tcPr marL="68580" marR="68580" marT="0" marB="0">
                     <a:solidFill>
-                      <a:schemeClr val="accent1"/>
+                      <a:schemeClr val="bg2">
+                        <a:lumMod val="50000"/>
+                      </a:schemeClr>
                     </a:solidFill>
                   </a:tcPr>
                 </a:tc>
@@ -6689,7 +7510,13 @@
                       </a:endParaRPr>
                     </a:p>
                   </a:txBody>
-                  <a:tcPr marL="68580" marR="68580" marT="0" marB="0" anchor="ctr"/>
+                  <a:tcPr marL="68580" marR="68580" marT="0" marB="0" anchor="ctr">
+                    <a:solidFill>
+                      <a:schemeClr val="bg2">
+                        <a:lumMod val="50000"/>
+                      </a:schemeClr>
+                    </a:solidFill>
+                  </a:tcPr>
                 </a:tc>
                 <a:tc>
                   <a:txBody>
@@ -6765,39 +7592,10 @@
                         </a:spcAft>
                       </a:pPr>
                       <a:r>
-                        <a:rPr lang="de-DE" sz="1600">
+                        <a:rPr lang="de-DE" sz="1600" dirty="0">
                           <a:effectLst/>
                         </a:rPr>
                         <a:t>F20.2</a:t>
-                      </a:r>
-                      <a:endParaRPr lang="de-DE" sz="1600">
-                        <a:effectLst/>
-                        <a:latin typeface="Calibri"/>
-                        <a:ea typeface="Calibri"/>
-                        <a:cs typeface="Times New Roman"/>
-                      </a:endParaRPr>
-                    </a:p>
-                  </a:txBody>
-                  <a:tcPr marL="68580" marR="68580" marT="0" marB="0" anchor="ctr"/>
-                </a:tc>
-                <a:tc>
-                  <a:txBody>
-                    <a:bodyPr/>
-                    <a:lstStyle/>
-                    <a:p>
-                      <a:pPr algn="ctr">
-                        <a:lnSpc>
-                          <a:spcPct val="107000"/>
-                        </a:lnSpc>
-                        <a:spcAft>
-                          <a:spcPts val="0"/>
-                        </a:spcAft>
-                      </a:pPr>
-                      <a:r>
-                        <a:rPr lang="de-DE" sz="1600" dirty="0">
-                          <a:effectLst/>
-                        </a:rPr>
-                        <a:t>Der User kann beliebig viele mobile Endgeräte mit seinem Account verbinden.</a:t>
                       </a:r>
                       <a:endParaRPr lang="de-DE" sz="1600" dirty="0">
                         <a:effectLst/>
@@ -6807,7 +7605,13 @@
                       </a:endParaRPr>
                     </a:p>
                   </a:txBody>
-                  <a:tcPr marL="68580" marR="68580" marT="0" marB="0" anchor="ctr"/>
+                  <a:tcPr marL="68580" marR="68580" marT="0" marB="0" anchor="ctr">
+                    <a:solidFill>
+                      <a:schemeClr val="bg2">
+                        <a:lumMod val="50000"/>
+                      </a:schemeClr>
+                    </a:solidFill>
+                  </a:tcPr>
                 </a:tc>
                 <a:tc>
                   <a:txBody>
@@ -6826,7 +7630,7 @@
                         <a:rPr lang="de-DE" sz="1600" dirty="0">
                           <a:effectLst/>
                         </a:rPr>
-                        <a:t>2</a:t>
+                        <a:t>Der User kann beliebig viele mobile Endgeräte mit seinem Account verbinden.</a:t>
                       </a:r>
                       <a:endParaRPr lang="de-DE" sz="1600" dirty="0">
                         <a:effectLst/>
@@ -6838,8 +7642,6 @@
                   </a:txBody>
                   <a:tcPr marL="68580" marR="68580" marT="0" marB="0" anchor="ctr"/>
                 </a:tc>
-              </a:tr>
-              <a:tr h="233142">
                 <a:tc>
                   <a:txBody>
                     <a:bodyPr/>
@@ -6857,7 +7659,7 @@
                         <a:rPr lang="de-DE" sz="1600" dirty="0">
                           <a:effectLst/>
                         </a:rPr>
-                        <a:t>F30</a:t>
+                        <a:t>2</a:t>
                       </a:r>
                       <a:endParaRPr lang="de-DE" sz="1600" dirty="0">
                         <a:effectLst/>
@@ -6867,7 +7669,44 @@
                       </a:endParaRPr>
                     </a:p>
                   </a:txBody>
-                  <a:tcPr marL="68580" marR="68580" marT="0" marB="0"/>
+                  <a:tcPr marL="68580" marR="68580" marT="0" marB="0" anchor="ctr"/>
+                </a:tc>
+              </a:tr>
+              <a:tr h="233142">
+                <a:tc>
+                  <a:txBody>
+                    <a:bodyPr/>
+                    <a:lstStyle/>
+                    <a:p>
+                      <a:pPr algn="ctr">
+                        <a:lnSpc>
+                          <a:spcPct val="107000"/>
+                        </a:lnSpc>
+                        <a:spcAft>
+                          <a:spcPts val="0"/>
+                        </a:spcAft>
+                      </a:pPr>
+                      <a:r>
+                        <a:rPr lang="de-DE" sz="1600" dirty="0">
+                          <a:effectLst/>
+                        </a:rPr>
+                        <a:t>F30</a:t>
+                      </a:r>
+                      <a:endParaRPr lang="de-DE" sz="1600" dirty="0">
+                        <a:effectLst/>
+                        <a:latin typeface="Calibri"/>
+                        <a:ea typeface="Calibri"/>
+                        <a:cs typeface="Times New Roman"/>
+                      </a:endParaRPr>
+                    </a:p>
+                  </a:txBody>
+                  <a:tcPr marL="68580" marR="68580" marT="0" marB="0">
+                    <a:solidFill>
+                      <a:schemeClr val="bg2">
+                        <a:lumMod val="50000"/>
+                      </a:schemeClr>
+                    </a:solidFill>
+                  </a:tcPr>
                 </a:tc>
                 <a:tc>
                   <a:txBody>
@@ -6904,7 +7743,9 @@
                   </a:txBody>
                   <a:tcPr marL="68580" marR="68580" marT="0" marB="0">
                     <a:solidFill>
-                      <a:schemeClr val="accent1"/>
+                      <a:schemeClr val="bg2">
+                        <a:lumMod val="50000"/>
+                      </a:schemeClr>
                     </a:solidFill>
                   </a:tcPr>
                 </a:tc>
@@ -6937,7 +7778,9 @@
                   </a:txBody>
                   <a:tcPr marL="68580" marR="68580" marT="0" marB="0">
                     <a:solidFill>
-                      <a:schemeClr val="accent1"/>
+                      <a:schemeClr val="bg2">
+                        <a:lumMod val="50000"/>
+                      </a:schemeClr>
                     </a:solidFill>
                   </a:tcPr>
                 </a:tc>
@@ -6970,7 +7813,13 @@
                       </a:endParaRPr>
                     </a:p>
                   </a:txBody>
-                  <a:tcPr marL="68580" marR="68580" marT="0" marB="0" anchor="ctr"/>
+                  <a:tcPr marL="68580" marR="68580" marT="0" marB="0" anchor="ctr">
+                    <a:solidFill>
+                      <a:schemeClr val="bg2">
+                        <a:lumMod val="50000"/>
+                      </a:schemeClr>
+                    </a:solidFill>
+                  </a:tcPr>
                 </a:tc>
                 <a:tc>
                   <a:txBody>
@@ -7015,10 +7864,41 @@
                         </a:spcAft>
                       </a:pPr>
                       <a:r>
+                        <a:rPr lang="de-DE" sz="1600" dirty="0">
+                          <a:effectLst/>
+                        </a:rPr>
+                        <a:t>1</a:t>
+                      </a:r>
+                      <a:endParaRPr lang="de-DE" sz="1600" dirty="0">
+                        <a:effectLst/>
+                        <a:latin typeface="Calibri"/>
+                        <a:ea typeface="Calibri"/>
+                        <a:cs typeface="Times New Roman"/>
+                      </a:endParaRPr>
+                    </a:p>
+                  </a:txBody>
+                  <a:tcPr marL="68580" marR="68580" marT="0" marB="0" anchor="ctr"/>
+                </a:tc>
+              </a:tr>
+              <a:tr h="327456">
+                <a:tc>
+                  <a:txBody>
+                    <a:bodyPr/>
+                    <a:lstStyle/>
+                    <a:p>
+                      <a:pPr algn="ctr">
+                        <a:lnSpc>
+                          <a:spcPct val="107000"/>
+                        </a:lnSpc>
+                        <a:spcAft>
+                          <a:spcPts val="0"/>
+                        </a:spcAft>
+                      </a:pPr>
+                      <a:r>
                         <a:rPr lang="de-DE" sz="1600">
                           <a:effectLst/>
                         </a:rPr>
-                        <a:t>1</a:t>
+                        <a:t>F30.2</a:t>
                       </a:r>
                       <a:endParaRPr lang="de-DE" sz="1600">
                         <a:effectLst/>
@@ -7028,10 +7908,43 @@
                       </a:endParaRPr>
                     </a:p>
                   </a:txBody>
+                  <a:tcPr marL="68580" marR="68580" marT="0" marB="0" anchor="ctr">
+                    <a:solidFill>
+                      <a:schemeClr val="bg2">
+                        <a:lumMod val="50000"/>
+                      </a:schemeClr>
+                    </a:solidFill>
+                  </a:tcPr>
+                </a:tc>
+                <a:tc>
+                  <a:txBody>
+                    <a:bodyPr/>
+                    <a:lstStyle/>
+                    <a:p>
+                      <a:pPr algn="ctr">
+                        <a:lnSpc>
+                          <a:spcPct val="107000"/>
+                        </a:lnSpc>
+                        <a:spcAft>
+                          <a:spcPts val="0"/>
+                        </a:spcAft>
+                      </a:pPr>
+                      <a:r>
+                        <a:rPr lang="de-DE" sz="1600" dirty="0">
+                          <a:effectLst/>
+                        </a:rPr>
+                        <a:t>Der User kann sich mit seiner Email-Adresse und seinem Passwort in einem Login Formular anmelden. </a:t>
+                      </a:r>
+                      <a:endParaRPr lang="de-DE" sz="1600" dirty="0">
+                        <a:effectLst/>
+                        <a:latin typeface="Calibri"/>
+                        <a:ea typeface="Calibri"/>
+                        <a:cs typeface="Times New Roman"/>
+                      </a:endParaRPr>
+                    </a:p>
+                  </a:txBody>
                   <a:tcPr marL="68580" marR="68580" marT="0" marB="0" anchor="ctr"/>
                 </a:tc>
-              </a:tr>
-              <a:tr h="327456">
                 <a:tc>
                   <a:txBody>
                     <a:bodyPr/>
@@ -7049,7 +7962,7 @@
                         <a:rPr lang="de-DE" sz="1600">
                           <a:effectLst/>
                         </a:rPr>
-                        <a:t>F30.2</a:t>
+                        <a:t>1</a:t>
                       </a:r>
                       <a:endParaRPr lang="de-DE" sz="1600">
                         <a:effectLst/>
@@ -7061,6 +7974,8 @@
                   </a:txBody>
                   <a:tcPr marL="68580" marR="68580" marT="0" marB="0" anchor="ctr"/>
                 </a:tc>
+              </a:tr>
+              <a:tr h="327456">
                 <a:tc>
                   <a:txBody>
                     <a:bodyPr/>
@@ -7078,7 +7993,7 @@
                         <a:rPr lang="de-DE" sz="1600" dirty="0">
                           <a:effectLst/>
                         </a:rPr>
-                        <a:t>Der User kann sich mit seiner Email-Adresse und seinem Passwort in einem Login Formular anmelden. </a:t>
+                        <a:t>F30.3</a:t>
                       </a:r>
                       <a:endParaRPr lang="de-DE" sz="1600" dirty="0">
                         <a:effectLst/>
@@ -7088,6 +8003,53 @@
                       </a:endParaRPr>
                     </a:p>
                   </a:txBody>
+                  <a:tcPr marL="68580" marR="68580" marT="0" marB="0" anchor="ctr">
+                    <a:solidFill>
+                      <a:schemeClr val="bg2">
+                        <a:lumMod val="50000"/>
+                      </a:schemeClr>
+                    </a:solidFill>
+                  </a:tcPr>
+                </a:tc>
+                <a:tc>
+                  <a:txBody>
+                    <a:bodyPr/>
+                    <a:lstStyle/>
+                    <a:p>
+                      <a:pPr algn="ctr">
+                        <a:lnSpc>
+                          <a:spcPct val="107000"/>
+                        </a:lnSpc>
+                        <a:spcAft>
+                          <a:spcPts val="0"/>
+                        </a:spcAft>
+                      </a:pPr>
+                      <a:r>
+                        <a:rPr lang="de-DE" sz="1600" dirty="0">
+                          <a:effectLst/>
+                        </a:rPr>
+                        <a:t>Der User kann Einträge aus der Inhaltsstoffdatenbank zu seiner </a:t>
+                      </a:r>
+                      <a:r>
+                        <a:rPr lang="de-DE" sz="1600" dirty="0" err="1">
+                          <a:effectLst/>
+                        </a:rPr>
+                        <a:t>Blacklist</a:t>
+                      </a:r>
+                      <a:r>
+                        <a:rPr lang="de-DE" sz="1600" dirty="0">
+                          <a:effectLst/>
+                        </a:rPr>
+                        <a:t> sowohl hinzufügen als auch wieder entfernen.</a:t>
+                      </a:r>
+                      <a:endParaRPr lang="de-DE" sz="1600" dirty="0">
+                        <a:effectLst/>
+                        <a:latin typeface="Calibri"/>
+                        <a:ea typeface="Calibri"/>
+                        <a:cs typeface="Times New Roman"/>
+                      </a:endParaRPr>
+                    </a:p>
+                  </a:txBody>
                   <a:tcPr marL="68580" marR="68580" marT="0" marB="0" anchor="ctr"/>
                 </a:tc>
                 <a:tc>
@@ -7138,7 +8100,7 @@
                         <a:rPr lang="de-DE" sz="1600">
                           <a:effectLst/>
                         </a:rPr>
-                        <a:t>F30.3</a:t>
+                        <a:t>F30.4</a:t>
                       </a:r>
                       <a:endParaRPr lang="de-DE" sz="1600">
                         <a:effectLst/>
@@ -7148,7 +8110,13 @@
                       </a:endParaRPr>
                     </a:p>
                   </a:txBody>
-                  <a:tcPr marL="68580" marR="68580" marT="0" marB="0" anchor="ctr"/>
+                  <a:tcPr marL="68580" marR="68580" marT="0" marB="0" anchor="ctr">
+                    <a:solidFill>
+                      <a:schemeClr val="bg2">
+                        <a:lumMod val="50000"/>
+                      </a:schemeClr>
+                    </a:solidFill>
+                  </a:tcPr>
                 </a:tc>
                 <a:tc>
                   <a:txBody>
@@ -7167,19 +8135,7 @@
                         <a:rPr lang="de-DE" sz="1600" dirty="0">
                           <a:effectLst/>
                         </a:rPr>
-                        <a:t>Der User kann Einträge aus der Inhaltsstoffdatenbank zu seiner </a:t>
-                      </a:r>
-                      <a:r>
-                        <a:rPr lang="de-DE" sz="1600" dirty="0" err="1">
-                          <a:effectLst/>
-                        </a:rPr>
-                        <a:t>Blacklist</a:t>
-                      </a:r>
-                      <a:r>
-                        <a:rPr lang="de-DE" sz="1600" dirty="0">
-                          <a:effectLst/>
-                        </a:rPr>
-                        <a:t> sowohl hinzufügen als auch wieder entfernen.</a:t>
+                        <a:t>Der User kann HMDs koppeln und entkoppeln.</a:t>
                       </a:r>
                       <a:endParaRPr lang="de-DE" sz="1600" dirty="0">
                         <a:effectLst/>
@@ -7208,7 +8164,7 @@
                         <a:rPr lang="de-DE" sz="1600">
                           <a:effectLst/>
                         </a:rPr>
-                        <a:t>1</a:t>
+                        <a:t>2</a:t>
                       </a:r>
                       <a:endParaRPr lang="de-DE" sz="1600">
                         <a:effectLst/>
@@ -7236,10 +8192,74 @@
                         </a:spcAft>
                       </a:pPr>
                       <a:r>
+                        <a:rPr lang="de-DE" sz="1600" dirty="0">
+                          <a:effectLst/>
+                        </a:rPr>
+                        <a:t>F30.5</a:t>
+                      </a:r>
+                      <a:endParaRPr lang="de-DE" sz="1600" dirty="0">
+                        <a:effectLst/>
+                        <a:latin typeface="Calibri"/>
+                        <a:ea typeface="Calibri"/>
+                        <a:cs typeface="Times New Roman"/>
+                      </a:endParaRPr>
+                    </a:p>
+                  </a:txBody>
+                  <a:tcPr marL="68580" marR="68580" marT="0" marB="0" anchor="ctr">
+                    <a:solidFill>
+                      <a:schemeClr val="bg2">
+                        <a:lumMod val="50000"/>
+                      </a:schemeClr>
+                    </a:solidFill>
+                  </a:tcPr>
+                </a:tc>
+                <a:tc>
+                  <a:txBody>
+                    <a:bodyPr/>
+                    <a:lstStyle/>
+                    <a:p>
+                      <a:pPr algn="ctr">
+                        <a:lnSpc>
+                          <a:spcPct val="107000"/>
+                        </a:lnSpc>
+                        <a:spcAft>
+                          <a:spcPts val="0"/>
+                        </a:spcAft>
+                      </a:pPr>
+                      <a:r>
+                        <a:rPr lang="de-DE" sz="1600" dirty="0">
+                          <a:effectLst/>
+                        </a:rPr>
+                        <a:t>Für die Verbindung mit der HMD-App wird ein Barcode im Web-Browser angezeigt.</a:t>
+                      </a:r>
+                      <a:endParaRPr lang="de-DE" sz="1600" dirty="0">
+                        <a:effectLst/>
+                        <a:latin typeface="Calibri"/>
+                        <a:ea typeface="Calibri"/>
+                        <a:cs typeface="Times New Roman"/>
+                      </a:endParaRPr>
+                    </a:p>
+                  </a:txBody>
+                  <a:tcPr marL="68580" marR="68580" marT="0" marB="0" anchor="ctr"/>
+                </a:tc>
+                <a:tc>
+                  <a:txBody>
+                    <a:bodyPr/>
+                    <a:lstStyle/>
+                    <a:p>
+                      <a:pPr algn="ctr">
+                        <a:lnSpc>
+                          <a:spcPct val="107000"/>
+                        </a:lnSpc>
+                        <a:spcAft>
+                          <a:spcPts val="0"/>
+                        </a:spcAft>
+                      </a:pPr>
+                      <a:r>
                         <a:rPr lang="de-DE" sz="1600">
                           <a:effectLst/>
                         </a:rPr>
-                        <a:t>F30.4</a:t>
+                        <a:t>2</a:t>
                       </a:r>
                       <a:endParaRPr lang="de-DE" sz="1600">
                         <a:effectLst/>
@@ -7251,6 +8271,8 @@
                   </a:txBody>
                   <a:tcPr marL="68580" marR="68580" marT="0" marB="0" anchor="ctr"/>
                 </a:tc>
+              </a:tr>
+              <a:tr h="327456">
                 <a:tc>
                   <a:txBody>
                     <a:bodyPr/>
@@ -7268,7 +8290,7 @@
                         <a:rPr lang="de-DE" sz="1600" dirty="0">
                           <a:effectLst/>
                         </a:rPr>
-                        <a:t>Der User kann HMDs koppeln und entkoppeln.</a:t>
+                        <a:t>F30.6</a:t>
                       </a:r>
                       <a:endParaRPr lang="de-DE" sz="1600" dirty="0">
                         <a:effectLst/>
@@ -7278,6 +8300,41 @@
                       </a:endParaRPr>
                     </a:p>
                   </a:txBody>
+                  <a:tcPr marL="68580" marR="68580" marT="0" marB="0" anchor="ctr">
+                    <a:solidFill>
+                      <a:schemeClr val="bg2">
+                        <a:lumMod val="50000"/>
+                      </a:schemeClr>
+                    </a:solidFill>
+                  </a:tcPr>
+                </a:tc>
+                <a:tc>
+                  <a:txBody>
+                    <a:bodyPr/>
+                    <a:lstStyle/>
+                    <a:p>
+                      <a:pPr algn="ctr">
+                        <a:lnSpc>
+                          <a:spcPct val="107000"/>
+                        </a:lnSpc>
+                        <a:spcAft>
+                          <a:spcPts val="0"/>
+                        </a:spcAft>
+                      </a:pPr>
+                      <a:r>
+                        <a:rPr lang="de-DE" sz="1600" dirty="0">
+                          <a:effectLst/>
+                        </a:rPr>
+                        <a:t>Der User kann seine Email-Adresse und sein Passwort ändern.</a:t>
+                      </a:r>
+                      <a:endParaRPr lang="de-DE" sz="1600" dirty="0">
+                        <a:effectLst/>
+                        <a:latin typeface="Calibri"/>
+                        <a:ea typeface="Calibri"/>
+                        <a:cs typeface="Times New Roman"/>
+                      </a:endParaRPr>
+                    </a:p>
+                  </a:txBody>
                   <a:tcPr marL="68580" marR="68580" marT="0" marB="0" anchor="ctr"/>
                 </a:tc>
                 <a:tc>
@@ -7310,36 +8367,7 @@
                   <a:tcPr marL="68580" marR="68580" marT="0" marB="0" anchor="ctr"/>
                 </a:tc>
               </a:tr>
-              <a:tr h="327456">
-                <a:tc>
-                  <a:txBody>
-                    <a:bodyPr/>
-                    <a:lstStyle/>
-                    <a:p>
-                      <a:pPr algn="ctr">
-                        <a:lnSpc>
-                          <a:spcPct val="107000"/>
-                        </a:lnSpc>
-                        <a:spcAft>
-                          <a:spcPts val="0"/>
-                        </a:spcAft>
-                      </a:pPr>
-                      <a:r>
-                        <a:rPr lang="de-DE" sz="1600">
-                          <a:effectLst/>
-                        </a:rPr>
-                        <a:t>F30.5</a:t>
-                      </a:r>
-                      <a:endParaRPr lang="de-DE" sz="1600">
-                        <a:effectLst/>
-                        <a:latin typeface="Calibri"/>
-                        <a:ea typeface="Calibri"/>
-                        <a:cs typeface="Times New Roman"/>
-                      </a:endParaRPr>
-                    </a:p>
-                  </a:txBody>
-                  <a:tcPr marL="68580" marR="68580" marT="0" marB="0" anchor="ctr"/>
-                </a:tc>
+              <a:tr h="654910">
                 <a:tc>
                   <a:txBody>
                     <a:bodyPr/>
@@ -7357,7 +8385,7 @@
                         <a:rPr lang="de-DE" sz="1600" dirty="0">
                           <a:effectLst/>
                         </a:rPr>
-                        <a:t>Für die Verbindung mit der HMD-App wird ein Barcode im Web-Browser angezeigt.</a:t>
+                        <a:t>F30.7</a:t>
                       </a:r>
                       <a:endParaRPr lang="de-DE" sz="1600" dirty="0">
                         <a:effectLst/>
@@ -7367,156 +8395,13 @@
                       </a:endParaRPr>
                     </a:p>
                   </a:txBody>
-                  <a:tcPr marL="68580" marR="68580" marT="0" marB="0" anchor="ctr"/>
-                </a:tc>
-                <a:tc>
-                  <a:txBody>
-                    <a:bodyPr/>
-                    <a:lstStyle/>
-                    <a:p>
-                      <a:pPr algn="ctr">
-                        <a:lnSpc>
-                          <a:spcPct val="107000"/>
-                        </a:lnSpc>
-                        <a:spcAft>
-                          <a:spcPts val="0"/>
-                        </a:spcAft>
-                      </a:pPr>
-                      <a:r>
-                        <a:rPr lang="de-DE" sz="1600">
-                          <a:effectLst/>
-                        </a:rPr>
-                        <a:t>2</a:t>
-                      </a:r>
-                      <a:endParaRPr lang="de-DE" sz="1600">
-                        <a:effectLst/>
-                        <a:latin typeface="Calibri"/>
-                        <a:ea typeface="Calibri"/>
-                        <a:cs typeface="Times New Roman"/>
-                      </a:endParaRPr>
-                    </a:p>
-                  </a:txBody>
-                  <a:tcPr marL="68580" marR="68580" marT="0" marB="0" anchor="ctr"/>
-                </a:tc>
-              </a:tr>
-              <a:tr h="327456">
-                <a:tc>
-                  <a:txBody>
-                    <a:bodyPr/>
-                    <a:lstStyle/>
-                    <a:p>
-                      <a:pPr algn="ctr">
-                        <a:lnSpc>
-                          <a:spcPct val="107000"/>
-                        </a:lnSpc>
-                        <a:spcAft>
-                          <a:spcPts val="0"/>
-                        </a:spcAft>
-                      </a:pPr>
-                      <a:r>
-                        <a:rPr lang="de-DE" sz="1600">
-                          <a:effectLst/>
-                        </a:rPr>
-                        <a:t>F30.6</a:t>
-                      </a:r>
-                      <a:endParaRPr lang="de-DE" sz="1600">
-                        <a:effectLst/>
-                        <a:latin typeface="Calibri"/>
-                        <a:ea typeface="Calibri"/>
-                        <a:cs typeface="Times New Roman"/>
-                      </a:endParaRPr>
-                    </a:p>
-                  </a:txBody>
-                  <a:tcPr marL="68580" marR="68580" marT="0" marB="0" anchor="ctr"/>
-                </a:tc>
-                <a:tc>
-                  <a:txBody>
-                    <a:bodyPr/>
-                    <a:lstStyle/>
-                    <a:p>
-                      <a:pPr algn="ctr">
-                        <a:lnSpc>
-                          <a:spcPct val="107000"/>
-                        </a:lnSpc>
-                        <a:spcAft>
-                          <a:spcPts val="0"/>
-                        </a:spcAft>
-                      </a:pPr>
-                      <a:r>
-                        <a:rPr lang="de-DE" sz="1600" dirty="0">
-                          <a:effectLst/>
-                        </a:rPr>
-                        <a:t>Der User kann seine Email-Adresse und sein Passwort ändern.</a:t>
-                      </a:r>
-                      <a:endParaRPr lang="de-DE" sz="1600" dirty="0">
-                        <a:effectLst/>
-                        <a:latin typeface="Calibri"/>
-                        <a:ea typeface="Calibri"/>
-                        <a:cs typeface="Times New Roman"/>
-                      </a:endParaRPr>
-                    </a:p>
-                  </a:txBody>
-                  <a:tcPr marL="68580" marR="68580" marT="0" marB="0" anchor="ctr"/>
-                </a:tc>
-                <a:tc>
-                  <a:txBody>
-                    <a:bodyPr/>
-                    <a:lstStyle/>
-                    <a:p>
-                      <a:pPr algn="ctr">
-                        <a:lnSpc>
-                          <a:spcPct val="107000"/>
-                        </a:lnSpc>
-                        <a:spcAft>
-                          <a:spcPts val="0"/>
-                        </a:spcAft>
-                      </a:pPr>
-                      <a:r>
-                        <a:rPr lang="de-DE" sz="1600">
-                          <a:effectLst/>
-                        </a:rPr>
-                        <a:t>2</a:t>
-                      </a:r>
-                      <a:endParaRPr lang="de-DE" sz="1600">
-                        <a:effectLst/>
-                        <a:latin typeface="Calibri"/>
-                        <a:ea typeface="Calibri"/>
-                        <a:cs typeface="Times New Roman"/>
-                      </a:endParaRPr>
-                    </a:p>
-                  </a:txBody>
-                  <a:tcPr marL="68580" marR="68580" marT="0" marB="0" anchor="ctr"/>
-                </a:tc>
-              </a:tr>
-              <a:tr h="654910">
-                <a:tc>
-                  <a:txBody>
-                    <a:bodyPr/>
-                    <a:lstStyle/>
-                    <a:p>
-                      <a:pPr algn="ctr">
-                        <a:lnSpc>
-                          <a:spcPct val="107000"/>
-                        </a:lnSpc>
-                        <a:spcAft>
-                          <a:spcPts val="0"/>
-                        </a:spcAft>
-                      </a:pPr>
-                      <a:r>
-                        <a:rPr lang="de-DE" sz="1600" dirty="0">
-                          <a:effectLst/>
-                        </a:rPr>
-                        <a:t>F30.7</a:t>
-                      </a:r>
-                      <a:endParaRPr lang="de-DE" sz="1600" dirty="0">
-                        <a:effectLst/>
-                        <a:latin typeface="Calibri"/>
-                        <a:ea typeface="Calibri"/>
-                        <a:cs typeface="Times New Roman"/>
-                      </a:endParaRPr>
-                    </a:p>
-                  </a:txBody>
-                  <a:tcPr marL="68580" marR="68580" marT="0" marB="0" anchor="ctr"/>
+                  <a:tcPr marL="68580" marR="68580" marT="0" marB="0" anchor="ctr">
+                    <a:solidFill>
+                      <a:schemeClr val="bg2">
+                        <a:lumMod val="50000"/>
+                      </a:schemeClr>
+                    </a:solidFill>
+                  </a:tcPr>
                 </a:tc>
                 <a:tc>
                   <a:txBody>
@@ -7685,7 +8570,7 @@
             <p:ph idx="1"/>
             <p:extLst>
               <p:ext uri="{D42A27DB-BD31-4B8C-83A1-F6EECF244321}">
-                <p14:modId xmlns:p14="http://schemas.microsoft.com/office/powerpoint/2010/main" val="54312029"/>
+                <p14:modId xmlns:p14="http://schemas.microsoft.com/office/powerpoint/2010/main" val="852574899"/>
               </p:ext>
             </p:extLst>
           </p:nvPr>
@@ -7733,7 +8618,13 @@
                       </a:endParaRPr>
                     </a:p>
                   </a:txBody>
-                  <a:tcPr marL="68580" marR="68580" marT="0" marB="0"/>
+                  <a:tcPr marL="68580" marR="68580" marT="0" marB="0">
+                    <a:solidFill>
+                      <a:schemeClr val="bg2">
+                        <a:lumMod val="50000"/>
+                      </a:schemeClr>
+                    </a:solidFill>
+                  </a:tcPr>
                 </a:tc>
                 <a:tc>
                   <a:txBody>
@@ -7762,7 +8653,13 @@
                       </a:endParaRPr>
                     </a:p>
                   </a:txBody>
-                  <a:tcPr marL="68580" marR="68580" marT="0" marB="0"/>
+                  <a:tcPr marL="68580" marR="68580" marT="0" marB="0">
+                    <a:solidFill>
+                      <a:schemeClr val="bg2">
+                        <a:lumMod val="50000"/>
+                      </a:schemeClr>
+                    </a:solidFill>
+                  </a:tcPr>
                 </a:tc>
                 <a:tc>
                   <a:txBody>
@@ -7791,7 +8688,13 @@
                       </a:endParaRPr>
                     </a:p>
                   </a:txBody>
-                  <a:tcPr marL="68580" marR="68580" marT="0" marB="0"/>
+                  <a:tcPr marL="68580" marR="68580" marT="0" marB="0">
+                    <a:solidFill>
+                      <a:schemeClr val="bg2">
+                        <a:lumMod val="50000"/>
+                      </a:schemeClr>
+                    </a:solidFill>
+                  </a:tcPr>
                 </a:tc>
               </a:tr>
               <a:tr h="324873">
@@ -7824,7 +8727,9 @@
                   </a:txBody>
                   <a:tcPr marL="68580" marR="68580" marT="0" marB="0">
                     <a:solidFill>
-                      <a:schemeClr val="accent1"/>
+                      <a:schemeClr val="bg2">
+                        <a:lumMod val="50000"/>
+                      </a:schemeClr>
                     </a:solidFill>
                   </a:tcPr>
                 </a:tc>
@@ -7881,7 +8786,9 @@
                   </a:txBody>
                   <a:tcPr marL="68580" marR="68580" marT="0" marB="0">
                     <a:solidFill>
-                      <a:schemeClr val="accent1"/>
+                      <a:schemeClr val="bg2">
+                        <a:lumMod val="50000"/>
+                      </a:schemeClr>
                     </a:solidFill>
                   </a:tcPr>
                 </a:tc>
@@ -7914,7 +8821,9 @@
                   </a:txBody>
                   <a:tcPr marL="68580" marR="68580" marT="0" marB="0">
                     <a:solidFill>
-                      <a:schemeClr val="accent1"/>
+                      <a:schemeClr val="bg2">
+                        <a:lumMod val="50000"/>
+                      </a:schemeClr>
                     </a:solidFill>
                   </a:tcPr>
                 </a:tc>
@@ -7947,7 +8856,13 @@
                       </a:endParaRPr>
                     </a:p>
                   </a:txBody>
-                  <a:tcPr marL="68580" marR="68580" marT="0" marB="0" anchor="ctr"/>
+                  <a:tcPr marL="68580" marR="68580" marT="0" marB="0" anchor="ctr">
+                    <a:solidFill>
+                      <a:schemeClr val="bg2">
+                        <a:lumMod val="50000"/>
+                      </a:schemeClr>
+                    </a:solidFill>
+                  </a:tcPr>
                 </a:tc>
                 <a:tc>
                   <a:txBody>
@@ -8023,10 +8938,74 @@
                         </a:spcAft>
                       </a:pPr>
                       <a:r>
+                        <a:rPr lang="de-DE" sz="2000" dirty="0">
+                          <a:effectLst/>
+                        </a:rPr>
+                        <a:t>F40.2</a:t>
+                      </a:r>
+                      <a:endParaRPr lang="de-DE" sz="2000" dirty="0">
+                        <a:effectLst/>
+                        <a:latin typeface="Calibri"/>
+                        <a:ea typeface="Calibri"/>
+                        <a:cs typeface="Times New Roman"/>
+                      </a:endParaRPr>
+                    </a:p>
+                  </a:txBody>
+                  <a:tcPr marL="68580" marR="68580" marT="0" marB="0" anchor="ctr">
+                    <a:solidFill>
+                      <a:schemeClr val="bg2">
+                        <a:lumMod val="50000"/>
+                      </a:schemeClr>
+                    </a:solidFill>
+                  </a:tcPr>
+                </a:tc>
+                <a:tc>
+                  <a:txBody>
+                    <a:bodyPr/>
+                    <a:lstStyle/>
+                    <a:p>
+                      <a:pPr algn="ctr">
+                        <a:lnSpc>
+                          <a:spcPct val="107000"/>
+                        </a:lnSpc>
+                        <a:spcAft>
+                          <a:spcPts val="0"/>
+                        </a:spcAft>
+                      </a:pPr>
+                      <a:r>
+                        <a:rPr lang="de-DE" sz="2000" dirty="0">
+                          <a:effectLst/>
+                        </a:rPr>
+                        <a:t>Der User kann sich für die Nutzung des Dienstes in der Android-Anwendung registrieren.</a:t>
+                      </a:r>
+                      <a:endParaRPr lang="de-DE" sz="2000" dirty="0">
+                        <a:effectLst/>
+                        <a:latin typeface="Calibri"/>
+                        <a:ea typeface="Calibri"/>
+                        <a:cs typeface="Times New Roman"/>
+                      </a:endParaRPr>
+                    </a:p>
+                  </a:txBody>
+                  <a:tcPr marL="68580" marR="68580" marT="0" marB="0" anchor="ctr"/>
+                </a:tc>
+                <a:tc>
+                  <a:txBody>
+                    <a:bodyPr/>
+                    <a:lstStyle/>
+                    <a:p>
+                      <a:pPr algn="ctr">
+                        <a:lnSpc>
+                          <a:spcPct val="107000"/>
+                        </a:lnSpc>
+                        <a:spcAft>
+                          <a:spcPts val="0"/>
+                        </a:spcAft>
+                      </a:pPr>
+                      <a:r>
                         <a:rPr lang="de-DE" sz="2000">
                           <a:effectLst/>
                         </a:rPr>
-                        <a:t>F40.2</a:t>
+                        <a:t>3</a:t>
                       </a:r>
                       <a:endParaRPr lang="de-DE" sz="2000">
                         <a:effectLst/>
@@ -8038,6 +9017,8 @@
                   </a:txBody>
                   <a:tcPr marL="68580" marR="68580" marT="0" marB="0" anchor="ctr"/>
                 </a:tc>
+              </a:tr>
+              <a:tr h="510579">
                 <a:tc>
                   <a:txBody>
                     <a:bodyPr/>
@@ -8055,7 +9036,7 @@
                         <a:rPr lang="de-DE" sz="2000" dirty="0">
                           <a:effectLst/>
                         </a:rPr>
-                        <a:t>Der User kann sich für die Nutzung des Dienstes in der Android-Anwendung registrieren.</a:t>
+                        <a:t>F40.3</a:t>
                       </a:r>
                       <a:endParaRPr lang="de-DE" sz="2000" dirty="0">
                         <a:effectLst/>
@@ -8065,6 +9046,41 @@
                       </a:endParaRPr>
                     </a:p>
                   </a:txBody>
+                  <a:tcPr marL="68580" marR="68580" marT="0" marB="0" anchor="ctr">
+                    <a:solidFill>
+                      <a:schemeClr val="bg2">
+                        <a:lumMod val="50000"/>
+                      </a:schemeClr>
+                    </a:solidFill>
+                  </a:tcPr>
+                </a:tc>
+                <a:tc>
+                  <a:txBody>
+                    <a:bodyPr/>
+                    <a:lstStyle/>
+                    <a:p>
+                      <a:pPr algn="ctr">
+                        <a:lnSpc>
+                          <a:spcPct val="107000"/>
+                        </a:lnSpc>
+                        <a:spcAft>
+                          <a:spcPts val="0"/>
+                        </a:spcAft>
+                      </a:pPr>
+                      <a:r>
+                        <a:rPr lang="de-DE" sz="2000" dirty="0">
+                          <a:effectLst/>
+                        </a:rPr>
+                        <a:t>Der User muss sich zur Nutzung des Dienstes in der Android-Anwendung anmelden.</a:t>
+                      </a:r>
+                      <a:endParaRPr lang="de-DE" sz="2000" dirty="0">
+                        <a:effectLst/>
+                        <a:latin typeface="Calibri"/>
+                        <a:ea typeface="Calibri"/>
+                        <a:cs typeface="Times New Roman"/>
+                      </a:endParaRPr>
+                    </a:p>
+                  </a:txBody>
                   <a:tcPr marL="68580" marR="68580" marT="0" marB="0" anchor="ctr"/>
                 </a:tc>
                 <a:tc>
@@ -8112,10 +9128,74 @@
                         </a:spcAft>
                       </a:pPr>
                       <a:r>
+                        <a:rPr lang="de-DE" sz="2000" dirty="0">
+                          <a:effectLst/>
+                        </a:rPr>
+                        <a:t>F40.4</a:t>
+                      </a:r>
+                      <a:endParaRPr lang="de-DE" sz="2000" dirty="0">
+                        <a:effectLst/>
+                        <a:latin typeface="Calibri"/>
+                        <a:ea typeface="Calibri"/>
+                        <a:cs typeface="Times New Roman"/>
+                      </a:endParaRPr>
+                    </a:p>
+                  </a:txBody>
+                  <a:tcPr marL="68580" marR="68580" marT="0" marB="0" anchor="ctr">
+                    <a:solidFill>
+                      <a:schemeClr val="bg2">
+                        <a:lumMod val="50000"/>
+                      </a:schemeClr>
+                    </a:solidFill>
+                  </a:tcPr>
+                </a:tc>
+                <a:tc>
+                  <a:txBody>
+                    <a:bodyPr/>
+                    <a:lstStyle/>
+                    <a:p>
+                      <a:pPr algn="ctr">
+                        <a:lnSpc>
+                          <a:spcPct val="107000"/>
+                        </a:lnSpc>
+                        <a:spcAft>
+                          <a:spcPts val="0"/>
+                        </a:spcAft>
+                      </a:pPr>
+                      <a:r>
+                        <a:rPr lang="de-DE" sz="2000" dirty="0">
+                          <a:effectLst/>
+                        </a:rPr>
+                        <a:t>Der User muss seine Email-Adresse und sein Passwort ändern können.</a:t>
+                      </a:r>
+                      <a:endParaRPr lang="de-DE" sz="2000" dirty="0">
+                        <a:effectLst/>
+                        <a:latin typeface="Calibri"/>
+                        <a:ea typeface="Calibri"/>
+                        <a:cs typeface="Times New Roman"/>
+                      </a:endParaRPr>
+                    </a:p>
+                  </a:txBody>
+                  <a:tcPr marL="68580" marR="68580" marT="0" marB="0" anchor="ctr"/>
+                </a:tc>
+                <a:tc>
+                  <a:txBody>
+                    <a:bodyPr/>
+                    <a:lstStyle/>
+                    <a:p>
+                      <a:pPr algn="ctr">
+                        <a:lnSpc>
+                          <a:spcPct val="107000"/>
+                        </a:lnSpc>
+                        <a:spcAft>
+                          <a:spcPts val="0"/>
+                        </a:spcAft>
+                      </a:pPr>
+                      <a:r>
                         <a:rPr lang="de-DE" sz="2000">
                           <a:effectLst/>
                         </a:rPr>
-                        <a:t>F40.3</a:t>
+                        <a:t>3</a:t>
                       </a:r>
                       <a:endParaRPr lang="de-DE" sz="2000">
                         <a:effectLst/>
@@ -8127,6 +9207,8 @@
                   </a:txBody>
                   <a:tcPr marL="68580" marR="68580" marT="0" marB="0" anchor="ctr"/>
                 </a:tc>
+              </a:tr>
+              <a:tr h="510579">
                 <a:tc>
                   <a:txBody>
                     <a:bodyPr/>
@@ -8144,7 +9226,7 @@
                         <a:rPr lang="de-DE" sz="2000" dirty="0">
                           <a:effectLst/>
                         </a:rPr>
-                        <a:t>Der User muss sich zur Nutzung des Dienstes in der Android-Anwendung anmelden.</a:t>
+                        <a:t>F40.5</a:t>
                       </a:r>
                       <a:endParaRPr lang="de-DE" sz="2000" dirty="0">
                         <a:effectLst/>
@@ -8154,6 +9236,53 @@
                       </a:endParaRPr>
                     </a:p>
                   </a:txBody>
+                  <a:tcPr marL="68580" marR="68580" marT="0" marB="0" anchor="ctr">
+                    <a:solidFill>
+                      <a:schemeClr val="bg2">
+                        <a:lumMod val="50000"/>
+                      </a:schemeClr>
+                    </a:solidFill>
+                  </a:tcPr>
+                </a:tc>
+                <a:tc>
+                  <a:txBody>
+                    <a:bodyPr/>
+                    <a:lstStyle/>
+                    <a:p>
+                      <a:pPr algn="ctr">
+                        <a:lnSpc>
+                          <a:spcPct val="107000"/>
+                        </a:lnSpc>
+                        <a:spcAft>
+                          <a:spcPts val="0"/>
+                        </a:spcAft>
+                      </a:pPr>
+                      <a:r>
+                        <a:rPr lang="de-DE" sz="2000" dirty="0">
+                          <a:effectLst/>
+                        </a:rPr>
+                        <a:t>Der User kann Einträge aus der Inhaltsstoffdatenbank zu seiner </a:t>
+                      </a:r>
+                      <a:r>
+                        <a:rPr lang="de-DE" sz="2000" dirty="0" err="1">
+                          <a:effectLst/>
+                        </a:rPr>
+                        <a:t>Blacklist</a:t>
+                      </a:r>
+                      <a:r>
+                        <a:rPr lang="de-DE" sz="2000" dirty="0">
+                          <a:effectLst/>
+                        </a:rPr>
+                        <a:t> hinzufügen und wieder entfernen.</a:t>
+                      </a:r>
+                      <a:endParaRPr lang="de-DE" sz="2000" dirty="0">
+                        <a:effectLst/>
+                        <a:latin typeface="Calibri"/>
+                        <a:ea typeface="Calibri"/>
+                        <a:cs typeface="Times New Roman"/>
+                      </a:endParaRPr>
+                    </a:p>
+                  </a:txBody>
                   <a:tcPr marL="68580" marR="68580" marT="0" marB="0" anchor="ctr"/>
                 </a:tc>
                 <a:tc>
@@ -8201,39 +9330,10 @@
                         </a:spcAft>
                       </a:pPr>
                       <a:r>
-                        <a:rPr lang="de-DE" sz="2000">
-                          <a:effectLst/>
-                        </a:rPr>
-                        <a:t>F40.4</a:t>
-                      </a:r>
-                      <a:endParaRPr lang="de-DE" sz="2000">
-                        <a:effectLst/>
-                        <a:latin typeface="Calibri"/>
-                        <a:ea typeface="Calibri"/>
-                        <a:cs typeface="Times New Roman"/>
-                      </a:endParaRPr>
-                    </a:p>
-                  </a:txBody>
-                  <a:tcPr marL="68580" marR="68580" marT="0" marB="0" anchor="ctr"/>
-                </a:tc>
-                <a:tc>
-                  <a:txBody>
-                    <a:bodyPr/>
-                    <a:lstStyle/>
-                    <a:p>
-                      <a:pPr algn="ctr">
-                        <a:lnSpc>
-                          <a:spcPct val="107000"/>
-                        </a:lnSpc>
-                        <a:spcAft>
-                          <a:spcPts val="0"/>
-                        </a:spcAft>
-                      </a:pPr>
-                      <a:r>
                         <a:rPr lang="de-DE" sz="2000" dirty="0">
                           <a:effectLst/>
                         </a:rPr>
-                        <a:t>Der User muss seine Email-Adresse und sein Passwort ändern können.</a:t>
+                        <a:t>F40.6</a:t>
                       </a:r>
                       <a:endParaRPr lang="de-DE" sz="2000" dirty="0">
                         <a:effectLst/>
@@ -8243,168 +9343,13 @@
                       </a:endParaRPr>
                     </a:p>
                   </a:txBody>
-                  <a:tcPr marL="68580" marR="68580" marT="0" marB="0" anchor="ctr"/>
-                </a:tc>
-                <a:tc>
-                  <a:txBody>
-                    <a:bodyPr/>
-                    <a:lstStyle/>
-                    <a:p>
-                      <a:pPr algn="ctr">
-                        <a:lnSpc>
-                          <a:spcPct val="107000"/>
-                        </a:lnSpc>
-                        <a:spcAft>
-                          <a:spcPts val="0"/>
-                        </a:spcAft>
-                      </a:pPr>
-                      <a:r>
-                        <a:rPr lang="de-DE" sz="2000">
-                          <a:effectLst/>
-                        </a:rPr>
-                        <a:t>3</a:t>
-                      </a:r>
-                      <a:endParaRPr lang="de-DE" sz="2000">
-                        <a:effectLst/>
-                        <a:latin typeface="Calibri"/>
-                        <a:ea typeface="Calibri"/>
-                        <a:cs typeface="Times New Roman"/>
-                      </a:endParaRPr>
-                    </a:p>
-                  </a:txBody>
-                  <a:tcPr marL="68580" marR="68580" marT="0" marB="0" anchor="ctr"/>
-                </a:tc>
-              </a:tr>
-              <a:tr h="510579">
-                <a:tc>
-                  <a:txBody>
-                    <a:bodyPr/>
-                    <a:lstStyle/>
-                    <a:p>
-                      <a:pPr algn="ctr">
-                        <a:lnSpc>
-                          <a:spcPct val="107000"/>
-                        </a:lnSpc>
-                        <a:spcAft>
-                          <a:spcPts val="0"/>
-                        </a:spcAft>
-                      </a:pPr>
-                      <a:r>
-                        <a:rPr lang="de-DE" sz="2000">
-                          <a:effectLst/>
-                        </a:rPr>
-                        <a:t>F40.5</a:t>
-                      </a:r>
-                      <a:endParaRPr lang="de-DE" sz="2000">
-                        <a:effectLst/>
-                        <a:latin typeface="Calibri"/>
-                        <a:ea typeface="Calibri"/>
-                        <a:cs typeface="Times New Roman"/>
-                      </a:endParaRPr>
-                    </a:p>
-                  </a:txBody>
-                  <a:tcPr marL="68580" marR="68580" marT="0" marB="0" anchor="ctr"/>
-                </a:tc>
-                <a:tc>
-                  <a:txBody>
-                    <a:bodyPr/>
-                    <a:lstStyle/>
-                    <a:p>
-                      <a:pPr algn="ctr">
-                        <a:lnSpc>
-                          <a:spcPct val="107000"/>
-                        </a:lnSpc>
-                        <a:spcAft>
-                          <a:spcPts val="0"/>
-                        </a:spcAft>
-                      </a:pPr>
-                      <a:r>
-                        <a:rPr lang="de-DE" sz="2000" dirty="0">
-                          <a:effectLst/>
-                        </a:rPr>
-                        <a:t>Der User kann Einträge aus der Inhaltsstoffdatenbank zu seiner </a:t>
-                      </a:r>
-                      <a:r>
-                        <a:rPr lang="de-DE" sz="2000" dirty="0" err="1">
-                          <a:effectLst/>
-                        </a:rPr>
-                        <a:t>Blacklist</a:t>
-                      </a:r>
-                      <a:r>
-                        <a:rPr lang="de-DE" sz="2000" dirty="0">
-                          <a:effectLst/>
-                        </a:rPr>
-                        <a:t> hinzufügen und wieder entfernen.</a:t>
-                      </a:r>
-                      <a:endParaRPr lang="de-DE" sz="2000" dirty="0">
-                        <a:effectLst/>
-                        <a:latin typeface="Calibri"/>
-                        <a:ea typeface="Calibri"/>
-                        <a:cs typeface="Times New Roman"/>
-                      </a:endParaRPr>
-                    </a:p>
-                  </a:txBody>
-                  <a:tcPr marL="68580" marR="68580" marT="0" marB="0" anchor="ctr"/>
-                </a:tc>
-                <a:tc>
-                  <a:txBody>
-                    <a:bodyPr/>
-                    <a:lstStyle/>
-                    <a:p>
-                      <a:pPr algn="ctr">
-                        <a:lnSpc>
-                          <a:spcPct val="107000"/>
-                        </a:lnSpc>
-                        <a:spcAft>
-                          <a:spcPts val="0"/>
-                        </a:spcAft>
-                      </a:pPr>
-                      <a:r>
-                        <a:rPr lang="de-DE" sz="2000">
-                          <a:effectLst/>
-                        </a:rPr>
-                        <a:t>3</a:t>
-                      </a:r>
-                      <a:endParaRPr lang="de-DE" sz="2000">
-                        <a:effectLst/>
-                        <a:latin typeface="Calibri"/>
-                        <a:ea typeface="Calibri"/>
-                        <a:cs typeface="Times New Roman"/>
-                      </a:endParaRPr>
-                    </a:p>
-                  </a:txBody>
-                  <a:tcPr marL="68580" marR="68580" marT="0" marB="0" anchor="ctr"/>
-                </a:tc>
-              </a:tr>
-              <a:tr h="510579">
-                <a:tc>
-                  <a:txBody>
-                    <a:bodyPr/>
-                    <a:lstStyle/>
-                    <a:p>
-                      <a:pPr algn="ctr">
-                        <a:lnSpc>
-                          <a:spcPct val="107000"/>
-                        </a:lnSpc>
-                        <a:spcAft>
-                          <a:spcPts val="0"/>
-                        </a:spcAft>
-                      </a:pPr>
-                      <a:r>
-                        <a:rPr lang="de-DE" sz="2000">
-                          <a:effectLst/>
-                        </a:rPr>
-                        <a:t>F40.6</a:t>
-                      </a:r>
-                      <a:endParaRPr lang="de-DE" sz="2000">
-                        <a:effectLst/>
-                        <a:latin typeface="Calibri"/>
-                        <a:ea typeface="Calibri"/>
-                        <a:cs typeface="Times New Roman"/>
-                      </a:endParaRPr>
-                    </a:p>
-                  </a:txBody>
-                  <a:tcPr marL="68580" marR="68580" marT="0" marB="0" anchor="ctr"/>
+                  <a:tcPr marL="68580" marR="68580" marT="0" marB="0" anchor="ctr">
+                    <a:solidFill>
+                      <a:schemeClr val="bg2">
+                        <a:lumMod val="50000"/>
+                      </a:schemeClr>
+                    </a:solidFill>
+                  </a:tcPr>
                 </a:tc>
                 <a:tc>
                   <a:txBody>
@@ -8492,12 +9437,12 @@
                         </a:spcAft>
                       </a:pPr>
                       <a:r>
-                        <a:rPr lang="de-DE" sz="2000">
+                        <a:rPr lang="de-DE" sz="2000" dirty="0">
                           <a:effectLst/>
                         </a:rPr>
                         <a:t>F40.7</a:t>
                       </a:r>
-                      <a:endParaRPr lang="de-DE" sz="2000">
+                      <a:endParaRPr lang="de-DE" sz="2000" dirty="0">
                         <a:effectLst/>
                         <a:latin typeface="Calibri"/>
                         <a:ea typeface="Calibri"/>
@@ -8505,7 +9450,13 @@
                       </a:endParaRPr>
                     </a:p>
                   </a:txBody>
-                  <a:tcPr marL="68580" marR="68580" marT="0" marB="0" anchor="ctr"/>
+                  <a:tcPr marL="68580" marR="68580" marT="0" marB="0" anchor="ctr">
+                    <a:solidFill>
+                      <a:schemeClr val="bg2">
+                        <a:lumMod val="50000"/>
+                      </a:schemeClr>
+                    </a:solidFill>
+                  </a:tcPr>
                 </a:tc>
                 <a:tc>
                   <a:txBody>
@@ -8660,7 +9611,7 @@
             <p:ph idx="1"/>
             <p:extLst>
               <p:ext uri="{D42A27DB-BD31-4B8C-83A1-F6EECF244321}">
-                <p14:modId xmlns:p14="http://schemas.microsoft.com/office/powerpoint/2010/main" val="1873304580"/>
+                <p14:modId xmlns:p14="http://schemas.microsoft.com/office/powerpoint/2010/main" val="1628007481"/>
               </p:ext>
             </p:extLst>
           </p:nvPr>
@@ -8709,7 +9660,9 @@
                   </a:txBody>
                   <a:tcPr marL="68580" marR="68580" marT="0" marB="0">
                     <a:solidFill>
-                      <a:schemeClr val="accent1"/>
+                      <a:schemeClr val="bg2">
+                        <a:lumMod val="50000"/>
+                      </a:schemeClr>
                     </a:solidFill>
                   </a:tcPr>
                 </a:tc>
@@ -8727,10 +9680,53 @@
                         </a:spcAft>
                       </a:pPr>
                       <a:r>
-                        <a:rPr lang="de-DE" sz="2000" dirty="0">
+                        <a:rPr lang="de-DE" sz="2000" b="1" dirty="0">
                           <a:effectLst/>
                         </a:rPr>
                         <a:t>Funktionalität</a:t>
+                      </a:r>
+                      <a:endParaRPr lang="de-DE" sz="2000" b="1" dirty="0">
+                        <a:effectLst/>
+                        <a:latin typeface="Calibri"/>
+                        <a:ea typeface="Calibri"/>
+                        <a:cs typeface="Times New Roman"/>
+                      </a:endParaRPr>
+                    </a:p>
+                  </a:txBody>
+                  <a:tcPr marL="68580" marR="68580" marT="0" marB="0">
+                    <a:solidFill>
+                      <a:schemeClr val="bg2">
+                        <a:lumMod val="50000"/>
+                      </a:schemeClr>
+                    </a:solidFill>
+                  </a:tcPr>
+                </a:tc>
+              </a:tr>
+              <a:tr h="267419">
+                <a:tc>
+                  <a:txBody>
+                    <a:bodyPr/>
+                    <a:lstStyle/>
+                    <a:p>
+                      <a:pPr algn="ctr">
+                        <a:lnSpc>
+                          <a:spcPct val="107000"/>
+                        </a:lnSpc>
+                        <a:spcAft>
+                          <a:spcPts val="0"/>
+                        </a:spcAft>
+                      </a:pPr>
+                      <a:r>
+                        <a:rPr lang="de-DE" sz="2000" b="1" dirty="0">
+                          <a:solidFill>
+                            <a:srgbClr val="FFFFFF"/>
+                          </a:solidFill>
+                          <a:effectLst/>
+                          <a:latin typeface="Calibri"/>
+                          <a:ea typeface="Calibri"/>
+                          <a:cs typeface="Times New Roman"/>
+                        </a:rPr>
+                        <a:t>N10 </a:t>
                       </a:r>
                       <a:endParaRPr lang="de-DE" sz="2000" dirty="0">
                         <a:effectLst/>
@@ -8742,12 +9738,12 @@
                   </a:txBody>
                   <a:tcPr marL="68580" marR="68580" marT="0" marB="0">
                     <a:solidFill>
-                      <a:schemeClr val="accent1"/>
+                      <a:schemeClr val="bg2">
+                        <a:lumMod val="50000"/>
+                      </a:schemeClr>
                     </a:solidFill>
                   </a:tcPr>
                 </a:tc>
-              </a:tr>
-              <a:tr h="267419">
                 <a:tc>
                   <a:txBody>
                     <a:bodyPr/>
@@ -8771,7 +9767,7 @@
                           <a:ea typeface="Calibri"/>
                           <a:cs typeface="Times New Roman"/>
                         </a:rPr>
-                        <a:t>N10 </a:t>
+                        <a:t>Fachliche Mengen</a:t>
                       </a:r>
                       <a:endParaRPr lang="de-DE" sz="2000" dirty="0">
                         <a:effectLst/>
@@ -8783,10 +9779,14 @@
                   </a:txBody>
                   <a:tcPr marL="68580" marR="68580" marT="0" marB="0">
                     <a:solidFill>
-                      <a:schemeClr val="accent1"/>
+                      <a:schemeClr val="bg2">
+                        <a:lumMod val="50000"/>
+                      </a:schemeClr>
                     </a:solidFill>
                   </a:tcPr>
                 </a:tc>
+              </a:tr>
+              <a:tr h="544232">
                 <a:tc>
                   <a:txBody>
                     <a:bodyPr/>
@@ -8802,15 +9802,12 @@
                       </a:pPr>
                       <a:r>
                         <a:rPr lang="de-DE" sz="2000" b="1" dirty="0">
-                          <a:solidFill>
-                            <a:srgbClr val="FFFFFF"/>
-                          </a:solidFill>
                           <a:effectLst/>
                           <a:latin typeface="Calibri"/>
                           <a:ea typeface="Calibri"/>
                           <a:cs typeface="Times New Roman"/>
                         </a:rPr>
-                        <a:t>Fachliche Mengen</a:t>
+                        <a:t>N10.1</a:t>
                       </a:r>
                       <a:endParaRPr lang="de-DE" sz="2000" dirty="0">
                         <a:effectLst/>
@@ -8822,35 +9819,63 @@
                   </a:txBody>
                   <a:tcPr marL="68580" marR="68580" marT="0" marB="0">
                     <a:solidFill>
-                      <a:schemeClr val="accent1"/>
+                      <a:schemeClr val="bg2">
+                        <a:lumMod val="50000"/>
+                      </a:schemeClr>
                     </a:solidFill>
                   </a:tcPr>
                 </a:tc>
-              </a:tr>
-              <a:tr h="544232">
-                <a:tc>
-                  <a:txBody>
-                    <a:bodyPr/>
-                    <a:lstStyle/>
-                    <a:p>
-                      <a:pPr algn="ctr">
-                        <a:lnSpc>
-                          <a:spcPct val="107000"/>
-                        </a:lnSpc>
-                        <a:spcAft>
-                          <a:spcPts val="0"/>
-                        </a:spcAft>
-                      </a:pPr>
-                      <a:r>
-                        <a:rPr lang="de-DE" sz="2000" b="1">
+                <a:tc>
+                  <a:txBody>
+                    <a:bodyPr/>
+                    <a:lstStyle/>
+                    <a:p>
+                      <a:pPr algn="ctr">
+                        <a:lnSpc>
+                          <a:spcPct val="107000"/>
+                        </a:lnSpc>
+                        <a:spcAft>
+                          <a:spcPts val="0"/>
+                        </a:spcAft>
+                      </a:pPr>
+                      <a:r>
+                        <a:rPr lang="de-DE" sz="2000" dirty="0">
                           <a:effectLst/>
                           <a:latin typeface="Calibri"/>
                           <a:ea typeface="Calibri"/>
                           <a:cs typeface="Times New Roman"/>
                         </a:rPr>
-                        <a:t>N10.1</a:t>
-                      </a:r>
-                      <a:endParaRPr lang="de-DE" sz="2000">
+                        <a:t>Bei der Anzahl der Nutzer wird zu Beginn von einer Nutzeranzahl von unter 1000 Nutzern ausgegangen. Die Anwendung sollte später auch für größere Nutzeranzahlen auslegbar sein.</a:t>
+                      </a:r>
+                    </a:p>
+                  </a:txBody>
+                  <a:tcPr marL="68580" marR="68580" marT="0" marB="0"/>
+                </a:tc>
+              </a:tr>
+              <a:tr h="260986">
+                <a:tc>
+                  <a:txBody>
+                    <a:bodyPr/>
+                    <a:lstStyle/>
+                    <a:p>
+                      <a:pPr algn="ctr">
+                        <a:lnSpc>
+                          <a:spcPct val="107000"/>
+                        </a:lnSpc>
+                        <a:spcAft>
+                          <a:spcPts val="0"/>
+                        </a:spcAft>
+                      </a:pPr>
+                      <a:r>
+                        <a:rPr lang="de-DE" sz="2000" b="1" dirty="0">
+                          <a:effectLst/>
+                          <a:latin typeface="Calibri"/>
+                          <a:ea typeface="Calibri"/>
+                          <a:cs typeface="Times New Roman"/>
+                        </a:rPr>
+                        <a:t>N10.2</a:t>
+                      </a:r>
+                      <a:endParaRPr lang="de-DE" sz="2000" dirty="0">
                         <a:effectLst/>
                         <a:latin typeface="Calibri"/>
                         <a:ea typeface="Calibri"/>
@@ -8858,7 +9883,13 @@
                       </a:endParaRPr>
                     </a:p>
                   </a:txBody>
-                  <a:tcPr marL="68580" marR="68580" marT="0" marB="0"/>
+                  <a:tcPr marL="68580" marR="68580" marT="0" marB="0">
+                    <a:solidFill>
+                      <a:schemeClr val="bg2">
+                        <a:lumMod val="50000"/>
+                      </a:schemeClr>
+                    </a:solidFill>
+                  </a:tcPr>
                 </a:tc>
                 <a:tc>
                   <a:txBody>
@@ -8880,37 +9911,55 @@
                           <a:ea typeface="Calibri"/>
                           <a:cs typeface="Times New Roman"/>
                         </a:rPr>
-                        <a:t>Bei der Anzahl der Nutzer wird zu Beginn von einer Nutzeranzahl von unter 1000 Nutzern ausgegangen. Die Anwendung sollte später auch für größere Nutzeranzahlen auslegbar sein.</a:t>
-                      </a:r>
-                    </a:p>
-                  </a:txBody>
-                  <a:tcPr marL="68580" marR="68580" marT="0" marB="0"/>
-                </a:tc>
-              </a:tr>
-              <a:tr h="260986">
-                <a:tc>
-                  <a:txBody>
-                    <a:bodyPr/>
-                    <a:lstStyle/>
-                    <a:p>
-                      <a:pPr algn="ctr">
-                        <a:lnSpc>
-                          <a:spcPct val="107000"/>
-                        </a:lnSpc>
-                        <a:spcAft>
-                          <a:spcPts val="0"/>
-                        </a:spcAft>
-                      </a:pPr>
-                      <a:r>
-                        <a:rPr lang="de-DE" sz="2000" b="1">
+                        <a:t>Jeder Nutzer hat durchschnittlich 10 Inhaltsstoffe in seiner </a:t>
+                      </a:r>
+                      <a:r>
+                        <a:rPr lang="de-DE" sz="2000" dirty="0" err="1">
                           <a:effectLst/>
                           <a:latin typeface="Calibri"/>
                           <a:ea typeface="Calibri"/>
                           <a:cs typeface="Times New Roman"/>
                         </a:rPr>
-                        <a:t>N10.2</a:t>
-                      </a:r>
-                      <a:endParaRPr lang="de-DE" sz="2000">
+                        <a:t>Blacklist</a:t>
+                      </a:r>
+                      <a:r>
+                        <a:rPr lang="de-DE" sz="2000" dirty="0">
+                          <a:effectLst/>
+                          <a:latin typeface="Calibri"/>
+                          <a:ea typeface="Calibri"/>
+                          <a:cs typeface="Times New Roman"/>
+                        </a:rPr>
+                        <a:t>.</a:t>
+                      </a:r>
+                    </a:p>
+                  </a:txBody>
+                  <a:tcPr marL="68580" marR="68580" marT="0" marB="0"/>
+                </a:tc>
+              </a:tr>
+              <a:tr h="269096">
+                <a:tc>
+                  <a:txBody>
+                    <a:bodyPr/>
+                    <a:lstStyle/>
+                    <a:p>
+                      <a:pPr algn="ctr">
+                        <a:lnSpc>
+                          <a:spcPct val="107000"/>
+                        </a:lnSpc>
+                        <a:spcAft>
+                          <a:spcPts val="0"/>
+                        </a:spcAft>
+                      </a:pPr>
+                      <a:r>
+                        <a:rPr lang="de-DE" sz="2000" b="1" dirty="0">
+                          <a:effectLst/>
+                          <a:latin typeface="Calibri"/>
+                          <a:ea typeface="Calibri"/>
+                          <a:cs typeface="Times New Roman"/>
+                        </a:rPr>
+                        <a:t>N20</a:t>
+                      </a:r>
+                      <a:endParaRPr lang="de-DE" sz="2000" dirty="0">
                         <a:effectLst/>
                         <a:latin typeface="Calibri"/>
                         <a:ea typeface="Calibri"/>
@@ -8918,85 +9967,13 @@
                       </a:endParaRPr>
                     </a:p>
                   </a:txBody>
-                  <a:tcPr marL="68580" marR="68580" marT="0" marB="0"/>
-                </a:tc>
-                <a:tc>
-                  <a:txBody>
-                    <a:bodyPr/>
-                    <a:lstStyle/>
-                    <a:p>
-                      <a:pPr algn="ctr">
-                        <a:lnSpc>
-                          <a:spcPct val="107000"/>
-                        </a:lnSpc>
-                        <a:spcAft>
-                          <a:spcPts val="0"/>
-                        </a:spcAft>
-                      </a:pPr>
-                      <a:r>
-                        <a:rPr lang="de-DE" sz="2000" dirty="0">
-                          <a:effectLst/>
-                          <a:latin typeface="Calibri"/>
-                          <a:ea typeface="Calibri"/>
-                          <a:cs typeface="Times New Roman"/>
-                        </a:rPr>
-                        <a:t>Jeder Nutzer hat durchschnittlich 10 Inhaltsstoffe in seiner </a:t>
-                      </a:r>
-                      <a:r>
-                        <a:rPr lang="de-DE" sz="2000" dirty="0" err="1">
-                          <a:effectLst/>
-                          <a:latin typeface="Calibri"/>
-                          <a:ea typeface="Calibri"/>
-                          <a:cs typeface="Times New Roman"/>
-                        </a:rPr>
-                        <a:t>Blacklist</a:t>
-                      </a:r>
-                      <a:r>
-                        <a:rPr lang="de-DE" sz="2000" dirty="0">
-                          <a:effectLst/>
-                          <a:latin typeface="Calibri"/>
-                          <a:ea typeface="Calibri"/>
-                          <a:cs typeface="Times New Roman"/>
-                        </a:rPr>
-                        <a:t>.</a:t>
-                      </a:r>
-                    </a:p>
-                  </a:txBody>
-                  <a:tcPr marL="68580" marR="68580" marT="0" marB="0"/>
-                </a:tc>
-              </a:tr>
-              <a:tr h="269096">
-                <a:tc>
-                  <a:txBody>
-                    <a:bodyPr/>
-                    <a:lstStyle/>
-                    <a:p>
-                      <a:pPr algn="ctr">
-                        <a:lnSpc>
-                          <a:spcPct val="107000"/>
-                        </a:lnSpc>
-                        <a:spcAft>
-                          <a:spcPts val="0"/>
-                        </a:spcAft>
-                      </a:pPr>
-                      <a:r>
-                        <a:rPr lang="de-DE" sz="2000" b="1">
-                          <a:effectLst/>
-                          <a:latin typeface="Calibri"/>
-                          <a:ea typeface="Calibri"/>
-                          <a:cs typeface="Times New Roman"/>
-                        </a:rPr>
-                        <a:t>N20</a:t>
-                      </a:r>
-                      <a:endParaRPr lang="de-DE" sz="2000">
-                        <a:effectLst/>
-                        <a:latin typeface="Calibri"/>
-                        <a:ea typeface="Calibri"/>
-                        <a:cs typeface="Times New Roman"/>
-                      </a:endParaRPr>
-                    </a:p>
-                  </a:txBody>
-                  <a:tcPr marL="68580" marR="68580" marT="0" marB="0"/>
+                  <a:tcPr marL="68580" marR="68580" marT="0" marB="0">
+                    <a:solidFill>
+                      <a:schemeClr val="bg2">
+                        <a:lumMod val="50000"/>
+                      </a:schemeClr>
+                    </a:solidFill>
+                  </a:tcPr>
                 </a:tc>
                 <a:tc>
                   <a:txBody>
@@ -9036,7 +10013,9 @@
                   </a:txBody>
                   <a:tcPr marL="68580" marR="68580" marT="0" marB="0">
                     <a:solidFill>
-                      <a:schemeClr val="accent1"/>
+                      <a:schemeClr val="bg2">
+                        <a:lumMod val="50000"/>
+                      </a:schemeClr>
                     </a:solidFill>
                   </a:tcPr>
                 </a:tc>
@@ -9056,7 +10035,7 @@
                         </a:spcAft>
                       </a:pPr>
                       <a:r>
-                        <a:rPr lang="de-DE" sz="2000" b="1">
+                        <a:rPr lang="de-DE" sz="2000" b="1" dirty="0">
                           <a:effectLst/>
                           <a:latin typeface="Calibri"/>
                           <a:ea typeface="Calibri"/>
@@ -9064,7 +10043,7 @@
                         </a:rPr>
                         <a:t>N20.1</a:t>
                       </a:r>
-                      <a:endParaRPr lang="de-DE" sz="2000">
+                      <a:endParaRPr lang="de-DE" sz="2000" dirty="0">
                         <a:effectLst/>
                         <a:latin typeface="Calibri"/>
                         <a:ea typeface="Calibri"/>
@@ -9072,7 +10051,13 @@
                       </a:endParaRPr>
                     </a:p>
                   </a:txBody>
-                  <a:tcPr marL="68580" marR="68580" marT="0" marB="0"/>
+                  <a:tcPr marL="68580" marR="68580" marT="0" marB="0">
+                    <a:solidFill>
+                      <a:schemeClr val="bg2">
+                        <a:lumMod val="50000"/>
+                      </a:schemeClr>
+                    </a:solidFill>
+                  </a:tcPr>
                 </a:tc>
                 <a:tc>
                   <a:txBody>
@@ -9116,7 +10101,7 @@
                         </a:spcAft>
                       </a:pPr>
                       <a:r>
-                        <a:rPr lang="de-DE" sz="2000" b="1">
+                        <a:rPr lang="de-DE" sz="2000" b="1" dirty="0">
                           <a:effectLst/>
                           <a:latin typeface="Calibri"/>
                           <a:ea typeface="Calibri"/>
@@ -9124,7 +10109,7 @@
                         </a:rPr>
                         <a:t>N20.2</a:t>
                       </a:r>
-                      <a:endParaRPr lang="de-DE" sz="2000">
+                      <a:endParaRPr lang="de-DE" sz="2000" dirty="0">
                         <a:effectLst/>
                         <a:latin typeface="Calibri"/>
                         <a:ea typeface="Calibri"/>
@@ -9132,7 +10117,13 @@
                       </a:endParaRPr>
                     </a:p>
                   </a:txBody>
-                  <a:tcPr marL="68580" marR="68580" marT="0" marB="0"/>
+                  <a:tcPr marL="68580" marR="68580" marT="0" marB="0">
+                    <a:solidFill>
+                      <a:schemeClr val="bg2">
+                        <a:lumMod val="50000"/>
+                      </a:schemeClr>
+                    </a:solidFill>
+                  </a:tcPr>
                 </a:tc>
                 <a:tc>
                   <a:txBody>
@@ -9179,7 +10170,7 @@
                         </a:spcAft>
                       </a:pPr>
                       <a:r>
-                        <a:rPr lang="de-DE" sz="2000" b="1">
+                        <a:rPr lang="de-DE" sz="2000" b="1" dirty="0">
                           <a:effectLst/>
                           <a:latin typeface="Calibri"/>
                           <a:ea typeface="Calibri"/>
@@ -9187,7 +10178,7 @@
                         </a:rPr>
                         <a:t>N20.3</a:t>
                       </a:r>
-                      <a:endParaRPr lang="de-DE" sz="2000">
+                      <a:endParaRPr lang="de-DE" sz="2000" dirty="0">
                         <a:effectLst/>
                         <a:latin typeface="Calibri"/>
                         <a:ea typeface="Calibri"/>
@@ -9195,7 +10186,13 @@
                       </a:endParaRPr>
                     </a:p>
                   </a:txBody>
-                  <a:tcPr marL="68580" marR="68580" marT="0" marB="0"/>
+                  <a:tcPr marL="68580" marR="68580" marT="0" marB="0">
+                    <a:solidFill>
+                      <a:schemeClr val="bg2">
+                        <a:lumMod val="50000"/>
+                      </a:schemeClr>
+                    </a:solidFill>
+                  </a:tcPr>
                 </a:tc>
                 <a:tc>
                   <a:txBody>
@@ -9257,7 +10254,7 @@
                         </a:spcAft>
                       </a:pPr>
                       <a:r>
-                        <a:rPr lang="de-DE" sz="2000" b="1">
+                        <a:rPr lang="de-DE" sz="2000" b="1" dirty="0">
                           <a:effectLst/>
                           <a:latin typeface="Calibri"/>
                           <a:ea typeface="Calibri"/>
@@ -9265,7 +10262,7 @@
                         </a:rPr>
                         <a:t>N30</a:t>
                       </a:r>
-                      <a:endParaRPr lang="de-DE" sz="2000">
+                      <a:endParaRPr lang="de-DE" sz="2000" dirty="0">
                         <a:effectLst/>
                         <a:latin typeface="Calibri"/>
                         <a:ea typeface="Calibri"/>
@@ -9273,7 +10270,13 @@
                       </a:endParaRPr>
                     </a:p>
                   </a:txBody>
-                  <a:tcPr marL="68580" marR="68580" marT="0" marB="0"/>
+                  <a:tcPr marL="68580" marR="68580" marT="0" marB="0">
+                    <a:solidFill>
+                      <a:schemeClr val="bg2">
+                        <a:lumMod val="50000"/>
+                      </a:schemeClr>
+                    </a:solidFill>
+                  </a:tcPr>
                 </a:tc>
                 <a:tc>
                   <a:txBody>
@@ -9304,7 +10307,9 @@
                   </a:txBody>
                   <a:tcPr marL="68580" marR="68580" marT="0" marB="0">
                     <a:solidFill>
-                      <a:schemeClr val="accent1"/>
+                      <a:schemeClr val="bg2">
+                        <a:lumMod val="50000"/>
+                      </a:schemeClr>
                     </a:solidFill>
                   </a:tcPr>
                 </a:tc>
@@ -9324,7 +10329,7 @@
                         </a:spcAft>
                       </a:pPr>
                       <a:r>
-                        <a:rPr lang="de-DE" sz="2000" b="1">
+                        <a:rPr lang="de-DE" sz="2000" b="1" dirty="0">
                           <a:effectLst/>
                           <a:latin typeface="Calibri"/>
                           <a:ea typeface="Calibri"/>
@@ -9332,7 +10337,7 @@
                         </a:rPr>
                         <a:t>N30.1</a:t>
                       </a:r>
-                      <a:endParaRPr lang="de-DE" sz="2000">
+                      <a:endParaRPr lang="de-DE" sz="2000" dirty="0">
                         <a:effectLst/>
                         <a:latin typeface="Calibri"/>
                         <a:ea typeface="Calibri"/>
@@ -9340,7 +10345,13 @@
                       </a:endParaRPr>
                     </a:p>
                   </a:txBody>
-                  <a:tcPr marL="68580" marR="68580" marT="0" marB="0"/>
+                  <a:tcPr marL="68580" marR="68580" marT="0" marB="0">
+                    <a:solidFill>
+                      <a:schemeClr val="bg2">
+                        <a:lumMod val="50000"/>
+                      </a:schemeClr>
+                    </a:solidFill>
+                  </a:tcPr>
                 </a:tc>
                 <a:tc>
                   <a:txBody>
@@ -9451,7 +10462,7 @@
             <p:ph idx="1"/>
             <p:extLst>
               <p:ext uri="{D42A27DB-BD31-4B8C-83A1-F6EECF244321}">
-                <p14:modId xmlns:p14="http://schemas.microsoft.com/office/powerpoint/2010/main" val="1393544634"/>
+                <p14:modId xmlns:p14="http://schemas.microsoft.com/office/powerpoint/2010/main" val="50160744"/>
               </p:ext>
             </p:extLst>
           </p:nvPr>
@@ -9500,7 +10511,9 @@
                   </a:txBody>
                   <a:tcPr marL="68580" marR="68580" marT="0" marB="0">
                     <a:solidFill>
-                      <a:schemeClr val="accent1"/>
+                      <a:schemeClr val="bg2">
+                        <a:lumMod val="50000"/>
+                      </a:schemeClr>
                     </a:solidFill>
                   </a:tcPr>
                 </a:tc>
@@ -9533,7 +10546,9 @@
                   </a:txBody>
                   <a:tcPr marL="68580" marR="68580" marT="0" marB="0">
                     <a:solidFill>
-                      <a:schemeClr val="accent1"/>
+                      <a:schemeClr val="bg2">
+                        <a:lumMod val="50000"/>
+                      </a:schemeClr>
                     </a:solidFill>
                   </a:tcPr>
                 </a:tc>
@@ -9572,7 +10587,13 @@
                       </a:endParaRPr>
                     </a:p>
                   </a:txBody>
-                  <a:tcPr marL="68580" marR="68580" marT="0" marB="0"/>
+                  <a:tcPr marL="68580" marR="68580" marT="0" marB="0">
+                    <a:solidFill>
+                      <a:schemeClr val="bg2">
+                        <a:lumMod val="50000"/>
+                      </a:schemeClr>
+                    </a:solidFill>
+                  </a:tcPr>
                 </a:tc>
                 <a:tc>
                   <a:txBody>
@@ -9609,7 +10630,9 @@
                   </a:txBody>
                   <a:tcPr marL="68580" marR="68580" marT="0" marB="0">
                     <a:solidFill>
-                      <a:schemeClr val="accent1"/>
+                      <a:schemeClr val="bg2">
+                        <a:lumMod val="50000"/>
+                      </a:schemeClr>
                     </a:solidFill>
                   </a:tcPr>
                 </a:tc>
@@ -9629,13 +10652,211 @@
                         </a:spcAft>
                       </a:pPr>
                       <a:r>
-                        <a:rPr lang="de-DE" sz="1800" b="1">
+                        <a:rPr lang="de-DE" sz="1800" b="1" dirty="0">
                           <a:effectLst/>
                           <a:latin typeface="Calibri"/>
                           <a:ea typeface="Calibri"/>
                           <a:cs typeface="Times New Roman"/>
                         </a:rPr>
                         <a:t>N40.1</a:t>
+                      </a:r>
+                      <a:endParaRPr lang="de-DE" sz="1800" dirty="0">
+                        <a:effectLst/>
+                        <a:latin typeface="Calibri"/>
+                        <a:ea typeface="Calibri"/>
+                        <a:cs typeface="Times New Roman"/>
+                      </a:endParaRPr>
+                    </a:p>
+                  </a:txBody>
+                  <a:tcPr marL="68580" marR="68580" marT="0" marB="0">
+                    <a:solidFill>
+                      <a:schemeClr val="bg2">
+                        <a:lumMod val="50000"/>
+                      </a:schemeClr>
+                    </a:solidFill>
+                  </a:tcPr>
+                </a:tc>
+                <a:tc>
+                  <a:txBody>
+                    <a:bodyPr/>
+                    <a:lstStyle/>
+                    <a:p>
+                      <a:pPr algn="ctr">
+                        <a:lnSpc>
+                          <a:spcPct val="107000"/>
+                        </a:lnSpc>
+                        <a:spcAft>
+                          <a:spcPts val="0"/>
+                        </a:spcAft>
+                      </a:pPr>
+                      <a:r>
+                        <a:rPr lang="de-DE" sz="1800" dirty="0">
+                          <a:effectLst/>
+                          <a:latin typeface="Calibri"/>
+                          <a:ea typeface="Calibri"/>
+                          <a:cs typeface="Times New Roman"/>
+                        </a:rPr>
+                        <a:t>Der Server soll für die Bearbeitung einer Anfrage maximal 100ms brauchen.</a:t>
+                      </a:r>
+                    </a:p>
+                  </a:txBody>
+                  <a:tcPr marL="68580" marR="68580" marT="0" marB="0"/>
+                </a:tc>
+              </a:tr>
+              <a:tr h="286603">
+                <a:tc>
+                  <a:txBody>
+                    <a:bodyPr/>
+                    <a:lstStyle/>
+                    <a:p>
+                      <a:pPr algn="ctr">
+                        <a:lnSpc>
+                          <a:spcPct val="107000"/>
+                        </a:lnSpc>
+                        <a:spcAft>
+                          <a:spcPts val="0"/>
+                        </a:spcAft>
+                      </a:pPr>
+                      <a:r>
+                        <a:rPr lang="de-DE" sz="1800" b="1" dirty="0">
+                          <a:effectLst/>
+                          <a:latin typeface="Calibri"/>
+                          <a:ea typeface="Calibri"/>
+                          <a:cs typeface="Times New Roman"/>
+                        </a:rPr>
+                        <a:t>N40.2</a:t>
+                      </a:r>
+                      <a:endParaRPr lang="de-DE" sz="1800" dirty="0">
+                        <a:effectLst/>
+                        <a:latin typeface="Calibri"/>
+                        <a:ea typeface="Calibri"/>
+                        <a:cs typeface="Times New Roman"/>
+                      </a:endParaRPr>
+                    </a:p>
+                  </a:txBody>
+                  <a:tcPr marL="68580" marR="68580" marT="0" marB="0">
+                    <a:solidFill>
+                      <a:schemeClr val="bg2">
+                        <a:lumMod val="50000"/>
+                      </a:schemeClr>
+                    </a:solidFill>
+                  </a:tcPr>
+                </a:tc>
+                <a:tc>
+                  <a:txBody>
+                    <a:bodyPr/>
+                    <a:lstStyle/>
+                    <a:p>
+                      <a:pPr algn="ctr">
+                        <a:lnSpc>
+                          <a:spcPct val="107000"/>
+                        </a:lnSpc>
+                        <a:spcAft>
+                          <a:spcPts val="0"/>
+                        </a:spcAft>
+                      </a:pPr>
+                      <a:r>
+                        <a:rPr lang="de-DE" sz="1800">
+                          <a:effectLst/>
+                          <a:latin typeface="Calibri"/>
+                          <a:ea typeface="Calibri"/>
+                          <a:cs typeface="Times New Roman"/>
+                        </a:rPr>
+                        <a:t>Es wird von maximal 60 Anfragen pro Minute unter Volllast ausgegangen.</a:t>
+                      </a:r>
+                    </a:p>
+                  </a:txBody>
+                  <a:tcPr marL="68580" marR="68580" marT="0" marB="0"/>
+                </a:tc>
+              </a:tr>
+              <a:tr h="544232">
+                <a:tc>
+                  <a:txBody>
+                    <a:bodyPr/>
+                    <a:lstStyle/>
+                    <a:p>
+                      <a:pPr algn="ctr">
+                        <a:lnSpc>
+                          <a:spcPct val="107000"/>
+                        </a:lnSpc>
+                        <a:spcAft>
+                          <a:spcPts val="0"/>
+                        </a:spcAft>
+                      </a:pPr>
+                      <a:r>
+                        <a:rPr lang="de-DE" sz="1800" b="1" dirty="0">
+                          <a:effectLst/>
+                          <a:latin typeface="Calibri"/>
+                          <a:ea typeface="Calibri"/>
+                          <a:cs typeface="Times New Roman"/>
+                        </a:rPr>
+                        <a:t>N40.3</a:t>
+                      </a:r>
+                      <a:endParaRPr lang="de-DE" sz="1800" dirty="0">
+                        <a:effectLst/>
+                        <a:latin typeface="Calibri"/>
+                        <a:ea typeface="Calibri"/>
+                        <a:cs typeface="Times New Roman"/>
+                      </a:endParaRPr>
+                    </a:p>
+                  </a:txBody>
+                  <a:tcPr marL="68580" marR="68580" marT="0" marB="0">
+                    <a:solidFill>
+                      <a:schemeClr val="bg2">
+                        <a:lumMod val="50000"/>
+                      </a:schemeClr>
+                    </a:solidFill>
+                  </a:tcPr>
+                </a:tc>
+                <a:tc>
+                  <a:txBody>
+                    <a:bodyPr/>
+                    <a:lstStyle/>
+                    <a:p>
+                      <a:pPr algn="ctr">
+                        <a:lnSpc>
+                          <a:spcPct val="107000"/>
+                        </a:lnSpc>
+                        <a:spcAft>
+                          <a:spcPts val="0"/>
+                        </a:spcAft>
+                      </a:pPr>
+                      <a:r>
+                        <a:rPr lang="de-DE" sz="1800">
+                          <a:effectLst/>
+                          <a:latin typeface="Calibri"/>
+                          <a:ea typeface="Calibri"/>
+                          <a:cs typeface="Times New Roman"/>
+                        </a:rPr>
+                        <a:t>Da die App vorerst nicht kommerziell betrieben wird, ist eine hohe Verfügbarkeit nicht wichtig. Eine Verfügbarkeit des Webservices von 98% im Jahreszeitraum ist damit ausreichend.</a:t>
+                      </a:r>
+                    </a:p>
+                  </a:txBody>
+                  <a:tcPr marL="68580" marR="68580" marT="0" marB="0"/>
+                </a:tc>
+              </a:tr>
+              <a:tr h="301930">
+                <a:tc>
+                  <a:txBody>
+                    <a:bodyPr/>
+                    <a:lstStyle/>
+                    <a:p>
+                      <a:pPr algn="ctr">
+                        <a:lnSpc>
+                          <a:spcPct val="107000"/>
+                        </a:lnSpc>
+                        <a:spcAft>
+                          <a:spcPts val="0"/>
+                        </a:spcAft>
+                      </a:pPr>
+                      <a:r>
+                        <a:rPr lang="de-DE" sz="1800" b="1">
+                          <a:effectLst/>
+                          <a:latin typeface="Calibri"/>
+                          <a:ea typeface="Calibri"/>
+                          <a:cs typeface="Times New Roman"/>
+                        </a:rPr>
+                        <a:t>N50</a:t>
                       </a:r>
                       <a:endParaRPr lang="de-DE" sz="1800">
                         <a:effectLst/>
@@ -9645,7 +10866,13 @@
                       </a:endParaRPr>
                     </a:p>
                   </a:txBody>
-                  <a:tcPr marL="68580" marR="68580" marT="0" marB="0"/>
+                  <a:tcPr marL="68580" marR="68580" marT="0" marB="0">
+                    <a:solidFill>
+                      <a:schemeClr val="bg2">
+                        <a:lumMod val="50000"/>
+                      </a:schemeClr>
+                    </a:solidFill>
+                  </a:tcPr>
                 </a:tc>
                 <a:tc>
                   <a:txBody>
@@ -9662,42 +10889,51 @@
                       </a:pPr>
                       <a:r>
                         <a:rPr lang="de-DE" sz="1800" dirty="0">
+                          <a:solidFill>
+                            <a:schemeClr val="bg1"/>
+                          </a:solidFill>
                           <a:effectLst/>
                           <a:latin typeface="Calibri"/>
                           <a:ea typeface="Calibri"/>
                           <a:cs typeface="Times New Roman"/>
                         </a:rPr>
-                        <a:t>Der Server soll für die Bearbeitung einer Anfrage maximal 100ms brauchen.</a:t>
-                      </a:r>
-                    </a:p>
-                  </a:txBody>
-                  <a:tcPr marL="68580" marR="68580" marT="0" marB="0"/>
+                        <a:t>Wartbarkeit</a:t>
+                      </a:r>
+                    </a:p>
+                  </a:txBody>
+                  <a:tcPr marL="68580" marR="68580" marT="0" marB="0">
+                    <a:solidFill>
+                      <a:schemeClr val="bg2">
+                        <a:lumMod val="50000"/>
+                      </a:schemeClr>
+                    </a:solidFill>
+                  </a:tcPr>
                 </a:tc>
               </a:tr>
-              <a:tr h="286603">
-                <a:tc>
-                  <a:txBody>
-                    <a:bodyPr/>
-                    <a:lstStyle/>
-                    <a:p>
-                      <a:pPr algn="ctr">
-                        <a:lnSpc>
-                          <a:spcPct val="107000"/>
-                        </a:lnSpc>
-                        <a:spcAft>
-                          <a:spcPts val="0"/>
-                        </a:spcAft>
-                      </a:pPr>
-                      <a:r>
-                        <a:rPr lang="de-DE" sz="1800" b="1">
+              <a:tr h="163773">
+                <a:tc>
+                  <a:txBody>
+                    <a:bodyPr/>
+                    <a:lstStyle/>
+                    <a:p>
+                      <a:pPr algn="ctr">
+                        <a:lnSpc>
+                          <a:spcPct val="107000"/>
+                        </a:lnSpc>
+                        <a:spcAft>
+                          <a:spcPts val="0"/>
+                        </a:spcAft>
+                      </a:pPr>
+                      <a:r>
+                        <a:rPr lang="de-DE" sz="1800" b="1" dirty="0">
                           <a:effectLst/>
                           <a:latin typeface="Calibri"/>
                           <a:ea typeface="Calibri"/>
                           <a:cs typeface="Times New Roman"/>
                         </a:rPr>
-                        <a:t>N40.2</a:t>
-                      </a:r>
-                      <a:endParaRPr lang="de-DE" sz="1800">
+                        <a:t>N50.1</a:t>
+                      </a:r>
+                      <a:endParaRPr lang="de-DE" sz="1800" dirty="0">
                         <a:effectLst/>
                         <a:latin typeface="Calibri"/>
                         <a:ea typeface="Calibri"/>
@@ -9705,7 +10941,13 @@
                       </a:endParaRPr>
                     </a:p>
                   </a:txBody>
-                  <a:tcPr marL="68580" marR="68580" marT="0" marB="0"/>
+                  <a:tcPr marL="68580" marR="68580" marT="0" marB="0">
+                    <a:solidFill>
+                      <a:schemeClr val="bg2">
+                        <a:lumMod val="50000"/>
+                      </a:schemeClr>
+                    </a:solidFill>
+                  </a:tcPr>
                 </a:tc>
                 <a:tc>
                   <a:txBody>
@@ -9727,7 +10969,7 @@
                           <a:ea typeface="Calibri"/>
                           <a:cs typeface="Times New Roman"/>
                         </a:rPr>
-                        <a:t>Es wird von maximal 60 Anfragen pro Minute unter Volllast ausgegangen.</a:t>
+                        <a:t>Für die Qualität und Einheitlichkeit des Codes wird ein Styleguide definiert, dem der produzierte Code entsprechen muss.</a:t>
                       </a:r>
                     </a:p>
                   </a:txBody>
@@ -9749,15 +10991,15 @@
                         </a:spcAft>
                       </a:pPr>
                       <a:r>
-                        <a:rPr lang="de-DE" sz="1800" b="1">
+                        <a:rPr lang="de-DE" sz="1800" b="1" dirty="0">
                           <a:effectLst/>
                           <a:latin typeface="Calibri"/>
                           <a:ea typeface="Calibri"/>
                           <a:cs typeface="Times New Roman"/>
                         </a:rPr>
-                        <a:t>N40.3</a:t>
-                      </a:r>
-                      <a:endParaRPr lang="de-DE" sz="1800">
+                        <a:t>N50.2</a:t>
+                      </a:r>
+                      <a:endParaRPr lang="de-DE" sz="1800" dirty="0">
                         <a:effectLst/>
                         <a:latin typeface="Calibri"/>
                         <a:ea typeface="Calibri"/>
@@ -9765,59 +11007,92 @@
                       </a:endParaRPr>
                     </a:p>
                   </a:txBody>
-                  <a:tcPr marL="68580" marR="68580" marT="0" marB="0"/>
-                </a:tc>
-                <a:tc>
-                  <a:txBody>
-                    <a:bodyPr/>
-                    <a:lstStyle/>
-                    <a:p>
-                      <a:pPr algn="ctr">
-                        <a:lnSpc>
-                          <a:spcPct val="107000"/>
-                        </a:lnSpc>
-                        <a:spcAft>
-                          <a:spcPts val="0"/>
-                        </a:spcAft>
-                      </a:pPr>
-                      <a:r>
-                        <a:rPr lang="de-DE" sz="1800">
+                  <a:tcPr marL="68580" marR="68580" marT="0" marB="0">
+                    <a:solidFill>
+                      <a:schemeClr val="bg2">
+                        <a:lumMod val="50000"/>
+                      </a:schemeClr>
+                    </a:solidFill>
+                  </a:tcPr>
+                </a:tc>
+                <a:tc>
+                  <a:txBody>
+                    <a:bodyPr/>
+                    <a:lstStyle/>
+                    <a:p>
+                      <a:pPr algn="ctr">
+                        <a:lnSpc>
+                          <a:spcPct val="107000"/>
+                        </a:lnSpc>
+                        <a:spcAft>
+                          <a:spcPts val="0"/>
+                        </a:spcAft>
+                      </a:pPr>
+                      <a:r>
+                        <a:rPr lang="de-DE" sz="1800" dirty="0">
+                          <a:solidFill>
+                            <a:srgbClr val="FF9900"/>
+                          </a:solidFill>
                           <a:effectLst/>
                           <a:latin typeface="Calibri"/>
                           <a:ea typeface="Calibri"/>
                           <a:cs typeface="Times New Roman"/>
                         </a:rPr>
-                        <a:t>Da die App vorerst nicht kommerziell betrieben wird, ist eine hohe Verfügbarkeit nicht wichtig. Eine Verfügbarkeit des Webservices von 98% im Jahreszeitraum ist damit ausreichend.</a:t>
-                      </a:r>
-                    </a:p>
-                  </a:txBody>
-                  <a:tcPr marL="68580" marR="68580" marT="0" marB="0"/>
-                </a:tc>
-              </a:tr>
-              <a:tr h="301930">
-                <a:tc>
-                  <a:txBody>
-                    <a:bodyPr/>
-                    <a:lstStyle/>
-                    <a:p>
-                      <a:pPr algn="ctr">
-                        <a:lnSpc>
-                          <a:spcPct val="107000"/>
-                        </a:lnSpc>
-                        <a:spcAft>
-                          <a:spcPts val="0"/>
-                        </a:spcAft>
-                      </a:pPr>
-                      <a:r>
-                        <a:rPr lang="de-DE" sz="1800" b="1">
+                        <a:t>Der Code muss mit ausreichend Kommentaren ausgestattet sein. Für eine Automatische Dokumentationserstellung werden spezielle Kommentare erstellt, die automatisch verarbeitet werden. Diese Kommentare werden im </a:t>
+                      </a:r>
+                      <a:r>
+                        <a:rPr lang="de-DE" sz="1800" dirty="0" err="1">
+                          <a:solidFill>
+                            <a:srgbClr val="FF9900"/>
+                          </a:solidFill>
                           <a:effectLst/>
                           <a:latin typeface="Calibri"/>
                           <a:ea typeface="Calibri"/>
                           <a:cs typeface="Times New Roman"/>
                         </a:rPr>
-                        <a:t>N50</a:t>
-                      </a:r>
-                      <a:endParaRPr lang="de-DE" sz="1800">
+                        <a:t>Styleguide</a:t>
+                      </a:r>
+                      <a:r>
+                        <a:rPr lang="de-DE" sz="1800" dirty="0">
+                          <a:solidFill>
+                            <a:srgbClr val="FF9900"/>
+                          </a:solidFill>
+                          <a:effectLst/>
+                          <a:latin typeface="Calibri"/>
+                          <a:ea typeface="Calibri"/>
+                          <a:cs typeface="Times New Roman"/>
+                        </a:rPr>
+                        <a:t> festgehalten.</a:t>
+                      </a:r>
+                    </a:p>
+                  </a:txBody>
+                  <a:tcPr marL="68580" marR="68580" marT="0" marB="0"/>
+                </a:tc>
+              </a:tr>
+              <a:tr h="202753">
+                <a:tc>
+                  <a:txBody>
+                    <a:bodyPr/>
+                    <a:lstStyle/>
+                    <a:p>
+                      <a:pPr algn="ctr">
+                        <a:lnSpc>
+                          <a:spcPct val="107000"/>
+                        </a:lnSpc>
+                        <a:spcAft>
+                          <a:spcPts val="0"/>
+                        </a:spcAft>
+                      </a:pPr>
+                      <a:r>
+                        <a:rPr lang="de-DE" sz="1800" b="1" dirty="0">
+                          <a:effectLst/>
+                          <a:latin typeface="Calibri"/>
+                          <a:ea typeface="Calibri"/>
+                          <a:cs typeface="Times New Roman"/>
+                        </a:rPr>
+                        <a:t>N60</a:t>
+                      </a:r>
+                      <a:endParaRPr lang="de-DE" sz="1800" dirty="0">
                         <a:effectLst/>
                         <a:latin typeface="Calibri"/>
                         <a:ea typeface="Calibri"/>
@@ -9825,7 +11100,13 @@
                       </a:endParaRPr>
                     </a:p>
                   </a:txBody>
-                  <a:tcPr marL="68580" marR="68580" marT="0" marB="0"/>
+                  <a:tcPr marL="68580" marR="68580" marT="0" marB="0">
+                    <a:solidFill>
+                      <a:schemeClr val="bg2">
+                        <a:lumMod val="50000"/>
+                      </a:schemeClr>
+                    </a:solidFill>
+                  </a:tcPr>
                 </a:tc>
                 <a:tc>
                   <a:txBody>
@@ -9850,41 +11131,43 @@
                           <a:ea typeface="Calibri"/>
                           <a:cs typeface="Times New Roman"/>
                         </a:rPr>
-                        <a:t>Wartbarkeit</a:t>
+                        <a:t>Tests</a:t>
                       </a:r>
                     </a:p>
                   </a:txBody>
                   <a:tcPr marL="68580" marR="68580" marT="0" marB="0">
                     <a:solidFill>
-                      <a:schemeClr val="accent1"/>
+                      <a:schemeClr val="bg2">
+                        <a:lumMod val="50000"/>
+                      </a:schemeClr>
                     </a:solidFill>
                   </a:tcPr>
                 </a:tc>
               </a:tr>
-              <a:tr h="163773">
-                <a:tc>
-                  <a:txBody>
-                    <a:bodyPr/>
-                    <a:lstStyle/>
-                    <a:p>
-                      <a:pPr algn="ctr">
-                        <a:lnSpc>
-                          <a:spcPct val="107000"/>
-                        </a:lnSpc>
-                        <a:spcAft>
-                          <a:spcPts val="0"/>
-                        </a:spcAft>
-                      </a:pPr>
-                      <a:r>
-                        <a:rPr lang="de-DE" sz="1800" b="1">
+              <a:tr h="240055">
+                <a:tc>
+                  <a:txBody>
+                    <a:bodyPr/>
+                    <a:lstStyle/>
+                    <a:p>
+                      <a:pPr algn="ctr">
+                        <a:lnSpc>
+                          <a:spcPct val="107000"/>
+                        </a:lnSpc>
+                        <a:spcAft>
+                          <a:spcPts val="0"/>
+                        </a:spcAft>
+                      </a:pPr>
+                      <a:r>
+                        <a:rPr lang="de-DE" sz="1800" b="1" dirty="0">
                           <a:effectLst/>
                           <a:latin typeface="Calibri"/>
                           <a:ea typeface="Calibri"/>
                           <a:cs typeface="Times New Roman"/>
                         </a:rPr>
-                        <a:t>N50.1</a:t>
-                      </a:r>
-                      <a:endParaRPr lang="de-DE" sz="1800">
+                        <a:t>N60.1</a:t>
+                      </a:r>
+                      <a:endParaRPr lang="de-DE" sz="1800" dirty="0">
                         <a:effectLst/>
                         <a:latin typeface="Calibri"/>
                         <a:ea typeface="Calibri"/>
@@ -9892,221 +11175,13 @@
                       </a:endParaRPr>
                     </a:p>
                   </a:txBody>
-                  <a:tcPr marL="68580" marR="68580" marT="0" marB="0"/>
-                </a:tc>
-                <a:tc>
-                  <a:txBody>
-                    <a:bodyPr/>
-                    <a:lstStyle/>
-                    <a:p>
-                      <a:pPr algn="ctr">
-                        <a:lnSpc>
-                          <a:spcPct val="107000"/>
-                        </a:lnSpc>
-                        <a:spcAft>
-                          <a:spcPts val="0"/>
-                        </a:spcAft>
-                      </a:pPr>
-                      <a:r>
-                        <a:rPr lang="de-DE" sz="1800">
-                          <a:effectLst/>
-                          <a:latin typeface="Calibri"/>
-                          <a:ea typeface="Calibri"/>
-                          <a:cs typeface="Times New Roman"/>
-                        </a:rPr>
-                        <a:t>Für die Qualität und Einheitlichkeit des Codes wird ein Styleguide definiert, dem der produzierte Code entsprechen muss.</a:t>
-                      </a:r>
-                    </a:p>
-                  </a:txBody>
-                  <a:tcPr marL="68580" marR="68580" marT="0" marB="0"/>
-                </a:tc>
-              </a:tr>
-              <a:tr h="544232">
-                <a:tc>
-                  <a:txBody>
-                    <a:bodyPr/>
-                    <a:lstStyle/>
-                    <a:p>
-                      <a:pPr algn="ctr">
-                        <a:lnSpc>
-                          <a:spcPct val="107000"/>
-                        </a:lnSpc>
-                        <a:spcAft>
-                          <a:spcPts val="0"/>
-                        </a:spcAft>
-                      </a:pPr>
-                      <a:r>
-                        <a:rPr lang="de-DE" sz="1800" b="1">
-                          <a:effectLst/>
-                          <a:latin typeface="Calibri"/>
-                          <a:ea typeface="Calibri"/>
-                          <a:cs typeface="Times New Roman"/>
-                        </a:rPr>
-                        <a:t>N50.2</a:t>
-                      </a:r>
-                      <a:endParaRPr lang="de-DE" sz="1800">
-                        <a:effectLst/>
-                        <a:latin typeface="Calibri"/>
-                        <a:ea typeface="Calibri"/>
-                        <a:cs typeface="Times New Roman"/>
-                      </a:endParaRPr>
-                    </a:p>
-                  </a:txBody>
-                  <a:tcPr marL="68580" marR="68580" marT="0" marB="0"/>
-                </a:tc>
-                <a:tc>
-                  <a:txBody>
-                    <a:bodyPr/>
-                    <a:lstStyle/>
-                    <a:p>
-                      <a:pPr algn="ctr">
-                        <a:lnSpc>
-                          <a:spcPct val="107000"/>
-                        </a:lnSpc>
-                        <a:spcAft>
-                          <a:spcPts val="0"/>
-                        </a:spcAft>
-                      </a:pPr>
-                      <a:r>
-                        <a:rPr lang="de-DE" sz="1800" dirty="0">
-                          <a:solidFill>
-                            <a:srgbClr val="FF9900"/>
-                          </a:solidFill>
-                          <a:effectLst/>
-                          <a:latin typeface="Calibri"/>
-                          <a:ea typeface="Calibri"/>
-                          <a:cs typeface="Times New Roman"/>
-                        </a:rPr>
-                        <a:t>Der Code muss mit ausreichend Kommentaren ausgestattet sein. Für eine Automatische Dokumentationserstellung werden spezielle Kommentare erstellt, die automatisch verarbeitet werden. Diese Kommentare werden im </a:t>
-                      </a:r>
-                      <a:r>
-                        <a:rPr lang="de-DE" sz="1800" dirty="0" err="1">
-                          <a:solidFill>
-                            <a:srgbClr val="FF9900"/>
-                          </a:solidFill>
-                          <a:effectLst/>
-                          <a:latin typeface="Calibri"/>
-                          <a:ea typeface="Calibri"/>
-                          <a:cs typeface="Times New Roman"/>
-                        </a:rPr>
-                        <a:t>Styleguide</a:t>
-                      </a:r>
-                      <a:r>
-                        <a:rPr lang="de-DE" sz="1800" dirty="0">
-                          <a:solidFill>
-                            <a:srgbClr val="FF9900"/>
-                          </a:solidFill>
-                          <a:effectLst/>
-                          <a:latin typeface="Calibri"/>
-                          <a:ea typeface="Calibri"/>
-                          <a:cs typeface="Times New Roman"/>
-                        </a:rPr>
-                        <a:t> festgehalten.</a:t>
-                      </a:r>
-                    </a:p>
-                  </a:txBody>
-                  <a:tcPr marL="68580" marR="68580" marT="0" marB="0"/>
-                </a:tc>
-              </a:tr>
-              <a:tr h="202753">
-                <a:tc>
-                  <a:txBody>
-                    <a:bodyPr/>
-                    <a:lstStyle/>
-                    <a:p>
-                      <a:pPr algn="ctr">
-                        <a:lnSpc>
-                          <a:spcPct val="107000"/>
-                        </a:lnSpc>
-                        <a:spcAft>
-                          <a:spcPts val="0"/>
-                        </a:spcAft>
-                      </a:pPr>
-                      <a:r>
-                        <a:rPr lang="de-DE" sz="1800" b="1">
-                          <a:effectLst/>
-                          <a:latin typeface="Calibri"/>
-                          <a:ea typeface="Calibri"/>
-                          <a:cs typeface="Times New Roman"/>
-                        </a:rPr>
-                        <a:t>N60</a:t>
-                      </a:r>
-                      <a:endParaRPr lang="de-DE" sz="1800">
-                        <a:effectLst/>
-                        <a:latin typeface="Calibri"/>
-                        <a:ea typeface="Calibri"/>
-                        <a:cs typeface="Times New Roman"/>
-                      </a:endParaRPr>
-                    </a:p>
-                  </a:txBody>
-                  <a:tcPr marL="68580" marR="68580" marT="0" marB="0"/>
-                </a:tc>
-                <a:tc>
-                  <a:txBody>
-                    <a:bodyPr/>
-                    <a:lstStyle/>
-                    <a:p>
-                      <a:pPr algn="ctr">
-                        <a:lnSpc>
-                          <a:spcPct val="107000"/>
-                        </a:lnSpc>
-                        <a:spcAft>
-                          <a:spcPts val="0"/>
-                        </a:spcAft>
-                      </a:pPr>
-                      <a:r>
-                        <a:rPr lang="de-DE" sz="1800" dirty="0">
-                          <a:solidFill>
-                            <a:schemeClr val="bg1"/>
-                          </a:solidFill>
-                          <a:effectLst/>
-                          <a:latin typeface="Calibri"/>
-                          <a:ea typeface="Calibri"/>
-                          <a:cs typeface="Times New Roman"/>
-                        </a:rPr>
-                        <a:t>Tests</a:t>
-                      </a:r>
-                    </a:p>
-                  </a:txBody>
                   <a:tcPr marL="68580" marR="68580" marT="0" marB="0">
                     <a:solidFill>
-                      <a:schemeClr val="accent1"/>
+                      <a:schemeClr val="bg2">
+                        <a:lumMod val="50000"/>
+                      </a:schemeClr>
                     </a:solidFill>
                   </a:tcPr>
-                </a:tc>
-              </a:tr>
-              <a:tr h="240055">
-                <a:tc>
-                  <a:txBody>
-                    <a:bodyPr/>
-                    <a:lstStyle/>
-                    <a:p>
-                      <a:pPr algn="ctr">
-                        <a:lnSpc>
-                          <a:spcPct val="107000"/>
-                        </a:lnSpc>
-                        <a:spcAft>
-                          <a:spcPts val="0"/>
-                        </a:spcAft>
-                      </a:pPr>
-                      <a:r>
-                        <a:rPr lang="de-DE" sz="1800" b="1">
-                          <a:effectLst/>
-                          <a:latin typeface="Calibri"/>
-                          <a:ea typeface="Calibri"/>
-                          <a:cs typeface="Times New Roman"/>
-                        </a:rPr>
-                        <a:t>N60.1</a:t>
-                      </a:r>
-                      <a:endParaRPr lang="de-DE" sz="1800">
-                        <a:effectLst/>
-                        <a:latin typeface="Calibri"/>
-                        <a:ea typeface="Calibri"/>
-                        <a:cs typeface="Times New Roman"/>
-                      </a:endParaRPr>
-                    </a:p>
-                  </a:txBody>
-                  <a:tcPr marL="68580" marR="68580" marT="0" marB="0"/>
                 </a:tc>
                 <a:tc>
                   <a:txBody>
@@ -10293,7 +11368,6 @@
               <a:rPr lang="de-DE" dirty="0"/>
               <a:t>Live-Demo</a:t>
             </a:r>
-            <a:endParaRPr lang="de-DE" dirty="0"/>
           </a:p>
         </p:txBody>
       </p:sp>
@@ -10541,7 +11615,7 @@
   <a:extraClrSchemeLst/>
   <a:extLst>
     <a:ext uri="{05A4C25C-085E-4340-85A3-A5531E510DB2}">
-      <thm15:themeFamily xmlns="" xmlns:thm15="http://schemas.microsoft.com/office/thememl/2012/main" name="Office Theme" id="{62F939B6-93AF-4DB8-9C6B-D6C7DFDC589F}" vid="{4A3C46E8-61CC-4603-A589-7422A47A8E4A}"/>
+      <thm15:themeFamily xmlns:thm15="http://schemas.microsoft.com/office/thememl/2012/main" xmlns="" name="Office Theme" id="{62F939B6-93AF-4DB8-9C6B-D6C7DFDC589F}" vid="{4A3C46E8-61CC-4603-A589-7422A47A8E4A}"/>
     </a:ext>
   </a:extLst>
 </a:theme>

--- a/Docs/AbschlussPräsi.pptx
+++ b/Docs/AbschlussPräsi.pptx
@@ -133,7 +133,7 @@
   </p:defaultTextStyle>
   <p:extLst>
     <p:ext uri="{EFAFB233-063F-42B5-8137-9DF3F51BA10A}">
-      <p15:sldGuideLst xmlns:p15="http://schemas.microsoft.com/office/powerpoint/2012/main" xmlns=""/>
+      <p15:sldGuideLst xmlns="" xmlns:p15="http://schemas.microsoft.com/office/powerpoint/2012/main"/>
     </p:ext>
   </p:extLst>
 </p:presentation>
@@ -4517,10 +4517,9 @@
           <a:p>
             <a:pPr lvl="1"/>
             <a:r>
-              <a:rPr lang="de-DE" smtClean="0"/>
+              <a:rPr lang="de-DE" dirty="0" smtClean="0"/>
               <a:t>Future Vision</a:t>
             </a:r>
-            <a:endParaRPr lang="de-DE" dirty="0" smtClean="0"/>
           </a:p>
           <a:p>
             <a:pPr lvl="1"/>
@@ -5058,7 +5057,7 @@
               <a:buChar char="•"/>
             </a:pPr>
             <a:r>
-              <a:rPr lang="de-DE" sz="2800" dirty="0" smtClean="0">
+              <a:rPr lang="de-DE" dirty="0" smtClean="0">
                 <a:solidFill>
                   <a:srgbClr val="000000"/>
                 </a:solidFill>
@@ -5066,7 +5065,7 @@
               <a:t>Inhaltsstoffe </a:t>
             </a:r>
             <a:r>
-              <a:rPr lang="de-DE" sz="2800" dirty="0">
+              <a:rPr lang="de-DE" dirty="0">
                 <a:solidFill>
                   <a:srgbClr val="000000"/>
                 </a:solidFill>
@@ -5074,7 +5073,7 @@
               <a:t>(inkl. </a:t>
             </a:r>
             <a:r>
-              <a:rPr lang="de-DE" sz="2800" dirty="0" smtClean="0">
+              <a:rPr lang="de-DE" dirty="0" smtClean="0">
                 <a:solidFill>
                   <a:srgbClr val="000000"/>
                 </a:solidFill>
@@ -5089,7 +5088,7 @@
               <a:buChar char="•"/>
             </a:pPr>
             <a:r>
-              <a:rPr lang="de-DE" sz="2800" dirty="0" smtClean="0">
+              <a:rPr lang="de-DE" dirty="0" smtClean="0">
                 <a:solidFill>
                   <a:srgbClr val="000000"/>
                 </a:solidFill>
@@ -5127,7 +5126,7 @@
               <a:buChar char="•"/>
             </a:pPr>
             <a:r>
-              <a:rPr lang="de-DE" sz="2400" dirty="0" smtClean="0">
+              <a:rPr lang="de-DE" dirty="0" smtClean="0">
                 <a:solidFill>
                   <a:srgbClr val="000000"/>
                 </a:solidFill>
@@ -5142,7 +5141,7 @@
               <a:buChar char="•"/>
             </a:pPr>
             <a:r>
-              <a:rPr lang="de-DE" sz="2800" dirty="0" smtClean="0">
+              <a:rPr lang="de-DE" dirty="0" smtClean="0">
                 <a:solidFill>
                   <a:srgbClr val="000000"/>
                 </a:solidFill>
@@ -5150,7 +5149,7 @@
               <a:t>Gekoppelte </a:t>
             </a:r>
             <a:r>
-              <a:rPr lang="de-DE" sz="2800" dirty="0">
+              <a:rPr lang="de-DE" dirty="0">
                 <a:solidFill>
                   <a:srgbClr val="000000"/>
                 </a:solidFill>
@@ -5272,7 +5271,7 @@
               <a:buChar char="•"/>
             </a:pPr>
             <a:r>
-              <a:rPr lang="en-US" sz="2400" dirty="0" err="1" smtClean="0">
+              <a:rPr lang="en-US" dirty="0" err="1" smtClean="0">
                 <a:solidFill>
                   <a:srgbClr val="000000"/>
                 </a:solidFill>
@@ -5280,7 +5279,7 @@
               <a:t>Routen</a:t>
             </a:r>
             <a:r>
-              <a:rPr lang="en-US" sz="2400" dirty="0" smtClean="0">
+              <a:rPr lang="en-US" dirty="0" smtClean="0">
                 <a:solidFill>
                   <a:srgbClr val="000000"/>
                 </a:solidFill>
@@ -5288,7 +5287,7 @@
               <a:t> </a:t>
             </a:r>
             <a:r>
-              <a:rPr lang="en-US" sz="2400" dirty="0">
+              <a:rPr lang="en-US" dirty="0">
                 <a:solidFill>
                   <a:srgbClr val="000000"/>
                 </a:solidFill>
@@ -5296,7 +5295,7 @@
               <a:t>in </a:t>
             </a:r>
             <a:r>
-              <a:rPr lang="en-US" sz="2400" dirty="0" err="1">
+              <a:rPr lang="en-US" dirty="0" err="1">
                 <a:solidFill>
                   <a:srgbClr val="000000"/>
                 </a:solidFill>
@@ -5304,7 +5303,7 @@
               <a:t>php</a:t>
             </a:r>
             <a:r>
-              <a:rPr lang="en-US" sz="2400" dirty="0">
+              <a:rPr lang="en-US" dirty="0">
                 <a:solidFill>
                   <a:srgbClr val="000000"/>
                 </a:solidFill>
@@ -5312,7 +5311,7 @@
               <a:t> </a:t>
             </a:r>
             <a:r>
-              <a:rPr lang="en-US" sz="2400" dirty="0" err="1" smtClean="0">
+              <a:rPr lang="en-US" dirty="0" err="1" smtClean="0">
                 <a:solidFill>
                   <a:srgbClr val="000000"/>
                 </a:solidFill>
@@ -5327,7 +5326,7 @@
               <a:buChar char="•"/>
             </a:pPr>
             <a:r>
-              <a:rPr lang="en-US" sz="2800" dirty="0" smtClean="0">
+              <a:rPr lang="en-US" dirty="0" smtClean="0">
                 <a:solidFill>
                   <a:srgbClr val="000000"/>
                 </a:solidFill>
@@ -5335,7 +5334,7 @@
               <a:t>Web-</a:t>
             </a:r>
             <a:r>
-              <a:rPr lang="en-US" sz="2800" dirty="0" err="1" smtClean="0">
+              <a:rPr lang="en-US" dirty="0" err="1" smtClean="0">
                 <a:solidFill>
                   <a:srgbClr val="000000"/>
                 </a:solidFill>
@@ -5350,7 +5349,7 @@
               <a:buChar char="•"/>
             </a:pPr>
             <a:r>
-              <a:rPr lang="en-US" sz="2800" dirty="0" smtClean="0">
+              <a:rPr lang="en-US" dirty="0" smtClean="0">
                 <a:solidFill>
                   <a:srgbClr val="000000"/>
                 </a:solidFill>
@@ -5358,7 +5357,7 @@
               <a:t>HMD-</a:t>
             </a:r>
             <a:r>
-              <a:rPr lang="en-US" sz="2800" dirty="0" err="1" smtClean="0">
+              <a:rPr lang="en-US" dirty="0" err="1" smtClean="0">
                 <a:solidFill>
                   <a:srgbClr val="000000"/>
                 </a:solidFill>
@@ -5498,11 +5497,134 @@
           <a:bodyPr/>
           <a:lstStyle/>
           <a:p>
-            <a:r>
-              <a:rPr lang="de-DE" dirty="0" smtClean="0"/>
-              <a:t>1-2 Punkte zu Frontend</a:t>
-            </a:r>
-            <a:endParaRPr lang="de-DE" dirty="0"/>
+            <a:pPr>
+              <a:buFont typeface="Arial"/>
+              <a:buChar char="•"/>
+            </a:pPr>
+            <a:r>
+              <a:rPr lang="en-US" dirty="0" err="1">
+                <a:solidFill>
+                  <a:srgbClr val="000000"/>
+                </a:solidFill>
+              </a:rPr>
+              <a:t>Konfiguration</a:t>
+            </a:r>
+            <a:r>
+              <a:rPr lang="en-US" dirty="0">
+                <a:solidFill>
+                  <a:srgbClr val="000000"/>
+                </a:solidFill>
+              </a:rPr>
+              <a:t> der HMD-App </a:t>
+            </a:r>
+            <a:r>
+              <a:rPr lang="en-US" dirty="0" smtClean="0">
+                <a:solidFill>
+                  <a:srgbClr val="000000"/>
+                </a:solidFill>
+              </a:rPr>
+              <a:t>via</a:t>
+            </a:r>
+            <a:endParaRPr lang="en-US" dirty="0" smtClean="0"/>
+          </a:p>
+          <a:p>
+            <a:pPr lvl="1">
+              <a:buFont typeface="Arial"/>
+              <a:buChar char="•"/>
+            </a:pPr>
+            <a:r>
+              <a:rPr lang="en-US" dirty="0" smtClean="0">
+                <a:solidFill>
+                  <a:srgbClr val="000000"/>
+                </a:solidFill>
+              </a:rPr>
+              <a:t>Desktop</a:t>
+            </a:r>
+            <a:endParaRPr lang="en-US" dirty="0" smtClean="0"/>
+          </a:p>
+          <a:p>
+            <a:pPr lvl="1">
+              <a:buFont typeface="Arial"/>
+              <a:buChar char="•"/>
+            </a:pPr>
+            <a:r>
+              <a:rPr lang="en-US" dirty="0" smtClean="0">
+                <a:solidFill>
+                  <a:srgbClr val="000000"/>
+                </a:solidFill>
+              </a:rPr>
+              <a:t>Tablet</a:t>
+            </a:r>
+            <a:endParaRPr lang="en-US" dirty="0" smtClean="0"/>
+          </a:p>
+          <a:p>
+            <a:pPr lvl="1">
+              <a:buFont typeface="Arial"/>
+              <a:buChar char="•"/>
+            </a:pPr>
+            <a:r>
+              <a:rPr lang="en-US" dirty="0" smtClean="0">
+                <a:solidFill>
+                  <a:srgbClr val="000000"/>
+                </a:solidFill>
+              </a:rPr>
+              <a:t>Smartphone</a:t>
+            </a:r>
+            <a:endParaRPr lang="en-US" dirty="0" smtClean="0"/>
+          </a:p>
+          <a:p>
+            <a:pPr lvl="1">
+              <a:buFont typeface="Arial"/>
+              <a:buChar char="•"/>
+            </a:pPr>
+            <a:endParaRPr lang="en-US" dirty="0"/>
+          </a:p>
+          <a:p>
+            <a:pPr>
+              <a:buFont typeface="Arial"/>
+              <a:buChar char="•"/>
+            </a:pPr>
+            <a:r>
+              <a:rPr lang="en-US" dirty="0" err="1">
+                <a:solidFill>
+                  <a:srgbClr val="000000"/>
+                </a:solidFill>
+              </a:rPr>
+              <a:t>Keine</a:t>
+            </a:r>
+            <a:r>
+              <a:rPr lang="en-US" dirty="0">
+                <a:solidFill>
+                  <a:srgbClr val="000000"/>
+                </a:solidFill>
+              </a:rPr>
+              <a:t> </a:t>
+            </a:r>
+            <a:r>
+              <a:rPr lang="en-US" dirty="0" err="1">
+                <a:solidFill>
+                  <a:srgbClr val="000000"/>
+                </a:solidFill>
+              </a:rPr>
+              <a:t>komplizierten</a:t>
+            </a:r>
+            <a:r>
+              <a:rPr lang="en-US" dirty="0">
+                <a:solidFill>
+                  <a:srgbClr val="000000"/>
+                </a:solidFill>
+              </a:rPr>
+              <a:t> </a:t>
+            </a:r>
+            <a:r>
+              <a:rPr lang="en-US" dirty="0" err="1">
+                <a:solidFill>
+                  <a:srgbClr val="000000"/>
+                </a:solidFill>
+              </a:rPr>
+              <a:t>Eingabemethoden</a:t>
+            </a:r>
+            <a:endParaRPr lang="en-US" dirty="0"/>
           </a:p>
         </p:txBody>
       </p:sp>
@@ -5587,23 +5709,302 @@
           <a:bodyPr/>
           <a:lstStyle/>
           <a:p>
-            <a:r>
-              <a:rPr lang="de-DE" dirty="0" smtClean="0"/>
-              <a:t>2-3 Punkte zur </a:t>
-            </a:r>
-            <a:r>
-              <a:rPr lang="de-DE" dirty="0" err="1" smtClean="0"/>
-              <a:t>Vuzix</a:t>
-            </a:r>
-            <a:r>
-              <a:rPr lang="de-DE" dirty="0" smtClean="0"/>
+            <a:pPr>
+              <a:buFont typeface="Arial"/>
+              <a:buChar char="•"/>
+            </a:pPr>
+            <a:r>
+              <a:rPr lang="en-US" dirty="0" err="1">
+                <a:solidFill>
+                  <a:srgbClr val="000000"/>
+                </a:solidFill>
+              </a:rPr>
+              <a:t>Produkt</a:t>
+            </a:r>
+            <a:r>
+              <a:rPr lang="en-US" dirty="0">
+                <a:solidFill>
+                  <a:srgbClr val="000000"/>
+                </a:solidFill>
+              </a:rPr>
               <a:t> </a:t>
             </a:r>
             <a:r>
-              <a:rPr lang="de-DE" dirty="0" err="1" smtClean="0"/>
-              <a:t>app</a:t>
-            </a:r>
-            <a:endParaRPr lang="de-DE" dirty="0"/>
+              <a:rPr lang="en-US" dirty="0" err="1">
+                <a:solidFill>
+                  <a:srgbClr val="000000"/>
+                </a:solidFill>
+              </a:rPr>
+              <a:t>beim</a:t>
+            </a:r>
+            <a:r>
+              <a:rPr lang="en-US" dirty="0">
+                <a:solidFill>
+                  <a:srgbClr val="000000"/>
+                </a:solidFill>
+              </a:rPr>
+              <a:t> </a:t>
+            </a:r>
+            <a:r>
+              <a:rPr lang="en-US" dirty="0" err="1">
+                <a:solidFill>
+                  <a:srgbClr val="000000"/>
+                </a:solidFill>
+              </a:rPr>
+              <a:t>Einkauf</a:t>
+            </a:r>
+            <a:r>
+              <a:rPr lang="en-US" dirty="0">
+                <a:solidFill>
+                  <a:srgbClr val="000000"/>
+                </a:solidFill>
+              </a:rPr>
+              <a:t> </a:t>
+            </a:r>
+            <a:r>
+              <a:rPr lang="en-US" dirty="0" err="1" smtClean="0">
+                <a:solidFill>
+                  <a:srgbClr val="000000"/>
+                </a:solidFill>
+              </a:rPr>
+              <a:t>überprüfen</a:t>
+            </a:r>
+            <a:endParaRPr lang="en-US" dirty="0" smtClean="0"/>
+          </a:p>
+          <a:p>
+            <a:pPr lvl="1">
+              <a:buFont typeface="Arial"/>
+              <a:buChar char="•"/>
+            </a:pPr>
+            <a:r>
+              <a:rPr lang="en-US" dirty="0" err="1" smtClean="0">
+                <a:solidFill>
+                  <a:srgbClr val="000000"/>
+                </a:solidFill>
+              </a:rPr>
+              <a:t>Barcodescan</a:t>
+            </a:r>
+            <a:r>
+              <a:rPr lang="en-US" dirty="0" smtClean="0">
+                <a:solidFill>
+                  <a:srgbClr val="000000"/>
+                </a:solidFill>
+              </a:rPr>
+              <a:t> </a:t>
+            </a:r>
+            <a:r>
+              <a:rPr lang="en-US" dirty="0" err="1">
+                <a:solidFill>
+                  <a:srgbClr val="000000"/>
+                </a:solidFill>
+              </a:rPr>
+              <a:t>durch</a:t>
+            </a:r>
+            <a:r>
+              <a:rPr lang="en-US" dirty="0">
+                <a:solidFill>
+                  <a:srgbClr val="000000"/>
+                </a:solidFill>
+              </a:rPr>
+              <a:t> </a:t>
+            </a:r>
+            <a:r>
+              <a:rPr lang="en-US" dirty="0" err="1">
+                <a:solidFill>
+                  <a:srgbClr val="000000"/>
+                </a:solidFill>
+              </a:rPr>
+              <a:t>Sprachbefehl</a:t>
+            </a:r>
+            <a:r>
+              <a:rPr lang="en-US" dirty="0">
+                <a:solidFill>
+                  <a:srgbClr val="000000"/>
+                </a:solidFill>
+              </a:rPr>
+              <a:t> </a:t>
+            </a:r>
+            <a:r>
+              <a:rPr lang="en-US" dirty="0" err="1" smtClean="0">
+                <a:solidFill>
+                  <a:srgbClr val="000000"/>
+                </a:solidFill>
+              </a:rPr>
+              <a:t>initiiert</a:t>
+            </a:r>
+            <a:endParaRPr lang="en-US" dirty="0" smtClean="0"/>
+          </a:p>
+          <a:p>
+            <a:pPr lvl="1">
+              <a:buFont typeface="Arial"/>
+              <a:buChar char="•"/>
+            </a:pPr>
+            <a:r>
+              <a:rPr lang="en-US" dirty="0" err="1" smtClean="0">
+                <a:solidFill>
+                  <a:srgbClr val="000000"/>
+                </a:solidFill>
+              </a:rPr>
+              <a:t>Optische</a:t>
+            </a:r>
+            <a:r>
+              <a:rPr lang="en-US" dirty="0" smtClean="0">
+                <a:solidFill>
+                  <a:srgbClr val="000000"/>
+                </a:solidFill>
+              </a:rPr>
+              <a:t> </a:t>
+            </a:r>
+            <a:r>
+              <a:rPr lang="en-US" dirty="0" err="1">
+                <a:solidFill>
+                  <a:srgbClr val="000000"/>
+                </a:solidFill>
+              </a:rPr>
+              <a:t>Rückmeldung</a:t>
+            </a:r>
+            <a:r>
+              <a:rPr lang="en-US" dirty="0">
+                <a:solidFill>
+                  <a:srgbClr val="000000"/>
+                </a:solidFill>
+              </a:rPr>
+              <a:t> </a:t>
+            </a:r>
+            <a:r>
+              <a:rPr lang="en-US" dirty="0" err="1">
+                <a:solidFill>
+                  <a:srgbClr val="000000"/>
+                </a:solidFill>
+              </a:rPr>
+              <a:t>ob</a:t>
+            </a:r>
+            <a:r>
+              <a:rPr lang="en-US" dirty="0">
+                <a:solidFill>
+                  <a:srgbClr val="000000"/>
+                </a:solidFill>
+              </a:rPr>
+              <a:t> </a:t>
+            </a:r>
+            <a:r>
+              <a:rPr lang="en-US" dirty="0" err="1">
+                <a:solidFill>
+                  <a:srgbClr val="000000"/>
+                </a:solidFill>
+              </a:rPr>
+              <a:t>verzehrbar</a:t>
+            </a:r>
+            <a:endParaRPr lang="en-US" dirty="0"/>
+          </a:p>
+          <a:p>
+            <a:pPr lvl="2">
+              <a:buSzPct val="45000"/>
+              <a:buFont typeface="StarSymbol"/>
+              <a:buChar char=""/>
+            </a:pPr>
+            <a:endParaRPr lang="en-US" dirty="0"/>
+          </a:p>
+          <a:p>
+            <a:pPr>
+              <a:buFont typeface="Arial"/>
+              <a:buChar char="•"/>
+            </a:pPr>
+            <a:r>
+              <a:rPr lang="en-US" dirty="0" err="1">
+                <a:solidFill>
+                  <a:srgbClr val="000000"/>
+                </a:solidFill>
+              </a:rPr>
+              <a:t>Kommunikation</a:t>
+            </a:r>
+            <a:r>
+              <a:rPr lang="en-US" dirty="0">
+                <a:solidFill>
+                  <a:srgbClr val="000000"/>
+                </a:solidFill>
+              </a:rPr>
+              <a:t> via RESTful-API </a:t>
+            </a:r>
+            <a:r>
+              <a:rPr lang="en-US" dirty="0" err="1">
+                <a:solidFill>
+                  <a:srgbClr val="000000"/>
+                </a:solidFill>
+              </a:rPr>
+              <a:t>mit</a:t>
+            </a:r>
+            <a:r>
+              <a:rPr lang="en-US" dirty="0">
+                <a:solidFill>
+                  <a:srgbClr val="000000"/>
+                </a:solidFill>
+              </a:rPr>
+              <a:t> Server</a:t>
+            </a:r>
+            <a:endParaRPr lang="en-US" dirty="0"/>
+          </a:p>
+          <a:p>
+            <a:pPr>
+              <a:buFont typeface="Arial"/>
+              <a:buChar char="•"/>
+            </a:pPr>
+            <a:endParaRPr lang="en-US" dirty="0"/>
+          </a:p>
+          <a:p>
+            <a:pPr>
+              <a:buFont typeface="Arial"/>
+              <a:buChar char="•"/>
+            </a:pPr>
+            <a:r>
+              <a:rPr lang="en-US" dirty="0" err="1">
+                <a:solidFill>
+                  <a:srgbClr val="000000"/>
+                </a:solidFill>
+              </a:rPr>
+              <a:t>Geräte</a:t>
+            </a:r>
+            <a:r>
+              <a:rPr lang="en-US" dirty="0">
+                <a:solidFill>
+                  <a:srgbClr val="000000"/>
+                </a:solidFill>
+              </a:rPr>
+              <a:t>-Account-</a:t>
+            </a:r>
+            <a:r>
+              <a:rPr lang="en-US" dirty="0" err="1">
+                <a:solidFill>
+                  <a:srgbClr val="000000"/>
+                </a:solidFill>
+              </a:rPr>
+              <a:t>Kopplung</a:t>
+            </a:r>
+            <a:r>
+              <a:rPr lang="en-US" dirty="0">
+                <a:solidFill>
+                  <a:srgbClr val="000000"/>
+                </a:solidFill>
+              </a:rPr>
+              <a:t> </a:t>
+            </a:r>
+            <a:r>
+              <a:rPr lang="en-US" dirty="0" err="1">
+                <a:solidFill>
+                  <a:srgbClr val="000000"/>
+                </a:solidFill>
+              </a:rPr>
+              <a:t>mittels</a:t>
+            </a:r>
+            <a:r>
+              <a:rPr lang="en-US" dirty="0">
+                <a:solidFill>
+                  <a:srgbClr val="000000"/>
+                </a:solidFill>
+              </a:rPr>
+              <a:t> Barcode</a:t>
+            </a:r>
+            <a:endParaRPr lang="en-US" dirty="0"/>
           </a:p>
         </p:txBody>
       </p:sp>
@@ -5900,6 +6301,10 @@
             <a:endParaRPr lang="de-DE" dirty="0" smtClean="0"/>
           </a:p>
           <a:p>
+            <a:pPr lvl="1"/>
+            <a:endParaRPr lang="de-DE" dirty="0" smtClean="0"/>
+          </a:p>
+          <a:p>
             <a:r>
               <a:rPr lang="de-DE" dirty="0" err="1" smtClean="0"/>
               <a:t>StarUML</a:t>
@@ -5992,14 +6397,28 @@
           <a:p>
             <a:r>
               <a:rPr lang="de-DE" dirty="0" smtClean="0"/>
-              <a:t>Android App</a:t>
-            </a:r>
-          </a:p>
-          <a:p>
+              <a:t>Android </a:t>
+            </a:r>
             <a:r>
               <a:rPr lang="de-DE" dirty="0" smtClean="0"/>
-              <a:t>Erweiterung um die Information der genauen Inhaltsstoffe mit Mengen angaben</a:t>
-            </a:r>
+              <a:t>App</a:t>
+            </a:r>
+          </a:p>
+          <a:p>
+            <a:endParaRPr lang="de-DE" dirty="0" smtClean="0"/>
+          </a:p>
+          <a:p>
+            <a:r>
+              <a:rPr lang="de-DE" dirty="0" smtClean="0"/>
+              <a:t>Erweiterung um die Information der genauen Inhaltsstoffe mit Mengen </a:t>
+            </a:r>
+            <a:r>
+              <a:rPr lang="de-DE" dirty="0" smtClean="0"/>
+              <a:t>angaben</a:t>
+            </a:r>
+          </a:p>
+          <a:p>
+            <a:endParaRPr lang="de-DE" dirty="0"/>
           </a:p>
           <a:p>
             <a:r>
@@ -6008,7 +6427,11 @@
             </a:r>
             <a:r>
               <a:rPr lang="de-DE" dirty="0" smtClean="0"/>
-              <a:t> erweitern um Zutaten meiden ab einer gewissen Menge </a:t>
+              <a:t> </a:t>
+            </a:r>
+            <a:r>
+              <a:rPr lang="de-DE" dirty="0" smtClean="0"/>
+              <a:t>erweitern um Zutaten meiden ab einer gewissen Menge </a:t>
             </a:r>
             <a:r>
               <a:rPr lang="de-DE" dirty="0" err="1" smtClean="0"/>
@@ -11615,7 +12038,7 @@
   <a:extraClrSchemeLst/>
   <a:extLst>
     <a:ext uri="{05A4C25C-085E-4340-85A3-A5531E510DB2}">
-      <thm15:themeFamily xmlns:thm15="http://schemas.microsoft.com/office/thememl/2012/main" xmlns="" name="Office Theme" id="{62F939B6-93AF-4DB8-9C6B-D6C7DFDC589F}" vid="{4A3C46E8-61CC-4603-A589-7422A47A8E4A}"/>
+      <thm15:themeFamily xmlns="" xmlns:thm15="http://schemas.microsoft.com/office/thememl/2012/main" name="Office Theme" id="{62F939B6-93AF-4DB8-9C6B-D6C7DFDC589F}" vid="{4A3C46E8-61CC-4603-A589-7422A47A8E4A}"/>
     </a:ext>
   </a:extLst>
 </a:theme>
